--- a/Capstone/Presentation/CapstoneProposal.pptx
+++ b/Capstone/Presentation/CapstoneProposal.pptx
@@ -13,6 +13,19 @@
     <p:sldId id="261" r:id="rId7"/>
     <p:sldId id="262" r:id="rId8"/>
     <p:sldId id="263" r:id="rId9"/>
+    <p:sldId id="264" r:id="rId10"/>
+    <p:sldId id="265" r:id="rId11"/>
+    <p:sldId id="266" r:id="rId12"/>
+    <p:sldId id="267" r:id="rId13"/>
+    <p:sldId id="268" r:id="rId14"/>
+    <p:sldId id="269" r:id="rId15"/>
+    <p:sldId id="270" r:id="rId16"/>
+    <p:sldId id="271" r:id="rId17"/>
+    <p:sldId id="272" r:id="rId18"/>
+    <p:sldId id="274" r:id="rId19"/>
+    <p:sldId id="275" r:id="rId20"/>
+    <p:sldId id="276" r:id="rId21"/>
+    <p:sldId id="273" r:id="rId22"/>
   </p:sldIdLst>
   <p:sldSz cx="12192000" cy="6858000"/>
   <p:notesSz cx="6858000" cy="9144000"/>
@@ -3896,6 +3909,1068 @@
 </p:sld>
 </file>
 
+<file path=ppt/slides/slide10.xml><?xml version="1.0" encoding="utf-8"?>
+<p:sld xmlns:a="http://schemas.openxmlformats.org/drawingml/2006/main" xmlns:r="http://schemas.openxmlformats.org/officeDocument/2006/relationships" xmlns:p="http://schemas.openxmlformats.org/presentationml/2006/main">
+  <p:cSld>
+    <p:spTree>
+      <p:nvGrpSpPr>
+        <p:cNvPr id="1" name=""/>
+        <p:cNvGrpSpPr/>
+        <p:nvPr/>
+      </p:nvGrpSpPr>
+      <p:grpSpPr>
+        <a:xfrm>
+          <a:off x="0" y="0"/>
+          <a:ext cx="0" cy="0"/>
+          <a:chOff x="0" y="0"/>
+          <a:chExt cx="0" cy="0"/>
+        </a:xfrm>
+      </p:grpSpPr>
+      <p:sp>
+        <p:nvSpPr>
+          <p:cNvPr id="2" name="Title 1">
+            <a:extLst>
+              <a:ext uri="{FF2B5EF4-FFF2-40B4-BE49-F238E27FC236}">
+                <a16:creationId xmlns:a16="http://schemas.microsoft.com/office/drawing/2014/main" id="{A28203C3-2BEF-4EF7-AEBA-1ACCFDA7A8A6}"/>
+              </a:ext>
+            </a:extLst>
+          </p:cNvPr>
+          <p:cNvSpPr>
+            <a:spLocks noGrp="1"/>
+          </p:cNvSpPr>
+          <p:nvPr>
+            <p:ph type="title"/>
+          </p:nvPr>
+        </p:nvSpPr>
+        <p:spPr/>
+        <p:txBody>
+          <a:bodyPr/>
+          <a:lstStyle/>
+          <a:p>
+            <a:r>
+              <a:rPr lang="en-US" dirty="0"/>
+              <a:t>Methods</a:t>
+            </a:r>
+          </a:p>
+        </p:txBody>
+      </p:sp>
+      <p:pic>
+        <p:nvPicPr>
+          <p:cNvPr id="8" name="Picture 7">
+            <a:extLst>
+              <a:ext uri="{FF2B5EF4-FFF2-40B4-BE49-F238E27FC236}">
+                <a16:creationId xmlns:a16="http://schemas.microsoft.com/office/drawing/2014/main" id="{3E3BF7A2-66D6-4B60-AB2C-9A6B1D16C22A}"/>
+              </a:ext>
+            </a:extLst>
+          </p:cNvPr>
+          <p:cNvPicPr>
+            <a:picLocks noChangeAspect="1"/>
+          </p:cNvPicPr>
+          <p:nvPr/>
+        </p:nvPicPr>
+        <p:blipFill>
+          <a:blip r:embed="rId2"/>
+          <a:stretch>
+            <a:fillRect/>
+          </a:stretch>
+        </p:blipFill>
+        <p:spPr>
+          <a:xfrm>
+            <a:off x="3525304" y="1914897"/>
+            <a:ext cx="5141392" cy="4047586"/>
+          </a:xfrm>
+          <a:prstGeom prst="rect">
+            <a:avLst/>
+          </a:prstGeom>
+        </p:spPr>
+      </p:pic>
+    </p:spTree>
+    <p:extLst>
+      <p:ext uri="{BB962C8B-B14F-4D97-AF65-F5344CB8AC3E}">
+        <p14:creationId xmlns:p14="http://schemas.microsoft.com/office/powerpoint/2010/main" val="492519242"/>
+      </p:ext>
+    </p:extLst>
+  </p:cSld>
+  <p:clrMapOvr>
+    <a:masterClrMapping/>
+  </p:clrMapOvr>
+</p:sld>
+</file>
+
+<file path=ppt/slides/slide11.xml><?xml version="1.0" encoding="utf-8"?>
+<p:sld xmlns:a="http://schemas.openxmlformats.org/drawingml/2006/main" xmlns:r="http://schemas.openxmlformats.org/officeDocument/2006/relationships" xmlns:p="http://schemas.openxmlformats.org/presentationml/2006/main">
+  <p:cSld>
+    <p:spTree>
+      <p:nvGrpSpPr>
+        <p:cNvPr id="1" name=""/>
+        <p:cNvGrpSpPr/>
+        <p:nvPr/>
+      </p:nvGrpSpPr>
+      <p:grpSpPr>
+        <a:xfrm>
+          <a:off x="0" y="0"/>
+          <a:ext cx="0" cy="0"/>
+          <a:chOff x="0" y="0"/>
+          <a:chExt cx="0" cy="0"/>
+        </a:xfrm>
+      </p:grpSpPr>
+      <p:sp>
+        <p:nvSpPr>
+          <p:cNvPr id="2" name="Title 1">
+            <a:extLst>
+              <a:ext uri="{FF2B5EF4-FFF2-40B4-BE49-F238E27FC236}">
+                <a16:creationId xmlns:a16="http://schemas.microsoft.com/office/drawing/2014/main" id="{A28203C3-2BEF-4EF7-AEBA-1ACCFDA7A8A6}"/>
+              </a:ext>
+            </a:extLst>
+          </p:cNvPr>
+          <p:cNvSpPr>
+            <a:spLocks noGrp="1"/>
+          </p:cNvSpPr>
+          <p:nvPr>
+            <p:ph type="title"/>
+          </p:nvPr>
+        </p:nvSpPr>
+        <p:spPr/>
+        <p:txBody>
+          <a:bodyPr/>
+          <a:lstStyle/>
+          <a:p>
+            <a:r>
+              <a:rPr lang="en-US" dirty="0"/>
+              <a:t>Methods</a:t>
+            </a:r>
+          </a:p>
+        </p:txBody>
+      </p:sp>
+      <p:pic>
+        <p:nvPicPr>
+          <p:cNvPr id="4" name="Picture 3">
+            <a:extLst>
+              <a:ext uri="{FF2B5EF4-FFF2-40B4-BE49-F238E27FC236}">
+                <a16:creationId xmlns:a16="http://schemas.microsoft.com/office/drawing/2014/main" id="{689D4C34-9297-4893-8C67-C50C13174949}"/>
+              </a:ext>
+            </a:extLst>
+          </p:cNvPr>
+          <p:cNvPicPr>
+            <a:picLocks noChangeAspect="1"/>
+          </p:cNvPicPr>
+          <p:nvPr/>
+        </p:nvPicPr>
+        <p:blipFill>
+          <a:blip r:embed="rId2"/>
+          <a:stretch>
+            <a:fillRect/>
+          </a:stretch>
+        </p:blipFill>
+        <p:spPr>
+          <a:xfrm>
+            <a:off x="3557211" y="1921427"/>
+            <a:ext cx="4887574" cy="4277829"/>
+          </a:xfrm>
+          <a:prstGeom prst="rect">
+            <a:avLst/>
+          </a:prstGeom>
+        </p:spPr>
+      </p:pic>
+    </p:spTree>
+    <p:extLst>
+      <p:ext uri="{BB962C8B-B14F-4D97-AF65-F5344CB8AC3E}">
+        <p14:creationId xmlns:p14="http://schemas.microsoft.com/office/powerpoint/2010/main" val="4033001722"/>
+      </p:ext>
+    </p:extLst>
+  </p:cSld>
+  <p:clrMapOvr>
+    <a:masterClrMapping/>
+  </p:clrMapOvr>
+</p:sld>
+</file>
+
+<file path=ppt/slides/slide12.xml><?xml version="1.0" encoding="utf-8"?>
+<p:sld xmlns:a="http://schemas.openxmlformats.org/drawingml/2006/main" xmlns:r="http://schemas.openxmlformats.org/officeDocument/2006/relationships" xmlns:p="http://schemas.openxmlformats.org/presentationml/2006/main">
+  <p:cSld>
+    <p:spTree>
+      <p:nvGrpSpPr>
+        <p:cNvPr id="1" name=""/>
+        <p:cNvGrpSpPr/>
+        <p:nvPr/>
+      </p:nvGrpSpPr>
+      <p:grpSpPr>
+        <a:xfrm>
+          <a:off x="0" y="0"/>
+          <a:ext cx="0" cy="0"/>
+          <a:chOff x="0" y="0"/>
+          <a:chExt cx="0" cy="0"/>
+        </a:xfrm>
+      </p:grpSpPr>
+      <p:sp>
+        <p:nvSpPr>
+          <p:cNvPr id="2" name="Title 1">
+            <a:extLst>
+              <a:ext uri="{FF2B5EF4-FFF2-40B4-BE49-F238E27FC236}">
+                <a16:creationId xmlns:a16="http://schemas.microsoft.com/office/drawing/2014/main" id="{A28203C3-2BEF-4EF7-AEBA-1ACCFDA7A8A6}"/>
+              </a:ext>
+            </a:extLst>
+          </p:cNvPr>
+          <p:cNvSpPr>
+            <a:spLocks noGrp="1"/>
+          </p:cNvSpPr>
+          <p:nvPr>
+            <p:ph type="title"/>
+          </p:nvPr>
+        </p:nvSpPr>
+        <p:spPr/>
+        <p:txBody>
+          <a:bodyPr/>
+          <a:lstStyle/>
+          <a:p>
+            <a:r>
+              <a:rPr lang="en-US" dirty="0"/>
+              <a:t>Methods</a:t>
+            </a:r>
+          </a:p>
+        </p:txBody>
+      </p:sp>
+      <p:pic>
+        <p:nvPicPr>
+          <p:cNvPr id="6" name="Picture 5">
+            <a:extLst>
+              <a:ext uri="{FF2B5EF4-FFF2-40B4-BE49-F238E27FC236}">
+                <a16:creationId xmlns:a16="http://schemas.microsoft.com/office/drawing/2014/main" id="{84AA2BCE-4BDB-4B57-8E70-845C9B14044E}"/>
+              </a:ext>
+            </a:extLst>
+          </p:cNvPr>
+          <p:cNvPicPr>
+            <a:picLocks noChangeAspect="1"/>
+          </p:cNvPicPr>
+          <p:nvPr/>
+        </p:nvPicPr>
+        <p:blipFill>
+          <a:blip r:embed="rId2"/>
+          <a:stretch>
+            <a:fillRect/>
+          </a:stretch>
+        </p:blipFill>
+        <p:spPr>
+          <a:xfrm>
+            <a:off x="3591184" y="1947555"/>
+            <a:ext cx="4914630" cy="4278448"/>
+          </a:xfrm>
+          <a:prstGeom prst="rect">
+            <a:avLst/>
+          </a:prstGeom>
+        </p:spPr>
+      </p:pic>
+    </p:spTree>
+    <p:extLst>
+      <p:ext uri="{BB962C8B-B14F-4D97-AF65-F5344CB8AC3E}">
+        <p14:creationId xmlns:p14="http://schemas.microsoft.com/office/powerpoint/2010/main" val="3834780060"/>
+      </p:ext>
+    </p:extLst>
+  </p:cSld>
+  <p:clrMapOvr>
+    <a:masterClrMapping/>
+  </p:clrMapOvr>
+</p:sld>
+</file>
+
+<file path=ppt/slides/slide13.xml><?xml version="1.0" encoding="utf-8"?>
+<p:sld xmlns:a="http://schemas.openxmlformats.org/drawingml/2006/main" xmlns:r="http://schemas.openxmlformats.org/officeDocument/2006/relationships" xmlns:p="http://schemas.openxmlformats.org/presentationml/2006/main">
+  <p:cSld>
+    <p:spTree>
+      <p:nvGrpSpPr>
+        <p:cNvPr id="1" name=""/>
+        <p:cNvGrpSpPr/>
+        <p:nvPr/>
+      </p:nvGrpSpPr>
+      <p:grpSpPr>
+        <a:xfrm>
+          <a:off x="0" y="0"/>
+          <a:ext cx="0" cy="0"/>
+          <a:chOff x="0" y="0"/>
+          <a:chExt cx="0" cy="0"/>
+        </a:xfrm>
+      </p:grpSpPr>
+      <p:sp>
+        <p:nvSpPr>
+          <p:cNvPr id="2" name="Title 1">
+            <a:extLst>
+              <a:ext uri="{FF2B5EF4-FFF2-40B4-BE49-F238E27FC236}">
+                <a16:creationId xmlns:a16="http://schemas.microsoft.com/office/drawing/2014/main" id="{A28203C3-2BEF-4EF7-AEBA-1ACCFDA7A8A6}"/>
+              </a:ext>
+            </a:extLst>
+          </p:cNvPr>
+          <p:cNvSpPr>
+            <a:spLocks noGrp="1"/>
+          </p:cNvSpPr>
+          <p:nvPr>
+            <p:ph type="title"/>
+          </p:nvPr>
+        </p:nvSpPr>
+        <p:spPr/>
+        <p:txBody>
+          <a:bodyPr/>
+          <a:lstStyle/>
+          <a:p>
+            <a:r>
+              <a:rPr lang="en-US" dirty="0"/>
+              <a:t>Methods</a:t>
+            </a:r>
+          </a:p>
+        </p:txBody>
+      </p:sp>
+      <p:pic>
+        <p:nvPicPr>
+          <p:cNvPr id="4" name="Picture 3">
+            <a:extLst>
+              <a:ext uri="{FF2B5EF4-FFF2-40B4-BE49-F238E27FC236}">
+                <a16:creationId xmlns:a16="http://schemas.microsoft.com/office/drawing/2014/main" id="{B21BD831-E72D-472A-A01E-48B1A269DBA7}"/>
+              </a:ext>
+            </a:extLst>
+          </p:cNvPr>
+          <p:cNvPicPr>
+            <a:picLocks noChangeAspect="1"/>
+          </p:cNvPicPr>
+          <p:nvPr/>
+        </p:nvPicPr>
+        <p:blipFill>
+          <a:blip r:embed="rId2"/>
+          <a:stretch>
+            <a:fillRect/>
+          </a:stretch>
+        </p:blipFill>
+        <p:spPr>
+          <a:xfrm>
+            <a:off x="3544784" y="1939951"/>
+            <a:ext cx="5005450" cy="4346317"/>
+          </a:xfrm>
+          <a:prstGeom prst="rect">
+            <a:avLst/>
+          </a:prstGeom>
+        </p:spPr>
+      </p:pic>
+    </p:spTree>
+    <p:extLst>
+      <p:ext uri="{BB962C8B-B14F-4D97-AF65-F5344CB8AC3E}">
+        <p14:creationId xmlns:p14="http://schemas.microsoft.com/office/powerpoint/2010/main" val="585967250"/>
+      </p:ext>
+    </p:extLst>
+  </p:cSld>
+  <p:clrMapOvr>
+    <a:masterClrMapping/>
+  </p:clrMapOvr>
+</p:sld>
+</file>
+
+<file path=ppt/slides/slide14.xml><?xml version="1.0" encoding="utf-8"?>
+<p:sld xmlns:a="http://schemas.openxmlformats.org/drawingml/2006/main" xmlns:r="http://schemas.openxmlformats.org/officeDocument/2006/relationships" xmlns:p="http://schemas.openxmlformats.org/presentationml/2006/main">
+  <p:cSld>
+    <p:spTree>
+      <p:nvGrpSpPr>
+        <p:cNvPr id="1" name=""/>
+        <p:cNvGrpSpPr/>
+        <p:nvPr/>
+      </p:nvGrpSpPr>
+      <p:grpSpPr>
+        <a:xfrm>
+          <a:off x="0" y="0"/>
+          <a:ext cx="0" cy="0"/>
+          <a:chOff x="0" y="0"/>
+          <a:chExt cx="0" cy="0"/>
+        </a:xfrm>
+      </p:grpSpPr>
+      <p:sp>
+        <p:nvSpPr>
+          <p:cNvPr id="2" name="Title 1">
+            <a:extLst>
+              <a:ext uri="{FF2B5EF4-FFF2-40B4-BE49-F238E27FC236}">
+                <a16:creationId xmlns:a16="http://schemas.microsoft.com/office/drawing/2014/main" id="{A28203C3-2BEF-4EF7-AEBA-1ACCFDA7A8A6}"/>
+              </a:ext>
+            </a:extLst>
+          </p:cNvPr>
+          <p:cNvSpPr>
+            <a:spLocks noGrp="1"/>
+          </p:cNvSpPr>
+          <p:nvPr>
+            <p:ph type="title"/>
+          </p:nvPr>
+        </p:nvSpPr>
+        <p:spPr/>
+        <p:txBody>
+          <a:bodyPr/>
+          <a:lstStyle/>
+          <a:p>
+            <a:r>
+              <a:rPr lang="en-US" dirty="0"/>
+              <a:t>Methods</a:t>
+            </a:r>
+          </a:p>
+        </p:txBody>
+      </p:sp>
+      <p:pic>
+        <p:nvPicPr>
+          <p:cNvPr id="5" name="Picture 4">
+            <a:extLst>
+              <a:ext uri="{FF2B5EF4-FFF2-40B4-BE49-F238E27FC236}">
+                <a16:creationId xmlns:a16="http://schemas.microsoft.com/office/drawing/2014/main" id="{AC405AF5-D031-4C92-8A39-368F2273C586}"/>
+              </a:ext>
+            </a:extLst>
+          </p:cNvPr>
+          <p:cNvPicPr>
+            <a:picLocks noChangeAspect="1"/>
+          </p:cNvPicPr>
+          <p:nvPr/>
+        </p:nvPicPr>
+        <p:blipFill>
+          <a:blip r:embed="rId2"/>
+          <a:stretch>
+            <a:fillRect/>
+          </a:stretch>
+        </p:blipFill>
+        <p:spPr>
+          <a:xfrm>
+            <a:off x="3596691" y="1894113"/>
+            <a:ext cx="4876353" cy="4274693"/>
+          </a:xfrm>
+          <a:prstGeom prst="rect">
+            <a:avLst/>
+          </a:prstGeom>
+        </p:spPr>
+      </p:pic>
+    </p:spTree>
+    <p:extLst>
+      <p:ext uri="{BB962C8B-B14F-4D97-AF65-F5344CB8AC3E}">
+        <p14:creationId xmlns:p14="http://schemas.microsoft.com/office/powerpoint/2010/main" val="3506826813"/>
+      </p:ext>
+    </p:extLst>
+  </p:cSld>
+  <p:clrMapOvr>
+    <a:masterClrMapping/>
+  </p:clrMapOvr>
+</p:sld>
+</file>
+
+<file path=ppt/slides/slide15.xml><?xml version="1.0" encoding="utf-8"?>
+<p:sld xmlns:a="http://schemas.openxmlformats.org/drawingml/2006/main" xmlns:r="http://schemas.openxmlformats.org/officeDocument/2006/relationships" xmlns:p="http://schemas.openxmlformats.org/presentationml/2006/main">
+  <p:cSld>
+    <p:spTree>
+      <p:nvGrpSpPr>
+        <p:cNvPr id="1" name=""/>
+        <p:cNvGrpSpPr/>
+        <p:nvPr/>
+      </p:nvGrpSpPr>
+      <p:grpSpPr>
+        <a:xfrm>
+          <a:off x="0" y="0"/>
+          <a:ext cx="0" cy="0"/>
+          <a:chOff x="0" y="0"/>
+          <a:chExt cx="0" cy="0"/>
+        </a:xfrm>
+      </p:grpSpPr>
+      <p:sp>
+        <p:nvSpPr>
+          <p:cNvPr id="2" name="Title 1">
+            <a:extLst>
+              <a:ext uri="{FF2B5EF4-FFF2-40B4-BE49-F238E27FC236}">
+                <a16:creationId xmlns:a16="http://schemas.microsoft.com/office/drawing/2014/main" id="{A28203C3-2BEF-4EF7-AEBA-1ACCFDA7A8A6}"/>
+              </a:ext>
+            </a:extLst>
+          </p:cNvPr>
+          <p:cNvSpPr>
+            <a:spLocks noGrp="1"/>
+          </p:cNvSpPr>
+          <p:nvPr>
+            <p:ph type="title"/>
+          </p:nvPr>
+        </p:nvSpPr>
+        <p:spPr/>
+        <p:txBody>
+          <a:bodyPr/>
+          <a:lstStyle/>
+          <a:p>
+            <a:r>
+              <a:rPr lang="en-US" dirty="0"/>
+              <a:t>Methods</a:t>
+            </a:r>
+          </a:p>
+        </p:txBody>
+      </p:sp>
+      <p:pic>
+        <p:nvPicPr>
+          <p:cNvPr id="4" name="Picture 3">
+            <a:extLst>
+              <a:ext uri="{FF2B5EF4-FFF2-40B4-BE49-F238E27FC236}">
+                <a16:creationId xmlns:a16="http://schemas.microsoft.com/office/drawing/2014/main" id="{2AB27053-DD6E-4ED8-9F18-C6D3706BB265}"/>
+              </a:ext>
+            </a:extLst>
+          </p:cNvPr>
+          <p:cNvPicPr>
+            <a:picLocks noChangeAspect="1"/>
+          </p:cNvPicPr>
+          <p:nvPr/>
+        </p:nvPicPr>
+        <p:blipFill>
+          <a:blip r:embed="rId2"/>
+          <a:stretch>
+            <a:fillRect/>
+          </a:stretch>
+        </p:blipFill>
+        <p:spPr>
+          <a:xfrm>
+            <a:off x="3550638" y="1864425"/>
+            <a:ext cx="4916468" cy="4341189"/>
+          </a:xfrm>
+          <a:prstGeom prst="rect">
+            <a:avLst/>
+          </a:prstGeom>
+        </p:spPr>
+      </p:pic>
+    </p:spTree>
+    <p:extLst>
+      <p:ext uri="{BB962C8B-B14F-4D97-AF65-F5344CB8AC3E}">
+        <p14:creationId xmlns:p14="http://schemas.microsoft.com/office/powerpoint/2010/main" val="3553199657"/>
+      </p:ext>
+    </p:extLst>
+  </p:cSld>
+  <p:clrMapOvr>
+    <a:masterClrMapping/>
+  </p:clrMapOvr>
+</p:sld>
+</file>
+
+<file path=ppt/slides/slide16.xml><?xml version="1.0" encoding="utf-8"?>
+<p:sld xmlns:a="http://schemas.openxmlformats.org/drawingml/2006/main" xmlns:r="http://schemas.openxmlformats.org/officeDocument/2006/relationships" xmlns:p="http://schemas.openxmlformats.org/presentationml/2006/main">
+  <p:cSld>
+    <p:spTree>
+      <p:nvGrpSpPr>
+        <p:cNvPr id="1" name=""/>
+        <p:cNvGrpSpPr/>
+        <p:nvPr/>
+      </p:nvGrpSpPr>
+      <p:grpSpPr>
+        <a:xfrm>
+          <a:off x="0" y="0"/>
+          <a:ext cx="0" cy="0"/>
+          <a:chOff x="0" y="0"/>
+          <a:chExt cx="0" cy="0"/>
+        </a:xfrm>
+      </p:grpSpPr>
+      <p:sp>
+        <p:nvSpPr>
+          <p:cNvPr id="2" name="Title 1">
+            <a:extLst>
+              <a:ext uri="{FF2B5EF4-FFF2-40B4-BE49-F238E27FC236}">
+                <a16:creationId xmlns:a16="http://schemas.microsoft.com/office/drawing/2014/main" id="{B9A7C6B1-1957-4B1A-B36A-0CDBAE2633C5}"/>
+              </a:ext>
+            </a:extLst>
+          </p:cNvPr>
+          <p:cNvSpPr>
+            <a:spLocks noGrp="1"/>
+          </p:cNvSpPr>
+          <p:nvPr>
+            <p:ph type="title"/>
+          </p:nvPr>
+        </p:nvSpPr>
+        <p:spPr/>
+        <p:txBody>
+          <a:bodyPr/>
+          <a:lstStyle/>
+          <a:p>
+            <a:r>
+              <a:rPr lang="en-US" dirty="0"/>
+              <a:t>Methods</a:t>
+            </a:r>
+          </a:p>
+        </p:txBody>
+      </p:sp>
+      <p:sp>
+        <p:nvSpPr>
+          <p:cNvPr id="3" name="Content Placeholder 2">
+            <a:extLst>
+              <a:ext uri="{FF2B5EF4-FFF2-40B4-BE49-F238E27FC236}">
+                <a16:creationId xmlns:a16="http://schemas.microsoft.com/office/drawing/2014/main" id="{D9CEF426-0877-4F07-86A7-5499EE48AC13}"/>
+              </a:ext>
+            </a:extLst>
+          </p:cNvPr>
+          <p:cNvSpPr>
+            <a:spLocks noGrp="1"/>
+          </p:cNvSpPr>
+          <p:nvPr>
+            <p:ph idx="1"/>
+          </p:nvPr>
+        </p:nvSpPr>
+        <p:spPr/>
+        <p:txBody>
+          <a:bodyPr/>
+          <a:lstStyle/>
+          <a:p>
+            <a:pPr>
+              <a:buFont typeface="Arial" panose="020B0604020202020204" pitchFamily="34" charset="0"/>
+              <a:buChar char="•"/>
+            </a:pPr>
+            <a:r>
+              <a:rPr lang="en-US" dirty="0"/>
+              <a:t> Data Sources</a:t>
+            </a:r>
+          </a:p>
+          <a:p>
+            <a:pPr lvl="1">
+              <a:buFont typeface="Arial" panose="020B0604020202020204" pitchFamily="34" charset="0"/>
+              <a:buChar char="•"/>
+            </a:pPr>
+            <a:r>
+              <a:rPr lang="en-US" dirty="0"/>
+              <a:t>COVID: New York Times dataset on GitHub</a:t>
+            </a:r>
+          </a:p>
+          <a:p>
+            <a:pPr lvl="1">
+              <a:buFont typeface="Arial" panose="020B0604020202020204" pitchFamily="34" charset="0"/>
+              <a:buChar char="•"/>
+            </a:pPr>
+            <a:r>
+              <a:rPr lang="en-US" dirty="0"/>
+              <a:t>Weather: </a:t>
+            </a:r>
+            <a:r>
+              <a:rPr lang="en-US" dirty="0" err="1"/>
+              <a:t>WeatherSource</a:t>
+            </a:r>
+            <a:r>
+              <a:rPr lang="en-US" dirty="0"/>
+              <a:t> API</a:t>
+            </a:r>
+          </a:p>
+        </p:txBody>
+      </p:sp>
+    </p:spTree>
+    <p:extLst>
+      <p:ext uri="{BB962C8B-B14F-4D97-AF65-F5344CB8AC3E}">
+        <p14:creationId xmlns:p14="http://schemas.microsoft.com/office/powerpoint/2010/main" val="801656959"/>
+      </p:ext>
+    </p:extLst>
+  </p:cSld>
+  <p:clrMapOvr>
+    <a:masterClrMapping/>
+  </p:clrMapOvr>
+</p:sld>
+</file>
+
+<file path=ppt/slides/slide17.xml><?xml version="1.0" encoding="utf-8"?>
+<p:sld xmlns:a="http://schemas.openxmlformats.org/drawingml/2006/main" xmlns:r="http://schemas.openxmlformats.org/officeDocument/2006/relationships" xmlns:p="http://schemas.openxmlformats.org/presentationml/2006/main">
+  <p:cSld>
+    <p:spTree>
+      <p:nvGrpSpPr>
+        <p:cNvPr id="1" name=""/>
+        <p:cNvGrpSpPr/>
+        <p:nvPr/>
+      </p:nvGrpSpPr>
+      <p:grpSpPr>
+        <a:xfrm>
+          <a:off x="0" y="0"/>
+          <a:ext cx="0" cy="0"/>
+          <a:chOff x="0" y="0"/>
+          <a:chExt cx="0" cy="0"/>
+        </a:xfrm>
+      </p:grpSpPr>
+      <p:sp>
+        <p:nvSpPr>
+          <p:cNvPr id="2" name="Title 1">
+            <a:extLst>
+              <a:ext uri="{FF2B5EF4-FFF2-40B4-BE49-F238E27FC236}">
+                <a16:creationId xmlns:a16="http://schemas.microsoft.com/office/drawing/2014/main" id="{088E91A3-5F37-4B2E-A77E-7DA9F4E03BE7}"/>
+              </a:ext>
+            </a:extLst>
+          </p:cNvPr>
+          <p:cNvSpPr>
+            <a:spLocks noGrp="1"/>
+          </p:cNvSpPr>
+          <p:nvPr>
+            <p:ph type="title"/>
+          </p:nvPr>
+        </p:nvSpPr>
+        <p:spPr/>
+        <p:txBody>
+          <a:bodyPr/>
+          <a:lstStyle/>
+          <a:p>
+            <a:r>
+              <a:rPr lang="en-US" dirty="0"/>
+              <a:t>Methods</a:t>
+            </a:r>
+          </a:p>
+        </p:txBody>
+      </p:sp>
+      <p:sp>
+        <p:nvSpPr>
+          <p:cNvPr id="3" name="Content Placeholder 2">
+            <a:extLst>
+              <a:ext uri="{FF2B5EF4-FFF2-40B4-BE49-F238E27FC236}">
+                <a16:creationId xmlns:a16="http://schemas.microsoft.com/office/drawing/2014/main" id="{80BF42FD-5FBB-4799-9EDA-C6EBE7892E59}"/>
+              </a:ext>
+            </a:extLst>
+          </p:cNvPr>
+          <p:cNvSpPr>
+            <a:spLocks noGrp="1"/>
+          </p:cNvSpPr>
+          <p:nvPr>
+            <p:ph idx="1"/>
+          </p:nvPr>
+        </p:nvSpPr>
+        <p:spPr/>
+        <p:txBody>
+          <a:bodyPr/>
+          <a:lstStyle/>
+          <a:p>
+            <a:pPr>
+              <a:buFont typeface="Arial" panose="020B0604020202020204" pitchFamily="34" charset="0"/>
+              <a:buChar char="•"/>
+            </a:pPr>
+            <a:r>
+              <a:rPr lang="en-US" dirty="0"/>
+              <a:t> Data transformation</a:t>
+            </a:r>
+          </a:p>
+          <a:p>
+            <a:pPr lvl="1">
+              <a:buFont typeface="Arial" panose="020B0604020202020204" pitchFamily="34" charset="0"/>
+              <a:buChar char="•"/>
+            </a:pPr>
+            <a:r>
+              <a:rPr lang="en-US" dirty="0"/>
+              <a:t>COVID-19 Cumulative Cases By Day </a:t>
+            </a:r>
+            <a:r>
+              <a:rPr lang="en-US" dirty="0">
+                <a:sym typeface="Wingdings" panose="05000000000000000000" pitchFamily="2" charset="2"/>
+              </a:rPr>
+              <a:t> New COVID-19 Infections By Day</a:t>
+            </a:r>
+            <a:endParaRPr lang="en-US" dirty="0"/>
+          </a:p>
+          <a:p>
+            <a:pPr lvl="1">
+              <a:buFont typeface="Arial" panose="020B0604020202020204" pitchFamily="34" charset="0"/>
+              <a:buChar char="•"/>
+            </a:pPr>
+            <a:r>
+              <a:rPr lang="en-US" dirty="0"/>
+              <a:t>Daily </a:t>
+            </a:r>
+            <a:r>
+              <a:rPr lang="en-US" dirty="0">
+                <a:sym typeface="Wingdings" panose="05000000000000000000" pitchFamily="2" charset="2"/>
+              </a:rPr>
+              <a:t> Weekly Average</a:t>
+            </a:r>
+          </a:p>
+          <a:p>
+            <a:pPr lvl="1">
+              <a:buFont typeface="Arial" panose="020B0604020202020204" pitchFamily="34" charset="0"/>
+              <a:buChar char="•"/>
+            </a:pPr>
+            <a:r>
+              <a:rPr lang="en-US" dirty="0">
+                <a:sym typeface="Wingdings" panose="05000000000000000000" pitchFamily="2" charset="2"/>
+              </a:rPr>
+              <a:t>Daily  7-Day Rolling average</a:t>
+            </a:r>
+            <a:endParaRPr lang="en-US" dirty="0"/>
+          </a:p>
+        </p:txBody>
+      </p:sp>
+    </p:spTree>
+    <p:extLst>
+      <p:ext uri="{BB962C8B-B14F-4D97-AF65-F5344CB8AC3E}">
+        <p14:creationId xmlns:p14="http://schemas.microsoft.com/office/powerpoint/2010/main" val="33067120"/>
+      </p:ext>
+    </p:extLst>
+  </p:cSld>
+  <p:clrMapOvr>
+    <a:masterClrMapping/>
+  </p:clrMapOvr>
+</p:sld>
+</file>
+
+<file path=ppt/slides/slide18.xml><?xml version="1.0" encoding="utf-8"?>
+<p:sld xmlns:a="http://schemas.openxmlformats.org/drawingml/2006/main" xmlns:r="http://schemas.openxmlformats.org/officeDocument/2006/relationships" xmlns:p="http://schemas.openxmlformats.org/presentationml/2006/main">
+  <p:cSld>
+    <p:spTree>
+      <p:nvGrpSpPr>
+        <p:cNvPr id="1" name=""/>
+        <p:cNvGrpSpPr/>
+        <p:nvPr/>
+      </p:nvGrpSpPr>
+      <p:grpSpPr>
+        <a:xfrm>
+          <a:off x="0" y="0"/>
+          <a:ext cx="0" cy="0"/>
+          <a:chOff x="0" y="0"/>
+          <a:chExt cx="0" cy="0"/>
+        </a:xfrm>
+      </p:grpSpPr>
+      <p:sp>
+        <p:nvSpPr>
+          <p:cNvPr id="2" name="Title 1">
+            <a:extLst>
+              <a:ext uri="{FF2B5EF4-FFF2-40B4-BE49-F238E27FC236}">
+                <a16:creationId xmlns:a16="http://schemas.microsoft.com/office/drawing/2014/main" id="{088E91A3-5F37-4B2E-A77E-7DA9F4E03BE7}"/>
+              </a:ext>
+            </a:extLst>
+          </p:cNvPr>
+          <p:cNvSpPr>
+            <a:spLocks noGrp="1"/>
+          </p:cNvSpPr>
+          <p:nvPr>
+            <p:ph type="title"/>
+          </p:nvPr>
+        </p:nvSpPr>
+        <p:spPr/>
+        <p:txBody>
+          <a:bodyPr/>
+          <a:lstStyle/>
+          <a:p>
+            <a:r>
+              <a:rPr lang="en-US" dirty="0"/>
+              <a:t>Methods</a:t>
+            </a:r>
+          </a:p>
+        </p:txBody>
+      </p:sp>
+      <p:sp>
+        <p:nvSpPr>
+          <p:cNvPr id="3" name="Content Placeholder 2">
+            <a:extLst>
+              <a:ext uri="{FF2B5EF4-FFF2-40B4-BE49-F238E27FC236}">
+                <a16:creationId xmlns:a16="http://schemas.microsoft.com/office/drawing/2014/main" id="{80BF42FD-5FBB-4799-9EDA-C6EBE7892E59}"/>
+              </a:ext>
+            </a:extLst>
+          </p:cNvPr>
+          <p:cNvSpPr>
+            <a:spLocks noGrp="1"/>
+          </p:cNvSpPr>
+          <p:nvPr>
+            <p:ph idx="1"/>
+          </p:nvPr>
+        </p:nvSpPr>
+        <p:spPr>
+          <a:xfrm>
+            <a:off x="1097280" y="1845734"/>
+            <a:ext cx="10058400" cy="2470947"/>
+          </a:xfrm>
+        </p:spPr>
+        <p:txBody>
+          <a:bodyPr>
+            <a:normAutofit fontScale="92500" lnSpcReduction="20000"/>
+          </a:bodyPr>
+          <a:lstStyle/>
+          <a:p>
+            <a:pPr>
+              <a:buFont typeface="Arial" panose="020B0604020202020204" pitchFamily="34" charset="0"/>
+              <a:buChar char="•"/>
+            </a:pPr>
+            <a:r>
+              <a:rPr lang="en-US" dirty="0"/>
+              <a:t> Resources</a:t>
+            </a:r>
+          </a:p>
+          <a:p>
+            <a:pPr lvl="1">
+              <a:buFont typeface="Arial" panose="020B0604020202020204" pitchFamily="34" charset="0"/>
+              <a:buChar char="•"/>
+            </a:pPr>
+            <a:r>
+              <a:rPr lang="en-US" dirty="0"/>
+              <a:t>Azure</a:t>
+            </a:r>
+          </a:p>
+          <a:p>
+            <a:pPr lvl="2">
+              <a:buFont typeface="Arial" panose="020B0604020202020204" pitchFamily="34" charset="0"/>
+              <a:buChar char="•"/>
+            </a:pPr>
+            <a:r>
+              <a:rPr lang="en-US" dirty="0"/>
+              <a:t>App Service</a:t>
+            </a:r>
+          </a:p>
+          <a:p>
+            <a:pPr lvl="3">
+              <a:buFont typeface="Arial" panose="020B0604020202020204" pitchFamily="34" charset="0"/>
+              <a:buChar char="•"/>
+            </a:pPr>
+            <a:r>
+              <a:rPr lang="en-US" dirty="0"/>
+              <a:t>ASP.NET Core Web App (Angular frontend, API endpoints)</a:t>
+            </a:r>
+          </a:p>
+          <a:p>
+            <a:pPr lvl="2">
+              <a:buFont typeface="Arial" panose="020B0604020202020204" pitchFamily="34" charset="0"/>
+              <a:buChar char="•"/>
+            </a:pPr>
+            <a:r>
+              <a:rPr lang="en-US" dirty="0"/>
+              <a:t>Azure SQL Database</a:t>
+            </a:r>
+          </a:p>
+          <a:p>
+            <a:pPr lvl="3">
+              <a:buFont typeface="Arial" panose="020B0604020202020204" pitchFamily="34" charset="0"/>
+              <a:buChar char="•"/>
+            </a:pPr>
+            <a:r>
+              <a:rPr lang="en-US" dirty="0"/>
+              <a:t>COVID-19 data</a:t>
+            </a:r>
+          </a:p>
+          <a:p>
+            <a:pPr lvl="2">
+              <a:buFont typeface="Arial" panose="020B0604020202020204" pitchFamily="34" charset="0"/>
+              <a:buChar char="•"/>
+            </a:pPr>
+            <a:r>
+              <a:rPr lang="en-US" dirty="0"/>
+              <a:t>Azure Function or </a:t>
+            </a:r>
+            <a:r>
+              <a:rPr lang="en-US" dirty="0" err="1"/>
+              <a:t>WebJob</a:t>
+            </a:r>
+            <a:endParaRPr lang="en-US" dirty="0"/>
+          </a:p>
+          <a:p>
+            <a:pPr lvl="3">
+              <a:buFont typeface="Arial" panose="020B0604020202020204" pitchFamily="34" charset="0"/>
+              <a:buChar char="•"/>
+            </a:pPr>
+            <a:r>
+              <a:rPr lang="en-US" dirty="0"/>
+              <a:t>Recurring update of COVID-19 data</a:t>
+            </a:r>
+          </a:p>
+          <a:p>
+            <a:pPr lvl="1">
+              <a:buFont typeface="Arial" panose="020B0604020202020204" pitchFamily="34" charset="0"/>
+              <a:buChar char="•"/>
+            </a:pPr>
+            <a:r>
+              <a:rPr lang="en-US" dirty="0"/>
+              <a:t>GitHub</a:t>
+            </a:r>
+          </a:p>
+          <a:p>
+            <a:pPr lvl="2">
+              <a:buFont typeface="Arial" panose="020B0604020202020204" pitchFamily="34" charset="0"/>
+              <a:buChar char="•"/>
+            </a:pPr>
+            <a:r>
+              <a:rPr lang="en-US" dirty="0"/>
+              <a:t>GitHub Actions</a:t>
+            </a:r>
+          </a:p>
+        </p:txBody>
+      </p:sp>
+    </p:spTree>
+    <p:extLst>
+      <p:ext uri="{BB962C8B-B14F-4D97-AF65-F5344CB8AC3E}">
+        <p14:creationId xmlns:p14="http://schemas.microsoft.com/office/powerpoint/2010/main" val="3992672966"/>
+      </p:ext>
+    </p:extLst>
+  </p:cSld>
+  <p:clrMapOvr>
+    <a:masterClrMapping/>
+  </p:clrMapOvr>
+</p:sld>
+</file>
+
+<file path=ppt/slides/slide19.xml><?xml version="1.0" encoding="utf-8"?>
+<p:sld xmlns:a="http://schemas.openxmlformats.org/drawingml/2006/main" xmlns:r="http://schemas.openxmlformats.org/officeDocument/2006/relationships" xmlns:p="http://schemas.openxmlformats.org/presentationml/2006/main">
+  <p:cSld>
+    <p:spTree>
+      <p:nvGrpSpPr>
+        <p:cNvPr id="1" name=""/>
+        <p:cNvGrpSpPr/>
+        <p:nvPr/>
+      </p:nvGrpSpPr>
+      <p:grpSpPr>
+        <a:xfrm>
+          <a:off x="0" y="0"/>
+          <a:ext cx="0" cy="0"/>
+          <a:chOff x="0" y="0"/>
+          <a:chExt cx="0" cy="0"/>
+        </a:xfrm>
+      </p:grpSpPr>
+      <p:sp>
+        <p:nvSpPr>
+          <p:cNvPr id="2" name="Title 1">
+            <a:extLst>
+              <a:ext uri="{FF2B5EF4-FFF2-40B4-BE49-F238E27FC236}">
+                <a16:creationId xmlns:a16="http://schemas.microsoft.com/office/drawing/2014/main" id="{AA50913D-50C9-4BEB-B064-97CFB2D3898E}"/>
+              </a:ext>
+            </a:extLst>
+          </p:cNvPr>
+          <p:cNvSpPr>
+            <a:spLocks noGrp="1"/>
+          </p:cNvSpPr>
+          <p:nvPr>
+            <p:ph type="title"/>
+          </p:nvPr>
+        </p:nvSpPr>
+        <p:spPr/>
+        <p:txBody>
+          <a:bodyPr/>
+          <a:lstStyle/>
+          <a:p>
+            <a:r>
+              <a:rPr lang="en-US" dirty="0"/>
+              <a:t>Summary</a:t>
+            </a:r>
+          </a:p>
+        </p:txBody>
+      </p:sp>
+      <p:pic>
+        <p:nvPicPr>
+          <p:cNvPr id="4" name="Picture 3">
+            <a:extLst>
+              <a:ext uri="{FF2B5EF4-FFF2-40B4-BE49-F238E27FC236}">
+                <a16:creationId xmlns:a16="http://schemas.microsoft.com/office/drawing/2014/main" id="{E80C2DAC-1840-431B-A3E2-8CDDAFE9EB47}"/>
+              </a:ext>
+            </a:extLst>
+          </p:cNvPr>
+          <p:cNvPicPr>
+            <a:picLocks noChangeAspect="1"/>
+          </p:cNvPicPr>
+          <p:nvPr/>
+        </p:nvPicPr>
+        <p:blipFill>
+          <a:blip r:embed="rId2"/>
+          <a:stretch>
+            <a:fillRect/>
+          </a:stretch>
+        </p:blipFill>
+        <p:spPr>
+          <a:xfrm>
+            <a:off x="3544784" y="1939951"/>
+            <a:ext cx="5005450" cy="4346317"/>
+          </a:xfrm>
+          <a:prstGeom prst="rect">
+            <a:avLst/>
+          </a:prstGeom>
+        </p:spPr>
+      </p:pic>
+    </p:spTree>
+    <p:extLst>
+      <p:ext uri="{BB962C8B-B14F-4D97-AF65-F5344CB8AC3E}">
+        <p14:creationId xmlns:p14="http://schemas.microsoft.com/office/powerpoint/2010/main" val="936432580"/>
+      </p:ext>
+    </p:extLst>
+  </p:cSld>
+  <p:clrMapOvr>
+    <a:masterClrMapping/>
+  </p:clrMapOvr>
+</p:sld>
+</file>
+
 <file path=ppt/slides/slide2.xml><?xml version="1.0" encoding="utf-8"?>
 <p:sld xmlns:a="http://schemas.openxmlformats.org/drawingml/2006/main" xmlns:r="http://schemas.openxmlformats.org/officeDocument/2006/relationships" xmlns:p="http://schemas.openxmlformats.org/presentationml/2006/main">
   <p:cSld>
@@ -3957,7 +5032,12 @@
             <p:ph idx="1"/>
           </p:nvPr>
         </p:nvSpPr>
-        <p:spPr/>
+        <p:spPr>
+          <a:xfrm>
+            <a:off x="1097280" y="1845734"/>
+            <a:ext cx="10058400" cy="2744079"/>
+          </a:xfrm>
+        </p:spPr>
         <p:txBody>
           <a:bodyPr/>
           <a:lstStyle/>
@@ -3982,6 +5062,16 @@
             </a:r>
           </a:p>
           <a:p>
+            <a:pPr lvl="1">
+              <a:buFont typeface="Arial" panose="020B0604020202020204" pitchFamily="34" charset="0"/>
+              <a:buChar char="•"/>
+            </a:pPr>
+            <a:r>
+              <a:rPr lang="en-US" dirty="0"/>
+              <a:t>(Roussel et al., 2016)</a:t>
+            </a:r>
+          </a:p>
+          <a:p>
             <a:pPr>
               <a:buFont typeface="Arial" panose="020B0604020202020204" pitchFamily="34" charset="0"/>
               <a:buChar char="•"/>
@@ -3991,12 +5081,577 @@
               <a:t> COVID-19 and the weather</a:t>
             </a:r>
           </a:p>
-        </p:txBody>
-      </p:sp>
+          <a:p>
+            <a:pPr lvl="1">
+              <a:buFont typeface="Arial" panose="020B0604020202020204" pitchFamily="34" charset="0"/>
+              <a:buChar char="•"/>
+            </a:pPr>
+            <a:r>
+              <a:rPr lang="en-US" sz="1800" dirty="0">
+                <a:effectLst/>
+                <a:latin typeface="Calibri" panose="020F0502020204030204" pitchFamily="34" charset="0"/>
+                <a:ea typeface="Calibri" panose="020F0502020204030204" pitchFamily="34" charset="0"/>
+                <a:cs typeface="Times New Roman" panose="02020603050405020304" pitchFamily="18" charset="0"/>
+              </a:rPr>
+              <a:t>(</a:t>
+            </a:r>
+            <a:r>
+              <a:rPr lang="en-US" sz="1800" dirty="0" err="1">
+                <a:effectLst/>
+                <a:latin typeface="Calibri" panose="020F0502020204030204" pitchFamily="34" charset="0"/>
+                <a:ea typeface="Calibri" panose="020F0502020204030204" pitchFamily="34" charset="0"/>
+                <a:cs typeface="Times New Roman" panose="02020603050405020304" pitchFamily="18" charset="0"/>
+              </a:rPr>
+              <a:t>Jamshidi</a:t>
+            </a:r>
+            <a:r>
+              <a:rPr lang="en-US" sz="1800" dirty="0">
+                <a:effectLst/>
+                <a:latin typeface="Calibri" panose="020F0502020204030204" pitchFamily="34" charset="0"/>
+                <a:ea typeface="Calibri" panose="020F0502020204030204" pitchFamily="34" charset="0"/>
+                <a:cs typeface="Times New Roman" panose="02020603050405020304" pitchFamily="18" charset="0"/>
+              </a:rPr>
+              <a:t> et al., 2020)</a:t>
+            </a:r>
+          </a:p>
+          <a:p>
+            <a:pPr lvl="1">
+              <a:buFont typeface="Arial" panose="020B0604020202020204" pitchFamily="34" charset="0"/>
+              <a:buChar char="•"/>
+            </a:pPr>
+            <a:r>
+              <a:rPr lang="en-US" sz="1800" dirty="0">
+                <a:effectLst/>
+                <a:latin typeface="Calibri" panose="020F0502020204030204" pitchFamily="34" charset="0"/>
+                <a:ea typeface="Calibri" panose="020F0502020204030204" pitchFamily="34" charset="0"/>
+                <a:cs typeface="Times New Roman" panose="02020603050405020304" pitchFamily="18" charset="0"/>
+              </a:rPr>
+              <a:t>(</a:t>
+            </a:r>
+            <a:r>
+              <a:rPr lang="en-US" sz="1800" dirty="0" err="1">
+                <a:effectLst/>
+                <a:latin typeface="Calibri" panose="020F0502020204030204" pitchFamily="34" charset="0"/>
+                <a:ea typeface="Calibri" panose="020F0502020204030204" pitchFamily="34" charset="0"/>
+                <a:cs typeface="Times New Roman" panose="02020603050405020304" pitchFamily="18" charset="0"/>
+              </a:rPr>
+              <a:t>McClymont</a:t>
+            </a:r>
+            <a:r>
+              <a:rPr lang="en-US" sz="1800" dirty="0">
+                <a:effectLst/>
+                <a:latin typeface="Calibri" panose="020F0502020204030204" pitchFamily="34" charset="0"/>
+                <a:ea typeface="Calibri" panose="020F0502020204030204" pitchFamily="34" charset="0"/>
+                <a:cs typeface="Times New Roman" panose="02020603050405020304" pitchFamily="18" charset="0"/>
+              </a:rPr>
+              <a:t> &amp; Hu, 2021)</a:t>
+            </a:r>
+            <a:endParaRPr lang="en-US" dirty="0"/>
+          </a:p>
+        </p:txBody>
+      </p:sp>
+      <p:pic>
+        <p:nvPicPr>
+          <p:cNvPr id="5" name="Graphic 4" descr="Partial sun with solid fill">
+            <a:extLst>
+              <a:ext uri="{FF2B5EF4-FFF2-40B4-BE49-F238E27FC236}">
+                <a16:creationId xmlns:a16="http://schemas.microsoft.com/office/drawing/2014/main" id="{1BC077F2-34DB-45E9-B4DB-2A678F679098}"/>
+              </a:ext>
+            </a:extLst>
+          </p:cNvPr>
+          <p:cNvPicPr>
+            <a:picLocks noChangeAspect="1"/>
+          </p:cNvPicPr>
+          <p:nvPr/>
+        </p:nvPicPr>
+        <p:blipFill>
+          <a:blip r:embed="rId2">
+            <a:extLst>
+              <a:ext uri="{28A0092B-C50C-407E-A947-70E740481C1C}">
+                <a14:useLocalDpi xmlns:a14="http://schemas.microsoft.com/office/drawing/2010/main" val="0"/>
+              </a:ext>
+              <a:ext uri="{96DAC541-7B7A-43D3-8B79-37D633B846F1}">
+                <asvg:svgBlip xmlns:asvg="http://schemas.microsoft.com/office/drawing/2016/SVG/main" r:embed="rId3"/>
+              </a:ext>
+            </a:extLst>
+          </a:blip>
+          <a:stretch>
+            <a:fillRect/>
+          </a:stretch>
+        </p:blipFill>
+        <p:spPr>
+          <a:xfrm>
+            <a:off x="7111340" y="1802080"/>
+            <a:ext cx="914400" cy="914400"/>
+          </a:xfrm>
+          <a:prstGeom prst="rect">
+            <a:avLst/>
+          </a:prstGeom>
+        </p:spPr>
+      </p:pic>
+      <p:pic>
+        <p:nvPicPr>
+          <p:cNvPr id="7" name="Graphic 6" descr="Rain with solid fill">
+            <a:extLst>
+              <a:ext uri="{FF2B5EF4-FFF2-40B4-BE49-F238E27FC236}">
+                <a16:creationId xmlns:a16="http://schemas.microsoft.com/office/drawing/2014/main" id="{76D543AD-02A2-492E-811F-5C196BC96670}"/>
+              </a:ext>
+            </a:extLst>
+          </p:cNvPr>
+          <p:cNvPicPr>
+            <a:picLocks noChangeAspect="1"/>
+          </p:cNvPicPr>
+          <p:nvPr/>
+        </p:nvPicPr>
+        <p:blipFill>
+          <a:blip r:embed="rId4">
+            <a:extLst>
+              <a:ext uri="{28A0092B-C50C-407E-A947-70E740481C1C}">
+                <a14:useLocalDpi xmlns:a14="http://schemas.microsoft.com/office/drawing/2010/main" val="0"/>
+              </a:ext>
+              <a:ext uri="{96DAC541-7B7A-43D3-8B79-37D633B846F1}">
+                <asvg:svgBlip xmlns:asvg="http://schemas.microsoft.com/office/drawing/2016/SVG/main" r:embed="rId5"/>
+              </a:ext>
+            </a:extLst>
+          </a:blip>
+          <a:stretch>
+            <a:fillRect/>
+          </a:stretch>
+        </p:blipFill>
+        <p:spPr>
+          <a:xfrm>
+            <a:off x="5757553" y="3400214"/>
+            <a:ext cx="914400" cy="914400"/>
+          </a:xfrm>
+          <a:prstGeom prst="rect">
+            <a:avLst/>
+          </a:prstGeom>
+        </p:spPr>
+      </p:pic>
+      <p:pic>
+        <p:nvPicPr>
+          <p:cNvPr id="9" name="Graphic 8" descr="Sun with solid fill">
+            <a:extLst>
+              <a:ext uri="{FF2B5EF4-FFF2-40B4-BE49-F238E27FC236}">
+                <a16:creationId xmlns:a16="http://schemas.microsoft.com/office/drawing/2014/main" id="{0CCB93E4-A637-4B05-90CF-CEE8EA6014AC}"/>
+              </a:ext>
+            </a:extLst>
+          </p:cNvPr>
+          <p:cNvPicPr>
+            <a:picLocks noChangeAspect="1"/>
+          </p:cNvPicPr>
+          <p:nvPr/>
+        </p:nvPicPr>
+        <p:blipFill>
+          <a:blip r:embed="rId6">
+            <a:extLst>
+              <a:ext uri="{28A0092B-C50C-407E-A947-70E740481C1C}">
+                <a14:useLocalDpi xmlns:a14="http://schemas.microsoft.com/office/drawing/2010/main" val="0"/>
+              </a:ext>
+              <a:ext uri="{96DAC541-7B7A-43D3-8B79-37D633B846F1}">
+                <asvg:svgBlip xmlns:asvg="http://schemas.microsoft.com/office/drawing/2016/SVG/main" r:embed="rId7"/>
+              </a:ext>
+            </a:extLst>
+          </a:blip>
+          <a:stretch>
+            <a:fillRect/>
+          </a:stretch>
+        </p:blipFill>
+        <p:spPr>
+          <a:xfrm>
+            <a:off x="8803574" y="3268683"/>
+            <a:ext cx="914400" cy="914400"/>
+          </a:xfrm>
+          <a:prstGeom prst="rect">
+            <a:avLst/>
+          </a:prstGeom>
+        </p:spPr>
+      </p:pic>
     </p:spTree>
     <p:extLst>
       <p:ext uri="{BB962C8B-B14F-4D97-AF65-F5344CB8AC3E}">
         <p14:creationId xmlns:p14="http://schemas.microsoft.com/office/powerpoint/2010/main" val="1068444785"/>
+      </p:ext>
+    </p:extLst>
+  </p:cSld>
+  <p:clrMapOvr>
+    <a:masterClrMapping/>
+  </p:clrMapOvr>
+</p:sld>
+</file>
+
+<file path=ppt/slides/slide20.xml><?xml version="1.0" encoding="utf-8"?>
+<p:sld xmlns:a="http://schemas.openxmlformats.org/drawingml/2006/main" xmlns:r="http://schemas.openxmlformats.org/officeDocument/2006/relationships" xmlns:p="http://schemas.openxmlformats.org/presentationml/2006/main">
+  <p:cSld>
+    <p:spTree>
+      <p:nvGrpSpPr>
+        <p:cNvPr id="1" name=""/>
+        <p:cNvGrpSpPr/>
+        <p:nvPr/>
+      </p:nvGrpSpPr>
+      <p:grpSpPr>
+        <a:xfrm>
+          <a:off x="0" y="0"/>
+          <a:ext cx="0" cy="0"/>
+          <a:chOff x="0" y="0"/>
+          <a:chExt cx="0" cy="0"/>
+        </a:xfrm>
+      </p:grpSpPr>
+      <p:sp>
+        <p:nvSpPr>
+          <p:cNvPr id="2" name="Title 1">
+            <a:extLst>
+              <a:ext uri="{FF2B5EF4-FFF2-40B4-BE49-F238E27FC236}">
+                <a16:creationId xmlns:a16="http://schemas.microsoft.com/office/drawing/2014/main" id="{82DD6E07-19C6-4FEB-A0A6-92AEBB5335B3}"/>
+              </a:ext>
+            </a:extLst>
+          </p:cNvPr>
+          <p:cNvSpPr>
+            <a:spLocks noGrp="1"/>
+          </p:cNvSpPr>
+          <p:nvPr>
+            <p:ph type="title"/>
+          </p:nvPr>
+        </p:nvSpPr>
+        <p:spPr/>
+        <p:txBody>
+          <a:bodyPr/>
+          <a:lstStyle/>
+          <a:p>
+            <a:r>
+              <a:rPr lang="en-US" dirty="0"/>
+              <a:t>Questions</a:t>
+            </a:r>
+          </a:p>
+        </p:txBody>
+      </p:sp>
+      <p:pic>
+        <p:nvPicPr>
+          <p:cNvPr id="5" name="Graphic 4" descr="Questions outline">
+            <a:extLst>
+              <a:ext uri="{FF2B5EF4-FFF2-40B4-BE49-F238E27FC236}">
+                <a16:creationId xmlns:a16="http://schemas.microsoft.com/office/drawing/2014/main" id="{E5F44529-D1F0-40CA-83AA-3D8492B0BFD1}"/>
+              </a:ext>
+            </a:extLst>
+          </p:cNvPr>
+          <p:cNvPicPr>
+            <a:picLocks noChangeAspect="1"/>
+          </p:cNvPicPr>
+          <p:nvPr/>
+        </p:nvPicPr>
+        <p:blipFill>
+          <a:blip r:embed="rId2">
+            <a:extLst>
+              <a:ext uri="{28A0092B-C50C-407E-A947-70E740481C1C}">
+                <a14:useLocalDpi xmlns:a14="http://schemas.microsoft.com/office/drawing/2010/main" val="0"/>
+              </a:ext>
+              <a:ext uri="{96DAC541-7B7A-43D3-8B79-37D633B846F1}">
+                <asvg:svgBlip xmlns:asvg="http://schemas.microsoft.com/office/drawing/2016/SVG/main" r:embed="rId3"/>
+              </a:ext>
+            </a:extLst>
+          </a:blip>
+          <a:stretch>
+            <a:fillRect/>
+          </a:stretch>
+        </p:blipFill>
+        <p:spPr>
+          <a:xfrm>
+            <a:off x="4414652" y="2087088"/>
+            <a:ext cx="3362696" cy="3362696"/>
+          </a:xfrm>
+          <a:prstGeom prst="rect">
+            <a:avLst/>
+          </a:prstGeom>
+        </p:spPr>
+      </p:pic>
+    </p:spTree>
+    <p:extLst>
+      <p:ext uri="{BB962C8B-B14F-4D97-AF65-F5344CB8AC3E}">
+        <p14:creationId xmlns:p14="http://schemas.microsoft.com/office/powerpoint/2010/main" val="154922705"/>
+      </p:ext>
+    </p:extLst>
+  </p:cSld>
+  <p:clrMapOvr>
+    <a:masterClrMapping/>
+  </p:clrMapOvr>
+</p:sld>
+</file>
+
+<file path=ppt/slides/slide21.xml><?xml version="1.0" encoding="utf-8"?>
+<p:sld xmlns:a="http://schemas.openxmlformats.org/drawingml/2006/main" xmlns:r="http://schemas.openxmlformats.org/officeDocument/2006/relationships" xmlns:p="http://schemas.openxmlformats.org/presentationml/2006/main">
+  <p:cSld>
+    <p:spTree>
+      <p:nvGrpSpPr>
+        <p:cNvPr id="1" name=""/>
+        <p:cNvGrpSpPr/>
+        <p:nvPr/>
+      </p:nvGrpSpPr>
+      <p:grpSpPr>
+        <a:xfrm>
+          <a:off x="0" y="0"/>
+          <a:ext cx="0" cy="0"/>
+          <a:chOff x="0" y="0"/>
+          <a:chExt cx="0" cy="0"/>
+        </a:xfrm>
+      </p:grpSpPr>
+      <p:sp>
+        <p:nvSpPr>
+          <p:cNvPr id="2" name="Title 1">
+            <a:extLst>
+              <a:ext uri="{FF2B5EF4-FFF2-40B4-BE49-F238E27FC236}">
+                <a16:creationId xmlns:a16="http://schemas.microsoft.com/office/drawing/2014/main" id="{7E56B199-217F-4C08-BCAD-21427D5F321A}"/>
+              </a:ext>
+            </a:extLst>
+          </p:cNvPr>
+          <p:cNvSpPr>
+            <a:spLocks noGrp="1"/>
+          </p:cNvSpPr>
+          <p:nvPr>
+            <p:ph type="title"/>
+          </p:nvPr>
+        </p:nvSpPr>
+        <p:spPr/>
+        <p:txBody>
+          <a:bodyPr/>
+          <a:lstStyle/>
+          <a:p>
+            <a:r>
+              <a:rPr lang="en-US" dirty="0"/>
+              <a:t>References</a:t>
+            </a:r>
+          </a:p>
+        </p:txBody>
+      </p:sp>
+      <p:sp>
+        <p:nvSpPr>
+          <p:cNvPr id="3" name="Content Placeholder 2">
+            <a:extLst>
+              <a:ext uri="{FF2B5EF4-FFF2-40B4-BE49-F238E27FC236}">
+                <a16:creationId xmlns:a16="http://schemas.microsoft.com/office/drawing/2014/main" id="{CF8BDA0A-5716-4574-8715-B9E7023453FC}"/>
+              </a:ext>
+            </a:extLst>
+          </p:cNvPr>
+          <p:cNvSpPr>
+            <a:spLocks noGrp="1"/>
+          </p:cNvSpPr>
+          <p:nvPr>
+            <p:ph idx="1"/>
+          </p:nvPr>
+        </p:nvSpPr>
+        <p:spPr/>
+        <p:txBody>
+          <a:bodyPr/>
+          <a:lstStyle/>
+          <a:p>
+            <a:pPr>
+              <a:buFont typeface="Arial" panose="020B0604020202020204" pitchFamily="34" charset="0"/>
+              <a:buChar char="•"/>
+            </a:pPr>
+            <a:r>
+              <a:rPr lang="en-US" dirty="0"/>
+              <a:t> </a:t>
+            </a:r>
+            <a:r>
+              <a:rPr lang="en-US" sz="1800" dirty="0" err="1">
+                <a:effectLst/>
+                <a:latin typeface="Calibri" panose="020F0502020204030204" pitchFamily="34" charset="0"/>
+                <a:ea typeface="Calibri" panose="020F0502020204030204" pitchFamily="34" charset="0"/>
+                <a:cs typeface="Times New Roman" panose="02020603050405020304" pitchFamily="18" charset="0"/>
+              </a:rPr>
+              <a:t>Jamshidi</a:t>
+            </a:r>
+            <a:r>
+              <a:rPr lang="en-US" sz="1800" dirty="0">
+                <a:effectLst/>
+                <a:latin typeface="Calibri" panose="020F0502020204030204" pitchFamily="34" charset="0"/>
+                <a:ea typeface="Calibri" panose="020F0502020204030204" pitchFamily="34" charset="0"/>
+                <a:cs typeface="Times New Roman" panose="02020603050405020304" pitchFamily="18" charset="0"/>
+              </a:rPr>
+              <a:t>, S., </a:t>
+            </a:r>
+            <a:r>
+              <a:rPr lang="en-US" sz="1800" dirty="0" err="1">
+                <a:effectLst/>
+                <a:latin typeface="Calibri" panose="020F0502020204030204" pitchFamily="34" charset="0"/>
+                <a:ea typeface="Calibri" panose="020F0502020204030204" pitchFamily="34" charset="0"/>
+                <a:cs typeface="Times New Roman" panose="02020603050405020304" pitchFamily="18" charset="0"/>
+              </a:rPr>
+              <a:t>Baniasad</a:t>
+            </a:r>
+            <a:r>
+              <a:rPr lang="en-US" sz="1800" dirty="0">
+                <a:effectLst/>
+                <a:latin typeface="Calibri" panose="020F0502020204030204" pitchFamily="34" charset="0"/>
+                <a:ea typeface="Calibri" panose="020F0502020204030204" pitchFamily="34" charset="0"/>
+                <a:cs typeface="Times New Roman" panose="02020603050405020304" pitchFamily="18" charset="0"/>
+              </a:rPr>
+              <a:t>, M., &amp; Niyogi, D. (2020). Global to USA County Scale Analysis of Weather, Urban Density, Mobility, Homestay, and Mask Use on COVID-19. International Journal of Environmental Research and Public Health, 17(21), 7847. </a:t>
+            </a:r>
+            <a:r>
+              <a:rPr lang="en-US" sz="1800" u="sng" dirty="0">
+                <a:solidFill>
+                  <a:srgbClr val="0563C1"/>
+                </a:solidFill>
+                <a:effectLst/>
+                <a:latin typeface="Calibri" panose="020F0502020204030204" pitchFamily="34" charset="0"/>
+                <a:ea typeface="Calibri" panose="020F0502020204030204" pitchFamily="34" charset="0"/>
+                <a:cs typeface="Times New Roman" panose="02020603050405020304" pitchFamily="18" charset="0"/>
+                <a:hlinkClick r:id="rId2"/>
+              </a:rPr>
+              <a:t>https://doi.org/10.3390/ijerph17217847</a:t>
+            </a:r>
+            <a:endParaRPr lang="en-US" sz="1800" u="sng" dirty="0">
+              <a:solidFill>
+                <a:srgbClr val="0563C1"/>
+              </a:solidFill>
+              <a:effectLst/>
+              <a:latin typeface="Calibri" panose="020F0502020204030204" pitchFamily="34" charset="0"/>
+              <a:ea typeface="Calibri" panose="020F0502020204030204" pitchFamily="34" charset="0"/>
+              <a:cs typeface="Times New Roman" panose="02020603050405020304" pitchFamily="18" charset="0"/>
+            </a:endParaRPr>
+          </a:p>
+          <a:p>
+            <a:pPr>
+              <a:buFont typeface="Arial" panose="020B0604020202020204" pitchFamily="34" charset="0"/>
+              <a:buChar char="•"/>
+            </a:pPr>
+            <a:r>
+              <a:rPr lang="en-US" sz="1800" dirty="0">
+                <a:effectLst/>
+                <a:latin typeface="Calibri" panose="020F0502020204030204" pitchFamily="34" charset="0"/>
+                <a:ea typeface="Calibri" panose="020F0502020204030204" pitchFamily="34" charset="0"/>
+                <a:cs typeface="Times New Roman" panose="02020603050405020304" pitchFamily="18" charset="0"/>
+              </a:rPr>
+              <a:t>Lee, Victor R, and Michelle H Wilkerson. “Data Use by Middle and Secondary Students in the Digital Age: A Status Report and Future Prospects,” n.d., 43.</a:t>
+            </a:r>
+            <a:endParaRPr lang="en-US" sz="1800" u="sng" dirty="0">
+              <a:solidFill>
+                <a:srgbClr val="0563C1"/>
+              </a:solidFill>
+              <a:effectLst/>
+              <a:latin typeface="Calibri" panose="020F0502020204030204" pitchFamily="34" charset="0"/>
+              <a:ea typeface="Calibri" panose="020F0502020204030204" pitchFamily="34" charset="0"/>
+              <a:cs typeface="Times New Roman" panose="02020603050405020304" pitchFamily="18" charset="0"/>
+            </a:endParaRPr>
+          </a:p>
+          <a:p>
+            <a:pPr>
+              <a:buFont typeface="Arial" panose="020B0604020202020204" pitchFamily="34" charset="0"/>
+              <a:buChar char="•"/>
+            </a:pPr>
+            <a:r>
+              <a:rPr lang="en-US" sz="1800" dirty="0" err="1">
+                <a:effectLst/>
+                <a:latin typeface="Calibri" panose="020F0502020204030204" pitchFamily="34" charset="0"/>
+                <a:ea typeface="Calibri" panose="020F0502020204030204" pitchFamily="34" charset="0"/>
+                <a:cs typeface="Times New Roman" panose="02020603050405020304" pitchFamily="18" charset="0"/>
+              </a:rPr>
+              <a:t>McClymont</a:t>
+            </a:r>
+            <a:r>
+              <a:rPr lang="en-US" sz="1800" dirty="0">
+                <a:effectLst/>
+                <a:latin typeface="Calibri" panose="020F0502020204030204" pitchFamily="34" charset="0"/>
+                <a:ea typeface="Calibri" panose="020F0502020204030204" pitchFamily="34" charset="0"/>
+                <a:cs typeface="Times New Roman" panose="02020603050405020304" pitchFamily="18" charset="0"/>
+              </a:rPr>
+              <a:t>, H., &amp; Hu, W. (2021). Weather Variability and COVID-19 Transmission: A Review of Recent Research. International Journal of Environmental Research and Public Health, 18(2), 396. </a:t>
+            </a:r>
+            <a:r>
+              <a:rPr lang="en-US" sz="1800" u="sng" dirty="0">
+                <a:solidFill>
+                  <a:srgbClr val="0563C1"/>
+                </a:solidFill>
+                <a:effectLst/>
+                <a:latin typeface="Calibri" panose="020F0502020204030204" pitchFamily="34" charset="0"/>
+                <a:ea typeface="Calibri" panose="020F0502020204030204" pitchFamily="34" charset="0"/>
+                <a:cs typeface="Times New Roman" panose="02020603050405020304" pitchFamily="18" charset="0"/>
+                <a:hlinkClick r:id="rId3"/>
+              </a:rPr>
+              <a:t>https://doi.org/10.3390/ijerph18020396</a:t>
+            </a:r>
+            <a:endParaRPr lang="en-US" dirty="0"/>
+          </a:p>
+          <a:p>
+            <a:pPr>
+              <a:buFont typeface="Arial" panose="020B0604020202020204" pitchFamily="34" charset="0"/>
+              <a:buChar char="•"/>
+            </a:pPr>
+            <a:r>
+              <a:rPr lang="en-US" dirty="0"/>
+              <a:t> </a:t>
+            </a:r>
+            <a:r>
+              <a:rPr lang="en-US" sz="1800" dirty="0">
+                <a:effectLst/>
+                <a:latin typeface="Calibri" panose="020F0502020204030204" pitchFamily="34" charset="0"/>
+                <a:ea typeface="Calibri" panose="020F0502020204030204" pitchFamily="34" charset="0"/>
+                <a:cs typeface="Times New Roman" panose="02020603050405020304" pitchFamily="18" charset="0"/>
+              </a:rPr>
+              <a:t>Roussel, M., </a:t>
+            </a:r>
+            <a:r>
+              <a:rPr lang="en-US" sz="1800" dirty="0" err="1">
+                <a:effectLst/>
+                <a:latin typeface="Calibri" panose="020F0502020204030204" pitchFamily="34" charset="0"/>
+                <a:ea typeface="Calibri" panose="020F0502020204030204" pitchFamily="34" charset="0"/>
+                <a:cs typeface="Times New Roman" panose="02020603050405020304" pitchFamily="18" charset="0"/>
+              </a:rPr>
+              <a:t>Pontier</a:t>
+            </a:r>
+            <a:r>
+              <a:rPr lang="en-US" sz="1800" dirty="0">
+                <a:effectLst/>
+                <a:latin typeface="Calibri" panose="020F0502020204030204" pitchFamily="34" charset="0"/>
+                <a:ea typeface="Calibri" panose="020F0502020204030204" pitchFamily="34" charset="0"/>
+                <a:cs typeface="Times New Roman" panose="02020603050405020304" pitchFamily="18" charset="0"/>
+              </a:rPr>
+              <a:t>, D., Cohen, J.-M., Lina, B., &amp; </a:t>
+            </a:r>
+            <a:r>
+              <a:rPr lang="en-US" sz="1800" dirty="0" err="1">
+                <a:effectLst/>
+                <a:latin typeface="Calibri" panose="020F0502020204030204" pitchFamily="34" charset="0"/>
+                <a:ea typeface="Calibri" panose="020F0502020204030204" pitchFamily="34" charset="0"/>
+                <a:cs typeface="Times New Roman" panose="02020603050405020304" pitchFamily="18" charset="0"/>
+              </a:rPr>
+              <a:t>Fouchet</a:t>
+            </a:r>
+            <a:r>
+              <a:rPr lang="en-US" sz="1800" dirty="0">
+                <a:effectLst/>
+                <a:latin typeface="Calibri" panose="020F0502020204030204" pitchFamily="34" charset="0"/>
+                <a:ea typeface="Calibri" panose="020F0502020204030204" pitchFamily="34" charset="0"/>
+                <a:cs typeface="Times New Roman" panose="02020603050405020304" pitchFamily="18" charset="0"/>
+              </a:rPr>
+              <a:t>, D. (2016). Quantifying the role of weather on seasonal influenza. BMC Public Health, 16, 441. </a:t>
+            </a:r>
+            <a:r>
+              <a:rPr lang="en-US" sz="1800" u="sng" dirty="0">
+                <a:solidFill>
+                  <a:srgbClr val="0563C1"/>
+                </a:solidFill>
+                <a:effectLst/>
+                <a:latin typeface="Calibri" panose="020F0502020204030204" pitchFamily="34" charset="0"/>
+                <a:ea typeface="Calibri" panose="020F0502020204030204" pitchFamily="34" charset="0"/>
+                <a:cs typeface="Times New Roman" panose="02020603050405020304" pitchFamily="18" charset="0"/>
+                <a:hlinkClick r:id="rId4"/>
+              </a:rPr>
+              <a:t>https://doi.org/10.1186/s12889-016-3114-x</a:t>
+            </a:r>
+            <a:endParaRPr lang="en-US" sz="1800" dirty="0">
+              <a:effectLst/>
+              <a:latin typeface="Calibri" panose="020F0502020204030204" pitchFamily="34" charset="0"/>
+              <a:ea typeface="Calibri" panose="020F0502020204030204" pitchFamily="34" charset="0"/>
+              <a:cs typeface="Times New Roman" panose="02020603050405020304" pitchFamily="18" charset="0"/>
+            </a:endParaRPr>
+          </a:p>
+        </p:txBody>
+      </p:sp>
+    </p:spTree>
+    <p:extLst>
+      <p:ext uri="{BB962C8B-B14F-4D97-AF65-F5344CB8AC3E}">
+        <p14:creationId xmlns:p14="http://schemas.microsoft.com/office/powerpoint/2010/main" val="2913391005"/>
       </p:ext>
     </p:extLst>
   </p:cSld>
@@ -4091,8 +5746,64 @@
               <a:t> …for the kids</a:t>
             </a:r>
           </a:p>
-        </p:txBody>
-      </p:sp>
+          <a:p>
+            <a:pPr>
+              <a:buFont typeface="Arial" panose="020B0604020202020204" pitchFamily="34" charset="0"/>
+              <a:buChar char="•"/>
+            </a:pPr>
+            <a:r>
+              <a:rPr lang="en-US" dirty="0"/>
+              <a:t> Students and data</a:t>
+            </a:r>
+          </a:p>
+          <a:p>
+            <a:pPr lvl="1">
+              <a:buFont typeface="Arial" panose="020B0604020202020204" pitchFamily="34" charset="0"/>
+              <a:buChar char="•"/>
+            </a:pPr>
+            <a:r>
+              <a:rPr lang="en-US" dirty="0"/>
+              <a:t>(Lee, et al., 2018)</a:t>
+            </a:r>
+          </a:p>
+        </p:txBody>
+      </p:sp>
+      <p:pic>
+        <p:nvPicPr>
+          <p:cNvPr id="5" name="Picture 4" descr="Young school girl writing on tablet">
+            <a:extLst>
+              <a:ext uri="{FF2B5EF4-FFF2-40B4-BE49-F238E27FC236}">
+                <a16:creationId xmlns:a16="http://schemas.microsoft.com/office/drawing/2014/main" id="{9C939329-C8B5-4311-9CE3-6064BFEC1865}"/>
+              </a:ext>
+            </a:extLst>
+          </p:cNvPr>
+          <p:cNvPicPr>
+            <a:picLocks noChangeAspect="1"/>
+          </p:cNvPicPr>
+          <p:nvPr/>
+        </p:nvPicPr>
+        <p:blipFill>
+          <a:blip r:embed="rId2">
+            <a:extLst>
+              <a:ext uri="{28A0092B-C50C-407E-A947-70E740481C1C}">
+                <a14:useLocalDpi xmlns:a14="http://schemas.microsoft.com/office/drawing/2010/main" val="0"/>
+              </a:ext>
+            </a:extLst>
+          </a:blip>
+          <a:stretch>
+            <a:fillRect/>
+          </a:stretch>
+        </p:blipFill>
+        <p:spPr>
+          <a:xfrm>
+            <a:off x="7700617" y="1974866"/>
+            <a:ext cx="1116347" cy="3606536"/>
+          </a:xfrm>
+          <a:prstGeom prst="rect">
+            <a:avLst/>
+          </a:prstGeom>
+        </p:spPr>
+      </p:pic>
     </p:spTree>
     <p:extLst>
       <p:ext uri="{BB962C8B-B14F-4D97-AF65-F5344CB8AC3E}">
@@ -4687,6 +6398,101 @@
     <p:extLst>
       <p:ext uri="{BB962C8B-B14F-4D97-AF65-F5344CB8AC3E}">
         <p14:creationId xmlns:p14="http://schemas.microsoft.com/office/powerpoint/2010/main" val="1053035836"/>
+      </p:ext>
+    </p:extLst>
+  </p:cSld>
+  <p:clrMapOvr>
+    <a:masterClrMapping/>
+  </p:clrMapOvr>
+</p:sld>
+</file>
+
+<file path=ppt/slides/slide9.xml><?xml version="1.0" encoding="utf-8"?>
+<p:sld xmlns:a="http://schemas.openxmlformats.org/drawingml/2006/main" xmlns:r="http://schemas.openxmlformats.org/officeDocument/2006/relationships" xmlns:p="http://schemas.openxmlformats.org/presentationml/2006/main">
+  <p:cSld>
+    <p:spTree>
+      <p:nvGrpSpPr>
+        <p:cNvPr id="1" name=""/>
+        <p:cNvGrpSpPr/>
+        <p:nvPr/>
+      </p:nvGrpSpPr>
+      <p:grpSpPr>
+        <a:xfrm>
+          <a:off x="0" y="0"/>
+          <a:ext cx="0" cy="0"/>
+          <a:chOff x="0" y="0"/>
+          <a:chExt cx="0" cy="0"/>
+        </a:xfrm>
+      </p:grpSpPr>
+      <p:sp>
+        <p:nvSpPr>
+          <p:cNvPr id="2" name="Title 1">
+            <a:extLst>
+              <a:ext uri="{FF2B5EF4-FFF2-40B4-BE49-F238E27FC236}">
+                <a16:creationId xmlns:a16="http://schemas.microsoft.com/office/drawing/2014/main" id="{A28203C3-2BEF-4EF7-AEBA-1ACCFDA7A8A6}"/>
+              </a:ext>
+            </a:extLst>
+          </p:cNvPr>
+          <p:cNvSpPr>
+            <a:spLocks noGrp="1"/>
+          </p:cNvSpPr>
+          <p:nvPr>
+            <p:ph type="title"/>
+          </p:nvPr>
+        </p:nvSpPr>
+        <p:spPr/>
+        <p:txBody>
+          <a:bodyPr/>
+          <a:lstStyle/>
+          <a:p>
+            <a:r>
+              <a:rPr lang="en-US" dirty="0"/>
+              <a:t>Methods</a:t>
+            </a:r>
+          </a:p>
+        </p:txBody>
+      </p:sp>
+      <p:sp>
+        <p:nvSpPr>
+          <p:cNvPr id="3" name="Content Placeholder 2">
+            <a:extLst>
+              <a:ext uri="{FF2B5EF4-FFF2-40B4-BE49-F238E27FC236}">
+                <a16:creationId xmlns:a16="http://schemas.microsoft.com/office/drawing/2014/main" id="{080BA997-CE19-4B7D-8EA9-F70B0ECFE1FC}"/>
+              </a:ext>
+            </a:extLst>
+          </p:cNvPr>
+          <p:cNvSpPr>
+            <a:spLocks noGrp="1"/>
+          </p:cNvSpPr>
+          <p:nvPr>
+            <p:ph idx="1"/>
+          </p:nvPr>
+        </p:nvSpPr>
+        <p:spPr>
+          <a:xfrm>
+            <a:off x="1097280" y="1845734"/>
+            <a:ext cx="10058400" cy="404640"/>
+          </a:xfrm>
+        </p:spPr>
+        <p:txBody>
+          <a:bodyPr/>
+          <a:lstStyle/>
+          <a:p>
+            <a:pPr>
+              <a:buFont typeface="Arial" panose="020B0604020202020204" pitchFamily="34" charset="0"/>
+              <a:buChar char="•"/>
+            </a:pPr>
+            <a:r>
+              <a:rPr lang="en-US" dirty="0"/>
+              <a:t> A map based web application</a:t>
+            </a:r>
+          </a:p>
+        </p:txBody>
+      </p:sp>
+    </p:spTree>
+    <p:extLst>
+      <p:ext uri="{BB962C8B-B14F-4D97-AF65-F5344CB8AC3E}">
+        <p14:creationId xmlns:p14="http://schemas.microsoft.com/office/powerpoint/2010/main" val="3144729516"/>
       </p:ext>
     </p:extLst>
   </p:cSld>

--- a/Capstone/Presentation/CapstoneProposal.pptx
+++ b/Capstone/Presentation/CapstoneProposal.pptx
@@ -4,28 +4,36 @@
   <p:sldMasterIdLst>
     <p:sldMasterId id="2147483660" r:id="rId1"/>
   </p:sldMasterIdLst>
+  <p:notesMasterIdLst>
+    <p:notesMasterId r:id="rId28"/>
+  </p:notesMasterIdLst>
   <p:sldIdLst>
     <p:sldId id="256" r:id="rId2"/>
     <p:sldId id="257" r:id="rId3"/>
     <p:sldId id="258" r:id="rId4"/>
     <p:sldId id="259" r:id="rId5"/>
-    <p:sldId id="260" r:id="rId6"/>
-    <p:sldId id="261" r:id="rId7"/>
-    <p:sldId id="262" r:id="rId8"/>
-    <p:sldId id="263" r:id="rId9"/>
-    <p:sldId id="264" r:id="rId10"/>
-    <p:sldId id="265" r:id="rId11"/>
-    <p:sldId id="266" r:id="rId12"/>
-    <p:sldId id="267" r:id="rId13"/>
-    <p:sldId id="268" r:id="rId14"/>
-    <p:sldId id="269" r:id="rId15"/>
-    <p:sldId id="270" r:id="rId16"/>
-    <p:sldId id="271" r:id="rId17"/>
-    <p:sldId id="272" r:id="rId18"/>
-    <p:sldId id="274" r:id="rId19"/>
-    <p:sldId id="275" r:id="rId20"/>
-    <p:sldId id="276" r:id="rId21"/>
-    <p:sldId id="273" r:id="rId22"/>
+    <p:sldId id="263" r:id="rId6"/>
+    <p:sldId id="277" r:id="rId7"/>
+    <p:sldId id="278" r:id="rId8"/>
+    <p:sldId id="279" r:id="rId9"/>
+    <p:sldId id="280" r:id="rId10"/>
+    <p:sldId id="264" r:id="rId11"/>
+    <p:sldId id="265" r:id="rId12"/>
+    <p:sldId id="282" r:id="rId13"/>
+    <p:sldId id="284" r:id="rId14"/>
+    <p:sldId id="285" r:id="rId15"/>
+    <p:sldId id="286" r:id="rId16"/>
+    <p:sldId id="283" r:id="rId17"/>
+    <p:sldId id="287" r:id="rId18"/>
+    <p:sldId id="288" r:id="rId19"/>
+    <p:sldId id="289" r:id="rId20"/>
+    <p:sldId id="271" r:id="rId21"/>
+    <p:sldId id="272" r:id="rId22"/>
+    <p:sldId id="274" r:id="rId23"/>
+    <p:sldId id="281" r:id="rId24"/>
+    <p:sldId id="275" r:id="rId25"/>
+    <p:sldId id="276" r:id="rId26"/>
+    <p:sldId id="273" r:id="rId27"/>
   </p:sldIdLst>
   <p:sldSz cx="12192000" cy="6858000"/>
   <p:notesSz cx="6858000" cy="9144000"/>
@@ -132,6 +140,3608 @@
 </p:presentation>
 </file>
 
+<file path=ppt/notesMasters/notesMaster1.xml><?xml version="1.0" encoding="utf-8"?>
+<p:notesMaster xmlns:a="http://schemas.openxmlformats.org/drawingml/2006/main" xmlns:r="http://schemas.openxmlformats.org/officeDocument/2006/relationships" xmlns:p="http://schemas.openxmlformats.org/presentationml/2006/main">
+  <p:cSld>
+    <p:bg>
+      <p:bgRef idx="1001">
+        <a:schemeClr val="bg1"/>
+      </p:bgRef>
+    </p:bg>
+    <p:spTree>
+      <p:nvGrpSpPr>
+        <p:cNvPr id="1" name=""/>
+        <p:cNvGrpSpPr/>
+        <p:nvPr/>
+      </p:nvGrpSpPr>
+      <p:grpSpPr>
+        <a:xfrm>
+          <a:off x="0" y="0"/>
+          <a:ext cx="0" cy="0"/>
+          <a:chOff x="0" y="0"/>
+          <a:chExt cx="0" cy="0"/>
+        </a:xfrm>
+      </p:grpSpPr>
+      <p:sp>
+        <p:nvSpPr>
+          <p:cNvPr id="2" name="Header Placeholder 1"/>
+          <p:cNvSpPr>
+            <a:spLocks noGrp="1"/>
+          </p:cNvSpPr>
+          <p:nvPr>
+            <p:ph type="hdr" sz="quarter"/>
+          </p:nvPr>
+        </p:nvSpPr>
+        <p:spPr>
+          <a:xfrm>
+            <a:off x="0" y="0"/>
+            <a:ext cx="2971800" cy="458788"/>
+          </a:xfrm>
+          <a:prstGeom prst="rect">
+            <a:avLst/>
+          </a:prstGeom>
+        </p:spPr>
+        <p:txBody>
+          <a:bodyPr vert="horz" lIns="91440" tIns="45720" rIns="91440" bIns="45720" rtlCol="0"/>
+          <a:lstStyle>
+            <a:lvl1pPr algn="l">
+              <a:defRPr sz="1200"/>
+            </a:lvl1pPr>
+          </a:lstStyle>
+          <a:p>
+            <a:endParaRPr lang="en-US"/>
+          </a:p>
+        </p:txBody>
+      </p:sp>
+      <p:sp>
+        <p:nvSpPr>
+          <p:cNvPr id="3" name="Date Placeholder 2"/>
+          <p:cNvSpPr>
+            <a:spLocks noGrp="1"/>
+          </p:cNvSpPr>
+          <p:nvPr>
+            <p:ph type="dt" idx="1"/>
+          </p:nvPr>
+        </p:nvSpPr>
+        <p:spPr>
+          <a:xfrm>
+            <a:off x="3884613" y="0"/>
+            <a:ext cx="2971800" cy="458788"/>
+          </a:xfrm>
+          <a:prstGeom prst="rect">
+            <a:avLst/>
+          </a:prstGeom>
+        </p:spPr>
+        <p:txBody>
+          <a:bodyPr vert="horz" lIns="91440" tIns="45720" rIns="91440" bIns="45720" rtlCol="0"/>
+          <a:lstStyle>
+            <a:lvl1pPr algn="r">
+              <a:defRPr sz="1200"/>
+            </a:lvl1pPr>
+          </a:lstStyle>
+          <a:p>
+            <a:fld id="{E3E0BA67-A448-48BB-B2A0-49FE4C1E5D33}" type="datetimeFigureOut">
+              <a:rPr lang="en-US" smtClean="0"/>
+              <a:t>04/27/2021</a:t>
+            </a:fld>
+            <a:endParaRPr lang="en-US"/>
+          </a:p>
+        </p:txBody>
+      </p:sp>
+      <p:sp>
+        <p:nvSpPr>
+          <p:cNvPr id="4" name="Slide Image Placeholder 3"/>
+          <p:cNvSpPr>
+            <a:spLocks noGrp="1" noRot="1" noChangeAspect="1"/>
+          </p:cNvSpPr>
+          <p:nvPr>
+            <p:ph type="sldImg" idx="2"/>
+          </p:nvPr>
+        </p:nvSpPr>
+        <p:spPr>
+          <a:xfrm>
+            <a:off x="685800" y="1143000"/>
+            <a:ext cx="5486400" cy="3086100"/>
+          </a:xfrm>
+          <a:prstGeom prst="rect">
+            <a:avLst/>
+          </a:prstGeom>
+          <a:noFill/>
+          <a:ln w="12700">
+            <a:solidFill>
+              <a:prstClr val="black"/>
+            </a:solidFill>
+          </a:ln>
+        </p:spPr>
+        <p:txBody>
+          <a:bodyPr vert="horz" lIns="91440" tIns="45720" rIns="91440" bIns="45720" rtlCol="0" anchor="ctr"/>
+          <a:lstStyle/>
+          <a:p>
+            <a:endParaRPr lang="en-US"/>
+          </a:p>
+        </p:txBody>
+      </p:sp>
+      <p:sp>
+        <p:nvSpPr>
+          <p:cNvPr id="5" name="Notes Placeholder 4"/>
+          <p:cNvSpPr>
+            <a:spLocks noGrp="1"/>
+          </p:cNvSpPr>
+          <p:nvPr>
+            <p:ph type="body" sz="quarter" idx="3"/>
+          </p:nvPr>
+        </p:nvSpPr>
+        <p:spPr>
+          <a:xfrm>
+            <a:off x="685800" y="4400550"/>
+            <a:ext cx="5486400" cy="3600450"/>
+          </a:xfrm>
+          <a:prstGeom prst="rect">
+            <a:avLst/>
+          </a:prstGeom>
+        </p:spPr>
+        <p:txBody>
+          <a:bodyPr vert="horz" lIns="91440" tIns="45720" rIns="91440" bIns="45720" rtlCol="0"/>
+          <a:lstStyle/>
+          <a:p>
+            <a:pPr lvl="0"/>
+            <a:r>
+              <a:rPr lang="en-US"/>
+              <a:t>Click to edit Master text styles</a:t>
+            </a:r>
+          </a:p>
+          <a:p>
+            <a:pPr lvl="1"/>
+            <a:r>
+              <a:rPr lang="en-US"/>
+              <a:t>Second level</a:t>
+            </a:r>
+          </a:p>
+          <a:p>
+            <a:pPr lvl="2"/>
+            <a:r>
+              <a:rPr lang="en-US"/>
+              <a:t>Third level</a:t>
+            </a:r>
+          </a:p>
+          <a:p>
+            <a:pPr lvl="3"/>
+            <a:r>
+              <a:rPr lang="en-US"/>
+              <a:t>Fourth level</a:t>
+            </a:r>
+          </a:p>
+          <a:p>
+            <a:pPr lvl="4"/>
+            <a:r>
+              <a:rPr lang="en-US"/>
+              <a:t>Fifth level</a:t>
+            </a:r>
+          </a:p>
+        </p:txBody>
+      </p:sp>
+      <p:sp>
+        <p:nvSpPr>
+          <p:cNvPr id="6" name="Footer Placeholder 5"/>
+          <p:cNvSpPr>
+            <a:spLocks noGrp="1"/>
+          </p:cNvSpPr>
+          <p:nvPr>
+            <p:ph type="ftr" sz="quarter" idx="4"/>
+          </p:nvPr>
+        </p:nvSpPr>
+        <p:spPr>
+          <a:xfrm>
+            <a:off x="0" y="8685213"/>
+            <a:ext cx="2971800" cy="458787"/>
+          </a:xfrm>
+          <a:prstGeom prst="rect">
+            <a:avLst/>
+          </a:prstGeom>
+        </p:spPr>
+        <p:txBody>
+          <a:bodyPr vert="horz" lIns="91440" tIns="45720" rIns="91440" bIns="45720" rtlCol="0" anchor="b"/>
+          <a:lstStyle>
+            <a:lvl1pPr algn="l">
+              <a:defRPr sz="1200"/>
+            </a:lvl1pPr>
+          </a:lstStyle>
+          <a:p>
+            <a:endParaRPr lang="en-US"/>
+          </a:p>
+        </p:txBody>
+      </p:sp>
+      <p:sp>
+        <p:nvSpPr>
+          <p:cNvPr id="7" name="Slide Number Placeholder 6"/>
+          <p:cNvSpPr>
+            <a:spLocks noGrp="1"/>
+          </p:cNvSpPr>
+          <p:nvPr>
+            <p:ph type="sldNum" sz="quarter" idx="5"/>
+          </p:nvPr>
+        </p:nvSpPr>
+        <p:spPr>
+          <a:xfrm>
+            <a:off x="3884613" y="8685213"/>
+            <a:ext cx="2971800" cy="458787"/>
+          </a:xfrm>
+          <a:prstGeom prst="rect">
+            <a:avLst/>
+          </a:prstGeom>
+        </p:spPr>
+        <p:txBody>
+          <a:bodyPr vert="horz" lIns="91440" tIns="45720" rIns="91440" bIns="45720" rtlCol="0" anchor="b"/>
+          <a:lstStyle>
+            <a:lvl1pPr algn="r">
+              <a:defRPr sz="1200"/>
+            </a:lvl1pPr>
+          </a:lstStyle>
+          <a:p>
+            <a:fld id="{30A9034F-20AE-4DE7-96BC-FDD871D2842E}" type="slidenum">
+              <a:rPr lang="en-US" smtClean="0"/>
+              <a:t>‹#›</a:t>
+            </a:fld>
+            <a:endParaRPr lang="en-US"/>
+          </a:p>
+        </p:txBody>
+      </p:sp>
+    </p:spTree>
+    <p:extLst>
+      <p:ext uri="{BB962C8B-B14F-4D97-AF65-F5344CB8AC3E}">
+        <p14:creationId xmlns:p14="http://schemas.microsoft.com/office/powerpoint/2010/main" val="3165002039"/>
+      </p:ext>
+    </p:extLst>
+  </p:cSld>
+  <p:clrMap bg1="lt1" tx1="dk1" bg2="lt2" tx2="dk2" accent1="accent1" accent2="accent2" accent3="accent3" accent4="accent4" accent5="accent5" accent6="accent6" hlink="hlink" folHlink="folHlink"/>
+  <p:notesStyle>
+    <a:lvl1pPr marL="0" algn="l" defTabSz="914400" rtl="0" eaLnBrk="1" latinLnBrk="0" hangingPunct="1">
+      <a:defRPr sz="1200" kern="1200">
+        <a:solidFill>
+          <a:schemeClr val="tx1"/>
+        </a:solidFill>
+        <a:latin typeface="+mn-lt"/>
+        <a:ea typeface="+mn-ea"/>
+        <a:cs typeface="+mn-cs"/>
+      </a:defRPr>
+    </a:lvl1pPr>
+    <a:lvl2pPr marL="457200" algn="l" defTabSz="914400" rtl="0" eaLnBrk="1" latinLnBrk="0" hangingPunct="1">
+      <a:defRPr sz="1200" kern="1200">
+        <a:solidFill>
+          <a:schemeClr val="tx1"/>
+        </a:solidFill>
+        <a:latin typeface="+mn-lt"/>
+        <a:ea typeface="+mn-ea"/>
+        <a:cs typeface="+mn-cs"/>
+      </a:defRPr>
+    </a:lvl2pPr>
+    <a:lvl3pPr marL="914400" algn="l" defTabSz="914400" rtl="0" eaLnBrk="1" latinLnBrk="0" hangingPunct="1">
+      <a:defRPr sz="1200" kern="1200">
+        <a:solidFill>
+          <a:schemeClr val="tx1"/>
+        </a:solidFill>
+        <a:latin typeface="+mn-lt"/>
+        <a:ea typeface="+mn-ea"/>
+        <a:cs typeface="+mn-cs"/>
+      </a:defRPr>
+    </a:lvl3pPr>
+    <a:lvl4pPr marL="1371600" algn="l" defTabSz="914400" rtl="0" eaLnBrk="1" latinLnBrk="0" hangingPunct="1">
+      <a:defRPr sz="1200" kern="1200">
+        <a:solidFill>
+          <a:schemeClr val="tx1"/>
+        </a:solidFill>
+        <a:latin typeface="+mn-lt"/>
+        <a:ea typeface="+mn-ea"/>
+        <a:cs typeface="+mn-cs"/>
+      </a:defRPr>
+    </a:lvl4pPr>
+    <a:lvl5pPr marL="1828800" algn="l" defTabSz="914400" rtl="0" eaLnBrk="1" latinLnBrk="0" hangingPunct="1">
+      <a:defRPr sz="1200" kern="1200">
+        <a:solidFill>
+          <a:schemeClr val="tx1"/>
+        </a:solidFill>
+        <a:latin typeface="+mn-lt"/>
+        <a:ea typeface="+mn-ea"/>
+        <a:cs typeface="+mn-cs"/>
+      </a:defRPr>
+    </a:lvl5pPr>
+    <a:lvl6pPr marL="2286000" algn="l" defTabSz="914400" rtl="0" eaLnBrk="1" latinLnBrk="0" hangingPunct="1">
+      <a:defRPr sz="1200" kern="1200">
+        <a:solidFill>
+          <a:schemeClr val="tx1"/>
+        </a:solidFill>
+        <a:latin typeface="+mn-lt"/>
+        <a:ea typeface="+mn-ea"/>
+        <a:cs typeface="+mn-cs"/>
+      </a:defRPr>
+    </a:lvl6pPr>
+    <a:lvl7pPr marL="2743200" algn="l" defTabSz="914400" rtl="0" eaLnBrk="1" latinLnBrk="0" hangingPunct="1">
+      <a:defRPr sz="1200" kern="1200">
+        <a:solidFill>
+          <a:schemeClr val="tx1"/>
+        </a:solidFill>
+        <a:latin typeface="+mn-lt"/>
+        <a:ea typeface="+mn-ea"/>
+        <a:cs typeface="+mn-cs"/>
+      </a:defRPr>
+    </a:lvl7pPr>
+    <a:lvl8pPr marL="3200400" algn="l" defTabSz="914400" rtl="0" eaLnBrk="1" latinLnBrk="0" hangingPunct="1">
+      <a:defRPr sz="1200" kern="1200">
+        <a:solidFill>
+          <a:schemeClr val="tx1"/>
+        </a:solidFill>
+        <a:latin typeface="+mn-lt"/>
+        <a:ea typeface="+mn-ea"/>
+        <a:cs typeface="+mn-cs"/>
+      </a:defRPr>
+    </a:lvl8pPr>
+    <a:lvl9pPr marL="3657600" algn="l" defTabSz="914400" rtl="0" eaLnBrk="1" latinLnBrk="0" hangingPunct="1">
+      <a:defRPr sz="1200" kern="1200">
+        <a:solidFill>
+          <a:schemeClr val="tx1"/>
+        </a:solidFill>
+        <a:latin typeface="+mn-lt"/>
+        <a:ea typeface="+mn-ea"/>
+        <a:cs typeface="+mn-cs"/>
+      </a:defRPr>
+    </a:lvl9pPr>
+  </p:notesStyle>
+</p:notesMaster>
+</file>
+
+<file path=ppt/notesSlides/notesSlide1.xml><?xml version="1.0" encoding="utf-8"?>
+<p:notes xmlns:a="http://schemas.openxmlformats.org/drawingml/2006/main" xmlns:r="http://schemas.openxmlformats.org/officeDocument/2006/relationships" xmlns:p="http://schemas.openxmlformats.org/presentationml/2006/main">
+  <p:cSld>
+    <p:spTree>
+      <p:nvGrpSpPr>
+        <p:cNvPr id="1" name=""/>
+        <p:cNvGrpSpPr/>
+        <p:nvPr/>
+      </p:nvGrpSpPr>
+      <p:grpSpPr>
+        <a:xfrm>
+          <a:off x="0" y="0"/>
+          <a:ext cx="0" cy="0"/>
+          <a:chOff x="0" y="0"/>
+          <a:chExt cx="0" cy="0"/>
+        </a:xfrm>
+      </p:grpSpPr>
+      <p:sp>
+        <p:nvSpPr>
+          <p:cNvPr id="2" name="Slide Image Placeholder 1"/>
+          <p:cNvSpPr>
+            <a:spLocks noGrp="1" noRot="1" noChangeAspect="1"/>
+          </p:cNvSpPr>
+          <p:nvPr>
+            <p:ph type="sldImg"/>
+          </p:nvPr>
+        </p:nvSpPr>
+        <p:spPr/>
+      </p:sp>
+      <p:sp>
+        <p:nvSpPr>
+          <p:cNvPr id="3" name="Notes Placeholder 2"/>
+          <p:cNvSpPr>
+            <a:spLocks noGrp="1"/>
+          </p:cNvSpPr>
+          <p:nvPr>
+            <p:ph type="body" idx="1"/>
+          </p:nvPr>
+        </p:nvSpPr>
+        <p:spPr/>
+        <p:txBody>
+          <a:bodyPr/>
+          <a:lstStyle/>
+          <a:p>
+            <a:r>
+              <a:rPr lang="en-US" dirty="0"/>
+              <a:t>-who am I</a:t>
+            </a:r>
+          </a:p>
+          <a:p>
+            <a:r>
+              <a:rPr lang="en-US" dirty="0"/>
+              <a:t>    -Nick Palacio</a:t>
+            </a:r>
+          </a:p>
+          <a:p>
+            <a:r>
+              <a:rPr lang="en-US" dirty="0"/>
+              <a:t>    -Application Developer at FCSA for 2.5 years</a:t>
+            </a:r>
+          </a:p>
+          <a:p>
+            <a:r>
+              <a:rPr lang="en-US" dirty="0"/>
+              <a:t>    -Been working on my Masters in Computer Science from UNO since 2017, set to graduate this August</a:t>
+            </a:r>
+          </a:p>
+          <a:p>
+            <a:r>
+              <a:rPr lang="en-US" dirty="0"/>
+              <a:t>-FCSA: what is this presentation</a:t>
+            </a:r>
+          </a:p>
+          <a:p>
+            <a:r>
+              <a:rPr lang="en-US" dirty="0"/>
+              <a:t>    -This is my project proposal for my Masters Capstone project</a:t>
+            </a:r>
+          </a:p>
+          <a:p>
+            <a:r>
+              <a:rPr lang="en-US" dirty="0"/>
+              <a:t>    -Will be presenting this to my graduate </a:t>
+            </a:r>
+            <a:r>
+              <a:rPr lang="en-US" dirty="0" err="1"/>
+              <a:t>committe</a:t>
+            </a:r>
+            <a:r>
+              <a:rPr lang="en-US" dirty="0"/>
+              <a:t> this Thursday</a:t>
+            </a:r>
+          </a:p>
+          <a:p>
+            <a:r>
+              <a:rPr lang="en-US" dirty="0"/>
+              <a:t>    -This committee consists of 3 professors from UNO:</a:t>
+            </a:r>
+          </a:p>
+          <a:p>
+            <a:r>
+              <a:rPr lang="en-US" dirty="0"/>
+              <a:t>        -Dr. Brian Dorn, Associate Professor of Computer Science</a:t>
+            </a:r>
+          </a:p>
+          <a:p>
+            <a:r>
+              <a:rPr lang="en-US" dirty="0"/>
+              <a:t>        -Dr. Rex </a:t>
+            </a:r>
+            <a:r>
+              <a:rPr lang="en-US" dirty="0" err="1"/>
+              <a:t>Cammack</a:t>
+            </a:r>
+            <a:r>
+              <a:rPr lang="en-US" dirty="0"/>
+              <a:t>, Associate Professor of Geography</a:t>
+            </a:r>
+          </a:p>
+          <a:p>
+            <a:r>
+              <a:rPr lang="en-US" dirty="0"/>
+              <a:t>        -Dr. Brian Ricks, Associate Professor of Computer Science</a:t>
+            </a:r>
+          </a:p>
+          <a:p>
+            <a:r>
+              <a:rPr lang="en-US" dirty="0"/>
+              <a:t>    -They will decide if my project can move forward where I would implement it over the summer or if changes need to be made before that can happen</a:t>
+            </a:r>
+          </a:p>
+          <a:p>
+            <a:r>
+              <a:rPr lang="en-US" dirty="0"/>
+              <a:t>-This presentation will be:</a:t>
+            </a:r>
+          </a:p>
+          <a:p>
+            <a:r>
+              <a:rPr lang="en-US" dirty="0"/>
+              <a:t>    -me creating some context around what my project is and why it is important</a:t>
+            </a:r>
+          </a:p>
+          <a:p>
+            <a:r>
+              <a:rPr lang="en-US" dirty="0"/>
+              <a:t>    -then I'm going to talk about some related work already out there that is similar to what I want to do</a:t>
+            </a:r>
+          </a:p>
+          <a:p>
+            <a:r>
+              <a:rPr lang="en-US" dirty="0"/>
+              <a:t>    -finally I will go in depth on what my project actually is and how I will build it as well as why</a:t>
+            </a:r>
+          </a:p>
+          <a:p>
+            <a:endParaRPr lang="en-US" dirty="0"/>
+          </a:p>
+        </p:txBody>
+      </p:sp>
+      <p:sp>
+        <p:nvSpPr>
+          <p:cNvPr id="4" name="Slide Number Placeholder 3"/>
+          <p:cNvSpPr>
+            <a:spLocks noGrp="1"/>
+          </p:cNvSpPr>
+          <p:nvPr>
+            <p:ph type="sldNum" sz="quarter" idx="5"/>
+          </p:nvPr>
+        </p:nvSpPr>
+        <p:spPr/>
+        <p:txBody>
+          <a:bodyPr/>
+          <a:lstStyle/>
+          <a:p>
+            <a:fld id="{30A9034F-20AE-4DE7-96BC-FDD871D2842E}" type="slidenum">
+              <a:rPr lang="en-US" smtClean="0"/>
+              <a:t>1</a:t>
+            </a:fld>
+            <a:endParaRPr lang="en-US"/>
+          </a:p>
+        </p:txBody>
+      </p:sp>
+    </p:spTree>
+    <p:extLst>
+      <p:ext uri="{BB962C8B-B14F-4D97-AF65-F5344CB8AC3E}">
+        <p14:creationId xmlns:p14="http://schemas.microsoft.com/office/powerpoint/2010/main" val="1109164394"/>
+      </p:ext>
+    </p:extLst>
+  </p:cSld>
+  <p:clrMapOvr>
+    <a:masterClrMapping/>
+  </p:clrMapOvr>
+</p:notes>
+</file>
+
+<file path=ppt/notesSlides/notesSlide10.xml><?xml version="1.0" encoding="utf-8"?>
+<p:notes xmlns:a="http://schemas.openxmlformats.org/drawingml/2006/main" xmlns:r="http://schemas.openxmlformats.org/officeDocument/2006/relationships" xmlns:p="http://schemas.openxmlformats.org/presentationml/2006/main">
+  <p:cSld>
+    <p:spTree>
+      <p:nvGrpSpPr>
+        <p:cNvPr id="1" name=""/>
+        <p:cNvGrpSpPr/>
+        <p:nvPr/>
+      </p:nvGrpSpPr>
+      <p:grpSpPr>
+        <a:xfrm>
+          <a:off x="0" y="0"/>
+          <a:ext cx="0" cy="0"/>
+          <a:chOff x="0" y="0"/>
+          <a:chExt cx="0" cy="0"/>
+        </a:xfrm>
+      </p:grpSpPr>
+      <p:sp>
+        <p:nvSpPr>
+          <p:cNvPr id="2" name="Slide Image Placeholder 1"/>
+          <p:cNvSpPr>
+            <a:spLocks noGrp="1" noRot="1" noChangeAspect="1"/>
+          </p:cNvSpPr>
+          <p:nvPr>
+            <p:ph type="sldImg"/>
+          </p:nvPr>
+        </p:nvSpPr>
+        <p:spPr/>
+      </p:sp>
+      <p:sp>
+        <p:nvSpPr>
+          <p:cNvPr id="3" name="Notes Placeholder 2"/>
+          <p:cNvSpPr>
+            <a:spLocks noGrp="1"/>
+          </p:cNvSpPr>
+          <p:nvPr>
+            <p:ph type="body" idx="1"/>
+          </p:nvPr>
+        </p:nvSpPr>
+        <p:spPr/>
+        <p:txBody>
+          <a:bodyPr/>
+          <a:lstStyle/>
+          <a:p>
+            <a:r>
+              <a:rPr lang="en-US" dirty="0"/>
+              <a:t>-For the next part of my presentation I am going to talk about what exactly I propose building and how I think I can accomplish that</a:t>
+            </a:r>
+          </a:p>
+          <a:p>
+            <a:r>
+              <a:rPr lang="en-US" dirty="0"/>
+              <a:t>-I propose building a map based web application that will allow a user to visualize COVID-19 and weather data alongside each other in order to investigate the relationship between the two.</a:t>
+            </a:r>
+          </a:p>
+          <a:p>
+            <a:endParaRPr lang="en-US" dirty="0"/>
+          </a:p>
+          <a:p>
+            <a:r>
+              <a:rPr lang="en-US" dirty="0"/>
+              <a:t>-The table here on the right shows the list of user stories for the project</a:t>
+            </a:r>
+          </a:p>
+          <a:p>
+            <a:r>
+              <a:rPr lang="en-US" dirty="0"/>
+              <a:t>-I’m going to walk through these in more detail with some mockups of what the screens might look like</a:t>
+            </a:r>
+          </a:p>
+        </p:txBody>
+      </p:sp>
+      <p:sp>
+        <p:nvSpPr>
+          <p:cNvPr id="4" name="Slide Number Placeholder 3"/>
+          <p:cNvSpPr>
+            <a:spLocks noGrp="1"/>
+          </p:cNvSpPr>
+          <p:nvPr>
+            <p:ph type="sldNum" sz="quarter" idx="5"/>
+          </p:nvPr>
+        </p:nvSpPr>
+        <p:spPr/>
+        <p:txBody>
+          <a:bodyPr/>
+          <a:lstStyle/>
+          <a:p>
+            <a:fld id="{30A9034F-20AE-4DE7-96BC-FDD871D2842E}" type="slidenum">
+              <a:rPr lang="en-US" smtClean="0"/>
+              <a:t>10</a:t>
+            </a:fld>
+            <a:endParaRPr lang="en-US"/>
+          </a:p>
+        </p:txBody>
+      </p:sp>
+    </p:spTree>
+    <p:extLst>
+      <p:ext uri="{BB962C8B-B14F-4D97-AF65-F5344CB8AC3E}">
+        <p14:creationId xmlns:p14="http://schemas.microsoft.com/office/powerpoint/2010/main" val="1736354786"/>
+      </p:ext>
+    </p:extLst>
+  </p:cSld>
+  <p:clrMapOvr>
+    <a:masterClrMapping/>
+  </p:clrMapOvr>
+</p:notes>
+</file>
+
+<file path=ppt/notesSlides/notesSlide11.xml><?xml version="1.0" encoding="utf-8"?>
+<p:notes xmlns:a="http://schemas.openxmlformats.org/drawingml/2006/main" xmlns:r="http://schemas.openxmlformats.org/officeDocument/2006/relationships" xmlns:p="http://schemas.openxmlformats.org/presentationml/2006/main">
+  <p:cSld>
+    <p:spTree>
+      <p:nvGrpSpPr>
+        <p:cNvPr id="1" name=""/>
+        <p:cNvGrpSpPr/>
+        <p:nvPr/>
+      </p:nvGrpSpPr>
+      <p:grpSpPr>
+        <a:xfrm>
+          <a:off x="0" y="0"/>
+          <a:ext cx="0" cy="0"/>
+          <a:chOff x="0" y="0"/>
+          <a:chExt cx="0" cy="0"/>
+        </a:xfrm>
+      </p:grpSpPr>
+      <p:sp>
+        <p:nvSpPr>
+          <p:cNvPr id="2" name="Slide Image Placeholder 1"/>
+          <p:cNvSpPr>
+            <a:spLocks noGrp="1" noRot="1" noChangeAspect="1"/>
+          </p:cNvSpPr>
+          <p:nvPr>
+            <p:ph type="sldImg"/>
+          </p:nvPr>
+        </p:nvSpPr>
+        <p:spPr/>
+      </p:sp>
+      <p:sp>
+        <p:nvSpPr>
+          <p:cNvPr id="3" name="Notes Placeholder 2"/>
+          <p:cNvSpPr>
+            <a:spLocks noGrp="1"/>
+          </p:cNvSpPr>
+          <p:nvPr>
+            <p:ph type="body" idx="1"/>
+          </p:nvPr>
+        </p:nvSpPr>
+        <p:spPr/>
+        <p:txBody>
+          <a:bodyPr/>
+          <a:lstStyle/>
+          <a:p>
+            <a:r>
+              <a:rPr lang="en-US" dirty="0"/>
+              <a:t>-The image here on the left shows what the home page of the application might look like</a:t>
+            </a:r>
+          </a:p>
+          <a:p>
+            <a:endParaRPr lang="en-US" dirty="0"/>
+          </a:p>
+          <a:p>
+            <a:r>
+              <a:rPr lang="en-US" dirty="0"/>
+              <a:t>-This mockup is related to my first 3 user stories</a:t>
+            </a:r>
+          </a:p>
+          <a:p>
+            <a:endParaRPr lang="en-US" dirty="0"/>
+          </a:p>
+          <a:p>
+            <a:r>
+              <a:rPr lang="en-US" dirty="0"/>
+              <a:t>-These user stories center around allowing a user to find and select a county that they are interested in</a:t>
+            </a:r>
+          </a:p>
+        </p:txBody>
+      </p:sp>
+      <p:sp>
+        <p:nvSpPr>
+          <p:cNvPr id="4" name="Slide Number Placeholder 3"/>
+          <p:cNvSpPr>
+            <a:spLocks noGrp="1"/>
+          </p:cNvSpPr>
+          <p:nvPr>
+            <p:ph type="sldNum" sz="quarter" idx="5"/>
+          </p:nvPr>
+        </p:nvSpPr>
+        <p:spPr/>
+        <p:txBody>
+          <a:bodyPr/>
+          <a:lstStyle/>
+          <a:p>
+            <a:fld id="{30A9034F-20AE-4DE7-96BC-FDD871D2842E}" type="slidenum">
+              <a:rPr lang="en-US" smtClean="0"/>
+              <a:t>11</a:t>
+            </a:fld>
+            <a:endParaRPr lang="en-US"/>
+          </a:p>
+        </p:txBody>
+      </p:sp>
+    </p:spTree>
+    <p:extLst>
+      <p:ext uri="{BB962C8B-B14F-4D97-AF65-F5344CB8AC3E}">
+        <p14:creationId xmlns:p14="http://schemas.microsoft.com/office/powerpoint/2010/main" val="1721432292"/>
+      </p:ext>
+    </p:extLst>
+  </p:cSld>
+  <p:clrMapOvr>
+    <a:masterClrMapping/>
+  </p:clrMapOvr>
+</p:notes>
+</file>
+
+<file path=ppt/notesSlides/notesSlide12.xml><?xml version="1.0" encoding="utf-8"?>
+<p:notes xmlns:a="http://schemas.openxmlformats.org/drawingml/2006/main" xmlns:r="http://schemas.openxmlformats.org/officeDocument/2006/relationships" xmlns:p="http://schemas.openxmlformats.org/presentationml/2006/main">
+  <p:cSld>
+    <p:spTree>
+      <p:nvGrpSpPr>
+        <p:cNvPr id="1" name=""/>
+        <p:cNvGrpSpPr/>
+        <p:nvPr/>
+      </p:nvGrpSpPr>
+      <p:grpSpPr>
+        <a:xfrm>
+          <a:off x="0" y="0"/>
+          <a:ext cx="0" cy="0"/>
+          <a:chOff x="0" y="0"/>
+          <a:chExt cx="0" cy="0"/>
+        </a:xfrm>
+      </p:grpSpPr>
+      <p:sp>
+        <p:nvSpPr>
+          <p:cNvPr id="2" name="Slide Image Placeholder 1"/>
+          <p:cNvSpPr>
+            <a:spLocks noGrp="1" noRot="1" noChangeAspect="1"/>
+          </p:cNvSpPr>
+          <p:nvPr>
+            <p:ph type="sldImg"/>
+          </p:nvPr>
+        </p:nvSpPr>
+        <p:spPr/>
+      </p:sp>
+      <p:sp>
+        <p:nvSpPr>
+          <p:cNvPr id="3" name="Notes Placeholder 2"/>
+          <p:cNvSpPr>
+            <a:spLocks noGrp="1"/>
+          </p:cNvSpPr>
+          <p:nvPr>
+            <p:ph type="body" idx="1"/>
+          </p:nvPr>
+        </p:nvSpPr>
+        <p:spPr/>
+        <p:txBody>
+          <a:bodyPr/>
+          <a:lstStyle/>
+          <a:p>
+            <a:r>
+              <a:rPr lang="en-US" dirty="0"/>
+              <a:t>-This next mockup shows what the screen might look like once a user has selected a county</a:t>
+            </a:r>
+          </a:p>
+          <a:p>
+            <a:endParaRPr lang="en-US" dirty="0"/>
+          </a:p>
+          <a:p>
+            <a:r>
+              <a:rPr lang="en-US" dirty="0"/>
+              <a:t>-This is related to user stories 4 – 9</a:t>
+            </a:r>
+          </a:p>
+          <a:p>
+            <a:endParaRPr lang="en-US" dirty="0"/>
+          </a:p>
+          <a:p>
+            <a:r>
+              <a:rPr lang="en-US" dirty="0"/>
+              <a:t>-These user stories center around visualizing the COVID-19 and weather data together</a:t>
+            </a:r>
+          </a:p>
+        </p:txBody>
+      </p:sp>
+      <p:sp>
+        <p:nvSpPr>
+          <p:cNvPr id="4" name="Slide Number Placeholder 3"/>
+          <p:cNvSpPr>
+            <a:spLocks noGrp="1"/>
+          </p:cNvSpPr>
+          <p:nvPr>
+            <p:ph type="sldNum" sz="quarter" idx="5"/>
+          </p:nvPr>
+        </p:nvSpPr>
+        <p:spPr/>
+        <p:txBody>
+          <a:bodyPr/>
+          <a:lstStyle/>
+          <a:p>
+            <a:fld id="{30A9034F-20AE-4DE7-96BC-FDD871D2842E}" type="slidenum">
+              <a:rPr lang="en-US" smtClean="0"/>
+              <a:t>12</a:t>
+            </a:fld>
+            <a:endParaRPr lang="en-US"/>
+          </a:p>
+        </p:txBody>
+      </p:sp>
+    </p:spTree>
+    <p:extLst>
+      <p:ext uri="{BB962C8B-B14F-4D97-AF65-F5344CB8AC3E}">
+        <p14:creationId xmlns:p14="http://schemas.microsoft.com/office/powerpoint/2010/main" val="4147168199"/>
+      </p:ext>
+    </p:extLst>
+  </p:cSld>
+  <p:clrMapOvr>
+    <a:masterClrMapping/>
+  </p:clrMapOvr>
+</p:notes>
+</file>
+
+<file path=ppt/notesSlides/notesSlide13.xml><?xml version="1.0" encoding="utf-8"?>
+<p:notes xmlns:a="http://schemas.openxmlformats.org/drawingml/2006/main" xmlns:r="http://schemas.openxmlformats.org/officeDocument/2006/relationships" xmlns:p="http://schemas.openxmlformats.org/presentationml/2006/main">
+  <p:cSld>
+    <p:spTree>
+      <p:nvGrpSpPr>
+        <p:cNvPr id="1" name=""/>
+        <p:cNvGrpSpPr/>
+        <p:nvPr/>
+      </p:nvGrpSpPr>
+      <p:grpSpPr>
+        <a:xfrm>
+          <a:off x="0" y="0"/>
+          <a:ext cx="0" cy="0"/>
+          <a:chOff x="0" y="0"/>
+          <a:chExt cx="0" cy="0"/>
+        </a:xfrm>
+      </p:grpSpPr>
+      <p:sp>
+        <p:nvSpPr>
+          <p:cNvPr id="2" name="Slide Image Placeholder 1"/>
+          <p:cNvSpPr>
+            <a:spLocks noGrp="1" noRot="1" noChangeAspect="1"/>
+          </p:cNvSpPr>
+          <p:nvPr>
+            <p:ph type="sldImg"/>
+          </p:nvPr>
+        </p:nvSpPr>
+        <p:spPr/>
+      </p:sp>
+      <p:sp>
+        <p:nvSpPr>
+          <p:cNvPr id="3" name="Notes Placeholder 2"/>
+          <p:cNvSpPr>
+            <a:spLocks noGrp="1"/>
+          </p:cNvSpPr>
+          <p:nvPr>
+            <p:ph type="body" idx="1"/>
+          </p:nvPr>
+        </p:nvSpPr>
+        <p:spPr/>
+        <p:txBody>
+          <a:bodyPr/>
+          <a:lstStyle/>
+          <a:p>
+            <a:r>
+              <a:rPr lang="en-US" dirty="0"/>
+              <a:t>-I’m going to talk through each of these charts we see but before I do that I wanted to provide some context around why the mockup is laid out the way it is</a:t>
+            </a:r>
+          </a:p>
+          <a:p>
+            <a:endParaRPr lang="en-US" dirty="0"/>
+          </a:p>
+          <a:p>
+            <a:r>
+              <a:rPr lang="en-US" dirty="0"/>
+              <a:t>-There was a literature review performed in 2002 that looked at the cognitive literature on how people understand graphs. This paper looked at 3 factors that influence a viewer's understanding of a graph:</a:t>
+            </a:r>
+          </a:p>
+          <a:p>
+            <a:r>
+              <a:rPr lang="en-US" dirty="0"/>
+              <a:t>            -the visual characteristics of the graph</a:t>
+            </a:r>
+          </a:p>
+          <a:p>
+            <a:r>
+              <a:rPr lang="en-US" dirty="0"/>
+              <a:t>            -a viewer's knowledge about graphs</a:t>
+            </a:r>
+          </a:p>
+          <a:p>
+            <a:r>
+              <a:rPr lang="en-US" dirty="0"/>
+              <a:t>            -a viewer's knowledge about the data in the graph</a:t>
+            </a:r>
+          </a:p>
+          <a:p>
+            <a:endParaRPr lang="en-US" dirty="0"/>
+          </a:p>
+          <a:p>
+            <a:r>
+              <a:rPr lang="en-US" dirty="0"/>
+              <a:t>-This paper synthesized their findings into recommendations for how to best present graphs to students. One of their recommendations was to represent the same data in multiple formats because this helps students' understanding when there are multiple quantitative facts to communicate about the data. I have 3 quantitative facts that I wish to communicate about the data</a:t>
+            </a:r>
+          </a:p>
+          <a:p>
+            <a:r>
+              <a:rPr lang="en-US" dirty="0"/>
+              <a:t>            -what is the trend of COVID-19 infections</a:t>
+            </a:r>
+          </a:p>
+          <a:p>
+            <a:r>
+              <a:rPr lang="en-US" dirty="0"/>
+              <a:t>            -what is the trend of the weather data point, temperature for instance</a:t>
+            </a:r>
+          </a:p>
+          <a:p>
+            <a:r>
+              <a:rPr lang="en-US" dirty="0"/>
+              <a:t>            -what is the covariance of COVID-19 infections with the weather data point</a:t>
+            </a:r>
+          </a:p>
+          <a:p>
+            <a:endParaRPr lang="en-US" dirty="0"/>
+          </a:p>
+          <a:p>
+            <a:r>
+              <a:rPr lang="en-US" dirty="0"/>
+              <a:t>-On this bottom chart we can see the average temperature for this county across this date range</a:t>
+            </a:r>
+          </a:p>
+        </p:txBody>
+      </p:sp>
+      <p:sp>
+        <p:nvSpPr>
+          <p:cNvPr id="4" name="Slide Number Placeholder 3"/>
+          <p:cNvSpPr>
+            <a:spLocks noGrp="1"/>
+          </p:cNvSpPr>
+          <p:nvPr>
+            <p:ph type="sldNum" sz="quarter" idx="5"/>
+          </p:nvPr>
+        </p:nvSpPr>
+        <p:spPr/>
+        <p:txBody>
+          <a:bodyPr/>
+          <a:lstStyle/>
+          <a:p>
+            <a:fld id="{30A9034F-20AE-4DE7-96BC-FDD871D2842E}" type="slidenum">
+              <a:rPr lang="en-US" smtClean="0"/>
+              <a:t>13</a:t>
+            </a:fld>
+            <a:endParaRPr lang="en-US"/>
+          </a:p>
+        </p:txBody>
+      </p:sp>
+    </p:spTree>
+    <p:extLst>
+      <p:ext uri="{BB962C8B-B14F-4D97-AF65-F5344CB8AC3E}">
+        <p14:creationId xmlns:p14="http://schemas.microsoft.com/office/powerpoint/2010/main" val="1068958344"/>
+      </p:ext>
+    </p:extLst>
+  </p:cSld>
+  <p:clrMapOvr>
+    <a:masterClrMapping/>
+  </p:clrMapOvr>
+</p:notes>
+</file>
+
+<file path=ppt/notesSlides/notesSlide14.xml><?xml version="1.0" encoding="utf-8"?>
+<p:notes xmlns:a="http://schemas.openxmlformats.org/drawingml/2006/main" xmlns:r="http://schemas.openxmlformats.org/officeDocument/2006/relationships" xmlns:p="http://schemas.openxmlformats.org/presentationml/2006/main">
+  <p:cSld>
+    <p:spTree>
+      <p:nvGrpSpPr>
+        <p:cNvPr id="1" name=""/>
+        <p:cNvGrpSpPr/>
+        <p:nvPr/>
+      </p:nvGrpSpPr>
+      <p:grpSpPr>
+        <a:xfrm>
+          <a:off x="0" y="0"/>
+          <a:ext cx="0" cy="0"/>
+          <a:chOff x="0" y="0"/>
+          <a:chExt cx="0" cy="0"/>
+        </a:xfrm>
+      </p:grpSpPr>
+      <p:sp>
+        <p:nvSpPr>
+          <p:cNvPr id="2" name="Slide Image Placeholder 1"/>
+          <p:cNvSpPr>
+            <a:spLocks noGrp="1" noRot="1" noChangeAspect="1"/>
+          </p:cNvSpPr>
+          <p:nvPr>
+            <p:ph type="sldImg"/>
+          </p:nvPr>
+        </p:nvSpPr>
+        <p:spPr/>
+      </p:sp>
+      <p:sp>
+        <p:nvSpPr>
+          <p:cNvPr id="3" name="Notes Placeholder 2"/>
+          <p:cNvSpPr>
+            <a:spLocks noGrp="1"/>
+          </p:cNvSpPr>
+          <p:nvPr>
+            <p:ph type="body" idx="1"/>
+          </p:nvPr>
+        </p:nvSpPr>
+        <p:spPr/>
+        <p:txBody>
+          <a:bodyPr/>
+          <a:lstStyle/>
+          <a:p>
+            <a:pPr marL="0" marR="0" lvl="0" indent="0" algn="l" defTabSz="914400" rtl="0" eaLnBrk="1" fontAlgn="auto" latinLnBrk="0" hangingPunct="1">
+              <a:lnSpc>
+                <a:spcPct val="100000"/>
+              </a:lnSpc>
+              <a:spcBef>
+                <a:spcPts val="0"/>
+              </a:spcBef>
+              <a:spcAft>
+                <a:spcPts val="0"/>
+              </a:spcAft>
+              <a:buClrTx/>
+              <a:buSzTx/>
+              <a:buFontTx/>
+              <a:buNone/>
+              <a:tabLst/>
+              <a:defRPr/>
+            </a:pPr>
+            <a:r>
+              <a:rPr lang="en-US" dirty="0"/>
+              <a:t>-On this middle chart we can see the COVID-19 infections for this county across this date range</a:t>
+            </a:r>
+          </a:p>
+          <a:p>
+            <a:endParaRPr lang="en-US" dirty="0"/>
+          </a:p>
+        </p:txBody>
+      </p:sp>
+      <p:sp>
+        <p:nvSpPr>
+          <p:cNvPr id="4" name="Slide Number Placeholder 3"/>
+          <p:cNvSpPr>
+            <a:spLocks noGrp="1"/>
+          </p:cNvSpPr>
+          <p:nvPr>
+            <p:ph type="sldNum" sz="quarter" idx="5"/>
+          </p:nvPr>
+        </p:nvSpPr>
+        <p:spPr/>
+        <p:txBody>
+          <a:bodyPr/>
+          <a:lstStyle/>
+          <a:p>
+            <a:fld id="{30A9034F-20AE-4DE7-96BC-FDD871D2842E}" type="slidenum">
+              <a:rPr lang="en-US" smtClean="0"/>
+              <a:t>14</a:t>
+            </a:fld>
+            <a:endParaRPr lang="en-US"/>
+          </a:p>
+        </p:txBody>
+      </p:sp>
+    </p:spTree>
+    <p:extLst>
+      <p:ext uri="{BB962C8B-B14F-4D97-AF65-F5344CB8AC3E}">
+        <p14:creationId xmlns:p14="http://schemas.microsoft.com/office/powerpoint/2010/main" val="1307190119"/>
+      </p:ext>
+    </p:extLst>
+  </p:cSld>
+  <p:clrMapOvr>
+    <a:masterClrMapping/>
+  </p:clrMapOvr>
+</p:notes>
+</file>
+
+<file path=ppt/notesSlides/notesSlide15.xml><?xml version="1.0" encoding="utf-8"?>
+<p:notes xmlns:a="http://schemas.openxmlformats.org/drawingml/2006/main" xmlns:r="http://schemas.openxmlformats.org/officeDocument/2006/relationships" xmlns:p="http://schemas.openxmlformats.org/presentationml/2006/main">
+  <p:cSld>
+    <p:spTree>
+      <p:nvGrpSpPr>
+        <p:cNvPr id="1" name=""/>
+        <p:cNvGrpSpPr/>
+        <p:nvPr/>
+      </p:nvGrpSpPr>
+      <p:grpSpPr>
+        <a:xfrm>
+          <a:off x="0" y="0"/>
+          <a:ext cx="0" cy="0"/>
+          <a:chOff x="0" y="0"/>
+          <a:chExt cx="0" cy="0"/>
+        </a:xfrm>
+      </p:grpSpPr>
+      <p:sp>
+        <p:nvSpPr>
+          <p:cNvPr id="2" name="Slide Image Placeholder 1"/>
+          <p:cNvSpPr>
+            <a:spLocks noGrp="1" noRot="1" noChangeAspect="1"/>
+          </p:cNvSpPr>
+          <p:nvPr>
+            <p:ph type="sldImg"/>
+          </p:nvPr>
+        </p:nvSpPr>
+        <p:spPr/>
+      </p:sp>
+      <p:sp>
+        <p:nvSpPr>
+          <p:cNvPr id="3" name="Notes Placeholder 2"/>
+          <p:cNvSpPr>
+            <a:spLocks noGrp="1"/>
+          </p:cNvSpPr>
+          <p:nvPr>
+            <p:ph type="body" idx="1"/>
+          </p:nvPr>
+        </p:nvSpPr>
+        <p:spPr/>
+        <p:txBody>
+          <a:bodyPr/>
+          <a:lstStyle/>
+          <a:p>
+            <a:pPr marL="0" marR="0" lvl="0" indent="0" algn="l" defTabSz="914400" rtl="0" eaLnBrk="1" fontAlgn="auto" latinLnBrk="0" hangingPunct="1">
+              <a:lnSpc>
+                <a:spcPct val="100000"/>
+              </a:lnSpc>
+              <a:spcBef>
+                <a:spcPts val="0"/>
+              </a:spcBef>
+              <a:spcAft>
+                <a:spcPts val="0"/>
+              </a:spcAft>
+              <a:buClrTx/>
+              <a:buSzTx/>
+              <a:buFontTx/>
+              <a:buNone/>
+              <a:tabLst/>
+              <a:defRPr/>
+            </a:pPr>
+            <a:r>
+              <a:rPr lang="en-US" dirty="0"/>
+              <a:t>-On this top chart we can see a scatter plot of COVID-19 infections and average temperature along with the correlation coefficient which, from a high level, is a number that shows you how correlated 2 variables are</a:t>
+            </a:r>
+          </a:p>
+          <a:p>
+            <a:endParaRPr lang="en-US" dirty="0"/>
+          </a:p>
+        </p:txBody>
+      </p:sp>
+      <p:sp>
+        <p:nvSpPr>
+          <p:cNvPr id="4" name="Slide Number Placeholder 3"/>
+          <p:cNvSpPr>
+            <a:spLocks noGrp="1"/>
+          </p:cNvSpPr>
+          <p:nvPr>
+            <p:ph type="sldNum" sz="quarter" idx="5"/>
+          </p:nvPr>
+        </p:nvSpPr>
+        <p:spPr/>
+        <p:txBody>
+          <a:bodyPr/>
+          <a:lstStyle/>
+          <a:p>
+            <a:fld id="{30A9034F-20AE-4DE7-96BC-FDD871D2842E}" type="slidenum">
+              <a:rPr lang="en-US" smtClean="0"/>
+              <a:t>15</a:t>
+            </a:fld>
+            <a:endParaRPr lang="en-US"/>
+          </a:p>
+        </p:txBody>
+      </p:sp>
+    </p:spTree>
+    <p:extLst>
+      <p:ext uri="{BB962C8B-B14F-4D97-AF65-F5344CB8AC3E}">
+        <p14:creationId xmlns:p14="http://schemas.microsoft.com/office/powerpoint/2010/main" val="334779462"/>
+      </p:ext>
+    </p:extLst>
+  </p:cSld>
+  <p:clrMapOvr>
+    <a:masterClrMapping/>
+  </p:clrMapOvr>
+</p:notes>
+</file>
+
+<file path=ppt/notesSlides/notesSlide16.xml><?xml version="1.0" encoding="utf-8"?>
+<p:notes xmlns:a="http://schemas.openxmlformats.org/drawingml/2006/main" xmlns:r="http://schemas.openxmlformats.org/officeDocument/2006/relationships" xmlns:p="http://schemas.openxmlformats.org/presentationml/2006/main">
+  <p:cSld>
+    <p:spTree>
+      <p:nvGrpSpPr>
+        <p:cNvPr id="1" name=""/>
+        <p:cNvGrpSpPr/>
+        <p:nvPr/>
+      </p:nvGrpSpPr>
+      <p:grpSpPr>
+        <a:xfrm>
+          <a:off x="0" y="0"/>
+          <a:ext cx="0" cy="0"/>
+          <a:chOff x="0" y="0"/>
+          <a:chExt cx="0" cy="0"/>
+        </a:xfrm>
+      </p:grpSpPr>
+      <p:sp>
+        <p:nvSpPr>
+          <p:cNvPr id="2" name="Slide Image Placeholder 1"/>
+          <p:cNvSpPr>
+            <a:spLocks noGrp="1" noRot="1" noChangeAspect="1"/>
+          </p:cNvSpPr>
+          <p:nvPr>
+            <p:ph type="sldImg"/>
+          </p:nvPr>
+        </p:nvSpPr>
+        <p:spPr/>
+      </p:sp>
+      <p:sp>
+        <p:nvSpPr>
+          <p:cNvPr id="3" name="Notes Placeholder 2"/>
+          <p:cNvSpPr>
+            <a:spLocks noGrp="1"/>
+          </p:cNvSpPr>
+          <p:nvPr>
+            <p:ph type="body" idx="1"/>
+          </p:nvPr>
+        </p:nvSpPr>
+        <p:spPr/>
+        <p:txBody>
+          <a:bodyPr/>
+          <a:lstStyle/>
+          <a:p>
+            <a:r>
+              <a:rPr lang="en-US" dirty="0"/>
+              <a:t>-In this mockup we see the chart settings menu opened up</a:t>
+            </a:r>
+          </a:p>
+          <a:p>
+            <a:endParaRPr lang="en-US" dirty="0"/>
+          </a:p>
+          <a:p>
+            <a:r>
+              <a:rPr lang="en-US" dirty="0"/>
+              <a:t>-This mockup is related to user stories 10 – 12</a:t>
+            </a:r>
+          </a:p>
+          <a:p>
+            <a:endParaRPr lang="en-US" dirty="0"/>
+          </a:p>
+          <a:p>
+            <a:r>
+              <a:rPr lang="en-US" dirty="0"/>
+              <a:t>-These user stories center around the configurability of the visualization</a:t>
+            </a:r>
+          </a:p>
+          <a:p>
+            <a:endParaRPr lang="en-US" dirty="0"/>
+          </a:p>
+          <a:p>
+            <a:endParaRPr lang="en-US" dirty="0"/>
+          </a:p>
+        </p:txBody>
+      </p:sp>
+      <p:sp>
+        <p:nvSpPr>
+          <p:cNvPr id="4" name="Slide Number Placeholder 3"/>
+          <p:cNvSpPr>
+            <a:spLocks noGrp="1"/>
+          </p:cNvSpPr>
+          <p:nvPr>
+            <p:ph type="sldNum" sz="quarter" idx="5"/>
+          </p:nvPr>
+        </p:nvSpPr>
+        <p:spPr/>
+        <p:txBody>
+          <a:bodyPr/>
+          <a:lstStyle/>
+          <a:p>
+            <a:fld id="{30A9034F-20AE-4DE7-96BC-FDD871D2842E}" type="slidenum">
+              <a:rPr lang="en-US" smtClean="0"/>
+              <a:t>16</a:t>
+            </a:fld>
+            <a:endParaRPr lang="en-US"/>
+          </a:p>
+        </p:txBody>
+      </p:sp>
+    </p:spTree>
+    <p:extLst>
+      <p:ext uri="{BB962C8B-B14F-4D97-AF65-F5344CB8AC3E}">
+        <p14:creationId xmlns:p14="http://schemas.microsoft.com/office/powerpoint/2010/main" val="1614166688"/>
+      </p:ext>
+    </p:extLst>
+  </p:cSld>
+  <p:clrMapOvr>
+    <a:masterClrMapping/>
+  </p:clrMapOvr>
+</p:notes>
+</file>
+
+<file path=ppt/notesSlides/notesSlide17.xml><?xml version="1.0" encoding="utf-8"?>
+<p:notes xmlns:a="http://schemas.openxmlformats.org/drawingml/2006/main" xmlns:r="http://schemas.openxmlformats.org/officeDocument/2006/relationships" xmlns:p="http://schemas.openxmlformats.org/presentationml/2006/main">
+  <p:cSld>
+    <p:spTree>
+      <p:nvGrpSpPr>
+        <p:cNvPr id="1" name=""/>
+        <p:cNvGrpSpPr/>
+        <p:nvPr/>
+      </p:nvGrpSpPr>
+      <p:grpSpPr>
+        <a:xfrm>
+          <a:off x="0" y="0"/>
+          <a:ext cx="0" cy="0"/>
+          <a:chOff x="0" y="0"/>
+          <a:chExt cx="0" cy="0"/>
+        </a:xfrm>
+      </p:grpSpPr>
+      <p:sp>
+        <p:nvSpPr>
+          <p:cNvPr id="2" name="Slide Image Placeholder 1"/>
+          <p:cNvSpPr>
+            <a:spLocks noGrp="1" noRot="1" noChangeAspect="1"/>
+          </p:cNvSpPr>
+          <p:nvPr>
+            <p:ph type="sldImg"/>
+          </p:nvPr>
+        </p:nvSpPr>
+        <p:spPr/>
+      </p:sp>
+      <p:sp>
+        <p:nvSpPr>
+          <p:cNvPr id="3" name="Notes Placeholder 2"/>
+          <p:cNvSpPr>
+            <a:spLocks noGrp="1"/>
+          </p:cNvSpPr>
+          <p:nvPr>
+            <p:ph type="body" idx="1"/>
+          </p:nvPr>
+        </p:nvSpPr>
+        <p:spPr/>
+        <p:txBody>
+          <a:bodyPr/>
+          <a:lstStyle/>
+          <a:p>
+            <a:r>
+              <a:rPr lang="en-US" dirty="0"/>
+              <a:t>-Here is a better picture of what that chart settings menu looks like</a:t>
+            </a:r>
+          </a:p>
+          <a:p>
+            <a:endParaRPr lang="en-US" dirty="0"/>
+          </a:p>
+          <a:p>
+            <a:r>
+              <a:rPr lang="en-US" dirty="0"/>
+              <a:t>-The top selection that a user can make here is how the data is aggregated</a:t>
+            </a:r>
+          </a:p>
+          <a:p>
+            <a:r>
+              <a:rPr lang="en-US" dirty="0"/>
+              <a:t>-Users will be able to view the data points as daily data points, weekly averages or 7-day rolling averages</a:t>
+            </a:r>
+          </a:p>
+          <a:p>
+            <a:endParaRPr lang="en-US" dirty="0"/>
+          </a:p>
+          <a:p>
+            <a:r>
+              <a:rPr lang="en-US" dirty="0"/>
+              <a:t>-This was actually something I found in the previous papers that looked at weather and influenza and covid-19</a:t>
+            </a:r>
+          </a:p>
+          <a:p>
+            <a:r>
+              <a:rPr lang="en-US" dirty="0"/>
+              <a:t>-These papers rolled up their data to weekly averages or 7-day rolling averages in order to smooth out the data</a:t>
+            </a:r>
+          </a:p>
+          <a:p>
+            <a:r>
+              <a:rPr lang="en-US" dirty="0"/>
+              <a:t>-This becomes more important for the COVID datasets because there are large spikes that can occur due to variations in how many tests were performed in a county day to day</a:t>
+            </a:r>
+          </a:p>
+          <a:p>
+            <a:r>
+              <a:rPr lang="en-US" dirty="0"/>
+              <a:t>-This feature allows a user to smooth out those spikes</a:t>
+            </a:r>
+          </a:p>
+          <a:p>
+            <a:endParaRPr lang="en-US" dirty="0"/>
+          </a:p>
+          <a:p>
+            <a:r>
+              <a:rPr lang="en-US" dirty="0"/>
+              <a:t>-The other selection here is the weather data point</a:t>
+            </a:r>
+          </a:p>
+          <a:p>
+            <a:r>
+              <a:rPr lang="en-US" dirty="0"/>
+              <a:t>-Users will be able to select a weather data point from a predefined list</a:t>
+            </a:r>
+          </a:p>
+          <a:p>
+            <a:r>
+              <a:rPr lang="en-US" dirty="0"/>
+              <a:t>-When a user changes this selection they would see the bottom and top charts update</a:t>
+            </a:r>
+          </a:p>
+          <a:p>
+            <a:r>
+              <a:rPr lang="en-US" dirty="0"/>
+              <a:t>-So for instance if a user changed the selection from Average Temperature to Average Relative Humidity…</a:t>
+            </a:r>
+          </a:p>
+        </p:txBody>
+      </p:sp>
+      <p:sp>
+        <p:nvSpPr>
+          <p:cNvPr id="4" name="Slide Number Placeholder 3"/>
+          <p:cNvSpPr>
+            <a:spLocks noGrp="1"/>
+          </p:cNvSpPr>
+          <p:nvPr>
+            <p:ph type="sldNum" sz="quarter" idx="5"/>
+          </p:nvPr>
+        </p:nvSpPr>
+        <p:spPr/>
+        <p:txBody>
+          <a:bodyPr/>
+          <a:lstStyle/>
+          <a:p>
+            <a:fld id="{30A9034F-20AE-4DE7-96BC-FDD871D2842E}" type="slidenum">
+              <a:rPr lang="en-US" smtClean="0"/>
+              <a:t>17</a:t>
+            </a:fld>
+            <a:endParaRPr lang="en-US"/>
+          </a:p>
+        </p:txBody>
+      </p:sp>
+    </p:spTree>
+    <p:extLst>
+      <p:ext uri="{BB962C8B-B14F-4D97-AF65-F5344CB8AC3E}">
+        <p14:creationId xmlns:p14="http://schemas.microsoft.com/office/powerpoint/2010/main" val="3887537501"/>
+      </p:ext>
+    </p:extLst>
+  </p:cSld>
+  <p:clrMapOvr>
+    <a:masterClrMapping/>
+  </p:clrMapOvr>
+</p:notes>
+</file>
+
+<file path=ppt/notesSlides/notesSlide18.xml><?xml version="1.0" encoding="utf-8"?>
+<p:notes xmlns:a="http://schemas.openxmlformats.org/drawingml/2006/main" xmlns:r="http://schemas.openxmlformats.org/officeDocument/2006/relationships" xmlns:p="http://schemas.openxmlformats.org/presentationml/2006/main">
+  <p:cSld>
+    <p:spTree>
+      <p:nvGrpSpPr>
+        <p:cNvPr id="1" name=""/>
+        <p:cNvGrpSpPr/>
+        <p:nvPr/>
+      </p:nvGrpSpPr>
+      <p:grpSpPr>
+        <a:xfrm>
+          <a:off x="0" y="0"/>
+          <a:ext cx="0" cy="0"/>
+          <a:chOff x="0" y="0"/>
+          <a:chExt cx="0" cy="0"/>
+        </a:xfrm>
+      </p:grpSpPr>
+      <p:sp>
+        <p:nvSpPr>
+          <p:cNvPr id="2" name="Slide Image Placeholder 1"/>
+          <p:cNvSpPr>
+            <a:spLocks noGrp="1" noRot="1" noChangeAspect="1"/>
+          </p:cNvSpPr>
+          <p:nvPr>
+            <p:ph type="sldImg"/>
+          </p:nvPr>
+        </p:nvSpPr>
+        <p:spPr/>
+      </p:sp>
+      <p:sp>
+        <p:nvSpPr>
+          <p:cNvPr id="3" name="Notes Placeholder 2"/>
+          <p:cNvSpPr>
+            <a:spLocks noGrp="1"/>
+          </p:cNvSpPr>
+          <p:nvPr>
+            <p:ph type="body" idx="1"/>
+          </p:nvPr>
+        </p:nvSpPr>
+        <p:spPr/>
+        <p:txBody>
+          <a:bodyPr/>
+          <a:lstStyle/>
+          <a:p>
+            <a:r>
+              <a:rPr lang="en-US" dirty="0"/>
+              <a:t>-This last mockup here is related to user story 13 that deals with how a student can gather evidence they can reference for their conclusion</a:t>
+            </a:r>
+          </a:p>
+        </p:txBody>
+      </p:sp>
+      <p:sp>
+        <p:nvSpPr>
+          <p:cNvPr id="4" name="Slide Number Placeholder 3"/>
+          <p:cNvSpPr>
+            <a:spLocks noGrp="1"/>
+          </p:cNvSpPr>
+          <p:nvPr>
+            <p:ph type="sldNum" sz="quarter" idx="5"/>
+          </p:nvPr>
+        </p:nvSpPr>
+        <p:spPr/>
+        <p:txBody>
+          <a:bodyPr/>
+          <a:lstStyle/>
+          <a:p>
+            <a:fld id="{30A9034F-20AE-4DE7-96BC-FDD871D2842E}" type="slidenum">
+              <a:rPr lang="en-US" smtClean="0"/>
+              <a:t>18</a:t>
+            </a:fld>
+            <a:endParaRPr lang="en-US"/>
+          </a:p>
+        </p:txBody>
+      </p:sp>
+    </p:spTree>
+    <p:extLst>
+      <p:ext uri="{BB962C8B-B14F-4D97-AF65-F5344CB8AC3E}">
+        <p14:creationId xmlns:p14="http://schemas.microsoft.com/office/powerpoint/2010/main" val="233385886"/>
+      </p:ext>
+    </p:extLst>
+  </p:cSld>
+  <p:clrMapOvr>
+    <a:masterClrMapping/>
+  </p:clrMapOvr>
+</p:notes>
+</file>
+
+<file path=ppt/notesSlides/notesSlide19.xml><?xml version="1.0" encoding="utf-8"?>
+<p:notes xmlns:a="http://schemas.openxmlformats.org/drawingml/2006/main" xmlns:r="http://schemas.openxmlformats.org/officeDocument/2006/relationships" xmlns:p="http://schemas.openxmlformats.org/presentationml/2006/main">
+  <p:cSld>
+    <p:spTree>
+      <p:nvGrpSpPr>
+        <p:cNvPr id="1" name=""/>
+        <p:cNvGrpSpPr/>
+        <p:nvPr/>
+      </p:nvGrpSpPr>
+      <p:grpSpPr>
+        <a:xfrm>
+          <a:off x="0" y="0"/>
+          <a:ext cx="0" cy="0"/>
+          <a:chOff x="0" y="0"/>
+          <a:chExt cx="0" cy="0"/>
+        </a:xfrm>
+      </p:grpSpPr>
+      <p:sp>
+        <p:nvSpPr>
+          <p:cNvPr id="2" name="Slide Image Placeholder 1"/>
+          <p:cNvSpPr>
+            <a:spLocks noGrp="1" noRot="1" noChangeAspect="1"/>
+          </p:cNvSpPr>
+          <p:nvPr>
+            <p:ph type="sldImg"/>
+          </p:nvPr>
+        </p:nvSpPr>
+        <p:spPr/>
+      </p:sp>
+      <p:sp>
+        <p:nvSpPr>
+          <p:cNvPr id="3" name="Notes Placeholder 2"/>
+          <p:cNvSpPr>
+            <a:spLocks noGrp="1"/>
+          </p:cNvSpPr>
+          <p:nvPr>
+            <p:ph type="body" idx="1"/>
+          </p:nvPr>
+        </p:nvSpPr>
+        <p:spPr/>
+        <p:txBody>
+          <a:bodyPr/>
+          <a:lstStyle/>
+          <a:p>
+            <a:r>
+              <a:rPr lang="en-US" dirty="0"/>
+              <a:t>-Here is a better view of what that looks like to the user</a:t>
+            </a:r>
+          </a:p>
+          <a:p>
+            <a:endParaRPr lang="en-US" dirty="0"/>
+          </a:p>
+          <a:p>
+            <a:r>
+              <a:rPr lang="en-US" dirty="0"/>
+              <a:t>-Basically, I plan on encoding the current application state in the URL so that when a student wants to share what they are seeing on their screen with someone else they just need to copy the link</a:t>
+            </a:r>
+          </a:p>
+          <a:p>
+            <a:r>
+              <a:rPr lang="en-US" dirty="0"/>
+              <a:t>-Then when someone else opens that link they would be taken to the same county with all the same chart settings selected</a:t>
+            </a:r>
+          </a:p>
+        </p:txBody>
+      </p:sp>
+      <p:sp>
+        <p:nvSpPr>
+          <p:cNvPr id="4" name="Slide Number Placeholder 3"/>
+          <p:cNvSpPr>
+            <a:spLocks noGrp="1"/>
+          </p:cNvSpPr>
+          <p:nvPr>
+            <p:ph type="sldNum" sz="quarter" idx="5"/>
+          </p:nvPr>
+        </p:nvSpPr>
+        <p:spPr/>
+        <p:txBody>
+          <a:bodyPr/>
+          <a:lstStyle/>
+          <a:p>
+            <a:fld id="{30A9034F-20AE-4DE7-96BC-FDD871D2842E}" type="slidenum">
+              <a:rPr lang="en-US" smtClean="0"/>
+              <a:t>19</a:t>
+            </a:fld>
+            <a:endParaRPr lang="en-US"/>
+          </a:p>
+        </p:txBody>
+      </p:sp>
+    </p:spTree>
+    <p:extLst>
+      <p:ext uri="{BB962C8B-B14F-4D97-AF65-F5344CB8AC3E}">
+        <p14:creationId xmlns:p14="http://schemas.microsoft.com/office/powerpoint/2010/main" val="4118892811"/>
+      </p:ext>
+    </p:extLst>
+  </p:cSld>
+  <p:clrMapOvr>
+    <a:masterClrMapping/>
+  </p:clrMapOvr>
+</p:notes>
+</file>
+
+<file path=ppt/notesSlides/notesSlide2.xml><?xml version="1.0" encoding="utf-8"?>
+<p:notes xmlns:a="http://schemas.openxmlformats.org/drawingml/2006/main" xmlns:r="http://schemas.openxmlformats.org/officeDocument/2006/relationships" xmlns:p="http://schemas.openxmlformats.org/presentationml/2006/main">
+  <p:cSld>
+    <p:spTree>
+      <p:nvGrpSpPr>
+        <p:cNvPr id="1" name=""/>
+        <p:cNvGrpSpPr/>
+        <p:nvPr/>
+      </p:nvGrpSpPr>
+      <p:grpSpPr>
+        <a:xfrm>
+          <a:off x="0" y="0"/>
+          <a:ext cx="0" cy="0"/>
+          <a:chOff x="0" y="0"/>
+          <a:chExt cx="0" cy="0"/>
+        </a:xfrm>
+      </p:grpSpPr>
+      <p:sp>
+        <p:nvSpPr>
+          <p:cNvPr id="2" name="Slide Image Placeholder 1"/>
+          <p:cNvSpPr>
+            <a:spLocks noGrp="1" noRot="1" noChangeAspect="1"/>
+          </p:cNvSpPr>
+          <p:nvPr>
+            <p:ph type="sldImg"/>
+          </p:nvPr>
+        </p:nvSpPr>
+        <p:spPr/>
+      </p:sp>
+      <p:sp>
+        <p:nvSpPr>
+          <p:cNvPr id="3" name="Notes Placeholder 2"/>
+          <p:cNvSpPr>
+            <a:spLocks noGrp="1"/>
+          </p:cNvSpPr>
+          <p:nvPr>
+            <p:ph type="body" idx="1"/>
+          </p:nvPr>
+        </p:nvSpPr>
+        <p:spPr/>
+        <p:txBody>
+          <a:bodyPr/>
+          <a:lstStyle/>
+          <a:p>
+            <a:r>
+              <a:rPr lang="en-US" dirty="0"/>
+              <a:t> -Some of you might remember when this pandemic began last spring some people said this would all just 'go away' with warmer weather...</a:t>
+            </a:r>
+          </a:p>
+          <a:p>
+            <a:r>
+              <a:rPr lang="en-US" dirty="0"/>
+              <a:t>-While we know that this did not all just 'go away', people were bringing this up because weather's effect on the season flu is actually well established.</a:t>
+            </a:r>
+          </a:p>
+          <a:p>
+            <a:endParaRPr lang="en-US" dirty="0"/>
+          </a:p>
+          <a:p>
+            <a:r>
+              <a:rPr lang="en-US" dirty="0"/>
+              <a:t>-There was a study done in France in 2016 that looked at weather's role on seasonal influenza spread (Roussel et al., 2016)</a:t>
+            </a:r>
+          </a:p>
+          <a:p>
+            <a:r>
+              <a:rPr lang="en-US" dirty="0"/>
+              <a:t>-This study found that a couple groups of weather variables had an impact of influenza spread</a:t>
+            </a:r>
+          </a:p>
+          <a:p>
+            <a:r>
+              <a:rPr lang="en-US" dirty="0"/>
+              <a:t>-The first group was temperature, </a:t>
+            </a:r>
+            <a:r>
+              <a:rPr lang="en-US" dirty="0" err="1"/>
+              <a:t>aboslute</a:t>
+            </a:r>
+            <a:r>
+              <a:rPr lang="en-US" dirty="0"/>
+              <a:t> humidity and daily variation of </a:t>
+            </a:r>
+            <a:r>
+              <a:rPr lang="en-US" dirty="0" err="1"/>
+              <a:t>aboslute</a:t>
+            </a:r>
+            <a:r>
+              <a:rPr lang="en-US" dirty="0"/>
+              <a:t> humidity</a:t>
+            </a:r>
+          </a:p>
+          <a:p>
+            <a:r>
+              <a:rPr lang="en-US" dirty="0"/>
+              <a:t>-The second group was sunshine duration, relative humidity and daily variation of relative humidity</a:t>
+            </a:r>
+          </a:p>
+          <a:p>
+            <a:r>
+              <a:rPr lang="en-US" dirty="0"/>
+              <a:t>-The impact of these groups of weather variables was found to be between 3% - 6%, so relatively low but still there</a:t>
+            </a:r>
+          </a:p>
+          <a:p>
+            <a:r>
+              <a:rPr lang="en-US" dirty="0"/>
+              <a:t>-This study mentioned that their results were consistent with similar studies in other parts of the world where a weather impact on influenza spread was found to be a few percent as well</a:t>
+            </a:r>
+          </a:p>
+          <a:p>
+            <a:r>
+              <a:rPr lang="en-US" dirty="0"/>
+              <a:t>    </a:t>
+            </a:r>
+          </a:p>
+          <a:p>
+            <a:r>
+              <a:rPr lang="en-US" dirty="0"/>
+              <a:t>-There have been a few studies this last year looking at weather's role in the COVID-19 pandemic</a:t>
+            </a:r>
+          </a:p>
+          <a:p>
+            <a:r>
+              <a:rPr lang="en-US" dirty="0"/>
+              <a:t>-Results have been mixed</a:t>
+            </a:r>
+          </a:p>
+          <a:p>
+            <a:endParaRPr lang="en-US" dirty="0"/>
+          </a:p>
+          <a:p>
+            <a:r>
+              <a:rPr lang="en-US" dirty="0"/>
+              <a:t>-One literature review summarized the work of 23 studies that investigated the relationship between COVID-19 transmission and different weather variables (</a:t>
+            </a:r>
+            <a:r>
+              <a:rPr lang="en-US" dirty="0" err="1"/>
+              <a:t>McClymont</a:t>
+            </a:r>
+            <a:r>
+              <a:rPr lang="en-US" dirty="0"/>
+              <a:t> &amp; Hu, 2021)</a:t>
+            </a:r>
+          </a:p>
+          <a:p>
+            <a:r>
+              <a:rPr lang="en-US" dirty="0"/>
+              <a:t>-This literature review found that most studies who looked at temperature or humidity found a correlation with COVID-19 transmission\</a:t>
+            </a:r>
+          </a:p>
+          <a:p>
+            <a:r>
+              <a:rPr lang="en-US" dirty="0"/>
+              <a:t>-However, some reported a positive correlation while others reported a negative correlation</a:t>
+            </a:r>
+          </a:p>
+          <a:p>
+            <a:endParaRPr lang="en-US" dirty="0"/>
+          </a:p>
+          <a:p>
+            <a:r>
+              <a:rPr lang="en-US" dirty="0"/>
+              <a:t>-Another study published in the same journal highlighted an issue with the existing research on COVID-19 and weather (</a:t>
+            </a:r>
+            <a:r>
+              <a:rPr lang="en-US" dirty="0" err="1"/>
+              <a:t>Jamshidi</a:t>
+            </a:r>
+            <a:r>
+              <a:rPr lang="en-US" dirty="0"/>
+              <a:t> et al., 2020)</a:t>
+            </a:r>
+          </a:p>
+          <a:p>
+            <a:r>
+              <a:rPr lang="en-US" dirty="0"/>
+              <a:t>-They said that existing research only considers weather variables during analysis</a:t>
+            </a:r>
+          </a:p>
+          <a:p>
+            <a:r>
+              <a:rPr lang="en-US" dirty="0"/>
+              <a:t>-Instead, this study looked at weather variables alongside other things like population mobility (how much are people moving around) and urban density (how populated is this area)</a:t>
+            </a:r>
+          </a:p>
+          <a:p>
+            <a:r>
+              <a:rPr lang="en-US" dirty="0"/>
+              <a:t>-They found that weather's impact was small, a few percent, where as things like population mobility and urban density had a much higher impact, 34% and 13%</a:t>
+            </a:r>
+          </a:p>
+          <a:p>
+            <a:endParaRPr lang="en-US" dirty="0"/>
+          </a:p>
+          <a:p>
+            <a:r>
+              <a:rPr lang="en-US" dirty="0"/>
+              <a:t>-One limitation to point out with both of these studies is the data that they had to work with</a:t>
+            </a:r>
+          </a:p>
+          <a:p>
+            <a:r>
+              <a:rPr lang="en-US" dirty="0"/>
+              <a:t>-One study was submitted for review in September 2020 while the other study was submitted in November 2020 meaning that both of them were missing out on spikes seen in the US around the November - January timeframe</a:t>
+            </a:r>
+          </a:p>
+        </p:txBody>
+      </p:sp>
+      <p:sp>
+        <p:nvSpPr>
+          <p:cNvPr id="4" name="Slide Number Placeholder 3"/>
+          <p:cNvSpPr>
+            <a:spLocks noGrp="1"/>
+          </p:cNvSpPr>
+          <p:nvPr>
+            <p:ph type="sldNum" sz="quarter" idx="5"/>
+          </p:nvPr>
+        </p:nvSpPr>
+        <p:spPr/>
+        <p:txBody>
+          <a:bodyPr/>
+          <a:lstStyle/>
+          <a:p>
+            <a:fld id="{30A9034F-20AE-4DE7-96BC-FDD871D2842E}" type="slidenum">
+              <a:rPr lang="en-US" smtClean="0"/>
+              <a:t>2</a:t>
+            </a:fld>
+            <a:endParaRPr lang="en-US"/>
+          </a:p>
+        </p:txBody>
+      </p:sp>
+    </p:spTree>
+    <p:extLst>
+      <p:ext uri="{BB962C8B-B14F-4D97-AF65-F5344CB8AC3E}">
+        <p14:creationId xmlns:p14="http://schemas.microsoft.com/office/powerpoint/2010/main" val="2730733977"/>
+      </p:ext>
+    </p:extLst>
+  </p:cSld>
+  <p:clrMapOvr>
+    <a:masterClrMapping/>
+  </p:clrMapOvr>
+</p:notes>
+</file>
+
+<file path=ppt/notesSlides/notesSlide20.xml><?xml version="1.0" encoding="utf-8"?>
+<p:notes xmlns:a="http://schemas.openxmlformats.org/drawingml/2006/main" xmlns:r="http://schemas.openxmlformats.org/officeDocument/2006/relationships" xmlns:p="http://schemas.openxmlformats.org/presentationml/2006/main">
+  <p:cSld>
+    <p:spTree>
+      <p:nvGrpSpPr>
+        <p:cNvPr id="1" name=""/>
+        <p:cNvGrpSpPr/>
+        <p:nvPr/>
+      </p:nvGrpSpPr>
+      <p:grpSpPr>
+        <a:xfrm>
+          <a:off x="0" y="0"/>
+          <a:ext cx="0" cy="0"/>
+          <a:chOff x="0" y="0"/>
+          <a:chExt cx="0" cy="0"/>
+        </a:xfrm>
+      </p:grpSpPr>
+      <p:sp>
+        <p:nvSpPr>
+          <p:cNvPr id="2" name="Slide Image Placeholder 1"/>
+          <p:cNvSpPr>
+            <a:spLocks noGrp="1" noRot="1" noChangeAspect="1"/>
+          </p:cNvSpPr>
+          <p:nvPr>
+            <p:ph type="sldImg"/>
+          </p:nvPr>
+        </p:nvSpPr>
+        <p:spPr/>
+      </p:sp>
+      <p:sp>
+        <p:nvSpPr>
+          <p:cNvPr id="3" name="Notes Placeholder 2"/>
+          <p:cNvSpPr>
+            <a:spLocks noGrp="1"/>
+          </p:cNvSpPr>
+          <p:nvPr>
+            <p:ph type="body" idx="1"/>
+          </p:nvPr>
+        </p:nvSpPr>
+        <p:spPr/>
+        <p:txBody>
+          <a:bodyPr/>
+          <a:lstStyle/>
+          <a:p>
+            <a:r>
+              <a:rPr lang="en-US" dirty="0"/>
+              <a:t>-Now I'm going to talk about how I would go about building this, starting with my data sources</a:t>
+            </a:r>
+          </a:p>
+          <a:p>
+            <a:r>
+              <a:rPr lang="en-US" dirty="0"/>
+              <a:t> -I evaluated several data sources for both COVID-19 and Weather data.</a:t>
+            </a:r>
+          </a:p>
+          <a:p>
+            <a:endParaRPr lang="en-US" dirty="0"/>
+          </a:p>
+          <a:p>
+            <a:r>
+              <a:rPr lang="en-US" dirty="0"/>
+              <a:t>-For COVID-19 data I decided on the New York Times dataset on GitHub</a:t>
+            </a:r>
+          </a:p>
+          <a:p>
+            <a:r>
+              <a:rPr lang="en-US" dirty="0"/>
+              <a:t>-Cumulative cases by county by day for all counties in US.</a:t>
+            </a:r>
+          </a:p>
+          <a:p>
+            <a:endParaRPr lang="en-US" dirty="0"/>
+          </a:p>
+          <a:p>
+            <a:r>
+              <a:rPr lang="en-US" dirty="0"/>
+              <a:t>-Weather</a:t>
+            </a:r>
+          </a:p>
+          <a:p>
+            <a:r>
+              <a:rPr lang="en-US" dirty="0"/>
+              <a:t>-For my weather data I decided on using an API from </a:t>
+            </a:r>
+            <a:r>
+              <a:rPr lang="en-US" dirty="0" err="1"/>
+              <a:t>WeatherSource</a:t>
+            </a:r>
+            <a:endParaRPr lang="en-US" dirty="0"/>
+          </a:p>
+          <a:p>
+            <a:r>
+              <a:rPr lang="en-US" dirty="0"/>
+              <a:t>-</a:t>
+            </a:r>
+            <a:r>
+              <a:rPr lang="en-US" dirty="0" err="1"/>
+              <a:t>WeatherSource</a:t>
+            </a:r>
+            <a:r>
+              <a:rPr lang="en-US" dirty="0"/>
+              <a:t> is a technology company that provides a suite of products that help businesses leverage weather and climate data</a:t>
+            </a:r>
+          </a:p>
+          <a:p>
+            <a:r>
+              <a:rPr lang="en-US" dirty="0"/>
+              <a:t>-On March 16th, 2020 </a:t>
+            </a:r>
+            <a:r>
+              <a:rPr lang="en-US" dirty="0" err="1"/>
+              <a:t>WeatherSource</a:t>
+            </a:r>
+            <a:r>
+              <a:rPr lang="en-US" dirty="0"/>
+              <a:t> opened up their API for free to any researchers exploring the relationship between weather and the COVID-19 pandemic</a:t>
+            </a:r>
+          </a:p>
+          <a:p>
+            <a:r>
+              <a:rPr lang="en-US" dirty="0"/>
+              <a:t>-One of their APIs allows you to query many different weather data points by location using latitude and longitude or a zip code along with a date range</a:t>
+            </a:r>
+          </a:p>
+          <a:p>
+            <a:r>
+              <a:rPr lang="en-US" dirty="0"/>
+              <a:t>-Data can be returned in an hourly or daily format</a:t>
+            </a:r>
+          </a:p>
+          <a:p>
+            <a:r>
+              <a:rPr lang="en-US" dirty="0"/>
+              <a:t>-For my purposes I will be querying average temperature, average relative humidity and average absolute humidity by </a:t>
+            </a:r>
+            <a:r>
+              <a:rPr lang="en-US" dirty="0" err="1"/>
+              <a:t>lat</a:t>
+            </a:r>
+            <a:r>
+              <a:rPr lang="en-US" dirty="0"/>
+              <a:t>/long and a date range where the </a:t>
+            </a:r>
+            <a:r>
+              <a:rPr lang="en-US" dirty="0" err="1"/>
+              <a:t>lat</a:t>
+            </a:r>
+            <a:r>
+              <a:rPr lang="en-US" dirty="0"/>
+              <a:t>/long will be the centroid of the county the user has selected</a:t>
+            </a:r>
+          </a:p>
+          <a:p>
+            <a:r>
+              <a:rPr lang="en-US" dirty="0"/>
+              <a:t>-Data returned in a daily format</a:t>
+            </a:r>
+          </a:p>
+        </p:txBody>
+      </p:sp>
+      <p:sp>
+        <p:nvSpPr>
+          <p:cNvPr id="4" name="Slide Number Placeholder 3"/>
+          <p:cNvSpPr>
+            <a:spLocks noGrp="1"/>
+          </p:cNvSpPr>
+          <p:nvPr>
+            <p:ph type="sldNum" sz="quarter" idx="5"/>
+          </p:nvPr>
+        </p:nvSpPr>
+        <p:spPr/>
+        <p:txBody>
+          <a:bodyPr/>
+          <a:lstStyle/>
+          <a:p>
+            <a:fld id="{30A9034F-20AE-4DE7-96BC-FDD871D2842E}" type="slidenum">
+              <a:rPr lang="en-US" smtClean="0"/>
+              <a:t>20</a:t>
+            </a:fld>
+            <a:endParaRPr lang="en-US"/>
+          </a:p>
+        </p:txBody>
+      </p:sp>
+    </p:spTree>
+    <p:extLst>
+      <p:ext uri="{BB962C8B-B14F-4D97-AF65-F5344CB8AC3E}">
+        <p14:creationId xmlns:p14="http://schemas.microsoft.com/office/powerpoint/2010/main" val="2506242287"/>
+      </p:ext>
+    </p:extLst>
+  </p:cSld>
+  <p:clrMapOvr>
+    <a:masterClrMapping/>
+  </p:clrMapOvr>
+</p:notes>
+</file>
+
+<file path=ppt/notesSlides/notesSlide21.xml><?xml version="1.0" encoding="utf-8"?>
+<p:notes xmlns:a="http://schemas.openxmlformats.org/drawingml/2006/main" xmlns:r="http://schemas.openxmlformats.org/officeDocument/2006/relationships" xmlns:p="http://schemas.openxmlformats.org/presentationml/2006/main">
+  <p:cSld>
+    <p:spTree>
+      <p:nvGrpSpPr>
+        <p:cNvPr id="1" name=""/>
+        <p:cNvGrpSpPr/>
+        <p:nvPr/>
+      </p:nvGrpSpPr>
+      <p:grpSpPr>
+        <a:xfrm>
+          <a:off x="0" y="0"/>
+          <a:ext cx="0" cy="0"/>
+          <a:chOff x="0" y="0"/>
+          <a:chExt cx="0" cy="0"/>
+        </a:xfrm>
+      </p:grpSpPr>
+      <p:sp>
+        <p:nvSpPr>
+          <p:cNvPr id="2" name="Slide Image Placeholder 1"/>
+          <p:cNvSpPr>
+            <a:spLocks noGrp="1" noRot="1" noChangeAspect="1"/>
+          </p:cNvSpPr>
+          <p:nvPr>
+            <p:ph type="sldImg"/>
+          </p:nvPr>
+        </p:nvSpPr>
+        <p:spPr/>
+      </p:sp>
+      <p:sp>
+        <p:nvSpPr>
+          <p:cNvPr id="3" name="Notes Placeholder 2"/>
+          <p:cNvSpPr>
+            <a:spLocks noGrp="1"/>
+          </p:cNvSpPr>
+          <p:nvPr>
+            <p:ph type="body" idx="1"/>
+          </p:nvPr>
+        </p:nvSpPr>
+        <p:spPr/>
+        <p:txBody>
+          <a:bodyPr/>
+          <a:lstStyle/>
+          <a:p>
+            <a:r>
+              <a:rPr lang="en-US" dirty="0"/>
+              <a:t>-The data from those sources will need a little bit of transformation for my purposes</a:t>
+            </a:r>
+          </a:p>
+          <a:p>
+            <a:endParaRPr lang="en-US" dirty="0"/>
+          </a:p>
+          <a:p>
+            <a:r>
+              <a:rPr lang="en-US" dirty="0"/>
+              <a:t>-For the COVID data,  I start with cumulative case counts by day for a county</a:t>
+            </a:r>
+          </a:p>
+          <a:p>
+            <a:r>
+              <a:rPr lang="en-US" dirty="0"/>
+              <a:t>-I need to end up with new infections by day for a county</a:t>
+            </a:r>
+          </a:p>
+          <a:p>
+            <a:r>
+              <a:rPr lang="en-US" dirty="0"/>
+              <a:t>-For any given day, subtract the cumulative case count for the previous day from the current day and you get new infections on that current day</a:t>
+            </a:r>
+          </a:p>
+          <a:p>
+            <a:r>
+              <a:rPr lang="en-US" dirty="0"/>
+              <a:t>-This can then be rolled up to a weekly or 7-day rolling average</a:t>
+            </a:r>
+          </a:p>
+          <a:p>
+            <a:endParaRPr lang="en-US" dirty="0"/>
+          </a:p>
+          <a:p>
+            <a:r>
+              <a:rPr lang="en-US" dirty="0"/>
+              <a:t>-For the Weather data, I start with the daily data points I need already</a:t>
+            </a:r>
+          </a:p>
+          <a:p>
+            <a:r>
+              <a:rPr lang="en-US" dirty="0"/>
+              <a:t>-Then I can convert them to weekly or 7-day rolling averages in the same way as the COVID-19 data</a:t>
+            </a:r>
+          </a:p>
+        </p:txBody>
+      </p:sp>
+      <p:sp>
+        <p:nvSpPr>
+          <p:cNvPr id="4" name="Slide Number Placeholder 3"/>
+          <p:cNvSpPr>
+            <a:spLocks noGrp="1"/>
+          </p:cNvSpPr>
+          <p:nvPr>
+            <p:ph type="sldNum" sz="quarter" idx="5"/>
+          </p:nvPr>
+        </p:nvSpPr>
+        <p:spPr/>
+        <p:txBody>
+          <a:bodyPr/>
+          <a:lstStyle/>
+          <a:p>
+            <a:fld id="{30A9034F-20AE-4DE7-96BC-FDD871D2842E}" type="slidenum">
+              <a:rPr lang="en-US" smtClean="0"/>
+              <a:t>21</a:t>
+            </a:fld>
+            <a:endParaRPr lang="en-US"/>
+          </a:p>
+        </p:txBody>
+      </p:sp>
+    </p:spTree>
+    <p:extLst>
+      <p:ext uri="{BB962C8B-B14F-4D97-AF65-F5344CB8AC3E}">
+        <p14:creationId xmlns:p14="http://schemas.microsoft.com/office/powerpoint/2010/main" val="4217234730"/>
+      </p:ext>
+    </p:extLst>
+  </p:cSld>
+  <p:clrMapOvr>
+    <a:masterClrMapping/>
+  </p:clrMapOvr>
+</p:notes>
+</file>
+
+<file path=ppt/notesSlides/notesSlide22.xml><?xml version="1.0" encoding="utf-8"?>
+<p:notes xmlns:a="http://schemas.openxmlformats.org/drawingml/2006/main" xmlns:r="http://schemas.openxmlformats.org/officeDocument/2006/relationships" xmlns:p="http://schemas.openxmlformats.org/presentationml/2006/main">
+  <p:cSld>
+    <p:spTree>
+      <p:nvGrpSpPr>
+        <p:cNvPr id="1" name=""/>
+        <p:cNvGrpSpPr/>
+        <p:nvPr/>
+      </p:nvGrpSpPr>
+      <p:grpSpPr>
+        <a:xfrm>
+          <a:off x="0" y="0"/>
+          <a:ext cx="0" cy="0"/>
+          <a:chOff x="0" y="0"/>
+          <a:chExt cx="0" cy="0"/>
+        </a:xfrm>
+      </p:grpSpPr>
+      <p:sp>
+        <p:nvSpPr>
+          <p:cNvPr id="2" name="Slide Image Placeholder 1"/>
+          <p:cNvSpPr>
+            <a:spLocks noGrp="1" noRot="1" noChangeAspect="1"/>
+          </p:cNvSpPr>
+          <p:nvPr>
+            <p:ph type="sldImg"/>
+          </p:nvPr>
+        </p:nvSpPr>
+        <p:spPr/>
+      </p:sp>
+      <p:sp>
+        <p:nvSpPr>
+          <p:cNvPr id="3" name="Notes Placeholder 2"/>
+          <p:cNvSpPr>
+            <a:spLocks noGrp="1"/>
+          </p:cNvSpPr>
+          <p:nvPr>
+            <p:ph type="body" idx="1"/>
+          </p:nvPr>
+        </p:nvSpPr>
+        <p:spPr/>
+        <p:txBody>
+          <a:bodyPr/>
+          <a:lstStyle/>
+          <a:p>
+            <a:r>
+              <a:rPr lang="en-US" dirty="0"/>
+              <a:t>-I plan on building my project in the cloud...no pun intended</a:t>
+            </a:r>
+          </a:p>
+          <a:p>
+            <a:r>
+              <a:rPr lang="en-US" dirty="0"/>
+              <a:t>-Azure offers a free student account</a:t>
+            </a:r>
+          </a:p>
+          <a:p>
+            <a:r>
+              <a:rPr lang="en-US" dirty="0"/>
+              <a:t>-Here are the Azure resources I think I will use</a:t>
+            </a:r>
+          </a:p>
+          <a:p>
+            <a:r>
+              <a:rPr lang="en-US" dirty="0"/>
+              <a:t>            -Azure App Service</a:t>
+            </a:r>
+          </a:p>
+          <a:p>
+            <a:r>
+              <a:rPr lang="en-US" dirty="0"/>
+              <a:t>                -To host an ASP.NET Core Web Application that will serve up an Angular frontend and provide API endpoints for serving up the COVID-19 and weather data</a:t>
+            </a:r>
+          </a:p>
+          <a:p>
+            <a:r>
+              <a:rPr lang="en-US" dirty="0"/>
+              <a:t>            -Azure SQL database</a:t>
+            </a:r>
+          </a:p>
+          <a:p>
+            <a:r>
+              <a:rPr lang="en-US" dirty="0"/>
+              <a:t>                -Loaded nightly or weekly with COVID-19 data from the New York Times dataset on </a:t>
+            </a:r>
+            <a:r>
+              <a:rPr lang="en-US" dirty="0" err="1"/>
+              <a:t>Github</a:t>
+            </a:r>
+            <a:endParaRPr lang="en-US" dirty="0"/>
+          </a:p>
+          <a:p>
+            <a:r>
+              <a:rPr lang="en-US" dirty="0"/>
+              <a:t>                -Used by API serving up COVID-19 data</a:t>
+            </a:r>
+          </a:p>
+          <a:p>
+            <a:r>
+              <a:rPr lang="en-US" dirty="0"/>
+              <a:t>            -Azure Function or </a:t>
+            </a:r>
+            <a:r>
+              <a:rPr lang="en-US" dirty="0" err="1"/>
+              <a:t>WebJob</a:t>
+            </a:r>
+            <a:r>
+              <a:rPr lang="en-US" dirty="0"/>
+              <a:t> inside App Service</a:t>
+            </a:r>
+          </a:p>
+          <a:p>
+            <a:r>
+              <a:rPr lang="en-US" dirty="0"/>
+              <a:t>                -For this nightly load I am currently trying to decide between a </a:t>
+            </a:r>
+            <a:r>
+              <a:rPr lang="en-US" dirty="0" err="1"/>
+              <a:t>WebJob</a:t>
+            </a:r>
+            <a:r>
+              <a:rPr lang="en-US" dirty="0"/>
+              <a:t> or an Azure Function, any help would be much appreciated</a:t>
+            </a:r>
+          </a:p>
+          <a:p>
+            <a:r>
+              <a:rPr lang="en-US" dirty="0"/>
+              <a:t>                -1.2 million rows of data, ~12 MB</a:t>
+            </a:r>
+          </a:p>
+          <a:p>
+            <a:r>
+              <a:rPr lang="en-US" dirty="0"/>
+              <a:t>                -Leaning towards Function</a:t>
+            </a:r>
+          </a:p>
+          <a:p>
+            <a:r>
+              <a:rPr lang="en-US" dirty="0"/>
+              <a:t>-Code repository hosted on GitHub with GitHub actions for CI/CD</a:t>
+            </a:r>
+          </a:p>
+        </p:txBody>
+      </p:sp>
+      <p:sp>
+        <p:nvSpPr>
+          <p:cNvPr id="4" name="Slide Number Placeholder 3"/>
+          <p:cNvSpPr>
+            <a:spLocks noGrp="1"/>
+          </p:cNvSpPr>
+          <p:nvPr>
+            <p:ph type="sldNum" sz="quarter" idx="5"/>
+          </p:nvPr>
+        </p:nvSpPr>
+        <p:spPr/>
+        <p:txBody>
+          <a:bodyPr/>
+          <a:lstStyle/>
+          <a:p>
+            <a:fld id="{30A9034F-20AE-4DE7-96BC-FDD871D2842E}" type="slidenum">
+              <a:rPr lang="en-US" smtClean="0"/>
+              <a:t>22</a:t>
+            </a:fld>
+            <a:endParaRPr lang="en-US"/>
+          </a:p>
+        </p:txBody>
+      </p:sp>
+    </p:spTree>
+    <p:extLst>
+      <p:ext uri="{BB962C8B-B14F-4D97-AF65-F5344CB8AC3E}">
+        <p14:creationId xmlns:p14="http://schemas.microsoft.com/office/powerpoint/2010/main" val="2581054658"/>
+      </p:ext>
+    </p:extLst>
+  </p:cSld>
+  <p:clrMapOvr>
+    <a:masterClrMapping/>
+  </p:clrMapOvr>
+</p:notes>
+</file>
+
+<file path=ppt/notesSlides/notesSlide23.xml><?xml version="1.0" encoding="utf-8"?>
+<p:notes xmlns:a="http://schemas.openxmlformats.org/drawingml/2006/main" xmlns:r="http://schemas.openxmlformats.org/officeDocument/2006/relationships" xmlns:p="http://schemas.openxmlformats.org/presentationml/2006/main">
+  <p:cSld>
+    <p:spTree>
+      <p:nvGrpSpPr>
+        <p:cNvPr id="1" name=""/>
+        <p:cNvGrpSpPr/>
+        <p:nvPr/>
+      </p:nvGrpSpPr>
+      <p:grpSpPr>
+        <a:xfrm>
+          <a:off x="0" y="0"/>
+          <a:ext cx="0" cy="0"/>
+          <a:chOff x="0" y="0"/>
+          <a:chExt cx="0" cy="0"/>
+        </a:xfrm>
+      </p:grpSpPr>
+      <p:sp>
+        <p:nvSpPr>
+          <p:cNvPr id="2" name="Slide Image Placeholder 1"/>
+          <p:cNvSpPr>
+            <a:spLocks noGrp="1" noRot="1" noChangeAspect="1"/>
+          </p:cNvSpPr>
+          <p:nvPr>
+            <p:ph type="sldImg"/>
+          </p:nvPr>
+        </p:nvSpPr>
+        <p:spPr/>
+      </p:sp>
+      <p:sp>
+        <p:nvSpPr>
+          <p:cNvPr id="3" name="Notes Placeholder 2"/>
+          <p:cNvSpPr>
+            <a:spLocks noGrp="1"/>
+          </p:cNvSpPr>
+          <p:nvPr>
+            <p:ph type="body" idx="1"/>
+          </p:nvPr>
+        </p:nvSpPr>
+        <p:spPr/>
+        <p:txBody>
+          <a:bodyPr/>
+          <a:lstStyle/>
+          <a:p>
+            <a:r>
+              <a:rPr lang="en-US" dirty="0"/>
+              <a:t>-Here is a rough timeline for the development tasks that I would need to do for this project</a:t>
+            </a:r>
+          </a:p>
+          <a:p>
+            <a:endParaRPr lang="en-US" dirty="0"/>
+          </a:p>
+          <a:p>
+            <a:r>
+              <a:rPr lang="en-US" dirty="0"/>
+              <a:t>-I will need to have it finished the week of July 22</a:t>
+            </a:r>
+            <a:r>
+              <a:rPr lang="en-US" baseline="30000" dirty="0"/>
+              <a:t>nd</a:t>
+            </a:r>
+            <a:r>
+              <a:rPr lang="en-US" dirty="0"/>
+              <a:t> because that is when I would need to be doing another presentation with the finished product in order to graduate on time</a:t>
+            </a:r>
+          </a:p>
+        </p:txBody>
+      </p:sp>
+      <p:sp>
+        <p:nvSpPr>
+          <p:cNvPr id="4" name="Slide Number Placeholder 3"/>
+          <p:cNvSpPr>
+            <a:spLocks noGrp="1"/>
+          </p:cNvSpPr>
+          <p:nvPr>
+            <p:ph type="sldNum" sz="quarter" idx="5"/>
+          </p:nvPr>
+        </p:nvSpPr>
+        <p:spPr/>
+        <p:txBody>
+          <a:bodyPr/>
+          <a:lstStyle/>
+          <a:p>
+            <a:fld id="{30A9034F-20AE-4DE7-96BC-FDD871D2842E}" type="slidenum">
+              <a:rPr lang="en-US" smtClean="0"/>
+              <a:t>23</a:t>
+            </a:fld>
+            <a:endParaRPr lang="en-US"/>
+          </a:p>
+        </p:txBody>
+      </p:sp>
+    </p:spTree>
+    <p:extLst>
+      <p:ext uri="{BB962C8B-B14F-4D97-AF65-F5344CB8AC3E}">
+        <p14:creationId xmlns:p14="http://schemas.microsoft.com/office/powerpoint/2010/main" val="262214469"/>
+      </p:ext>
+    </p:extLst>
+  </p:cSld>
+  <p:clrMapOvr>
+    <a:masterClrMapping/>
+  </p:clrMapOvr>
+</p:notes>
+</file>
+
+<file path=ppt/notesSlides/notesSlide24.xml><?xml version="1.0" encoding="utf-8"?>
+<p:notes xmlns:a="http://schemas.openxmlformats.org/drawingml/2006/main" xmlns:r="http://schemas.openxmlformats.org/officeDocument/2006/relationships" xmlns:p="http://schemas.openxmlformats.org/presentationml/2006/main">
+  <p:cSld>
+    <p:spTree>
+      <p:nvGrpSpPr>
+        <p:cNvPr id="1" name=""/>
+        <p:cNvGrpSpPr/>
+        <p:nvPr/>
+      </p:nvGrpSpPr>
+      <p:grpSpPr>
+        <a:xfrm>
+          <a:off x="0" y="0"/>
+          <a:ext cx="0" cy="0"/>
+          <a:chOff x="0" y="0"/>
+          <a:chExt cx="0" cy="0"/>
+        </a:xfrm>
+      </p:grpSpPr>
+      <p:sp>
+        <p:nvSpPr>
+          <p:cNvPr id="2" name="Slide Image Placeholder 1"/>
+          <p:cNvSpPr>
+            <a:spLocks noGrp="1" noRot="1" noChangeAspect="1"/>
+          </p:cNvSpPr>
+          <p:nvPr>
+            <p:ph type="sldImg"/>
+          </p:nvPr>
+        </p:nvSpPr>
+        <p:spPr/>
+      </p:sp>
+      <p:sp>
+        <p:nvSpPr>
+          <p:cNvPr id="3" name="Notes Placeholder 2"/>
+          <p:cNvSpPr>
+            <a:spLocks noGrp="1"/>
+          </p:cNvSpPr>
+          <p:nvPr>
+            <p:ph type="body" idx="1"/>
+          </p:nvPr>
+        </p:nvSpPr>
+        <p:spPr/>
+        <p:txBody>
+          <a:bodyPr/>
+          <a:lstStyle/>
+          <a:p>
+            <a:r>
+              <a:rPr lang="en-US" dirty="0"/>
+              <a:t>-In summary, I propose building a visualization tool that would allow a user to investigate weather's role in the pandemic with the goal of engaging students in a real world scientific debate where they would be expected to follow the scientific process and think critically about what they might find.</a:t>
+            </a:r>
+          </a:p>
+          <a:p>
+            <a:endParaRPr lang="en-US" dirty="0"/>
+          </a:p>
+        </p:txBody>
+      </p:sp>
+      <p:sp>
+        <p:nvSpPr>
+          <p:cNvPr id="4" name="Slide Number Placeholder 3"/>
+          <p:cNvSpPr>
+            <a:spLocks noGrp="1"/>
+          </p:cNvSpPr>
+          <p:nvPr>
+            <p:ph type="sldNum" sz="quarter" idx="5"/>
+          </p:nvPr>
+        </p:nvSpPr>
+        <p:spPr/>
+        <p:txBody>
+          <a:bodyPr/>
+          <a:lstStyle/>
+          <a:p>
+            <a:fld id="{30A9034F-20AE-4DE7-96BC-FDD871D2842E}" type="slidenum">
+              <a:rPr lang="en-US" smtClean="0"/>
+              <a:t>24</a:t>
+            </a:fld>
+            <a:endParaRPr lang="en-US"/>
+          </a:p>
+        </p:txBody>
+      </p:sp>
+    </p:spTree>
+    <p:extLst>
+      <p:ext uri="{BB962C8B-B14F-4D97-AF65-F5344CB8AC3E}">
+        <p14:creationId xmlns:p14="http://schemas.microsoft.com/office/powerpoint/2010/main" val="1028693832"/>
+      </p:ext>
+    </p:extLst>
+  </p:cSld>
+  <p:clrMapOvr>
+    <a:masterClrMapping/>
+  </p:clrMapOvr>
+</p:notes>
+</file>
+
+<file path=ppt/notesSlides/notesSlide25.xml><?xml version="1.0" encoding="utf-8"?>
+<p:notes xmlns:a="http://schemas.openxmlformats.org/drawingml/2006/main" xmlns:r="http://schemas.openxmlformats.org/officeDocument/2006/relationships" xmlns:p="http://schemas.openxmlformats.org/presentationml/2006/main">
+  <p:cSld>
+    <p:spTree>
+      <p:nvGrpSpPr>
+        <p:cNvPr id="1" name=""/>
+        <p:cNvGrpSpPr/>
+        <p:nvPr/>
+      </p:nvGrpSpPr>
+      <p:grpSpPr>
+        <a:xfrm>
+          <a:off x="0" y="0"/>
+          <a:ext cx="0" cy="0"/>
+          <a:chOff x="0" y="0"/>
+          <a:chExt cx="0" cy="0"/>
+        </a:xfrm>
+      </p:grpSpPr>
+      <p:sp>
+        <p:nvSpPr>
+          <p:cNvPr id="2" name="Slide Image Placeholder 1"/>
+          <p:cNvSpPr>
+            <a:spLocks noGrp="1" noRot="1" noChangeAspect="1"/>
+          </p:cNvSpPr>
+          <p:nvPr>
+            <p:ph type="sldImg"/>
+          </p:nvPr>
+        </p:nvSpPr>
+        <p:spPr/>
+      </p:sp>
+      <p:sp>
+        <p:nvSpPr>
+          <p:cNvPr id="3" name="Notes Placeholder 2"/>
+          <p:cNvSpPr>
+            <a:spLocks noGrp="1"/>
+          </p:cNvSpPr>
+          <p:nvPr>
+            <p:ph type="body" idx="1"/>
+          </p:nvPr>
+        </p:nvSpPr>
+        <p:spPr/>
+        <p:txBody>
+          <a:bodyPr/>
+          <a:lstStyle/>
+          <a:p>
+            <a:r>
+              <a:rPr lang="en-US" dirty="0"/>
+              <a:t>-Before I open it up to everyone for questions I would actually like to discuss 2 questions I received from Dr Ricks on my graduate committee because they’re really good questions</a:t>
+            </a:r>
+          </a:p>
+          <a:p>
+            <a:endParaRPr lang="en-US" dirty="0"/>
+          </a:p>
+          <a:p>
+            <a:r>
+              <a:rPr lang="en-US" dirty="0"/>
+              <a:t>-'If researchers have found that the relationship between weather and COVID spread is low, what do you think the middle school students will conclude?’</a:t>
+            </a:r>
+          </a:p>
+          <a:p>
+            <a:endParaRPr lang="en-US" dirty="0"/>
+          </a:p>
+          <a:p>
+            <a:r>
+              <a:rPr lang="en-US" dirty="0"/>
+              <a:t>-My project is not really about what a user might find</a:t>
+            </a:r>
+          </a:p>
+          <a:p>
+            <a:r>
+              <a:rPr lang="en-US" dirty="0"/>
+              <a:t>-The real purpose of building this tool is to enable a classroom activity that engages students by having them follow the scientific process and think critically</a:t>
+            </a:r>
+          </a:p>
+          <a:p>
+            <a:r>
+              <a:rPr lang="en-US" dirty="0"/>
+              <a:t>-We want the students to think critically about what they are seeing in this tool and more specifically what they are not seeing</a:t>
+            </a:r>
+          </a:p>
+          <a:p>
+            <a:endParaRPr lang="en-US" dirty="0"/>
+          </a:p>
+          <a:p>
+            <a:r>
+              <a:rPr lang="en-US" dirty="0"/>
+              <a:t>-It is very plausible that students could go to a county and see what they think is a strong correlation between weather and COVID-19 infection rates</a:t>
+            </a:r>
+          </a:p>
+          <a:p>
+            <a:r>
+              <a:rPr lang="en-US" dirty="0"/>
+              <a:t>-We want them to be challenged to think about what else could be causing this? What am I not seeing?</a:t>
+            </a:r>
+          </a:p>
+          <a:p>
+            <a:r>
+              <a:rPr lang="en-US" dirty="0"/>
+              <a:t>-For instance, what local policies were enacted in this county and when? What's the mobility index for this county across this date range?</a:t>
+            </a:r>
+          </a:p>
+          <a:p>
+            <a:endParaRPr lang="en-US" dirty="0"/>
+          </a:p>
+          <a:p>
+            <a:r>
+              <a:rPr lang="en-US" dirty="0"/>
+              <a:t>-This same learning opportunity actually applies to adults as well</a:t>
+            </a:r>
+          </a:p>
+          <a:p>
+            <a:r>
+              <a:rPr lang="en-US" dirty="0"/>
+              <a:t>-How many data visualizations do we see in the news or on social media?</a:t>
+            </a:r>
+          </a:p>
+          <a:p>
+            <a:r>
+              <a:rPr lang="en-US" dirty="0"/>
+              <a:t>-Thinking critically about what those are showing you as well as what they’re not showing you is just as important for us adults as it is middle school students</a:t>
+            </a:r>
+          </a:p>
+          <a:p>
+            <a:endParaRPr lang="en-US" dirty="0"/>
+          </a:p>
+          <a:p>
+            <a:r>
+              <a:rPr lang="en-US" dirty="0"/>
+              <a:t>-So in a way we're pushing a lot of responsibility outside of the tool because it allowed us to scope my project to a limited set of concerns, weather and COVID-19</a:t>
+            </a:r>
+          </a:p>
+          <a:p>
+            <a:r>
+              <a:rPr lang="en-US" dirty="0"/>
+              <a:t>-It would be nearly impossible to create a tool that truly explained COVID-19 infection rates because there’s an infinite number of variables to consider</a:t>
+            </a:r>
+          </a:p>
+          <a:p>
+            <a:endParaRPr lang="en-US" dirty="0"/>
+          </a:p>
+          <a:p>
+            <a:endParaRPr lang="en-US" dirty="0"/>
+          </a:p>
+          <a:p>
+            <a:endParaRPr lang="en-US" dirty="0"/>
+          </a:p>
+          <a:p>
+            <a:r>
+              <a:rPr lang="en-US" dirty="0"/>
+              <a:t>-'Do you have any thoughts about how to determine if the project accomplished the goal of student learning?’</a:t>
+            </a:r>
+          </a:p>
+          <a:p>
+            <a:r>
+              <a:rPr lang="en-US" dirty="0"/>
+              <a:t>-The right way to validate this tool would be through usability studies where we actually create a classroom activity and put it in front of real students in a classroom</a:t>
+            </a:r>
+          </a:p>
+          <a:p>
+            <a:r>
+              <a:rPr lang="en-US" dirty="0"/>
+              <a:t>-However, for the purposes of my capstone project and due to time constraints that will be out of scope</a:t>
+            </a:r>
+          </a:p>
+          <a:p>
+            <a:r>
+              <a:rPr lang="en-US" dirty="0"/>
+              <a:t>-My definition of success for this project will be if it is ready for usability testing in a real classroom context</a:t>
+            </a:r>
+          </a:p>
+        </p:txBody>
+      </p:sp>
+      <p:sp>
+        <p:nvSpPr>
+          <p:cNvPr id="4" name="Slide Number Placeholder 3"/>
+          <p:cNvSpPr>
+            <a:spLocks noGrp="1"/>
+          </p:cNvSpPr>
+          <p:nvPr>
+            <p:ph type="sldNum" sz="quarter" idx="5"/>
+          </p:nvPr>
+        </p:nvSpPr>
+        <p:spPr/>
+        <p:txBody>
+          <a:bodyPr/>
+          <a:lstStyle/>
+          <a:p>
+            <a:fld id="{30A9034F-20AE-4DE7-96BC-FDD871D2842E}" type="slidenum">
+              <a:rPr lang="en-US" smtClean="0"/>
+              <a:t>25</a:t>
+            </a:fld>
+            <a:endParaRPr lang="en-US"/>
+          </a:p>
+        </p:txBody>
+      </p:sp>
+    </p:spTree>
+    <p:extLst>
+      <p:ext uri="{BB962C8B-B14F-4D97-AF65-F5344CB8AC3E}">
+        <p14:creationId xmlns:p14="http://schemas.microsoft.com/office/powerpoint/2010/main" val="2520786701"/>
+      </p:ext>
+    </p:extLst>
+  </p:cSld>
+  <p:clrMapOvr>
+    <a:masterClrMapping/>
+  </p:clrMapOvr>
+</p:notes>
+</file>
+
+<file path=ppt/notesSlides/notesSlide3.xml><?xml version="1.0" encoding="utf-8"?>
+<p:notes xmlns:a="http://schemas.openxmlformats.org/drawingml/2006/main" xmlns:r="http://schemas.openxmlformats.org/officeDocument/2006/relationships" xmlns:p="http://schemas.openxmlformats.org/presentationml/2006/main">
+  <p:cSld>
+    <p:spTree>
+      <p:nvGrpSpPr>
+        <p:cNvPr id="1" name=""/>
+        <p:cNvGrpSpPr/>
+        <p:nvPr/>
+      </p:nvGrpSpPr>
+      <p:grpSpPr>
+        <a:xfrm>
+          <a:off x="0" y="0"/>
+          <a:ext cx="0" cy="0"/>
+          <a:chOff x="0" y="0"/>
+          <a:chExt cx="0" cy="0"/>
+        </a:xfrm>
+      </p:grpSpPr>
+      <p:sp>
+        <p:nvSpPr>
+          <p:cNvPr id="2" name="Slide Image Placeholder 1"/>
+          <p:cNvSpPr>
+            <a:spLocks noGrp="1" noRot="1" noChangeAspect="1"/>
+          </p:cNvSpPr>
+          <p:nvPr>
+            <p:ph type="sldImg"/>
+          </p:nvPr>
+        </p:nvSpPr>
+        <p:spPr/>
+      </p:sp>
+      <p:sp>
+        <p:nvSpPr>
+          <p:cNvPr id="3" name="Notes Placeholder 2"/>
+          <p:cNvSpPr>
+            <a:spLocks noGrp="1"/>
+          </p:cNvSpPr>
+          <p:nvPr>
+            <p:ph type="body" idx="1"/>
+          </p:nvPr>
+        </p:nvSpPr>
+        <p:spPr/>
+        <p:txBody>
+          <a:bodyPr/>
+          <a:lstStyle/>
+          <a:p>
+            <a:r>
+              <a:rPr lang="en-US" dirty="0"/>
+              <a:t>-My proposed project is a visualization tool that would allow a user to look into this relationship between weather variables and COVID-19 transmission</a:t>
+            </a:r>
+          </a:p>
+          <a:p>
+            <a:endParaRPr lang="en-US" dirty="0"/>
+          </a:p>
+          <a:p>
+            <a:r>
+              <a:rPr lang="en-US" dirty="0"/>
+              <a:t>-What we have going on right now is an open scientific debate around weather's role in the pandemic</a:t>
+            </a:r>
+          </a:p>
+          <a:p>
+            <a:r>
+              <a:rPr lang="en-US" dirty="0"/>
+              <a:t>-This presents a unique opportunity to engage students which is why the target user for my tool would be a middle school scientist</a:t>
+            </a:r>
+          </a:p>
+          <a:p>
+            <a:r>
+              <a:rPr lang="en-US" dirty="0"/>
+              <a:t>-A tool like this could be used in a classroom activity where students are tasked with the same question of investigating weather's role in the pandemic</a:t>
+            </a:r>
+          </a:p>
+          <a:p>
+            <a:endParaRPr lang="en-US" dirty="0"/>
+          </a:p>
+          <a:p>
+            <a:r>
+              <a:rPr lang="en-US" dirty="0"/>
+              <a:t>-Students would be expected to follow the scientific process of creating their own hypothesis and then gathering evidence to support a conclusion</a:t>
+            </a:r>
+          </a:p>
+          <a:p>
+            <a:r>
+              <a:rPr lang="en-US" dirty="0"/>
+              <a:t>-My tool would help them gather that evidence</a:t>
+            </a:r>
+          </a:p>
+          <a:p>
+            <a:r>
+              <a:rPr lang="en-US" dirty="0"/>
+              <a:t>-Students would be expected to think critically about the limitations of what they might see in the tool and what conclusions can or cannot be drawn based on what they find</a:t>
+            </a:r>
+          </a:p>
+          <a:p>
+            <a:endParaRPr lang="en-US" dirty="0"/>
+          </a:p>
+          <a:p>
+            <a:r>
+              <a:rPr lang="en-US" dirty="0"/>
+              <a:t>-In 2018 there was a study done that looked at data use by middle and secondary school students (Lee, et. al., 2018)</a:t>
+            </a:r>
+          </a:p>
+          <a:p>
+            <a:r>
+              <a:rPr lang="en-US" dirty="0"/>
+              <a:t>-One thing they looked at was how teachers can best support students working with data</a:t>
+            </a:r>
+          </a:p>
+          <a:p>
+            <a:r>
+              <a:rPr lang="en-US" dirty="0"/>
+              <a:t>-One of their recommendations was that data should be leveraged in the classroom in the context of meaningful scientific pursuits</a:t>
+            </a:r>
+          </a:p>
+          <a:p>
+            <a:r>
+              <a:rPr lang="en-US" dirty="0"/>
+              <a:t>-My tool falls right in line with this recommendation because students would be asked to participate in this open scientific debate</a:t>
+            </a:r>
+          </a:p>
+        </p:txBody>
+      </p:sp>
+      <p:sp>
+        <p:nvSpPr>
+          <p:cNvPr id="4" name="Slide Number Placeholder 3"/>
+          <p:cNvSpPr>
+            <a:spLocks noGrp="1"/>
+          </p:cNvSpPr>
+          <p:nvPr>
+            <p:ph type="sldNum" sz="quarter" idx="5"/>
+          </p:nvPr>
+        </p:nvSpPr>
+        <p:spPr/>
+        <p:txBody>
+          <a:bodyPr/>
+          <a:lstStyle/>
+          <a:p>
+            <a:fld id="{30A9034F-20AE-4DE7-96BC-FDD871D2842E}" type="slidenum">
+              <a:rPr lang="en-US" smtClean="0"/>
+              <a:t>3</a:t>
+            </a:fld>
+            <a:endParaRPr lang="en-US"/>
+          </a:p>
+        </p:txBody>
+      </p:sp>
+    </p:spTree>
+    <p:extLst>
+      <p:ext uri="{BB962C8B-B14F-4D97-AF65-F5344CB8AC3E}">
+        <p14:creationId xmlns:p14="http://schemas.microsoft.com/office/powerpoint/2010/main" val="1542721168"/>
+      </p:ext>
+    </p:extLst>
+  </p:cSld>
+  <p:clrMapOvr>
+    <a:masterClrMapping/>
+  </p:clrMapOvr>
+</p:notes>
+</file>
+
+<file path=ppt/notesSlides/notesSlide4.xml><?xml version="1.0" encoding="utf-8"?>
+<p:notes xmlns:a="http://schemas.openxmlformats.org/drawingml/2006/main" xmlns:r="http://schemas.openxmlformats.org/officeDocument/2006/relationships" xmlns:p="http://schemas.openxmlformats.org/presentationml/2006/main">
+  <p:cSld>
+    <p:spTree>
+      <p:nvGrpSpPr>
+        <p:cNvPr id="1" name=""/>
+        <p:cNvGrpSpPr/>
+        <p:nvPr/>
+      </p:nvGrpSpPr>
+      <p:grpSpPr>
+        <a:xfrm>
+          <a:off x="0" y="0"/>
+          <a:ext cx="0" cy="0"/>
+          <a:chOff x="0" y="0"/>
+          <a:chExt cx="0" cy="0"/>
+        </a:xfrm>
+      </p:grpSpPr>
+      <p:sp>
+        <p:nvSpPr>
+          <p:cNvPr id="2" name="Slide Image Placeholder 1"/>
+          <p:cNvSpPr>
+            <a:spLocks noGrp="1" noRot="1" noChangeAspect="1"/>
+          </p:cNvSpPr>
+          <p:nvPr>
+            <p:ph type="sldImg"/>
+          </p:nvPr>
+        </p:nvSpPr>
+        <p:spPr/>
+      </p:sp>
+      <p:sp>
+        <p:nvSpPr>
+          <p:cNvPr id="3" name="Notes Placeholder 2"/>
+          <p:cNvSpPr>
+            <a:spLocks noGrp="1"/>
+          </p:cNvSpPr>
+          <p:nvPr>
+            <p:ph type="body" idx="1"/>
+          </p:nvPr>
+        </p:nvSpPr>
+        <p:spPr/>
+        <p:txBody>
+          <a:bodyPr/>
+          <a:lstStyle/>
+          <a:p>
+            <a:r>
+              <a:rPr lang="en-US" dirty="0"/>
+              <a:t>-In order to start figuring out what my visualization might look like I looked at 3 existing COVID-19 data visualizations</a:t>
+            </a:r>
+          </a:p>
+          <a:p>
+            <a:endParaRPr lang="en-US" dirty="0"/>
+          </a:p>
+          <a:p>
+            <a:r>
+              <a:rPr lang="en-US" dirty="0"/>
+              <a:t>-John Hopkins</a:t>
+            </a:r>
+          </a:p>
+          <a:p>
+            <a:r>
+              <a:rPr lang="en-US" dirty="0"/>
+              <a:t>-The COVID Tracking Project by The Atlantic</a:t>
+            </a:r>
+          </a:p>
+          <a:p>
+            <a:r>
+              <a:rPr lang="en-US" dirty="0"/>
+              <a:t>-The Institute for Health Metrics and Evaluation (IHME) at the University of Washington</a:t>
+            </a:r>
+          </a:p>
+          <a:p>
+            <a:endParaRPr lang="en-US" dirty="0"/>
+          </a:p>
+        </p:txBody>
+      </p:sp>
+      <p:sp>
+        <p:nvSpPr>
+          <p:cNvPr id="4" name="Slide Number Placeholder 3"/>
+          <p:cNvSpPr>
+            <a:spLocks noGrp="1"/>
+          </p:cNvSpPr>
+          <p:nvPr>
+            <p:ph type="sldNum" sz="quarter" idx="5"/>
+          </p:nvPr>
+        </p:nvSpPr>
+        <p:spPr/>
+        <p:txBody>
+          <a:bodyPr/>
+          <a:lstStyle/>
+          <a:p>
+            <a:fld id="{30A9034F-20AE-4DE7-96BC-FDD871D2842E}" type="slidenum">
+              <a:rPr lang="en-US" smtClean="0"/>
+              <a:t>4</a:t>
+            </a:fld>
+            <a:endParaRPr lang="en-US"/>
+          </a:p>
+        </p:txBody>
+      </p:sp>
+    </p:spTree>
+    <p:extLst>
+      <p:ext uri="{BB962C8B-B14F-4D97-AF65-F5344CB8AC3E}">
+        <p14:creationId xmlns:p14="http://schemas.microsoft.com/office/powerpoint/2010/main" val="1368274727"/>
+      </p:ext>
+    </p:extLst>
+  </p:cSld>
+  <p:clrMapOvr>
+    <a:masterClrMapping/>
+  </p:clrMapOvr>
+</p:notes>
+</file>
+
+<file path=ppt/notesSlides/notesSlide5.xml><?xml version="1.0" encoding="utf-8"?>
+<p:notes xmlns:a="http://schemas.openxmlformats.org/drawingml/2006/main" xmlns:r="http://schemas.openxmlformats.org/officeDocument/2006/relationships" xmlns:p="http://schemas.openxmlformats.org/presentationml/2006/main">
+  <p:cSld>
+    <p:spTree>
+      <p:nvGrpSpPr>
+        <p:cNvPr id="1" name=""/>
+        <p:cNvGrpSpPr/>
+        <p:nvPr/>
+      </p:nvGrpSpPr>
+      <p:grpSpPr>
+        <a:xfrm>
+          <a:off x="0" y="0"/>
+          <a:ext cx="0" cy="0"/>
+          <a:chOff x="0" y="0"/>
+          <a:chExt cx="0" cy="0"/>
+        </a:xfrm>
+      </p:grpSpPr>
+      <p:sp>
+        <p:nvSpPr>
+          <p:cNvPr id="2" name="Slide Image Placeholder 1"/>
+          <p:cNvSpPr>
+            <a:spLocks noGrp="1" noRot="1" noChangeAspect="1"/>
+          </p:cNvSpPr>
+          <p:nvPr>
+            <p:ph type="sldImg"/>
+          </p:nvPr>
+        </p:nvSpPr>
+        <p:spPr/>
+      </p:sp>
+      <p:sp>
+        <p:nvSpPr>
+          <p:cNvPr id="3" name="Notes Placeholder 2"/>
+          <p:cNvSpPr>
+            <a:spLocks noGrp="1"/>
+          </p:cNvSpPr>
+          <p:nvPr>
+            <p:ph type="body" idx="1"/>
+          </p:nvPr>
+        </p:nvSpPr>
+        <p:spPr/>
+        <p:txBody>
+          <a:bodyPr/>
+          <a:lstStyle/>
+          <a:p>
+            <a:r>
+              <a:rPr lang="en-US" dirty="0"/>
+              <a:t>-I evaluated them along 4 dimensions in order to compare and contrast them with what I might want to do:</a:t>
+            </a:r>
+          </a:p>
+          <a:p>
+            <a:endParaRPr lang="en-US" dirty="0"/>
+          </a:p>
+          <a:p>
+            <a:r>
+              <a:rPr lang="en-US" dirty="0"/>
+              <a:t>-How granular is the data?</a:t>
+            </a:r>
+          </a:p>
+          <a:p>
+            <a:r>
+              <a:rPr lang="en-US" dirty="0"/>
+              <a:t>-Which COVID-19 data points are used?</a:t>
+            </a:r>
+          </a:p>
+          <a:p>
+            <a:r>
+              <a:rPr lang="en-US" dirty="0"/>
+              <a:t>-Do they provide any spatial view?</a:t>
+            </a:r>
+          </a:p>
+          <a:p>
+            <a:r>
+              <a:rPr lang="en-US" dirty="0"/>
+              <a:t>-How configurable are they?</a:t>
+            </a:r>
+          </a:p>
+          <a:p>
+            <a:endParaRPr lang="en-US" dirty="0"/>
+          </a:p>
+        </p:txBody>
+      </p:sp>
+      <p:sp>
+        <p:nvSpPr>
+          <p:cNvPr id="4" name="Slide Number Placeholder 3"/>
+          <p:cNvSpPr>
+            <a:spLocks noGrp="1"/>
+          </p:cNvSpPr>
+          <p:nvPr>
+            <p:ph type="sldNum" sz="quarter" idx="5"/>
+          </p:nvPr>
+        </p:nvSpPr>
+        <p:spPr/>
+        <p:txBody>
+          <a:bodyPr/>
+          <a:lstStyle/>
+          <a:p>
+            <a:fld id="{30A9034F-20AE-4DE7-96BC-FDD871D2842E}" type="slidenum">
+              <a:rPr lang="en-US" smtClean="0"/>
+              <a:t>5</a:t>
+            </a:fld>
+            <a:endParaRPr lang="en-US"/>
+          </a:p>
+        </p:txBody>
+      </p:sp>
+    </p:spTree>
+    <p:extLst>
+      <p:ext uri="{BB962C8B-B14F-4D97-AF65-F5344CB8AC3E}">
+        <p14:creationId xmlns:p14="http://schemas.microsoft.com/office/powerpoint/2010/main" val="65292429"/>
+      </p:ext>
+    </p:extLst>
+  </p:cSld>
+  <p:clrMapOvr>
+    <a:masterClrMapping/>
+  </p:clrMapOvr>
+</p:notes>
+</file>
+
+<file path=ppt/notesSlides/notesSlide6.xml><?xml version="1.0" encoding="utf-8"?>
+<p:notes xmlns:a="http://schemas.openxmlformats.org/drawingml/2006/main" xmlns:r="http://schemas.openxmlformats.org/officeDocument/2006/relationships" xmlns:p="http://schemas.openxmlformats.org/presentationml/2006/main">
+  <p:cSld>
+    <p:spTree>
+      <p:nvGrpSpPr>
+        <p:cNvPr id="1" name=""/>
+        <p:cNvGrpSpPr/>
+        <p:nvPr/>
+      </p:nvGrpSpPr>
+      <p:grpSpPr>
+        <a:xfrm>
+          <a:off x="0" y="0"/>
+          <a:ext cx="0" cy="0"/>
+          <a:chOff x="0" y="0"/>
+          <a:chExt cx="0" cy="0"/>
+        </a:xfrm>
+      </p:grpSpPr>
+      <p:sp>
+        <p:nvSpPr>
+          <p:cNvPr id="2" name="Slide Image Placeholder 1"/>
+          <p:cNvSpPr>
+            <a:spLocks noGrp="1" noRot="1" noChangeAspect="1"/>
+          </p:cNvSpPr>
+          <p:nvPr>
+            <p:ph type="sldImg"/>
+          </p:nvPr>
+        </p:nvSpPr>
+        <p:spPr/>
+      </p:sp>
+      <p:sp>
+        <p:nvSpPr>
+          <p:cNvPr id="3" name="Notes Placeholder 2"/>
+          <p:cNvSpPr>
+            <a:spLocks noGrp="1"/>
+          </p:cNvSpPr>
+          <p:nvPr>
+            <p:ph type="body" idx="1"/>
+          </p:nvPr>
+        </p:nvSpPr>
+        <p:spPr/>
+        <p:txBody>
+          <a:bodyPr/>
+          <a:lstStyle/>
+          <a:p>
+            <a:r>
+              <a:rPr lang="en-US" dirty="0"/>
+              <a:t>-Only 1 had COVID-19 data granularity at the county level, the rest were at the state or country level</a:t>
+            </a:r>
+          </a:p>
+          <a:p>
+            <a:endParaRPr lang="en-US" dirty="0"/>
+          </a:p>
+          <a:p>
+            <a:r>
+              <a:rPr lang="en-US" dirty="0"/>
+              <a:t>-Given that weather can vary greatly across any state the location granularity becomes much more important which is why I will use county level COVID-19 data</a:t>
+            </a:r>
+          </a:p>
+        </p:txBody>
+      </p:sp>
+      <p:sp>
+        <p:nvSpPr>
+          <p:cNvPr id="4" name="Slide Number Placeholder 3"/>
+          <p:cNvSpPr>
+            <a:spLocks noGrp="1"/>
+          </p:cNvSpPr>
+          <p:nvPr>
+            <p:ph type="sldNum" sz="quarter" idx="5"/>
+          </p:nvPr>
+        </p:nvSpPr>
+        <p:spPr/>
+        <p:txBody>
+          <a:bodyPr/>
+          <a:lstStyle/>
+          <a:p>
+            <a:fld id="{30A9034F-20AE-4DE7-96BC-FDD871D2842E}" type="slidenum">
+              <a:rPr lang="en-US" smtClean="0"/>
+              <a:t>6</a:t>
+            </a:fld>
+            <a:endParaRPr lang="en-US"/>
+          </a:p>
+        </p:txBody>
+      </p:sp>
+    </p:spTree>
+    <p:extLst>
+      <p:ext uri="{BB962C8B-B14F-4D97-AF65-F5344CB8AC3E}">
+        <p14:creationId xmlns:p14="http://schemas.microsoft.com/office/powerpoint/2010/main" val="2449352081"/>
+      </p:ext>
+    </p:extLst>
+  </p:cSld>
+  <p:clrMapOvr>
+    <a:masterClrMapping/>
+  </p:clrMapOvr>
+</p:notes>
+</file>
+
+<file path=ppt/notesSlides/notesSlide7.xml><?xml version="1.0" encoding="utf-8"?>
+<p:notes xmlns:a="http://schemas.openxmlformats.org/drawingml/2006/main" xmlns:r="http://schemas.openxmlformats.org/officeDocument/2006/relationships" xmlns:p="http://schemas.openxmlformats.org/presentationml/2006/main">
+  <p:cSld>
+    <p:spTree>
+      <p:nvGrpSpPr>
+        <p:cNvPr id="1" name=""/>
+        <p:cNvGrpSpPr/>
+        <p:nvPr/>
+      </p:nvGrpSpPr>
+      <p:grpSpPr>
+        <a:xfrm>
+          <a:off x="0" y="0"/>
+          <a:ext cx="0" cy="0"/>
+          <a:chOff x="0" y="0"/>
+          <a:chExt cx="0" cy="0"/>
+        </a:xfrm>
+      </p:grpSpPr>
+      <p:sp>
+        <p:nvSpPr>
+          <p:cNvPr id="2" name="Slide Image Placeholder 1"/>
+          <p:cNvSpPr>
+            <a:spLocks noGrp="1" noRot="1" noChangeAspect="1"/>
+          </p:cNvSpPr>
+          <p:nvPr>
+            <p:ph type="sldImg"/>
+          </p:nvPr>
+        </p:nvSpPr>
+        <p:spPr/>
+      </p:sp>
+      <p:sp>
+        <p:nvSpPr>
+          <p:cNvPr id="3" name="Notes Placeholder 2"/>
+          <p:cNvSpPr>
+            <a:spLocks noGrp="1"/>
+          </p:cNvSpPr>
+          <p:nvPr>
+            <p:ph type="body" idx="1"/>
+          </p:nvPr>
+        </p:nvSpPr>
+        <p:spPr/>
+        <p:txBody>
+          <a:bodyPr/>
+          <a:lstStyle/>
+          <a:p>
+            <a:r>
+              <a:rPr lang="en-US" dirty="0"/>
+              <a:t>-All of them used similar COVID-19 data points</a:t>
+            </a:r>
+          </a:p>
+          <a:p>
+            <a:endParaRPr lang="en-US" dirty="0"/>
+          </a:p>
+          <a:p>
+            <a:r>
+              <a:rPr lang="en-US" dirty="0"/>
+              <a:t>-For my purposes I will be using confirmed cases</a:t>
+            </a:r>
+          </a:p>
+        </p:txBody>
+      </p:sp>
+      <p:sp>
+        <p:nvSpPr>
+          <p:cNvPr id="4" name="Slide Number Placeholder 3"/>
+          <p:cNvSpPr>
+            <a:spLocks noGrp="1"/>
+          </p:cNvSpPr>
+          <p:nvPr>
+            <p:ph type="sldNum" sz="quarter" idx="5"/>
+          </p:nvPr>
+        </p:nvSpPr>
+        <p:spPr/>
+        <p:txBody>
+          <a:bodyPr/>
+          <a:lstStyle/>
+          <a:p>
+            <a:fld id="{30A9034F-20AE-4DE7-96BC-FDD871D2842E}" type="slidenum">
+              <a:rPr lang="en-US" smtClean="0"/>
+              <a:t>7</a:t>
+            </a:fld>
+            <a:endParaRPr lang="en-US"/>
+          </a:p>
+        </p:txBody>
+      </p:sp>
+    </p:spTree>
+    <p:extLst>
+      <p:ext uri="{BB962C8B-B14F-4D97-AF65-F5344CB8AC3E}">
+        <p14:creationId xmlns:p14="http://schemas.microsoft.com/office/powerpoint/2010/main" val="93307688"/>
+      </p:ext>
+    </p:extLst>
+  </p:cSld>
+  <p:clrMapOvr>
+    <a:masterClrMapping/>
+  </p:clrMapOvr>
+</p:notes>
+</file>
+
+<file path=ppt/notesSlides/notesSlide8.xml><?xml version="1.0" encoding="utf-8"?>
+<p:notes xmlns:a="http://schemas.openxmlformats.org/drawingml/2006/main" xmlns:r="http://schemas.openxmlformats.org/officeDocument/2006/relationships" xmlns:p="http://schemas.openxmlformats.org/presentationml/2006/main">
+  <p:cSld>
+    <p:spTree>
+      <p:nvGrpSpPr>
+        <p:cNvPr id="1" name=""/>
+        <p:cNvGrpSpPr/>
+        <p:nvPr/>
+      </p:nvGrpSpPr>
+      <p:grpSpPr>
+        <a:xfrm>
+          <a:off x="0" y="0"/>
+          <a:ext cx="0" cy="0"/>
+          <a:chOff x="0" y="0"/>
+          <a:chExt cx="0" cy="0"/>
+        </a:xfrm>
+      </p:grpSpPr>
+      <p:sp>
+        <p:nvSpPr>
+          <p:cNvPr id="2" name="Slide Image Placeholder 1"/>
+          <p:cNvSpPr>
+            <a:spLocks noGrp="1" noRot="1" noChangeAspect="1"/>
+          </p:cNvSpPr>
+          <p:nvPr>
+            <p:ph type="sldImg"/>
+          </p:nvPr>
+        </p:nvSpPr>
+        <p:spPr/>
+      </p:sp>
+      <p:sp>
+        <p:nvSpPr>
+          <p:cNvPr id="3" name="Notes Placeholder 2"/>
+          <p:cNvSpPr>
+            <a:spLocks noGrp="1"/>
+          </p:cNvSpPr>
+          <p:nvPr>
+            <p:ph type="body" idx="1"/>
+          </p:nvPr>
+        </p:nvSpPr>
+        <p:spPr/>
+        <p:txBody>
+          <a:bodyPr/>
+          <a:lstStyle/>
+          <a:p>
+            <a:r>
+              <a:rPr lang="en-US" dirty="0"/>
+              <a:t>-All of them provided a spatial or map based view of the data</a:t>
+            </a:r>
+          </a:p>
+          <a:p>
+            <a:endParaRPr lang="en-US" dirty="0"/>
+          </a:p>
+          <a:p>
+            <a:r>
+              <a:rPr lang="en-US" dirty="0"/>
+              <a:t>-Since weather and COVID-19 data has a spatial component a spatial view for my visualization would be warranted</a:t>
+            </a:r>
+          </a:p>
+        </p:txBody>
+      </p:sp>
+      <p:sp>
+        <p:nvSpPr>
+          <p:cNvPr id="4" name="Slide Number Placeholder 3"/>
+          <p:cNvSpPr>
+            <a:spLocks noGrp="1"/>
+          </p:cNvSpPr>
+          <p:nvPr>
+            <p:ph type="sldNum" sz="quarter" idx="5"/>
+          </p:nvPr>
+        </p:nvSpPr>
+        <p:spPr/>
+        <p:txBody>
+          <a:bodyPr/>
+          <a:lstStyle/>
+          <a:p>
+            <a:fld id="{30A9034F-20AE-4DE7-96BC-FDD871D2842E}" type="slidenum">
+              <a:rPr lang="en-US" smtClean="0"/>
+              <a:t>8</a:t>
+            </a:fld>
+            <a:endParaRPr lang="en-US"/>
+          </a:p>
+        </p:txBody>
+      </p:sp>
+    </p:spTree>
+    <p:extLst>
+      <p:ext uri="{BB962C8B-B14F-4D97-AF65-F5344CB8AC3E}">
+        <p14:creationId xmlns:p14="http://schemas.microsoft.com/office/powerpoint/2010/main" val="3346392225"/>
+      </p:ext>
+    </p:extLst>
+  </p:cSld>
+  <p:clrMapOvr>
+    <a:masterClrMapping/>
+  </p:clrMapOvr>
+</p:notes>
+</file>
+
+<file path=ppt/notesSlides/notesSlide9.xml><?xml version="1.0" encoding="utf-8"?>
+<p:notes xmlns:a="http://schemas.openxmlformats.org/drawingml/2006/main" xmlns:r="http://schemas.openxmlformats.org/officeDocument/2006/relationships" xmlns:p="http://schemas.openxmlformats.org/presentationml/2006/main">
+  <p:cSld>
+    <p:spTree>
+      <p:nvGrpSpPr>
+        <p:cNvPr id="1" name=""/>
+        <p:cNvGrpSpPr/>
+        <p:nvPr/>
+      </p:nvGrpSpPr>
+      <p:grpSpPr>
+        <a:xfrm>
+          <a:off x="0" y="0"/>
+          <a:ext cx="0" cy="0"/>
+          <a:chOff x="0" y="0"/>
+          <a:chExt cx="0" cy="0"/>
+        </a:xfrm>
+      </p:grpSpPr>
+      <p:sp>
+        <p:nvSpPr>
+          <p:cNvPr id="2" name="Slide Image Placeholder 1"/>
+          <p:cNvSpPr>
+            <a:spLocks noGrp="1" noRot="1" noChangeAspect="1"/>
+          </p:cNvSpPr>
+          <p:nvPr>
+            <p:ph type="sldImg"/>
+          </p:nvPr>
+        </p:nvSpPr>
+        <p:spPr/>
+      </p:sp>
+      <p:sp>
+        <p:nvSpPr>
+          <p:cNvPr id="3" name="Notes Placeholder 2"/>
+          <p:cNvSpPr>
+            <a:spLocks noGrp="1"/>
+          </p:cNvSpPr>
+          <p:nvPr>
+            <p:ph type="body" idx="1"/>
+          </p:nvPr>
+        </p:nvSpPr>
+        <p:spPr/>
+        <p:txBody>
+          <a:bodyPr/>
+          <a:lstStyle/>
+          <a:p>
+            <a:r>
+              <a:rPr lang="en-US" dirty="0"/>
+              <a:t>-Varying levels of configurability in these visualizations</a:t>
+            </a:r>
+          </a:p>
+          <a:p>
+            <a:endParaRPr lang="en-US" dirty="0"/>
+          </a:p>
+          <a:p>
+            <a:r>
+              <a:rPr lang="en-US" dirty="0"/>
+              <a:t>-I will offer a high level of configurability in my visualization in order to allow the user to visualize the data in a few different ways</a:t>
+            </a:r>
+          </a:p>
+        </p:txBody>
+      </p:sp>
+      <p:sp>
+        <p:nvSpPr>
+          <p:cNvPr id="4" name="Slide Number Placeholder 3"/>
+          <p:cNvSpPr>
+            <a:spLocks noGrp="1"/>
+          </p:cNvSpPr>
+          <p:nvPr>
+            <p:ph type="sldNum" sz="quarter" idx="5"/>
+          </p:nvPr>
+        </p:nvSpPr>
+        <p:spPr/>
+        <p:txBody>
+          <a:bodyPr/>
+          <a:lstStyle/>
+          <a:p>
+            <a:fld id="{30A9034F-20AE-4DE7-96BC-FDD871D2842E}" type="slidenum">
+              <a:rPr lang="en-US" smtClean="0"/>
+              <a:t>9</a:t>
+            </a:fld>
+            <a:endParaRPr lang="en-US"/>
+          </a:p>
+        </p:txBody>
+      </p:sp>
+    </p:spTree>
+    <p:extLst>
+      <p:ext uri="{BB962C8B-B14F-4D97-AF65-F5344CB8AC3E}">
+        <p14:creationId xmlns:p14="http://schemas.microsoft.com/office/powerpoint/2010/main" val="2518536849"/>
+      </p:ext>
+    </p:extLst>
+  </p:cSld>
+  <p:clrMapOvr>
+    <a:masterClrMapping/>
+  </p:clrMapOvr>
+</p:notes>
+</file>
+
 <file path=ppt/slideLayouts/slideLayout1.xml><?xml version="1.0" encoding="utf-8"?>
 <p:sldLayout xmlns:a="http://schemas.openxmlformats.org/drawingml/2006/main" xmlns:r="http://schemas.openxmlformats.org/officeDocument/2006/relationships" xmlns:p="http://schemas.openxmlformats.org/presentationml/2006/main" showMasterSp="0" type="title" preserve="1">
   <p:cSld name="Title Slide">
@@ -358,7 +3968,7 @@
           <a:p>
             <a:fld id="{45824D65-BF5F-4DF8-9B0D-124440FA57C7}" type="datetimeFigureOut">
               <a:rPr lang="en-US" smtClean="0"/>
-              <a:t>4/25/2021</a:t>
+              <a:t>04/27/2021</a:t>
             </a:fld>
             <a:endParaRPr lang="en-US"/>
           </a:p>
@@ -566,7 +4176,7 @@
           <a:p>
             <a:fld id="{45824D65-BF5F-4DF8-9B0D-124440FA57C7}" type="datetimeFigureOut">
               <a:rPr lang="en-US" smtClean="0"/>
-              <a:t>4/25/2021</a:t>
+              <a:t>04/27/2021</a:t>
             </a:fld>
             <a:endParaRPr lang="en-US"/>
           </a:p>
@@ -822,7 +4432,7 @@
           <a:p>
             <a:fld id="{45824D65-BF5F-4DF8-9B0D-124440FA57C7}" type="datetimeFigureOut">
               <a:rPr lang="en-US" smtClean="0"/>
-              <a:t>4/25/2021</a:t>
+              <a:t>04/27/2021</a:t>
             </a:fld>
             <a:endParaRPr lang="en-US"/>
           </a:p>
@@ -996,7 +4606,7 @@
           <a:p>
             <a:fld id="{45824D65-BF5F-4DF8-9B0D-124440FA57C7}" type="datetimeFigureOut">
               <a:rPr lang="en-US" smtClean="0"/>
-              <a:t>4/25/2021</a:t>
+              <a:t>04/27/2021</a:t>
             </a:fld>
             <a:endParaRPr lang="en-US"/>
           </a:p>
@@ -1339,7 +4949,7 @@
           <a:p>
             <a:fld id="{45824D65-BF5F-4DF8-9B0D-124440FA57C7}" type="datetimeFigureOut">
               <a:rPr lang="en-US" smtClean="0"/>
-              <a:t>4/25/2021</a:t>
+              <a:t>04/27/2021</a:t>
             </a:fld>
             <a:endParaRPr lang="en-US"/>
           </a:p>
@@ -1614,7 +5224,7 @@
           <a:p>
             <a:fld id="{45824D65-BF5F-4DF8-9B0D-124440FA57C7}" type="datetimeFigureOut">
               <a:rPr lang="en-US" smtClean="0"/>
-              <a:t>4/25/2021</a:t>
+              <a:t>04/27/2021</a:t>
             </a:fld>
             <a:endParaRPr lang="en-US"/>
           </a:p>
@@ -1993,7 +5603,7 @@
           <a:p>
             <a:fld id="{45824D65-BF5F-4DF8-9B0D-124440FA57C7}" type="datetimeFigureOut">
               <a:rPr lang="en-US" smtClean="0"/>
-              <a:t>4/25/2021</a:t>
+              <a:t>04/27/2021</a:t>
             </a:fld>
             <a:endParaRPr lang="en-US"/>
           </a:p>
@@ -2111,7 +5721,7 @@
           <a:p>
             <a:fld id="{45824D65-BF5F-4DF8-9B0D-124440FA57C7}" type="datetimeFigureOut">
               <a:rPr lang="en-US" smtClean="0"/>
-              <a:t>4/25/2021</a:t>
+              <a:t>04/27/2021</a:t>
             </a:fld>
             <a:endParaRPr lang="en-US"/>
           </a:p>
@@ -2282,7 +5892,7 @@
           <a:p>
             <a:fld id="{45824D65-BF5F-4DF8-9B0D-124440FA57C7}" type="datetimeFigureOut">
               <a:rPr lang="en-US" smtClean="0"/>
-              <a:t>4/25/2021</a:t>
+              <a:t>04/27/2021</a:t>
             </a:fld>
             <a:endParaRPr lang="en-US"/>
           </a:p>
@@ -2636,7 +6246,7 @@
           <a:p>
             <a:fld id="{45824D65-BF5F-4DF8-9B0D-124440FA57C7}" type="datetimeFigureOut">
               <a:rPr lang="en-US" smtClean="0"/>
-              <a:t>4/25/2021</a:t>
+              <a:t>04/27/2021</a:t>
             </a:fld>
             <a:endParaRPr lang="en-US"/>
           </a:p>
@@ -3018,7 +6628,7 @@
           <a:p>
             <a:fld id="{45824D65-BF5F-4DF8-9B0D-124440FA57C7}" type="datetimeFigureOut">
               <a:rPr lang="en-US" smtClean="0"/>
-              <a:t>4/25/2021</a:t>
+              <a:t>04/27/2021</a:t>
             </a:fld>
             <a:endParaRPr lang="en-US"/>
           </a:p>
@@ -3305,7 +6915,7 @@
           <a:p>
             <a:fld id="{45824D65-BF5F-4DF8-9B0D-124440FA57C7}" type="datetimeFigureOut">
               <a:rPr lang="en-US" smtClean="0"/>
-              <a:t>4/25/2021</a:t>
+              <a:t>04/27/2021</a:t>
             </a:fld>
             <a:endParaRPr lang="en-US"/>
           </a:p>
@@ -3954,12 +7564,49 @@
           </a:p>
         </p:txBody>
       </p:sp>
+      <p:sp>
+        <p:nvSpPr>
+          <p:cNvPr id="3" name="Content Placeholder 2">
+            <a:extLst>
+              <a:ext uri="{FF2B5EF4-FFF2-40B4-BE49-F238E27FC236}">
+                <a16:creationId xmlns:a16="http://schemas.microsoft.com/office/drawing/2014/main" id="{080BA997-CE19-4B7D-8EA9-F70B0ECFE1FC}"/>
+              </a:ext>
+            </a:extLst>
+          </p:cNvPr>
+          <p:cNvSpPr>
+            <a:spLocks noGrp="1"/>
+          </p:cNvSpPr>
+          <p:nvPr>
+            <p:ph idx="1"/>
+          </p:nvPr>
+        </p:nvSpPr>
+        <p:spPr>
+          <a:xfrm>
+            <a:off x="1097280" y="1845734"/>
+            <a:ext cx="10058400" cy="404640"/>
+          </a:xfrm>
+        </p:spPr>
+        <p:txBody>
+          <a:bodyPr/>
+          <a:lstStyle/>
+          <a:p>
+            <a:pPr>
+              <a:buFont typeface="Arial" panose="020B0604020202020204" pitchFamily="34" charset="0"/>
+              <a:buChar char="•"/>
+            </a:pPr>
+            <a:r>
+              <a:rPr lang="en-US" dirty="0"/>
+              <a:t> A map based web application</a:t>
+            </a:r>
+          </a:p>
+        </p:txBody>
+      </p:sp>
       <p:pic>
         <p:nvPicPr>
-          <p:cNvPr id="8" name="Picture 7">
+          <p:cNvPr id="4" name="Picture 3">
             <a:extLst>
               <a:ext uri="{FF2B5EF4-FFF2-40B4-BE49-F238E27FC236}">
-                <a16:creationId xmlns:a16="http://schemas.microsoft.com/office/drawing/2014/main" id="{3E3BF7A2-66D6-4B60-AB2C-9A6B1D16C22A}"/>
+                <a16:creationId xmlns:a16="http://schemas.microsoft.com/office/drawing/2014/main" id="{BF043FC7-6DEC-4397-9BB6-BED45C81C559}"/>
               </a:ext>
             </a:extLst>
           </p:cNvPr>
@@ -3969,15 +7616,15 @@
           <p:nvPr/>
         </p:nvPicPr>
         <p:blipFill>
-          <a:blip r:embed="rId2"/>
+          <a:blip r:embed="rId3"/>
           <a:stretch>
             <a:fillRect/>
           </a:stretch>
         </p:blipFill>
         <p:spPr>
           <a:xfrm>
-            <a:off x="3525304" y="1914897"/>
-            <a:ext cx="5141392" cy="4047586"/>
+            <a:off x="5982336" y="1845734"/>
+            <a:ext cx="5018681" cy="4457252"/>
           </a:xfrm>
           <a:prstGeom prst="rect">
             <a:avLst/>
@@ -3987,7 +7634,7 @@
     </p:spTree>
     <p:extLst>
       <p:ext uri="{BB962C8B-B14F-4D97-AF65-F5344CB8AC3E}">
-        <p14:creationId xmlns:p14="http://schemas.microsoft.com/office/powerpoint/2010/main" val="492519242"/>
+        <p14:creationId xmlns:p14="http://schemas.microsoft.com/office/powerpoint/2010/main" val="3144729516"/>
       </p:ext>
     </p:extLst>
   </p:cSld>
@@ -4044,10 +7691,10 @@
       </p:sp>
       <p:pic>
         <p:nvPicPr>
-          <p:cNvPr id="4" name="Picture 3">
+          <p:cNvPr id="8" name="Picture 7">
             <a:extLst>
               <a:ext uri="{FF2B5EF4-FFF2-40B4-BE49-F238E27FC236}">
-                <a16:creationId xmlns:a16="http://schemas.microsoft.com/office/drawing/2014/main" id="{689D4C34-9297-4893-8C67-C50C13174949}"/>
+                <a16:creationId xmlns:a16="http://schemas.microsoft.com/office/drawing/2014/main" id="{3E3BF7A2-66D6-4B60-AB2C-9A6B1D16C22A}"/>
               </a:ext>
             </a:extLst>
           </p:cNvPr>
@@ -4057,25 +7704,107 @@
           <p:nvPr/>
         </p:nvPicPr>
         <p:blipFill>
-          <a:blip r:embed="rId2"/>
+          <a:blip r:embed="rId3"/>
           <a:stretch>
             <a:fillRect/>
           </a:stretch>
         </p:blipFill>
         <p:spPr>
           <a:xfrm>
-            <a:off x="3557211" y="1921427"/>
-            <a:ext cx="4887574" cy="4277829"/>
+            <a:off x="1167587" y="1852144"/>
+            <a:ext cx="5141392" cy="4047586"/>
           </a:xfrm>
           <a:prstGeom prst="rect">
             <a:avLst/>
           </a:prstGeom>
         </p:spPr>
       </p:pic>
+      <p:pic>
+        <p:nvPicPr>
+          <p:cNvPr id="4" name="Picture 3">
+            <a:extLst>
+              <a:ext uri="{FF2B5EF4-FFF2-40B4-BE49-F238E27FC236}">
+                <a16:creationId xmlns:a16="http://schemas.microsoft.com/office/drawing/2014/main" id="{A4261FCF-C697-434F-98B9-FB7F62677A68}"/>
+              </a:ext>
+            </a:extLst>
+          </p:cNvPr>
+          <p:cNvPicPr>
+            <a:picLocks noChangeAspect="1"/>
+          </p:cNvPicPr>
+          <p:nvPr/>
+        </p:nvPicPr>
+        <p:blipFill>
+          <a:blip r:embed="rId4"/>
+          <a:stretch>
+            <a:fillRect/>
+          </a:stretch>
+        </p:blipFill>
+        <p:spPr>
+          <a:xfrm>
+            <a:off x="6690548" y="1852144"/>
+            <a:ext cx="5018681" cy="4457252"/>
+          </a:xfrm>
+          <a:prstGeom prst="rect">
+            <a:avLst/>
+          </a:prstGeom>
+        </p:spPr>
+      </p:pic>
+      <p:sp>
+        <p:nvSpPr>
+          <p:cNvPr id="5" name="Rectangle 4">
+            <a:extLst>
+              <a:ext uri="{FF2B5EF4-FFF2-40B4-BE49-F238E27FC236}">
+                <a16:creationId xmlns:a16="http://schemas.microsoft.com/office/drawing/2014/main" id="{4AB92A17-EC48-4FFF-BC90-F11D41643B04}"/>
+              </a:ext>
+            </a:extLst>
+          </p:cNvPr>
+          <p:cNvSpPr/>
+          <p:nvPr/>
+        </p:nvSpPr>
+        <p:spPr>
+          <a:xfrm>
+            <a:off x="6759388" y="2465294"/>
+            <a:ext cx="4867836" cy="860612"/>
+          </a:xfrm>
+          <a:prstGeom prst="rect">
+            <a:avLst/>
+          </a:prstGeom>
+          <a:noFill/>
+          <a:ln w="28575">
+            <a:solidFill>
+              <a:srgbClr val="FF0000"/>
+            </a:solidFill>
+          </a:ln>
+        </p:spPr>
+        <p:style>
+          <a:lnRef idx="2">
+            <a:schemeClr val="accent1">
+              <a:shade val="50000"/>
+            </a:schemeClr>
+          </a:lnRef>
+          <a:fillRef idx="1">
+            <a:schemeClr val="accent1"/>
+          </a:fillRef>
+          <a:effectRef idx="0">
+            <a:schemeClr val="accent1"/>
+          </a:effectRef>
+          <a:fontRef idx="minor">
+            <a:schemeClr val="lt1"/>
+          </a:fontRef>
+        </p:style>
+        <p:txBody>
+          <a:bodyPr rtlCol="0" anchor="ctr"/>
+          <a:lstStyle/>
+          <a:p>
+            <a:pPr algn="ctr"/>
+            <a:endParaRPr lang="en-US"/>
+          </a:p>
+        </p:txBody>
+      </p:sp>
     </p:spTree>
     <p:extLst>
       <p:ext uri="{BB962C8B-B14F-4D97-AF65-F5344CB8AC3E}">
-        <p14:creationId xmlns:p14="http://schemas.microsoft.com/office/powerpoint/2010/main" val="4033001722"/>
+        <p14:creationId xmlns:p14="http://schemas.microsoft.com/office/powerpoint/2010/main" val="492519242"/>
       </p:ext>
     </p:extLst>
   </p:cSld>
@@ -4132,10 +7861,10 @@
       </p:sp>
       <p:pic>
         <p:nvPicPr>
-          <p:cNvPr id="6" name="Picture 5">
+          <p:cNvPr id="4" name="Picture 3">
             <a:extLst>
               <a:ext uri="{FF2B5EF4-FFF2-40B4-BE49-F238E27FC236}">
-                <a16:creationId xmlns:a16="http://schemas.microsoft.com/office/drawing/2014/main" id="{84AA2BCE-4BDB-4B57-8E70-845C9B14044E}"/>
+                <a16:creationId xmlns:a16="http://schemas.microsoft.com/office/drawing/2014/main" id="{A4261FCF-C697-434F-98B9-FB7F62677A68}"/>
               </a:ext>
             </a:extLst>
           </p:cNvPr>
@@ -4145,15 +7874,97 @@
           <p:nvPr/>
         </p:nvPicPr>
         <p:blipFill>
-          <a:blip r:embed="rId2"/>
+          <a:blip r:embed="rId3"/>
           <a:stretch>
             <a:fillRect/>
           </a:stretch>
         </p:blipFill>
         <p:spPr>
           <a:xfrm>
-            <a:off x="3591184" y="1947555"/>
-            <a:ext cx="4914630" cy="4278448"/>
+            <a:off x="6690548" y="1852144"/>
+            <a:ext cx="5018681" cy="4457252"/>
+          </a:xfrm>
+          <a:prstGeom prst="rect">
+            <a:avLst/>
+          </a:prstGeom>
+        </p:spPr>
+      </p:pic>
+      <p:sp>
+        <p:nvSpPr>
+          <p:cNvPr id="5" name="Rectangle 4">
+            <a:extLst>
+              <a:ext uri="{FF2B5EF4-FFF2-40B4-BE49-F238E27FC236}">
+                <a16:creationId xmlns:a16="http://schemas.microsoft.com/office/drawing/2014/main" id="{4AB92A17-EC48-4FFF-BC90-F11D41643B04}"/>
+              </a:ext>
+            </a:extLst>
+          </p:cNvPr>
+          <p:cNvSpPr/>
+          <p:nvPr/>
+        </p:nvSpPr>
+        <p:spPr>
+          <a:xfrm>
+            <a:off x="6748040" y="3325906"/>
+            <a:ext cx="4867836" cy="1855694"/>
+          </a:xfrm>
+          <a:prstGeom prst="rect">
+            <a:avLst/>
+          </a:prstGeom>
+          <a:noFill/>
+          <a:ln w="28575">
+            <a:solidFill>
+              <a:srgbClr val="FF0000"/>
+            </a:solidFill>
+          </a:ln>
+        </p:spPr>
+        <p:style>
+          <a:lnRef idx="2">
+            <a:schemeClr val="accent1">
+              <a:shade val="50000"/>
+            </a:schemeClr>
+          </a:lnRef>
+          <a:fillRef idx="1">
+            <a:schemeClr val="accent1"/>
+          </a:fillRef>
+          <a:effectRef idx="0">
+            <a:schemeClr val="accent1"/>
+          </a:effectRef>
+          <a:fontRef idx="minor">
+            <a:schemeClr val="lt1"/>
+          </a:fontRef>
+        </p:style>
+        <p:txBody>
+          <a:bodyPr rtlCol="0" anchor="ctr"/>
+          <a:lstStyle/>
+          <a:p>
+            <a:pPr algn="ctr"/>
+            <a:endParaRPr lang="en-US"/>
+          </a:p>
+        </p:txBody>
+      </p:sp>
+      <p:pic>
+        <p:nvPicPr>
+          <p:cNvPr id="6" name="Picture 5">
+            <a:extLst>
+              <a:ext uri="{FF2B5EF4-FFF2-40B4-BE49-F238E27FC236}">
+                <a16:creationId xmlns:a16="http://schemas.microsoft.com/office/drawing/2014/main" id="{31F07C08-B368-4426-9F38-BB1416EA07A7}"/>
+              </a:ext>
+            </a:extLst>
+          </p:cNvPr>
+          <p:cNvPicPr>
+            <a:picLocks noChangeAspect="1"/>
+          </p:cNvPicPr>
+          <p:nvPr/>
+        </p:nvPicPr>
+        <p:blipFill>
+          <a:blip r:embed="rId4"/>
+          <a:stretch>
+            <a:fillRect/>
+          </a:stretch>
+        </p:blipFill>
+        <p:spPr>
+          <a:xfrm>
+            <a:off x="1208426" y="1941855"/>
+            <a:ext cx="4887574" cy="4277829"/>
           </a:xfrm>
           <a:prstGeom prst="rect">
             <a:avLst/>
@@ -4163,7 +7974,7 @@
     </p:spTree>
     <p:extLst>
       <p:ext uri="{BB962C8B-B14F-4D97-AF65-F5344CB8AC3E}">
-        <p14:creationId xmlns:p14="http://schemas.microsoft.com/office/powerpoint/2010/main" val="3834780060"/>
+        <p14:creationId xmlns:p14="http://schemas.microsoft.com/office/powerpoint/2010/main" val="3297315801"/>
       </p:ext>
     </p:extLst>
   </p:cSld>
@@ -4220,10 +8031,10 @@
       </p:sp>
       <p:pic>
         <p:nvPicPr>
-          <p:cNvPr id="4" name="Picture 3">
+          <p:cNvPr id="3" name="Picture 2">
             <a:extLst>
               <a:ext uri="{FF2B5EF4-FFF2-40B4-BE49-F238E27FC236}">
-                <a16:creationId xmlns:a16="http://schemas.microsoft.com/office/drawing/2014/main" id="{B21BD831-E72D-472A-A01E-48B1A269DBA7}"/>
+                <a16:creationId xmlns:a16="http://schemas.microsoft.com/office/drawing/2014/main" id="{F31BEB57-EC03-4539-B45C-F0BA42A39749}"/>
               </a:ext>
             </a:extLst>
           </p:cNvPr>
@@ -4233,25 +8044,159 @@
           <p:nvPr/>
         </p:nvPicPr>
         <p:blipFill>
-          <a:blip r:embed="rId2"/>
+          <a:blip r:embed="rId3"/>
           <a:stretch>
             <a:fillRect/>
           </a:stretch>
         </p:blipFill>
         <p:spPr>
           <a:xfrm>
-            <a:off x="3544784" y="1939951"/>
-            <a:ext cx="5005450" cy="4346317"/>
+            <a:off x="2431474" y="1852144"/>
+            <a:ext cx="1978352" cy="4457252"/>
           </a:xfrm>
           <a:prstGeom prst="rect">
             <a:avLst/>
           </a:prstGeom>
         </p:spPr>
       </p:pic>
+      <p:sp>
+        <p:nvSpPr>
+          <p:cNvPr id="5" name="Rectangle 4">
+            <a:extLst>
+              <a:ext uri="{FF2B5EF4-FFF2-40B4-BE49-F238E27FC236}">
+                <a16:creationId xmlns:a16="http://schemas.microsoft.com/office/drawing/2014/main" id="{4AB92A17-EC48-4FFF-BC90-F11D41643B04}"/>
+              </a:ext>
+            </a:extLst>
+          </p:cNvPr>
+          <p:cNvSpPr/>
+          <p:nvPr/>
+        </p:nvSpPr>
+        <p:spPr>
+          <a:xfrm>
+            <a:off x="2606346" y="4896524"/>
+            <a:ext cx="1803480" cy="1412872"/>
+          </a:xfrm>
+          <a:prstGeom prst="rect">
+            <a:avLst/>
+          </a:prstGeom>
+          <a:noFill/>
+          <a:ln w="28575">
+            <a:solidFill>
+              <a:srgbClr val="FF0000"/>
+            </a:solidFill>
+          </a:ln>
+        </p:spPr>
+        <p:style>
+          <a:lnRef idx="2">
+            <a:schemeClr val="accent1">
+              <a:shade val="50000"/>
+            </a:schemeClr>
+          </a:lnRef>
+          <a:fillRef idx="1">
+            <a:schemeClr val="accent1"/>
+          </a:fillRef>
+          <a:effectRef idx="0">
+            <a:schemeClr val="accent1"/>
+          </a:effectRef>
+          <a:fontRef idx="minor">
+            <a:schemeClr val="lt1"/>
+          </a:fontRef>
+        </p:style>
+        <p:txBody>
+          <a:bodyPr rtlCol="0" anchor="ctr"/>
+          <a:lstStyle/>
+          <a:p>
+            <a:pPr algn="ctr"/>
+            <a:endParaRPr lang="en-US"/>
+          </a:p>
+        </p:txBody>
+      </p:sp>
+      <p:pic>
+        <p:nvPicPr>
+          <p:cNvPr id="7" name="Picture 6">
+            <a:extLst>
+              <a:ext uri="{FF2B5EF4-FFF2-40B4-BE49-F238E27FC236}">
+                <a16:creationId xmlns:a16="http://schemas.microsoft.com/office/drawing/2014/main" id="{9B7FA2E4-4B74-4BD9-9D90-6B168AD3463A}"/>
+              </a:ext>
+            </a:extLst>
+          </p:cNvPr>
+          <p:cNvPicPr>
+            <a:picLocks noChangeAspect="1"/>
+          </p:cNvPicPr>
+          <p:nvPr/>
+        </p:nvPicPr>
+        <p:blipFill>
+          <a:blip r:embed="rId4"/>
+          <a:stretch>
+            <a:fillRect/>
+          </a:stretch>
+        </p:blipFill>
+        <p:spPr>
+          <a:xfrm>
+            <a:off x="6994509" y="2665366"/>
+            <a:ext cx="3504341" cy="2704693"/>
+          </a:xfrm>
+          <a:prstGeom prst="rect">
+            <a:avLst/>
+          </a:prstGeom>
+        </p:spPr>
+      </p:pic>
+      <p:sp>
+        <p:nvSpPr>
+          <p:cNvPr id="8" name="Rectangle 7">
+            <a:extLst>
+              <a:ext uri="{FF2B5EF4-FFF2-40B4-BE49-F238E27FC236}">
+                <a16:creationId xmlns:a16="http://schemas.microsoft.com/office/drawing/2014/main" id="{B0AB1990-E564-446D-9C43-C8E42D0506E4}"/>
+              </a:ext>
+            </a:extLst>
+          </p:cNvPr>
+          <p:cNvSpPr/>
+          <p:nvPr/>
+        </p:nvSpPr>
+        <p:spPr>
+          <a:xfrm>
+            <a:off x="6994509" y="2667898"/>
+            <a:ext cx="3504340" cy="2702161"/>
+          </a:xfrm>
+          <a:prstGeom prst="rect">
+            <a:avLst/>
+          </a:prstGeom>
+          <a:noFill/>
+          <a:ln w="28575">
+            <a:solidFill>
+              <a:srgbClr val="FF0000"/>
+            </a:solidFill>
+          </a:ln>
+        </p:spPr>
+        <p:style>
+          <a:lnRef idx="2">
+            <a:schemeClr val="accent1">
+              <a:shade val="50000"/>
+            </a:schemeClr>
+          </a:lnRef>
+          <a:fillRef idx="1">
+            <a:schemeClr val="accent1"/>
+          </a:fillRef>
+          <a:effectRef idx="0">
+            <a:schemeClr val="accent1"/>
+          </a:effectRef>
+          <a:fontRef idx="minor">
+            <a:schemeClr val="lt1"/>
+          </a:fontRef>
+        </p:style>
+        <p:txBody>
+          <a:bodyPr rtlCol="0" anchor="ctr"/>
+          <a:lstStyle/>
+          <a:p>
+            <a:pPr algn="ctr"/>
+            <a:endParaRPr lang="en-US"/>
+          </a:p>
+        </p:txBody>
+      </p:sp>
     </p:spTree>
     <p:extLst>
       <p:ext uri="{BB962C8B-B14F-4D97-AF65-F5344CB8AC3E}">
-        <p14:creationId xmlns:p14="http://schemas.microsoft.com/office/powerpoint/2010/main" val="585967250"/>
+        <p14:creationId xmlns:p14="http://schemas.microsoft.com/office/powerpoint/2010/main" val="3321094568"/>
       </p:ext>
     </p:extLst>
   </p:cSld>
@@ -4278,40 +8223,12 @@
           <a:chExt cx="0" cy="0"/>
         </a:xfrm>
       </p:grpSpPr>
-      <p:sp>
-        <p:nvSpPr>
-          <p:cNvPr id="2" name="Title 1">
+      <p:pic>
+        <p:nvPicPr>
+          <p:cNvPr id="4" name="Picture 3">
             <a:extLst>
               <a:ext uri="{FF2B5EF4-FFF2-40B4-BE49-F238E27FC236}">
-                <a16:creationId xmlns:a16="http://schemas.microsoft.com/office/drawing/2014/main" id="{A28203C3-2BEF-4EF7-AEBA-1ACCFDA7A8A6}"/>
-              </a:ext>
-            </a:extLst>
-          </p:cNvPr>
-          <p:cNvSpPr>
-            <a:spLocks noGrp="1"/>
-          </p:cNvSpPr>
-          <p:nvPr>
-            <p:ph type="title"/>
-          </p:nvPr>
-        </p:nvSpPr>
-        <p:spPr/>
-        <p:txBody>
-          <a:bodyPr/>
-          <a:lstStyle/>
-          <a:p>
-            <a:r>
-              <a:rPr lang="en-US" dirty="0"/>
-              <a:t>Methods</a:t>
-            </a:r>
-          </a:p>
-        </p:txBody>
-      </p:sp>
-      <p:pic>
-        <p:nvPicPr>
-          <p:cNvPr id="5" name="Picture 4">
-            <a:extLst>
-              <a:ext uri="{FF2B5EF4-FFF2-40B4-BE49-F238E27FC236}">
-                <a16:creationId xmlns:a16="http://schemas.microsoft.com/office/drawing/2014/main" id="{AC405AF5-D031-4C92-8A39-368F2273C586}"/>
+                <a16:creationId xmlns:a16="http://schemas.microsoft.com/office/drawing/2014/main" id="{7646ABDB-38C3-48BE-825E-C00D6C68A5F3}"/>
               </a:ext>
             </a:extLst>
           </p:cNvPr>
@@ -4321,25 +8238,187 @@
           <p:nvPr/>
         </p:nvPicPr>
         <p:blipFill>
-          <a:blip r:embed="rId2"/>
+          <a:blip r:embed="rId3"/>
           <a:stretch>
             <a:fillRect/>
           </a:stretch>
         </p:blipFill>
         <p:spPr>
           <a:xfrm>
-            <a:off x="3596691" y="1894113"/>
-            <a:ext cx="4876353" cy="4274693"/>
+            <a:off x="6994509" y="2681344"/>
+            <a:ext cx="3492973" cy="2598867"/>
           </a:xfrm>
           <a:prstGeom prst="rect">
             <a:avLst/>
           </a:prstGeom>
         </p:spPr>
       </p:pic>
+      <p:sp>
+        <p:nvSpPr>
+          <p:cNvPr id="2" name="Title 1">
+            <a:extLst>
+              <a:ext uri="{FF2B5EF4-FFF2-40B4-BE49-F238E27FC236}">
+                <a16:creationId xmlns:a16="http://schemas.microsoft.com/office/drawing/2014/main" id="{A28203C3-2BEF-4EF7-AEBA-1ACCFDA7A8A6}"/>
+              </a:ext>
+            </a:extLst>
+          </p:cNvPr>
+          <p:cNvSpPr>
+            <a:spLocks noGrp="1"/>
+          </p:cNvSpPr>
+          <p:nvPr>
+            <p:ph type="title"/>
+          </p:nvPr>
+        </p:nvSpPr>
+        <p:spPr/>
+        <p:txBody>
+          <a:bodyPr/>
+          <a:lstStyle/>
+          <a:p>
+            <a:r>
+              <a:rPr lang="en-US" dirty="0"/>
+              <a:t>Methods</a:t>
+            </a:r>
+          </a:p>
+        </p:txBody>
+      </p:sp>
+      <p:pic>
+        <p:nvPicPr>
+          <p:cNvPr id="3" name="Picture 2">
+            <a:extLst>
+              <a:ext uri="{FF2B5EF4-FFF2-40B4-BE49-F238E27FC236}">
+                <a16:creationId xmlns:a16="http://schemas.microsoft.com/office/drawing/2014/main" id="{F31BEB57-EC03-4539-B45C-F0BA42A39749}"/>
+              </a:ext>
+            </a:extLst>
+          </p:cNvPr>
+          <p:cNvPicPr>
+            <a:picLocks noChangeAspect="1"/>
+          </p:cNvPicPr>
+          <p:nvPr/>
+        </p:nvPicPr>
+        <p:blipFill>
+          <a:blip r:embed="rId4"/>
+          <a:stretch>
+            <a:fillRect/>
+          </a:stretch>
+        </p:blipFill>
+        <p:spPr>
+          <a:xfrm>
+            <a:off x="2431474" y="1852144"/>
+            <a:ext cx="1978352" cy="4457252"/>
+          </a:xfrm>
+          <a:prstGeom prst="rect">
+            <a:avLst/>
+          </a:prstGeom>
+        </p:spPr>
+      </p:pic>
+      <p:sp>
+        <p:nvSpPr>
+          <p:cNvPr id="5" name="Rectangle 4">
+            <a:extLst>
+              <a:ext uri="{FF2B5EF4-FFF2-40B4-BE49-F238E27FC236}">
+                <a16:creationId xmlns:a16="http://schemas.microsoft.com/office/drawing/2014/main" id="{4AB92A17-EC48-4FFF-BC90-F11D41643B04}"/>
+              </a:ext>
+            </a:extLst>
+          </p:cNvPr>
+          <p:cNvSpPr/>
+          <p:nvPr/>
+        </p:nvSpPr>
+        <p:spPr>
+          <a:xfrm>
+            <a:off x="2614501" y="3605606"/>
+            <a:ext cx="1795325" cy="1316018"/>
+          </a:xfrm>
+          <a:prstGeom prst="rect">
+            <a:avLst/>
+          </a:prstGeom>
+          <a:noFill/>
+          <a:ln w="28575">
+            <a:solidFill>
+              <a:srgbClr val="FF0000"/>
+            </a:solidFill>
+          </a:ln>
+        </p:spPr>
+        <p:style>
+          <a:lnRef idx="2">
+            <a:schemeClr val="accent1">
+              <a:shade val="50000"/>
+            </a:schemeClr>
+          </a:lnRef>
+          <a:fillRef idx="1">
+            <a:schemeClr val="accent1"/>
+          </a:fillRef>
+          <a:effectRef idx="0">
+            <a:schemeClr val="accent1"/>
+          </a:effectRef>
+          <a:fontRef idx="minor">
+            <a:schemeClr val="lt1"/>
+          </a:fontRef>
+        </p:style>
+        <p:txBody>
+          <a:bodyPr rtlCol="0" anchor="ctr"/>
+          <a:lstStyle/>
+          <a:p>
+            <a:pPr algn="ctr"/>
+            <a:endParaRPr lang="en-US"/>
+          </a:p>
+        </p:txBody>
+      </p:sp>
+      <p:sp>
+        <p:nvSpPr>
+          <p:cNvPr id="8" name="Rectangle 7">
+            <a:extLst>
+              <a:ext uri="{FF2B5EF4-FFF2-40B4-BE49-F238E27FC236}">
+                <a16:creationId xmlns:a16="http://schemas.microsoft.com/office/drawing/2014/main" id="{B0AB1990-E564-446D-9C43-C8E42D0506E4}"/>
+              </a:ext>
+            </a:extLst>
+          </p:cNvPr>
+          <p:cNvSpPr/>
+          <p:nvPr/>
+        </p:nvSpPr>
+        <p:spPr>
+          <a:xfrm>
+            <a:off x="6994509" y="2667898"/>
+            <a:ext cx="3504340" cy="2612313"/>
+          </a:xfrm>
+          <a:prstGeom prst="rect">
+            <a:avLst/>
+          </a:prstGeom>
+          <a:noFill/>
+          <a:ln w="28575">
+            <a:solidFill>
+              <a:srgbClr val="FF0000"/>
+            </a:solidFill>
+          </a:ln>
+        </p:spPr>
+        <p:style>
+          <a:lnRef idx="2">
+            <a:schemeClr val="accent1">
+              <a:shade val="50000"/>
+            </a:schemeClr>
+          </a:lnRef>
+          <a:fillRef idx="1">
+            <a:schemeClr val="accent1"/>
+          </a:fillRef>
+          <a:effectRef idx="0">
+            <a:schemeClr val="accent1"/>
+          </a:effectRef>
+          <a:fontRef idx="minor">
+            <a:schemeClr val="lt1"/>
+          </a:fontRef>
+        </p:style>
+        <p:txBody>
+          <a:bodyPr rtlCol="0" anchor="ctr"/>
+          <a:lstStyle/>
+          <a:p>
+            <a:pPr algn="ctr"/>
+            <a:endParaRPr lang="en-US"/>
+          </a:p>
+        </p:txBody>
+      </p:sp>
     </p:spTree>
     <p:extLst>
       <p:ext uri="{BB962C8B-B14F-4D97-AF65-F5344CB8AC3E}">
-        <p14:creationId xmlns:p14="http://schemas.microsoft.com/office/powerpoint/2010/main" val="3506826813"/>
+        <p14:creationId xmlns:p14="http://schemas.microsoft.com/office/powerpoint/2010/main" val="3908444489"/>
       </p:ext>
     </p:extLst>
   </p:cSld>
@@ -4366,40 +8445,12 @@
           <a:chExt cx="0" cy="0"/>
         </a:xfrm>
       </p:grpSpPr>
-      <p:sp>
-        <p:nvSpPr>
-          <p:cNvPr id="2" name="Title 1">
+      <p:pic>
+        <p:nvPicPr>
+          <p:cNvPr id="6" name="Picture 5">
             <a:extLst>
               <a:ext uri="{FF2B5EF4-FFF2-40B4-BE49-F238E27FC236}">
-                <a16:creationId xmlns:a16="http://schemas.microsoft.com/office/drawing/2014/main" id="{A28203C3-2BEF-4EF7-AEBA-1ACCFDA7A8A6}"/>
-              </a:ext>
-            </a:extLst>
-          </p:cNvPr>
-          <p:cNvSpPr>
-            <a:spLocks noGrp="1"/>
-          </p:cNvSpPr>
-          <p:nvPr>
-            <p:ph type="title"/>
-          </p:nvPr>
-        </p:nvSpPr>
-        <p:spPr/>
-        <p:txBody>
-          <a:bodyPr/>
-          <a:lstStyle/>
-          <a:p>
-            <a:r>
-              <a:rPr lang="en-US" dirty="0"/>
-              <a:t>Methods</a:t>
-            </a:r>
-          </a:p>
-        </p:txBody>
-      </p:sp>
-      <p:pic>
-        <p:nvPicPr>
-          <p:cNvPr id="4" name="Picture 3">
-            <a:extLst>
-              <a:ext uri="{FF2B5EF4-FFF2-40B4-BE49-F238E27FC236}">
-                <a16:creationId xmlns:a16="http://schemas.microsoft.com/office/drawing/2014/main" id="{2AB27053-DD6E-4ED8-9F18-C6D3706BB265}"/>
+                <a16:creationId xmlns:a16="http://schemas.microsoft.com/office/drawing/2014/main" id="{4CAFD3D9-1674-40A2-BE4B-9C3FC75A70EE}"/>
               </a:ext>
             </a:extLst>
           </p:cNvPr>
@@ -4409,25 +8460,187 @@
           <p:nvPr/>
         </p:nvPicPr>
         <p:blipFill>
-          <a:blip r:embed="rId2"/>
+          <a:blip r:embed="rId3"/>
           <a:stretch>
             <a:fillRect/>
           </a:stretch>
         </p:blipFill>
         <p:spPr>
           <a:xfrm>
-            <a:off x="3550638" y="1864425"/>
-            <a:ext cx="4916468" cy="4341189"/>
+            <a:off x="6988826" y="2667898"/>
+            <a:ext cx="3506618" cy="2612313"/>
           </a:xfrm>
           <a:prstGeom prst="rect">
             <a:avLst/>
           </a:prstGeom>
         </p:spPr>
       </p:pic>
+      <p:sp>
+        <p:nvSpPr>
+          <p:cNvPr id="2" name="Title 1">
+            <a:extLst>
+              <a:ext uri="{FF2B5EF4-FFF2-40B4-BE49-F238E27FC236}">
+                <a16:creationId xmlns:a16="http://schemas.microsoft.com/office/drawing/2014/main" id="{A28203C3-2BEF-4EF7-AEBA-1ACCFDA7A8A6}"/>
+              </a:ext>
+            </a:extLst>
+          </p:cNvPr>
+          <p:cNvSpPr>
+            <a:spLocks noGrp="1"/>
+          </p:cNvSpPr>
+          <p:nvPr>
+            <p:ph type="title"/>
+          </p:nvPr>
+        </p:nvSpPr>
+        <p:spPr/>
+        <p:txBody>
+          <a:bodyPr/>
+          <a:lstStyle/>
+          <a:p>
+            <a:r>
+              <a:rPr lang="en-US" dirty="0"/>
+              <a:t>Methods</a:t>
+            </a:r>
+          </a:p>
+        </p:txBody>
+      </p:sp>
+      <p:pic>
+        <p:nvPicPr>
+          <p:cNvPr id="3" name="Picture 2">
+            <a:extLst>
+              <a:ext uri="{FF2B5EF4-FFF2-40B4-BE49-F238E27FC236}">
+                <a16:creationId xmlns:a16="http://schemas.microsoft.com/office/drawing/2014/main" id="{F31BEB57-EC03-4539-B45C-F0BA42A39749}"/>
+              </a:ext>
+            </a:extLst>
+          </p:cNvPr>
+          <p:cNvPicPr>
+            <a:picLocks noChangeAspect="1"/>
+          </p:cNvPicPr>
+          <p:nvPr/>
+        </p:nvPicPr>
+        <p:blipFill>
+          <a:blip r:embed="rId4"/>
+          <a:stretch>
+            <a:fillRect/>
+          </a:stretch>
+        </p:blipFill>
+        <p:spPr>
+          <a:xfrm>
+            <a:off x="2431474" y="1852144"/>
+            <a:ext cx="1978352" cy="4457252"/>
+          </a:xfrm>
+          <a:prstGeom prst="rect">
+            <a:avLst/>
+          </a:prstGeom>
+        </p:spPr>
+      </p:pic>
+      <p:sp>
+        <p:nvSpPr>
+          <p:cNvPr id="5" name="Rectangle 4">
+            <a:extLst>
+              <a:ext uri="{FF2B5EF4-FFF2-40B4-BE49-F238E27FC236}">
+                <a16:creationId xmlns:a16="http://schemas.microsoft.com/office/drawing/2014/main" id="{4AB92A17-EC48-4FFF-BC90-F11D41643B04}"/>
+              </a:ext>
+            </a:extLst>
+          </p:cNvPr>
+          <p:cNvSpPr/>
+          <p:nvPr/>
+        </p:nvSpPr>
+        <p:spPr>
+          <a:xfrm>
+            <a:off x="2620184" y="2323653"/>
+            <a:ext cx="1795325" cy="1316018"/>
+          </a:xfrm>
+          <a:prstGeom prst="rect">
+            <a:avLst/>
+          </a:prstGeom>
+          <a:noFill/>
+          <a:ln w="28575">
+            <a:solidFill>
+              <a:srgbClr val="FF0000"/>
+            </a:solidFill>
+          </a:ln>
+        </p:spPr>
+        <p:style>
+          <a:lnRef idx="2">
+            <a:schemeClr val="accent1">
+              <a:shade val="50000"/>
+            </a:schemeClr>
+          </a:lnRef>
+          <a:fillRef idx="1">
+            <a:schemeClr val="accent1"/>
+          </a:fillRef>
+          <a:effectRef idx="0">
+            <a:schemeClr val="accent1"/>
+          </a:effectRef>
+          <a:fontRef idx="minor">
+            <a:schemeClr val="lt1"/>
+          </a:fontRef>
+        </p:style>
+        <p:txBody>
+          <a:bodyPr rtlCol="0" anchor="ctr"/>
+          <a:lstStyle/>
+          <a:p>
+            <a:pPr algn="ctr"/>
+            <a:endParaRPr lang="en-US"/>
+          </a:p>
+        </p:txBody>
+      </p:sp>
+      <p:sp>
+        <p:nvSpPr>
+          <p:cNvPr id="8" name="Rectangle 7">
+            <a:extLst>
+              <a:ext uri="{FF2B5EF4-FFF2-40B4-BE49-F238E27FC236}">
+                <a16:creationId xmlns:a16="http://schemas.microsoft.com/office/drawing/2014/main" id="{B0AB1990-E564-446D-9C43-C8E42D0506E4}"/>
+              </a:ext>
+            </a:extLst>
+          </p:cNvPr>
+          <p:cNvSpPr/>
+          <p:nvPr/>
+        </p:nvSpPr>
+        <p:spPr>
+          <a:xfrm>
+            <a:off x="6994509" y="2667898"/>
+            <a:ext cx="3504340" cy="2612313"/>
+          </a:xfrm>
+          <a:prstGeom prst="rect">
+            <a:avLst/>
+          </a:prstGeom>
+          <a:noFill/>
+          <a:ln w="28575">
+            <a:solidFill>
+              <a:srgbClr val="FF0000"/>
+            </a:solidFill>
+          </a:ln>
+        </p:spPr>
+        <p:style>
+          <a:lnRef idx="2">
+            <a:schemeClr val="accent1">
+              <a:shade val="50000"/>
+            </a:schemeClr>
+          </a:lnRef>
+          <a:fillRef idx="1">
+            <a:schemeClr val="accent1"/>
+          </a:fillRef>
+          <a:effectRef idx="0">
+            <a:schemeClr val="accent1"/>
+          </a:effectRef>
+          <a:fontRef idx="minor">
+            <a:schemeClr val="lt1"/>
+          </a:fontRef>
+        </p:style>
+        <p:txBody>
+          <a:bodyPr rtlCol="0" anchor="ctr"/>
+          <a:lstStyle/>
+          <a:p>
+            <a:pPr algn="ctr"/>
+            <a:endParaRPr lang="en-US"/>
+          </a:p>
+        </p:txBody>
+      </p:sp>
     </p:spTree>
     <p:extLst>
       <p:ext uri="{BB962C8B-B14F-4D97-AF65-F5344CB8AC3E}">
-        <p14:creationId xmlns:p14="http://schemas.microsoft.com/office/powerpoint/2010/main" val="3553199657"/>
+        <p14:creationId xmlns:p14="http://schemas.microsoft.com/office/powerpoint/2010/main" val="3021495225"/>
       </p:ext>
     </p:extLst>
   </p:cSld>
@@ -4459,7 +8672,7 @@
           <p:cNvPr id="2" name="Title 1">
             <a:extLst>
               <a:ext uri="{FF2B5EF4-FFF2-40B4-BE49-F238E27FC236}">
-                <a16:creationId xmlns:a16="http://schemas.microsoft.com/office/drawing/2014/main" id="{B9A7C6B1-1957-4B1A-B36A-0CDBAE2633C5}"/>
+                <a16:creationId xmlns:a16="http://schemas.microsoft.com/office/drawing/2014/main" id="{A28203C3-2BEF-4EF7-AEBA-1ACCFDA7A8A6}"/>
               </a:ext>
             </a:extLst>
           </p:cNvPr>
@@ -4482,70 +8695,122 @@
           </a:p>
         </p:txBody>
       </p:sp>
-      <p:sp>
-        <p:nvSpPr>
-          <p:cNvPr id="3" name="Content Placeholder 2">
+      <p:pic>
+        <p:nvPicPr>
+          <p:cNvPr id="4" name="Picture 3">
             <a:extLst>
               <a:ext uri="{FF2B5EF4-FFF2-40B4-BE49-F238E27FC236}">
-                <a16:creationId xmlns:a16="http://schemas.microsoft.com/office/drawing/2014/main" id="{D9CEF426-0877-4F07-86A7-5499EE48AC13}"/>
+                <a16:creationId xmlns:a16="http://schemas.microsoft.com/office/drawing/2014/main" id="{A4261FCF-C697-434F-98B9-FB7F62677A68}"/>
               </a:ext>
             </a:extLst>
           </p:cNvPr>
-          <p:cNvSpPr>
-            <a:spLocks noGrp="1"/>
-          </p:cNvSpPr>
-          <p:nvPr>
-            <p:ph idx="1"/>
-          </p:nvPr>
-        </p:nvSpPr>
-        <p:spPr/>
-        <p:txBody>
-          <a:bodyPr/>
-          <a:lstStyle/>
-          <a:p>
-            <a:pPr>
-              <a:buFont typeface="Arial" panose="020B0604020202020204" pitchFamily="34" charset="0"/>
-              <a:buChar char="•"/>
-            </a:pPr>
-            <a:r>
-              <a:rPr lang="en-US" dirty="0"/>
-              <a:t> Data Sources</a:t>
-            </a:r>
-          </a:p>
-          <a:p>
-            <a:pPr lvl="1">
-              <a:buFont typeface="Arial" panose="020B0604020202020204" pitchFamily="34" charset="0"/>
-              <a:buChar char="•"/>
-            </a:pPr>
-            <a:r>
-              <a:rPr lang="en-US" dirty="0"/>
-              <a:t>COVID: New York Times dataset on GitHub</a:t>
-            </a:r>
-          </a:p>
-          <a:p>
-            <a:pPr lvl="1">
-              <a:buFont typeface="Arial" panose="020B0604020202020204" pitchFamily="34" charset="0"/>
-              <a:buChar char="•"/>
-            </a:pPr>
-            <a:r>
-              <a:rPr lang="en-US" dirty="0"/>
-              <a:t>Weather: </a:t>
-            </a:r>
-            <a:r>
-              <a:rPr lang="en-US" dirty="0" err="1"/>
-              <a:t>WeatherSource</a:t>
-            </a:r>
-            <a:r>
-              <a:rPr lang="en-US" dirty="0"/>
-              <a:t> API</a:t>
-            </a:r>
-          </a:p>
-        </p:txBody>
-      </p:sp>
+          <p:cNvPicPr>
+            <a:picLocks noChangeAspect="1"/>
+          </p:cNvPicPr>
+          <p:nvPr/>
+        </p:nvPicPr>
+        <p:blipFill>
+          <a:blip r:embed="rId3"/>
+          <a:stretch>
+            <a:fillRect/>
+          </a:stretch>
+        </p:blipFill>
+        <p:spPr>
+          <a:xfrm>
+            <a:off x="6690548" y="1852144"/>
+            <a:ext cx="5018681" cy="4457252"/>
+          </a:xfrm>
+          <a:prstGeom prst="rect">
+            <a:avLst/>
+          </a:prstGeom>
+        </p:spPr>
+      </p:pic>
+      <p:sp>
+        <p:nvSpPr>
+          <p:cNvPr id="5" name="Rectangle 4">
+            <a:extLst>
+              <a:ext uri="{FF2B5EF4-FFF2-40B4-BE49-F238E27FC236}">
+                <a16:creationId xmlns:a16="http://schemas.microsoft.com/office/drawing/2014/main" id="{4AB92A17-EC48-4FFF-BC90-F11D41643B04}"/>
+              </a:ext>
+            </a:extLst>
+          </p:cNvPr>
+          <p:cNvSpPr/>
+          <p:nvPr/>
+        </p:nvSpPr>
+        <p:spPr>
+          <a:xfrm>
+            <a:off x="6748040" y="5181599"/>
+            <a:ext cx="4867836" cy="726141"/>
+          </a:xfrm>
+          <a:prstGeom prst="rect">
+            <a:avLst/>
+          </a:prstGeom>
+          <a:noFill/>
+          <a:ln w="28575">
+            <a:solidFill>
+              <a:srgbClr val="FF0000"/>
+            </a:solidFill>
+          </a:ln>
+        </p:spPr>
+        <p:style>
+          <a:lnRef idx="2">
+            <a:schemeClr val="accent1">
+              <a:shade val="50000"/>
+            </a:schemeClr>
+          </a:lnRef>
+          <a:fillRef idx="1">
+            <a:schemeClr val="accent1"/>
+          </a:fillRef>
+          <a:effectRef idx="0">
+            <a:schemeClr val="accent1"/>
+          </a:effectRef>
+          <a:fontRef idx="minor">
+            <a:schemeClr val="lt1"/>
+          </a:fontRef>
+        </p:style>
+        <p:txBody>
+          <a:bodyPr rtlCol="0" anchor="ctr"/>
+          <a:lstStyle/>
+          <a:p>
+            <a:pPr algn="ctr"/>
+            <a:endParaRPr lang="en-US"/>
+          </a:p>
+        </p:txBody>
+      </p:sp>
+      <p:pic>
+        <p:nvPicPr>
+          <p:cNvPr id="7" name="Picture 6">
+            <a:extLst>
+              <a:ext uri="{FF2B5EF4-FFF2-40B4-BE49-F238E27FC236}">
+                <a16:creationId xmlns:a16="http://schemas.microsoft.com/office/drawing/2014/main" id="{8DA062C9-4453-47CF-A338-002EF385A648}"/>
+              </a:ext>
+            </a:extLst>
+          </p:cNvPr>
+          <p:cNvPicPr>
+            <a:picLocks noChangeAspect="1"/>
+          </p:cNvPicPr>
+          <p:nvPr/>
+        </p:nvPicPr>
+        <p:blipFill>
+          <a:blip r:embed="rId4"/>
+          <a:stretch>
+            <a:fillRect/>
+          </a:stretch>
+        </p:blipFill>
+        <p:spPr>
+          <a:xfrm>
+            <a:off x="1211850" y="1941546"/>
+            <a:ext cx="4914630" cy="4278448"/>
+          </a:xfrm>
+          <a:prstGeom prst="rect">
+            <a:avLst/>
+          </a:prstGeom>
+        </p:spPr>
+      </p:pic>
     </p:spTree>
     <p:extLst>
       <p:ext uri="{BB962C8B-B14F-4D97-AF65-F5344CB8AC3E}">
-        <p14:creationId xmlns:p14="http://schemas.microsoft.com/office/powerpoint/2010/main" val="801656959"/>
+        <p14:creationId xmlns:p14="http://schemas.microsoft.com/office/powerpoint/2010/main" val="3926242548"/>
       </p:ext>
     </p:extLst>
   </p:cSld>
@@ -4577,7 +8842,7 @@
           <p:cNvPr id="2" name="Title 1">
             <a:extLst>
               <a:ext uri="{FF2B5EF4-FFF2-40B4-BE49-F238E27FC236}">
-                <a16:creationId xmlns:a16="http://schemas.microsoft.com/office/drawing/2014/main" id="{088E91A3-5F37-4B2E-A77E-7DA9F4E03BE7}"/>
+                <a16:creationId xmlns:a16="http://schemas.microsoft.com/office/drawing/2014/main" id="{A28203C3-2BEF-4EF7-AEBA-1ACCFDA7A8A6}"/>
               </a:ext>
             </a:extLst>
           </p:cNvPr>
@@ -4600,88 +8865,174 @@
           </a:p>
         </p:txBody>
       </p:sp>
-      <p:sp>
-        <p:nvSpPr>
-          <p:cNvPr id="3" name="Content Placeholder 2">
+      <p:pic>
+        <p:nvPicPr>
+          <p:cNvPr id="7" name="Picture 6">
             <a:extLst>
               <a:ext uri="{FF2B5EF4-FFF2-40B4-BE49-F238E27FC236}">
-                <a16:creationId xmlns:a16="http://schemas.microsoft.com/office/drawing/2014/main" id="{80BF42FD-5FBB-4799-9EDA-C6EBE7892E59}"/>
+                <a16:creationId xmlns:a16="http://schemas.microsoft.com/office/drawing/2014/main" id="{8DA062C9-4453-47CF-A338-002EF385A648}"/>
               </a:ext>
             </a:extLst>
           </p:cNvPr>
-          <p:cNvSpPr>
-            <a:spLocks noGrp="1"/>
-          </p:cNvSpPr>
-          <p:nvPr>
-            <p:ph idx="1"/>
-          </p:nvPr>
-        </p:nvSpPr>
-        <p:spPr/>
-        <p:txBody>
-          <a:bodyPr/>
-          <a:lstStyle/>
-          <a:p>
-            <a:pPr>
-              <a:buFont typeface="Arial" panose="020B0604020202020204" pitchFamily="34" charset="0"/>
-              <a:buChar char="•"/>
-            </a:pPr>
-            <a:r>
-              <a:rPr lang="en-US" dirty="0"/>
-              <a:t> Data transformation</a:t>
-            </a:r>
-          </a:p>
-          <a:p>
-            <a:pPr lvl="1">
-              <a:buFont typeface="Arial" panose="020B0604020202020204" pitchFamily="34" charset="0"/>
-              <a:buChar char="•"/>
-            </a:pPr>
-            <a:r>
-              <a:rPr lang="en-US" dirty="0"/>
-              <a:t>COVID-19 Cumulative Cases By Day </a:t>
-            </a:r>
-            <a:r>
-              <a:rPr lang="en-US" dirty="0">
-                <a:sym typeface="Wingdings" panose="05000000000000000000" pitchFamily="2" charset="2"/>
-              </a:rPr>
-              <a:t> New COVID-19 Infections By Day</a:t>
-            </a:r>
-            <a:endParaRPr lang="en-US" dirty="0"/>
-          </a:p>
-          <a:p>
-            <a:pPr lvl="1">
-              <a:buFont typeface="Arial" panose="020B0604020202020204" pitchFamily="34" charset="0"/>
-              <a:buChar char="•"/>
-            </a:pPr>
-            <a:r>
-              <a:rPr lang="en-US" dirty="0"/>
-              <a:t>Daily </a:t>
-            </a:r>
-            <a:r>
-              <a:rPr lang="en-US" dirty="0">
-                <a:sym typeface="Wingdings" panose="05000000000000000000" pitchFamily="2" charset="2"/>
-              </a:rPr>
-              <a:t> Weekly Average</a:t>
-            </a:r>
-          </a:p>
-          <a:p>
-            <a:pPr lvl="1">
-              <a:buFont typeface="Arial" panose="020B0604020202020204" pitchFamily="34" charset="0"/>
-              <a:buChar char="•"/>
-            </a:pPr>
-            <a:r>
-              <a:rPr lang="en-US" dirty="0">
-                <a:sym typeface="Wingdings" panose="05000000000000000000" pitchFamily="2" charset="2"/>
-              </a:rPr>
-              <a:t>Daily  7-Day Rolling average</a:t>
-            </a:r>
-            <a:endParaRPr lang="en-US" dirty="0"/>
+          <p:cNvPicPr>
+            <a:picLocks noChangeAspect="1"/>
+          </p:cNvPicPr>
+          <p:nvPr/>
+        </p:nvPicPr>
+        <p:blipFill>
+          <a:blip r:embed="rId3"/>
+          <a:stretch>
+            <a:fillRect/>
+          </a:stretch>
+        </p:blipFill>
+        <p:spPr>
+          <a:xfrm>
+            <a:off x="1211850" y="1941546"/>
+            <a:ext cx="4914630" cy="4278448"/>
+          </a:xfrm>
+          <a:prstGeom prst="rect">
+            <a:avLst/>
+          </a:prstGeom>
+        </p:spPr>
+      </p:pic>
+      <p:pic>
+        <p:nvPicPr>
+          <p:cNvPr id="3" name="Picture 2">
+            <a:extLst>
+              <a:ext uri="{FF2B5EF4-FFF2-40B4-BE49-F238E27FC236}">
+                <a16:creationId xmlns:a16="http://schemas.microsoft.com/office/drawing/2014/main" id="{B6433A1D-0CF8-47E1-B176-630C207F5273}"/>
+              </a:ext>
+            </a:extLst>
+          </p:cNvPr>
+          <p:cNvPicPr>
+            <a:picLocks noChangeAspect="1"/>
+          </p:cNvPicPr>
+          <p:nvPr/>
+        </p:nvPicPr>
+        <p:blipFill>
+          <a:blip r:embed="rId4"/>
+          <a:stretch>
+            <a:fillRect/>
+          </a:stretch>
+        </p:blipFill>
+        <p:spPr>
+          <a:xfrm>
+            <a:off x="8202307" y="2831158"/>
+            <a:ext cx="2142963" cy="2724106"/>
+          </a:xfrm>
+          <a:prstGeom prst="rect">
+            <a:avLst/>
+          </a:prstGeom>
+        </p:spPr>
+      </p:pic>
+      <p:sp>
+        <p:nvSpPr>
+          <p:cNvPr id="5" name="Rectangle 4">
+            <a:extLst>
+              <a:ext uri="{FF2B5EF4-FFF2-40B4-BE49-F238E27FC236}">
+                <a16:creationId xmlns:a16="http://schemas.microsoft.com/office/drawing/2014/main" id="{4AB92A17-EC48-4FFF-BC90-F11D41643B04}"/>
+              </a:ext>
+            </a:extLst>
+          </p:cNvPr>
+          <p:cNvSpPr/>
+          <p:nvPr/>
+        </p:nvSpPr>
+        <p:spPr>
+          <a:xfrm>
+            <a:off x="3729318" y="2895601"/>
+            <a:ext cx="878541" cy="1021976"/>
+          </a:xfrm>
+          <a:prstGeom prst="rect">
+            <a:avLst/>
+          </a:prstGeom>
+          <a:noFill/>
+          <a:ln w="28575">
+            <a:solidFill>
+              <a:srgbClr val="FF0000"/>
+            </a:solidFill>
+          </a:ln>
+        </p:spPr>
+        <p:style>
+          <a:lnRef idx="2">
+            <a:schemeClr val="accent1">
+              <a:shade val="50000"/>
+            </a:schemeClr>
+          </a:lnRef>
+          <a:fillRef idx="1">
+            <a:schemeClr val="accent1"/>
+          </a:fillRef>
+          <a:effectRef idx="0">
+            <a:schemeClr val="accent1"/>
+          </a:effectRef>
+          <a:fontRef idx="minor">
+            <a:schemeClr val="lt1"/>
+          </a:fontRef>
+        </p:style>
+        <p:txBody>
+          <a:bodyPr rtlCol="0" anchor="ctr"/>
+          <a:lstStyle/>
+          <a:p>
+            <a:pPr algn="ctr"/>
+            <a:endParaRPr lang="en-US"/>
+          </a:p>
+        </p:txBody>
+      </p:sp>
+      <p:sp>
+        <p:nvSpPr>
+          <p:cNvPr id="8" name="Rectangle 7">
+            <a:extLst>
+              <a:ext uri="{FF2B5EF4-FFF2-40B4-BE49-F238E27FC236}">
+                <a16:creationId xmlns:a16="http://schemas.microsoft.com/office/drawing/2014/main" id="{D7344B4F-9106-454E-8AC7-2FA45A1417E2}"/>
+              </a:ext>
+            </a:extLst>
+          </p:cNvPr>
+          <p:cNvSpPr/>
+          <p:nvPr/>
+        </p:nvSpPr>
+        <p:spPr>
+          <a:xfrm>
+            <a:off x="8204677" y="2831157"/>
+            <a:ext cx="2140593" cy="2724106"/>
+          </a:xfrm>
+          <a:prstGeom prst="rect">
+            <a:avLst/>
+          </a:prstGeom>
+          <a:noFill/>
+          <a:ln w="28575">
+            <a:solidFill>
+              <a:srgbClr val="FF0000"/>
+            </a:solidFill>
+          </a:ln>
+        </p:spPr>
+        <p:style>
+          <a:lnRef idx="2">
+            <a:schemeClr val="accent1">
+              <a:shade val="50000"/>
+            </a:schemeClr>
+          </a:lnRef>
+          <a:fillRef idx="1">
+            <a:schemeClr val="accent1"/>
+          </a:fillRef>
+          <a:effectRef idx="0">
+            <a:schemeClr val="accent1"/>
+          </a:effectRef>
+          <a:fontRef idx="minor">
+            <a:schemeClr val="lt1"/>
+          </a:fontRef>
+        </p:style>
+        <p:txBody>
+          <a:bodyPr rtlCol="0" anchor="ctr"/>
+          <a:lstStyle/>
+          <a:p>
+            <a:pPr algn="ctr"/>
+            <a:endParaRPr lang="en-US"/>
           </a:p>
         </p:txBody>
       </p:sp>
     </p:spTree>
     <p:extLst>
       <p:ext uri="{BB962C8B-B14F-4D97-AF65-F5344CB8AC3E}">
-        <p14:creationId xmlns:p14="http://schemas.microsoft.com/office/powerpoint/2010/main" val="33067120"/>
+        <p14:creationId xmlns:p14="http://schemas.microsoft.com/office/powerpoint/2010/main" val="2471112235"/>
       </p:ext>
     </p:extLst>
   </p:cSld>
@@ -4713,7 +9064,7 @@
           <p:cNvPr id="2" name="Title 1">
             <a:extLst>
               <a:ext uri="{FF2B5EF4-FFF2-40B4-BE49-F238E27FC236}">
-                <a16:creationId xmlns:a16="http://schemas.microsoft.com/office/drawing/2014/main" id="{088E91A3-5F37-4B2E-A77E-7DA9F4E03BE7}"/>
+                <a16:creationId xmlns:a16="http://schemas.microsoft.com/office/drawing/2014/main" id="{A28203C3-2BEF-4EF7-AEBA-1ACCFDA7A8A6}"/>
               </a:ext>
             </a:extLst>
           </p:cNvPr>
@@ -4736,144 +9087,122 @@
           </a:p>
         </p:txBody>
       </p:sp>
-      <p:sp>
-        <p:nvSpPr>
-          <p:cNvPr id="3" name="Content Placeholder 2">
+      <p:pic>
+        <p:nvPicPr>
+          <p:cNvPr id="4" name="Picture 3">
             <a:extLst>
               <a:ext uri="{FF2B5EF4-FFF2-40B4-BE49-F238E27FC236}">
-                <a16:creationId xmlns:a16="http://schemas.microsoft.com/office/drawing/2014/main" id="{80BF42FD-5FBB-4799-9EDA-C6EBE7892E59}"/>
+                <a16:creationId xmlns:a16="http://schemas.microsoft.com/office/drawing/2014/main" id="{A4261FCF-C697-434F-98B9-FB7F62677A68}"/>
               </a:ext>
             </a:extLst>
           </p:cNvPr>
-          <p:cNvSpPr>
-            <a:spLocks noGrp="1"/>
-          </p:cNvSpPr>
-          <p:nvPr>
-            <p:ph idx="1"/>
-          </p:nvPr>
-        </p:nvSpPr>
+          <p:cNvPicPr>
+            <a:picLocks noChangeAspect="1"/>
+          </p:cNvPicPr>
+          <p:nvPr/>
+        </p:nvPicPr>
+        <p:blipFill>
+          <a:blip r:embed="rId3"/>
+          <a:stretch>
+            <a:fillRect/>
+          </a:stretch>
+        </p:blipFill>
         <p:spPr>
           <a:xfrm>
-            <a:off x="1097280" y="1845734"/>
-            <a:ext cx="10058400" cy="2470947"/>
+            <a:off x="6690548" y="1852144"/>
+            <a:ext cx="5018681" cy="4457252"/>
           </a:xfrm>
+          <a:prstGeom prst="rect">
+            <a:avLst/>
+          </a:prstGeom>
         </p:spPr>
-        <p:txBody>
-          <a:bodyPr>
-            <a:normAutofit fontScale="92500" lnSpcReduction="20000"/>
-          </a:bodyPr>
-          <a:lstStyle/>
-          <a:p>
-            <a:pPr>
-              <a:buFont typeface="Arial" panose="020B0604020202020204" pitchFamily="34" charset="0"/>
-              <a:buChar char="•"/>
-            </a:pPr>
-            <a:r>
-              <a:rPr lang="en-US" dirty="0"/>
-              <a:t> Resources</a:t>
-            </a:r>
-          </a:p>
-          <a:p>
-            <a:pPr lvl="1">
-              <a:buFont typeface="Arial" panose="020B0604020202020204" pitchFamily="34" charset="0"/>
-              <a:buChar char="•"/>
-            </a:pPr>
-            <a:r>
-              <a:rPr lang="en-US" dirty="0"/>
-              <a:t>Azure</a:t>
-            </a:r>
-          </a:p>
-          <a:p>
-            <a:pPr lvl="2">
-              <a:buFont typeface="Arial" panose="020B0604020202020204" pitchFamily="34" charset="0"/>
-              <a:buChar char="•"/>
-            </a:pPr>
-            <a:r>
-              <a:rPr lang="en-US" dirty="0"/>
-              <a:t>App Service</a:t>
-            </a:r>
-          </a:p>
-          <a:p>
-            <a:pPr lvl="3">
-              <a:buFont typeface="Arial" panose="020B0604020202020204" pitchFamily="34" charset="0"/>
-              <a:buChar char="•"/>
-            </a:pPr>
-            <a:r>
-              <a:rPr lang="en-US" dirty="0"/>
-              <a:t>ASP.NET Core Web App (Angular frontend, API endpoints)</a:t>
-            </a:r>
-          </a:p>
-          <a:p>
-            <a:pPr lvl="2">
-              <a:buFont typeface="Arial" panose="020B0604020202020204" pitchFamily="34" charset="0"/>
-              <a:buChar char="•"/>
-            </a:pPr>
-            <a:r>
-              <a:rPr lang="en-US" dirty="0"/>
-              <a:t>Azure SQL Database</a:t>
-            </a:r>
-          </a:p>
-          <a:p>
-            <a:pPr lvl="3">
-              <a:buFont typeface="Arial" panose="020B0604020202020204" pitchFamily="34" charset="0"/>
-              <a:buChar char="•"/>
-            </a:pPr>
-            <a:r>
-              <a:rPr lang="en-US" dirty="0"/>
-              <a:t>COVID-19 data</a:t>
-            </a:r>
-          </a:p>
-          <a:p>
-            <a:pPr lvl="2">
-              <a:buFont typeface="Arial" panose="020B0604020202020204" pitchFamily="34" charset="0"/>
-              <a:buChar char="•"/>
-            </a:pPr>
-            <a:r>
-              <a:rPr lang="en-US" dirty="0"/>
-              <a:t>Azure Function or </a:t>
-            </a:r>
-            <a:r>
-              <a:rPr lang="en-US" dirty="0" err="1"/>
-              <a:t>WebJob</a:t>
-            </a:r>
-            <a:endParaRPr lang="en-US" dirty="0"/>
-          </a:p>
-          <a:p>
-            <a:pPr lvl="3">
-              <a:buFont typeface="Arial" panose="020B0604020202020204" pitchFamily="34" charset="0"/>
-              <a:buChar char="•"/>
-            </a:pPr>
-            <a:r>
-              <a:rPr lang="en-US" dirty="0"/>
-              <a:t>Recurring update of COVID-19 data</a:t>
-            </a:r>
-          </a:p>
-          <a:p>
-            <a:pPr lvl="1">
-              <a:buFont typeface="Arial" panose="020B0604020202020204" pitchFamily="34" charset="0"/>
-              <a:buChar char="•"/>
-            </a:pPr>
-            <a:r>
-              <a:rPr lang="en-US" dirty="0"/>
-              <a:t>GitHub</a:t>
-            </a:r>
-          </a:p>
-          <a:p>
-            <a:pPr lvl="2">
-              <a:buFont typeface="Arial" panose="020B0604020202020204" pitchFamily="34" charset="0"/>
-              <a:buChar char="•"/>
-            </a:pPr>
-            <a:r>
-              <a:rPr lang="en-US" dirty="0"/>
-              <a:t>GitHub Actions</a:t>
-            </a:r>
-          </a:p>
-        </p:txBody>
-      </p:sp>
+      </p:pic>
+      <p:sp>
+        <p:nvSpPr>
+          <p:cNvPr id="5" name="Rectangle 4">
+            <a:extLst>
+              <a:ext uri="{FF2B5EF4-FFF2-40B4-BE49-F238E27FC236}">
+                <a16:creationId xmlns:a16="http://schemas.microsoft.com/office/drawing/2014/main" id="{4AB92A17-EC48-4FFF-BC90-F11D41643B04}"/>
+              </a:ext>
+            </a:extLst>
+          </p:cNvPr>
+          <p:cNvSpPr/>
+          <p:nvPr/>
+        </p:nvSpPr>
+        <p:spPr>
+          <a:xfrm>
+            <a:off x="6748040" y="5898776"/>
+            <a:ext cx="4867836" cy="301410"/>
+          </a:xfrm>
+          <a:prstGeom prst="rect">
+            <a:avLst/>
+          </a:prstGeom>
+          <a:noFill/>
+          <a:ln w="28575">
+            <a:solidFill>
+              <a:srgbClr val="FF0000"/>
+            </a:solidFill>
+          </a:ln>
+        </p:spPr>
+        <p:style>
+          <a:lnRef idx="2">
+            <a:schemeClr val="accent1">
+              <a:shade val="50000"/>
+            </a:schemeClr>
+          </a:lnRef>
+          <a:fillRef idx="1">
+            <a:schemeClr val="accent1"/>
+          </a:fillRef>
+          <a:effectRef idx="0">
+            <a:schemeClr val="accent1"/>
+          </a:effectRef>
+          <a:fontRef idx="minor">
+            <a:schemeClr val="lt1"/>
+          </a:fontRef>
+        </p:style>
+        <p:txBody>
+          <a:bodyPr rtlCol="0" anchor="ctr"/>
+          <a:lstStyle/>
+          <a:p>
+            <a:pPr algn="ctr"/>
+            <a:endParaRPr lang="en-US"/>
+          </a:p>
+        </p:txBody>
+      </p:sp>
+      <p:pic>
+        <p:nvPicPr>
+          <p:cNvPr id="7" name="Picture 6">
+            <a:extLst>
+              <a:ext uri="{FF2B5EF4-FFF2-40B4-BE49-F238E27FC236}">
+                <a16:creationId xmlns:a16="http://schemas.microsoft.com/office/drawing/2014/main" id="{C8ED7917-2827-4413-87D4-26575F1860DD}"/>
+              </a:ext>
+            </a:extLst>
+          </p:cNvPr>
+          <p:cNvPicPr>
+            <a:picLocks noChangeAspect="1"/>
+          </p:cNvPicPr>
+          <p:nvPr/>
+        </p:nvPicPr>
+        <p:blipFill>
+          <a:blip r:embed="rId4"/>
+          <a:stretch>
+            <a:fillRect/>
+          </a:stretch>
+        </p:blipFill>
+        <p:spPr>
+          <a:xfrm>
+            <a:off x="1250127" y="1943423"/>
+            <a:ext cx="4876353" cy="4274693"/>
+          </a:xfrm>
+          <a:prstGeom prst="rect">
+            <a:avLst/>
+          </a:prstGeom>
+        </p:spPr>
+      </p:pic>
     </p:spTree>
     <p:extLst>
       <p:ext uri="{BB962C8B-B14F-4D97-AF65-F5344CB8AC3E}">
-        <p14:creationId xmlns:p14="http://schemas.microsoft.com/office/powerpoint/2010/main" val="3992672966"/>
+        <p14:creationId xmlns:p14="http://schemas.microsoft.com/office/powerpoint/2010/main" val="3446921320"/>
       </p:ext>
     </p:extLst>
   </p:cSld>
@@ -4905,7 +9234,7 @@
           <p:cNvPr id="2" name="Title 1">
             <a:extLst>
               <a:ext uri="{FF2B5EF4-FFF2-40B4-BE49-F238E27FC236}">
-                <a16:creationId xmlns:a16="http://schemas.microsoft.com/office/drawing/2014/main" id="{AA50913D-50C9-4BEB-B064-97CFB2D3898E}"/>
+                <a16:creationId xmlns:a16="http://schemas.microsoft.com/office/drawing/2014/main" id="{A28203C3-2BEF-4EF7-AEBA-1ACCFDA7A8A6}"/>
               </a:ext>
             </a:extLst>
           </p:cNvPr>
@@ -4923,17 +9252,17 @@
           <a:p>
             <a:r>
               <a:rPr lang="en-US" dirty="0"/>
-              <a:t>Summary</a:t>
+              <a:t>Methods</a:t>
             </a:r>
           </a:p>
         </p:txBody>
       </p:sp>
       <p:pic>
         <p:nvPicPr>
-          <p:cNvPr id="4" name="Picture 3">
+          <p:cNvPr id="7" name="Picture 6">
             <a:extLst>
               <a:ext uri="{FF2B5EF4-FFF2-40B4-BE49-F238E27FC236}">
-                <a16:creationId xmlns:a16="http://schemas.microsoft.com/office/drawing/2014/main" id="{E80C2DAC-1840-431B-A3E2-8CDDAFE9EB47}"/>
+                <a16:creationId xmlns:a16="http://schemas.microsoft.com/office/drawing/2014/main" id="{C8ED7917-2827-4413-87D4-26575F1860DD}"/>
               </a:ext>
             </a:extLst>
           </p:cNvPr>
@@ -4943,25 +9272,159 @@
           <p:nvPr/>
         </p:nvPicPr>
         <p:blipFill>
-          <a:blip r:embed="rId2"/>
+          <a:blip r:embed="rId3"/>
           <a:stretch>
             <a:fillRect/>
           </a:stretch>
         </p:blipFill>
         <p:spPr>
           <a:xfrm>
-            <a:off x="3544784" y="1939951"/>
-            <a:ext cx="5005450" cy="4346317"/>
+            <a:off x="1250127" y="1943423"/>
+            <a:ext cx="4876353" cy="4274693"/>
           </a:xfrm>
           <a:prstGeom prst="rect">
             <a:avLst/>
           </a:prstGeom>
         </p:spPr>
       </p:pic>
+      <p:sp>
+        <p:nvSpPr>
+          <p:cNvPr id="5" name="Rectangle 4">
+            <a:extLst>
+              <a:ext uri="{FF2B5EF4-FFF2-40B4-BE49-F238E27FC236}">
+                <a16:creationId xmlns:a16="http://schemas.microsoft.com/office/drawing/2014/main" id="{4AB92A17-EC48-4FFF-BC90-F11D41643B04}"/>
+              </a:ext>
+            </a:extLst>
+          </p:cNvPr>
+          <p:cNvSpPr/>
+          <p:nvPr/>
+        </p:nvSpPr>
+        <p:spPr>
+          <a:xfrm>
+            <a:off x="4578581" y="2501152"/>
+            <a:ext cx="1454666" cy="394447"/>
+          </a:xfrm>
+          <a:prstGeom prst="rect">
+            <a:avLst/>
+          </a:prstGeom>
+          <a:noFill/>
+          <a:ln w="28575">
+            <a:solidFill>
+              <a:srgbClr val="FF0000"/>
+            </a:solidFill>
+          </a:ln>
+        </p:spPr>
+        <p:style>
+          <a:lnRef idx="2">
+            <a:schemeClr val="accent1">
+              <a:shade val="50000"/>
+            </a:schemeClr>
+          </a:lnRef>
+          <a:fillRef idx="1">
+            <a:schemeClr val="accent1"/>
+          </a:fillRef>
+          <a:effectRef idx="0">
+            <a:schemeClr val="accent1"/>
+          </a:effectRef>
+          <a:fontRef idx="minor">
+            <a:schemeClr val="lt1"/>
+          </a:fontRef>
+        </p:style>
+        <p:txBody>
+          <a:bodyPr rtlCol="0" anchor="ctr"/>
+          <a:lstStyle/>
+          <a:p>
+            <a:pPr algn="ctr"/>
+            <a:endParaRPr lang="en-US"/>
+          </a:p>
+        </p:txBody>
+      </p:sp>
+      <p:pic>
+        <p:nvPicPr>
+          <p:cNvPr id="6" name="Picture 5">
+            <a:extLst>
+              <a:ext uri="{FF2B5EF4-FFF2-40B4-BE49-F238E27FC236}">
+                <a16:creationId xmlns:a16="http://schemas.microsoft.com/office/drawing/2014/main" id="{53DF1615-A3A4-4F56-BEAF-284919621F32}"/>
+              </a:ext>
+            </a:extLst>
+          </p:cNvPr>
+          <p:cNvPicPr>
+            <a:picLocks noChangeAspect="1"/>
+          </p:cNvPicPr>
+          <p:nvPr/>
+        </p:nvPicPr>
+        <p:blipFill>
+          <a:blip r:embed="rId4"/>
+          <a:stretch>
+            <a:fillRect/>
+          </a:stretch>
+        </p:blipFill>
+        <p:spPr>
+          <a:xfrm>
+            <a:off x="7814785" y="3699716"/>
+            <a:ext cx="2819794" cy="762106"/>
+          </a:xfrm>
+          <a:prstGeom prst="rect">
+            <a:avLst/>
+          </a:prstGeom>
+        </p:spPr>
+      </p:pic>
+      <p:sp>
+        <p:nvSpPr>
+          <p:cNvPr id="8" name="Rectangle 7">
+            <a:extLst>
+              <a:ext uri="{FF2B5EF4-FFF2-40B4-BE49-F238E27FC236}">
+                <a16:creationId xmlns:a16="http://schemas.microsoft.com/office/drawing/2014/main" id="{31A95CB0-1FC2-431C-870A-41FAA7DD257D}"/>
+              </a:ext>
+            </a:extLst>
+          </p:cNvPr>
+          <p:cNvSpPr/>
+          <p:nvPr/>
+        </p:nvSpPr>
+        <p:spPr>
+          <a:xfrm>
+            <a:off x="7814785" y="3691597"/>
+            <a:ext cx="2828759" cy="770225"/>
+          </a:xfrm>
+          <a:prstGeom prst="rect">
+            <a:avLst/>
+          </a:prstGeom>
+          <a:noFill/>
+          <a:ln w="28575">
+            <a:solidFill>
+              <a:srgbClr val="FF0000"/>
+            </a:solidFill>
+          </a:ln>
+        </p:spPr>
+        <p:style>
+          <a:lnRef idx="2">
+            <a:schemeClr val="accent1">
+              <a:shade val="50000"/>
+            </a:schemeClr>
+          </a:lnRef>
+          <a:fillRef idx="1">
+            <a:schemeClr val="accent1"/>
+          </a:fillRef>
+          <a:effectRef idx="0">
+            <a:schemeClr val="accent1"/>
+          </a:effectRef>
+          <a:fontRef idx="minor">
+            <a:schemeClr val="lt1"/>
+          </a:fontRef>
+        </p:style>
+        <p:txBody>
+          <a:bodyPr rtlCol="0" anchor="ctr"/>
+          <a:lstStyle/>
+          <a:p>
+            <a:pPr algn="ctr"/>
+            <a:endParaRPr lang="en-US"/>
+          </a:p>
+        </p:txBody>
+      </p:sp>
     </p:spTree>
     <p:extLst>
       <p:ext uri="{BB962C8B-B14F-4D97-AF65-F5344CB8AC3E}">
-        <p14:creationId xmlns:p14="http://schemas.microsoft.com/office/powerpoint/2010/main" val="936432580"/>
+        <p14:creationId xmlns:p14="http://schemas.microsoft.com/office/powerpoint/2010/main" val="1142027204"/>
       </p:ext>
     </p:extLst>
   </p:cSld>
@@ -5165,13 +9628,13 @@
           <p:nvPr/>
         </p:nvPicPr>
         <p:blipFill>
-          <a:blip r:embed="rId2">
+          <a:blip r:embed="rId3">
             <a:extLst>
               <a:ext uri="{28A0092B-C50C-407E-A947-70E740481C1C}">
                 <a14:useLocalDpi xmlns:a14="http://schemas.microsoft.com/office/drawing/2010/main" val="0"/>
               </a:ext>
               <a:ext uri="{96DAC541-7B7A-43D3-8B79-37D633B846F1}">
-                <asvg:svgBlip xmlns:asvg="http://schemas.microsoft.com/office/drawing/2016/SVG/main" r:embed="rId3"/>
+                <asvg:svgBlip xmlns:asvg="http://schemas.microsoft.com/office/drawing/2016/SVG/main" r:embed="rId4"/>
               </a:ext>
             </a:extLst>
           </a:blip>
@@ -5204,13 +9667,13 @@
           <p:nvPr/>
         </p:nvPicPr>
         <p:blipFill>
-          <a:blip r:embed="rId4">
+          <a:blip r:embed="rId5">
             <a:extLst>
               <a:ext uri="{28A0092B-C50C-407E-A947-70E740481C1C}">
                 <a14:useLocalDpi xmlns:a14="http://schemas.microsoft.com/office/drawing/2010/main" val="0"/>
               </a:ext>
               <a:ext uri="{96DAC541-7B7A-43D3-8B79-37D633B846F1}">
-                <asvg:svgBlip xmlns:asvg="http://schemas.microsoft.com/office/drawing/2016/SVG/main" r:embed="rId5"/>
+                <asvg:svgBlip xmlns:asvg="http://schemas.microsoft.com/office/drawing/2016/SVG/main" r:embed="rId6"/>
               </a:ext>
             </a:extLst>
           </a:blip>
@@ -5243,13 +9706,13 @@
           <p:nvPr/>
         </p:nvPicPr>
         <p:blipFill>
-          <a:blip r:embed="rId6">
+          <a:blip r:embed="rId7">
             <a:extLst>
               <a:ext uri="{28A0092B-C50C-407E-A947-70E740481C1C}">
                 <a14:useLocalDpi xmlns:a14="http://schemas.microsoft.com/office/drawing/2010/main" val="0"/>
               </a:ext>
               <a:ext uri="{96DAC541-7B7A-43D3-8B79-37D633B846F1}">
-                <asvg:svgBlip xmlns:asvg="http://schemas.microsoft.com/office/drawing/2016/SVG/main" r:embed="rId7"/>
+                <asvg:svgBlip xmlns:asvg="http://schemas.microsoft.com/office/drawing/2016/SVG/main" r:embed="rId8"/>
               </a:ext>
             </a:extLst>
           </a:blip>
@@ -5302,6 +9765,628 @@
           <p:cNvPr id="2" name="Title 1">
             <a:extLst>
               <a:ext uri="{FF2B5EF4-FFF2-40B4-BE49-F238E27FC236}">
+                <a16:creationId xmlns:a16="http://schemas.microsoft.com/office/drawing/2014/main" id="{B9A7C6B1-1957-4B1A-B36A-0CDBAE2633C5}"/>
+              </a:ext>
+            </a:extLst>
+          </p:cNvPr>
+          <p:cNvSpPr>
+            <a:spLocks noGrp="1"/>
+          </p:cNvSpPr>
+          <p:nvPr>
+            <p:ph type="title"/>
+          </p:nvPr>
+        </p:nvSpPr>
+        <p:spPr/>
+        <p:txBody>
+          <a:bodyPr/>
+          <a:lstStyle/>
+          <a:p>
+            <a:r>
+              <a:rPr lang="en-US" dirty="0"/>
+              <a:t>Methods</a:t>
+            </a:r>
+          </a:p>
+        </p:txBody>
+      </p:sp>
+      <p:sp>
+        <p:nvSpPr>
+          <p:cNvPr id="3" name="Content Placeholder 2">
+            <a:extLst>
+              <a:ext uri="{FF2B5EF4-FFF2-40B4-BE49-F238E27FC236}">
+                <a16:creationId xmlns:a16="http://schemas.microsoft.com/office/drawing/2014/main" id="{D9CEF426-0877-4F07-86A7-5499EE48AC13}"/>
+              </a:ext>
+            </a:extLst>
+          </p:cNvPr>
+          <p:cNvSpPr>
+            <a:spLocks noGrp="1"/>
+          </p:cNvSpPr>
+          <p:nvPr>
+            <p:ph idx="1"/>
+          </p:nvPr>
+        </p:nvSpPr>
+        <p:spPr/>
+        <p:txBody>
+          <a:bodyPr/>
+          <a:lstStyle/>
+          <a:p>
+            <a:pPr>
+              <a:buFont typeface="Arial" panose="020B0604020202020204" pitchFamily="34" charset="0"/>
+              <a:buChar char="•"/>
+            </a:pPr>
+            <a:r>
+              <a:rPr lang="en-US" dirty="0"/>
+              <a:t> Data Sources</a:t>
+            </a:r>
+          </a:p>
+          <a:p>
+            <a:pPr lvl="1">
+              <a:buFont typeface="Arial" panose="020B0604020202020204" pitchFamily="34" charset="0"/>
+              <a:buChar char="•"/>
+            </a:pPr>
+            <a:r>
+              <a:rPr lang="en-US" dirty="0"/>
+              <a:t>COVID: New York Times dataset on GitHub</a:t>
+            </a:r>
+          </a:p>
+          <a:p>
+            <a:pPr lvl="1">
+              <a:buFont typeface="Arial" panose="020B0604020202020204" pitchFamily="34" charset="0"/>
+              <a:buChar char="•"/>
+            </a:pPr>
+            <a:r>
+              <a:rPr lang="en-US" dirty="0"/>
+              <a:t>Weather: </a:t>
+            </a:r>
+            <a:r>
+              <a:rPr lang="en-US" dirty="0" err="1"/>
+              <a:t>WeatherSource</a:t>
+            </a:r>
+            <a:r>
+              <a:rPr lang="en-US" dirty="0"/>
+              <a:t> API</a:t>
+            </a:r>
+          </a:p>
+        </p:txBody>
+      </p:sp>
+    </p:spTree>
+    <p:extLst>
+      <p:ext uri="{BB962C8B-B14F-4D97-AF65-F5344CB8AC3E}">
+        <p14:creationId xmlns:p14="http://schemas.microsoft.com/office/powerpoint/2010/main" val="801656959"/>
+      </p:ext>
+    </p:extLst>
+  </p:cSld>
+  <p:clrMapOvr>
+    <a:masterClrMapping/>
+  </p:clrMapOvr>
+</p:sld>
+</file>
+
+<file path=ppt/slides/slide21.xml><?xml version="1.0" encoding="utf-8"?>
+<p:sld xmlns:a="http://schemas.openxmlformats.org/drawingml/2006/main" xmlns:r="http://schemas.openxmlformats.org/officeDocument/2006/relationships" xmlns:p="http://schemas.openxmlformats.org/presentationml/2006/main">
+  <p:cSld>
+    <p:spTree>
+      <p:nvGrpSpPr>
+        <p:cNvPr id="1" name=""/>
+        <p:cNvGrpSpPr/>
+        <p:nvPr/>
+      </p:nvGrpSpPr>
+      <p:grpSpPr>
+        <a:xfrm>
+          <a:off x="0" y="0"/>
+          <a:ext cx="0" cy="0"/>
+          <a:chOff x="0" y="0"/>
+          <a:chExt cx="0" cy="0"/>
+        </a:xfrm>
+      </p:grpSpPr>
+      <p:sp>
+        <p:nvSpPr>
+          <p:cNvPr id="2" name="Title 1">
+            <a:extLst>
+              <a:ext uri="{FF2B5EF4-FFF2-40B4-BE49-F238E27FC236}">
+                <a16:creationId xmlns:a16="http://schemas.microsoft.com/office/drawing/2014/main" id="{088E91A3-5F37-4B2E-A77E-7DA9F4E03BE7}"/>
+              </a:ext>
+            </a:extLst>
+          </p:cNvPr>
+          <p:cNvSpPr>
+            <a:spLocks noGrp="1"/>
+          </p:cNvSpPr>
+          <p:nvPr>
+            <p:ph type="title"/>
+          </p:nvPr>
+        </p:nvSpPr>
+        <p:spPr/>
+        <p:txBody>
+          <a:bodyPr/>
+          <a:lstStyle/>
+          <a:p>
+            <a:r>
+              <a:rPr lang="en-US" dirty="0"/>
+              <a:t>Methods</a:t>
+            </a:r>
+          </a:p>
+        </p:txBody>
+      </p:sp>
+      <p:sp>
+        <p:nvSpPr>
+          <p:cNvPr id="3" name="Content Placeholder 2">
+            <a:extLst>
+              <a:ext uri="{FF2B5EF4-FFF2-40B4-BE49-F238E27FC236}">
+                <a16:creationId xmlns:a16="http://schemas.microsoft.com/office/drawing/2014/main" id="{80BF42FD-5FBB-4799-9EDA-C6EBE7892E59}"/>
+              </a:ext>
+            </a:extLst>
+          </p:cNvPr>
+          <p:cNvSpPr>
+            <a:spLocks noGrp="1"/>
+          </p:cNvSpPr>
+          <p:nvPr>
+            <p:ph idx="1"/>
+          </p:nvPr>
+        </p:nvSpPr>
+        <p:spPr/>
+        <p:txBody>
+          <a:bodyPr/>
+          <a:lstStyle/>
+          <a:p>
+            <a:pPr>
+              <a:buFont typeface="Arial" panose="020B0604020202020204" pitchFamily="34" charset="0"/>
+              <a:buChar char="•"/>
+            </a:pPr>
+            <a:r>
+              <a:rPr lang="en-US" dirty="0"/>
+              <a:t> Data transformation</a:t>
+            </a:r>
+          </a:p>
+          <a:p>
+            <a:pPr lvl="1">
+              <a:buFont typeface="Arial" panose="020B0604020202020204" pitchFamily="34" charset="0"/>
+              <a:buChar char="•"/>
+            </a:pPr>
+            <a:r>
+              <a:rPr lang="en-US" dirty="0"/>
+              <a:t>COVID-19 Cumulative Cases By Day </a:t>
+            </a:r>
+            <a:r>
+              <a:rPr lang="en-US" dirty="0">
+                <a:sym typeface="Wingdings" panose="05000000000000000000" pitchFamily="2" charset="2"/>
+              </a:rPr>
+              <a:t> New COVID-19 Infections By Day</a:t>
+            </a:r>
+            <a:endParaRPr lang="en-US" dirty="0"/>
+          </a:p>
+          <a:p>
+            <a:pPr lvl="1">
+              <a:buFont typeface="Arial" panose="020B0604020202020204" pitchFamily="34" charset="0"/>
+              <a:buChar char="•"/>
+            </a:pPr>
+            <a:r>
+              <a:rPr lang="en-US" dirty="0"/>
+              <a:t>Daily </a:t>
+            </a:r>
+            <a:r>
+              <a:rPr lang="en-US" dirty="0">
+                <a:sym typeface="Wingdings" panose="05000000000000000000" pitchFamily="2" charset="2"/>
+              </a:rPr>
+              <a:t> Weekly Average</a:t>
+            </a:r>
+          </a:p>
+          <a:p>
+            <a:pPr lvl="1">
+              <a:buFont typeface="Arial" panose="020B0604020202020204" pitchFamily="34" charset="0"/>
+              <a:buChar char="•"/>
+            </a:pPr>
+            <a:r>
+              <a:rPr lang="en-US" dirty="0">
+                <a:sym typeface="Wingdings" panose="05000000000000000000" pitchFamily="2" charset="2"/>
+              </a:rPr>
+              <a:t>Daily  7-Day Rolling average</a:t>
+            </a:r>
+            <a:endParaRPr lang="en-US" dirty="0"/>
+          </a:p>
+        </p:txBody>
+      </p:sp>
+    </p:spTree>
+    <p:extLst>
+      <p:ext uri="{BB962C8B-B14F-4D97-AF65-F5344CB8AC3E}">
+        <p14:creationId xmlns:p14="http://schemas.microsoft.com/office/powerpoint/2010/main" val="33067120"/>
+      </p:ext>
+    </p:extLst>
+  </p:cSld>
+  <p:clrMapOvr>
+    <a:masterClrMapping/>
+  </p:clrMapOvr>
+</p:sld>
+</file>
+
+<file path=ppt/slides/slide22.xml><?xml version="1.0" encoding="utf-8"?>
+<p:sld xmlns:a="http://schemas.openxmlformats.org/drawingml/2006/main" xmlns:r="http://schemas.openxmlformats.org/officeDocument/2006/relationships" xmlns:p="http://schemas.openxmlformats.org/presentationml/2006/main">
+  <p:cSld>
+    <p:spTree>
+      <p:nvGrpSpPr>
+        <p:cNvPr id="1" name=""/>
+        <p:cNvGrpSpPr/>
+        <p:nvPr/>
+      </p:nvGrpSpPr>
+      <p:grpSpPr>
+        <a:xfrm>
+          <a:off x="0" y="0"/>
+          <a:ext cx="0" cy="0"/>
+          <a:chOff x="0" y="0"/>
+          <a:chExt cx="0" cy="0"/>
+        </a:xfrm>
+      </p:grpSpPr>
+      <p:sp>
+        <p:nvSpPr>
+          <p:cNvPr id="2" name="Title 1">
+            <a:extLst>
+              <a:ext uri="{FF2B5EF4-FFF2-40B4-BE49-F238E27FC236}">
+                <a16:creationId xmlns:a16="http://schemas.microsoft.com/office/drawing/2014/main" id="{088E91A3-5F37-4B2E-A77E-7DA9F4E03BE7}"/>
+              </a:ext>
+            </a:extLst>
+          </p:cNvPr>
+          <p:cNvSpPr>
+            <a:spLocks noGrp="1"/>
+          </p:cNvSpPr>
+          <p:nvPr>
+            <p:ph type="title"/>
+          </p:nvPr>
+        </p:nvSpPr>
+        <p:spPr/>
+        <p:txBody>
+          <a:bodyPr/>
+          <a:lstStyle/>
+          <a:p>
+            <a:r>
+              <a:rPr lang="en-US" dirty="0"/>
+              <a:t>Methods</a:t>
+            </a:r>
+          </a:p>
+        </p:txBody>
+      </p:sp>
+      <p:sp>
+        <p:nvSpPr>
+          <p:cNvPr id="3" name="Content Placeholder 2">
+            <a:extLst>
+              <a:ext uri="{FF2B5EF4-FFF2-40B4-BE49-F238E27FC236}">
+                <a16:creationId xmlns:a16="http://schemas.microsoft.com/office/drawing/2014/main" id="{80BF42FD-5FBB-4799-9EDA-C6EBE7892E59}"/>
+              </a:ext>
+            </a:extLst>
+          </p:cNvPr>
+          <p:cNvSpPr>
+            <a:spLocks noGrp="1"/>
+          </p:cNvSpPr>
+          <p:nvPr>
+            <p:ph idx="1"/>
+          </p:nvPr>
+        </p:nvSpPr>
+        <p:spPr>
+          <a:xfrm>
+            <a:off x="1097280" y="1845734"/>
+            <a:ext cx="10058400" cy="2470947"/>
+          </a:xfrm>
+        </p:spPr>
+        <p:txBody>
+          <a:bodyPr>
+            <a:normAutofit fontScale="92500" lnSpcReduction="20000"/>
+          </a:bodyPr>
+          <a:lstStyle/>
+          <a:p>
+            <a:pPr>
+              <a:buFont typeface="Arial" panose="020B0604020202020204" pitchFamily="34" charset="0"/>
+              <a:buChar char="•"/>
+            </a:pPr>
+            <a:r>
+              <a:rPr lang="en-US" dirty="0"/>
+              <a:t> Resources</a:t>
+            </a:r>
+          </a:p>
+          <a:p>
+            <a:pPr lvl="1">
+              <a:buFont typeface="Arial" panose="020B0604020202020204" pitchFamily="34" charset="0"/>
+              <a:buChar char="•"/>
+            </a:pPr>
+            <a:r>
+              <a:rPr lang="en-US" dirty="0"/>
+              <a:t>Azure</a:t>
+            </a:r>
+          </a:p>
+          <a:p>
+            <a:pPr lvl="2">
+              <a:buFont typeface="Arial" panose="020B0604020202020204" pitchFamily="34" charset="0"/>
+              <a:buChar char="•"/>
+            </a:pPr>
+            <a:r>
+              <a:rPr lang="en-US" dirty="0"/>
+              <a:t>App Service</a:t>
+            </a:r>
+          </a:p>
+          <a:p>
+            <a:pPr lvl="3">
+              <a:buFont typeface="Arial" panose="020B0604020202020204" pitchFamily="34" charset="0"/>
+              <a:buChar char="•"/>
+            </a:pPr>
+            <a:r>
+              <a:rPr lang="en-US" dirty="0"/>
+              <a:t>ASP.NET Core Web App (Angular frontend, API endpoints)</a:t>
+            </a:r>
+          </a:p>
+          <a:p>
+            <a:pPr lvl="2">
+              <a:buFont typeface="Arial" panose="020B0604020202020204" pitchFamily="34" charset="0"/>
+              <a:buChar char="•"/>
+            </a:pPr>
+            <a:r>
+              <a:rPr lang="en-US" dirty="0"/>
+              <a:t>Azure SQL Database</a:t>
+            </a:r>
+          </a:p>
+          <a:p>
+            <a:pPr lvl="3">
+              <a:buFont typeface="Arial" panose="020B0604020202020204" pitchFamily="34" charset="0"/>
+              <a:buChar char="•"/>
+            </a:pPr>
+            <a:r>
+              <a:rPr lang="en-US" dirty="0"/>
+              <a:t>COVID-19 data</a:t>
+            </a:r>
+          </a:p>
+          <a:p>
+            <a:pPr lvl="2">
+              <a:buFont typeface="Arial" panose="020B0604020202020204" pitchFamily="34" charset="0"/>
+              <a:buChar char="•"/>
+            </a:pPr>
+            <a:r>
+              <a:rPr lang="en-US" dirty="0"/>
+              <a:t>Azure Function or </a:t>
+            </a:r>
+            <a:r>
+              <a:rPr lang="en-US" dirty="0" err="1"/>
+              <a:t>WebJob</a:t>
+            </a:r>
+            <a:endParaRPr lang="en-US" dirty="0"/>
+          </a:p>
+          <a:p>
+            <a:pPr lvl="3">
+              <a:buFont typeface="Arial" panose="020B0604020202020204" pitchFamily="34" charset="0"/>
+              <a:buChar char="•"/>
+            </a:pPr>
+            <a:r>
+              <a:rPr lang="en-US" dirty="0"/>
+              <a:t>Recurring update of COVID-19 data</a:t>
+            </a:r>
+          </a:p>
+          <a:p>
+            <a:pPr lvl="1">
+              <a:buFont typeface="Arial" panose="020B0604020202020204" pitchFamily="34" charset="0"/>
+              <a:buChar char="•"/>
+            </a:pPr>
+            <a:r>
+              <a:rPr lang="en-US" dirty="0"/>
+              <a:t>GitHub</a:t>
+            </a:r>
+          </a:p>
+          <a:p>
+            <a:pPr lvl="2">
+              <a:buFont typeface="Arial" panose="020B0604020202020204" pitchFamily="34" charset="0"/>
+              <a:buChar char="•"/>
+            </a:pPr>
+            <a:r>
+              <a:rPr lang="en-US" dirty="0"/>
+              <a:t>GitHub Actions</a:t>
+            </a:r>
+          </a:p>
+        </p:txBody>
+      </p:sp>
+    </p:spTree>
+    <p:extLst>
+      <p:ext uri="{BB962C8B-B14F-4D97-AF65-F5344CB8AC3E}">
+        <p14:creationId xmlns:p14="http://schemas.microsoft.com/office/powerpoint/2010/main" val="3992672966"/>
+      </p:ext>
+    </p:extLst>
+  </p:cSld>
+  <p:clrMapOvr>
+    <a:masterClrMapping/>
+  </p:clrMapOvr>
+</p:sld>
+</file>
+
+<file path=ppt/slides/slide23.xml><?xml version="1.0" encoding="utf-8"?>
+<p:sld xmlns:a="http://schemas.openxmlformats.org/drawingml/2006/main" xmlns:r="http://schemas.openxmlformats.org/officeDocument/2006/relationships" xmlns:p="http://schemas.openxmlformats.org/presentationml/2006/main">
+  <p:cSld>
+    <p:spTree>
+      <p:nvGrpSpPr>
+        <p:cNvPr id="1" name=""/>
+        <p:cNvGrpSpPr/>
+        <p:nvPr/>
+      </p:nvGrpSpPr>
+      <p:grpSpPr>
+        <a:xfrm>
+          <a:off x="0" y="0"/>
+          <a:ext cx="0" cy="0"/>
+          <a:chOff x="0" y="0"/>
+          <a:chExt cx="0" cy="0"/>
+        </a:xfrm>
+      </p:grpSpPr>
+      <p:sp>
+        <p:nvSpPr>
+          <p:cNvPr id="2" name="Title 1">
+            <a:extLst>
+              <a:ext uri="{FF2B5EF4-FFF2-40B4-BE49-F238E27FC236}">
+                <a16:creationId xmlns:a16="http://schemas.microsoft.com/office/drawing/2014/main" id="{D21819B3-6076-416F-A80B-221958672587}"/>
+              </a:ext>
+            </a:extLst>
+          </p:cNvPr>
+          <p:cNvSpPr>
+            <a:spLocks noGrp="1"/>
+          </p:cNvSpPr>
+          <p:nvPr>
+            <p:ph type="title"/>
+          </p:nvPr>
+        </p:nvSpPr>
+        <p:spPr/>
+        <p:txBody>
+          <a:bodyPr/>
+          <a:lstStyle/>
+          <a:p>
+            <a:r>
+              <a:rPr lang="en-US" dirty="0"/>
+              <a:t>Timeline</a:t>
+            </a:r>
+          </a:p>
+        </p:txBody>
+      </p:sp>
+      <p:pic>
+        <p:nvPicPr>
+          <p:cNvPr id="4" name="Picture 3">
+            <a:extLst>
+              <a:ext uri="{FF2B5EF4-FFF2-40B4-BE49-F238E27FC236}">
+                <a16:creationId xmlns:a16="http://schemas.microsoft.com/office/drawing/2014/main" id="{12ADE9D2-2896-4E11-9D80-4224DE143D3C}"/>
+              </a:ext>
+            </a:extLst>
+          </p:cNvPr>
+          <p:cNvPicPr>
+            <a:picLocks noChangeAspect="1"/>
+          </p:cNvPicPr>
+          <p:nvPr/>
+        </p:nvPicPr>
+        <p:blipFill>
+          <a:blip r:embed="rId3"/>
+          <a:stretch>
+            <a:fillRect/>
+          </a:stretch>
+        </p:blipFill>
+        <p:spPr>
+          <a:xfrm>
+            <a:off x="3050014" y="1864659"/>
+            <a:ext cx="6091972" cy="4416977"/>
+          </a:xfrm>
+          <a:prstGeom prst="rect">
+            <a:avLst/>
+          </a:prstGeom>
+        </p:spPr>
+      </p:pic>
+    </p:spTree>
+    <p:extLst>
+      <p:ext uri="{BB962C8B-B14F-4D97-AF65-F5344CB8AC3E}">
+        <p14:creationId xmlns:p14="http://schemas.microsoft.com/office/powerpoint/2010/main" val="389375450"/>
+      </p:ext>
+    </p:extLst>
+  </p:cSld>
+  <p:clrMapOvr>
+    <a:masterClrMapping/>
+  </p:clrMapOvr>
+</p:sld>
+</file>
+
+<file path=ppt/slides/slide24.xml><?xml version="1.0" encoding="utf-8"?>
+<p:sld xmlns:a="http://schemas.openxmlformats.org/drawingml/2006/main" xmlns:r="http://schemas.openxmlformats.org/officeDocument/2006/relationships" xmlns:p="http://schemas.openxmlformats.org/presentationml/2006/main">
+  <p:cSld>
+    <p:spTree>
+      <p:nvGrpSpPr>
+        <p:cNvPr id="1" name=""/>
+        <p:cNvGrpSpPr/>
+        <p:nvPr/>
+      </p:nvGrpSpPr>
+      <p:grpSpPr>
+        <a:xfrm>
+          <a:off x="0" y="0"/>
+          <a:ext cx="0" cy="0"/>
+          <a:chOff x="0" y="0"/>
+          <a:chExt cx="0" cy="0"/>
+        </a:xfrm>
+      </p:grpSpPr>
+      <p:sp>
+        <p:nvSpPr>
+          <p:cNvPr id="2" name="Title 1">
+            <a:extLst>
+              <a:ext uri="{FF2B5EF4-FFF2-40B4-BE49-F238E27FC236}">
+                <a16:creationId xmlns:a16="http://schemas.microsoft.com/office/drawing/2014/main" id="{AA50913D-50C9-4BEB-B064-97CFB2D3898E}"/>
+              </a:ext>
+            </a:extLst>
+          </p:cNvPr>
+          <p:cNvSpPr>
+            <a:spLocks noGrp="1"/>
+          </p:cNvSpPr>
+          <p:nvPr>
+            <p:ph type="title"/>
+          </p:nvPr>
+        </p:nvSpPr>
+        <p:spPr/>
+        <p:txBody>
+          <a:bodyPr/>
+          <a:lstStyle/>
+          <a:p>
+            <a:r>
+              <a:rPr lang="en-US" dirty="0"/>
+              <a:t>Summary</a:t>
+            </a:r>
+          </a:p>
+        </p:txBody>
+      </p:sp>
+      <p:pic>
+        <p:nvPicPr>
+          <p:cNvPr id="5" name="Picture 4">
+            <a:extLst>
+              <a:ext uri="{FF2B5EF4-FFF2-40B4-BE49-F238E27FC236}">
+                <a16:creationId xmlns:a16="http://schemas.microsoft.com/office/drawing/2014/main" id="{7B0ACCDE-ABDE-4BA0-8216-0CAB333B7FCD}"/>
+              </a:ext>
+            </a:extLst>
+          </p:cNvPr>
+          <p:cNvPicPr>
+            <a:picLocks noChangeAspect="1"/>
+          </p:cNvPicPr>
+          <p:nvPr/>
+        </p:nvPicPr>
+        <p:blipFill>
+          <a:blip r:embed="rId3"/>
+          <a:stretch>
+            <a:fillRect/>
+          </a:stretch>
+        </p:blipFill>
+        <p:spPr>
+          <a:xfrm>
+            <a:off x="3525304" y="1843179"/>
+            <a:ext cx="5141392" cy="4047586"/>
+          </a:xfrm>
+          <a:prstGeom prst="rect">
+            <a:avLst/>
+          </a:prstGeom>
+        </p:spPr>
+      </p:pic>
+    </p:spTree>
+    <p:extLst>
+      <p:ext uri="{BB962C8B-B14F-4D97-AF65-F5344CB8AC3E}">
+        <p14:creationId xmlns:p14="http://schemas.microsoft.com/office/powerpoint/2010/main" val="936432580"/>
+      </p:ext>
+    </p:extLst>
+  </p:cSld>
+  <p:clrMapOvr>
+    <a:masterClrMapping/>
+  </p:clrMapOvr>
+</p:sld>
+</file>
+
+<file path=ppt/slides/slide25.xml><?xml version="1.0" encoding="utf-8"?>
+<p:sld xmlns:a="http://schemas.openxmlformats.org/drawingml/2006/main" xmlns:r="http://schemas.openxmlformats.org/officeDocument/2006/relationships" xmlns:p="http://schemas.openxmlformats.org/presentationml/2006/main">
+  <p:cSld>
+    <p:spTree>
+      <p:nvGrpSpPr>
+        <p:cNvPr id="1" name=""/>
+        <p:cNvGrpSpPr/>
+        <p:nvPr/>
+      </p:nvGrpSpPr>
+      <p:grpSpPr>
+        <a:xfrm>
+          <a:off x="0" y="0"/>
+          <a:ext cx="0" cy="0"/>
+          <a:chOff x="0" y="0"/>
+          <a:chExt cx="0" cy="0"/>
+        </a:xfrm>
+      </p:grpSpPr>
+      <p:sp>
+        <p:nvSpPr>
+          <p:cNvPr id="2" name="Title 1">
+            <a:extLst>
+              <a:ext uri="{FF2B5EF4-FFF2-40B4-BE49-F238E27FC236}">
                 <a16:creationId xmlns:a16="http://schemas.microsoft.com/office/drawing/2014/main" id="{82DD6E07-19C6-4FEB-A0A6-92AEBB5335B3}"/>
               </a:ext>
             </a:extLst>
@@ -5340,13 +10425,13 @@
           <p:nvPr/>
         </p:nvPicPr>
         <p:blipFill>
-          <a:blip r:embed="rId2">
+          <a:blip r:embed="rId3">
             <a:extLst>
               <a:ext uri="{28A0092B-C50C-407E-A947-70E740481C1C}">
                 <a14:useLocalDpi xmlns:a14="http://schemas.microsoft.com/office/drawing/2010/main" val="0"/>
               </a:ext>
               <a:ext uri="{96DAC541-7B7A-43D3-8B79-37D633B846F1}">
-                <asvg:svgBlip xmlns:asvg="http://schemas.microsoft.com/office/drawing/2016/SVG/main" r:embed="rId3"/>
+                <asvg:svgBlip xmlns:asvg="http://schemas.microsoft.com/office/drawing/2016/SVG/main" r:embed="rId4"/>
               </a:ext>
             </a:extLst>
           </a:blip>
@@ -5377,7 +10462,7 @@
 </p:sld>
 </file>
 
-<file path=ppt/slides/slide21.xml><?xml version="1.0" encoding="utf-8"?>
+<file path=ppt/slides/slide26.xml><?xml version="1.0" encoding="utf-8"?>
 <p:sld xmlns:a="http://schemas.openxmlformats.org/drawingml/2006/main" xmlns:r="http://schemas.openxmlformats.org/officeDocument/2006/relationships" xmlns:p="http://schemas.openxmlformats.org/presentationml/2006/main">
   <p:cSld>
     <p:spTree>
@@ -5440,7 +10525,9 @@
         </p:nvSpPr>
         <p:spPr/>
         <p:txBody>
-          <a:bodyPr/>
+          <a:bodyPr>
+            <a:normAutofit lnSpcReduction="10000"/>
+          </a:bodyPr>
           <a:lstStyle/>
           <a:p>
             <a:pPr>
@@ -5570,6 +10657,39 @@
               </a:rPr>
               <a:t>https://doi.org/10.3390/ijerph18020396</a:t>
             </a:r>
+            <a:endParaRPr lang="en-US" sz="1800" u="sng" dirty="0">
+              <a:solidFill>
+                <a:srgbClr val="0563C1"/>
+              </a:solidFill>
+              <a:effectLst/>
+              <a:latin typeface="Calibri" panose="020F0502020204030204" pitchFamily="34" charset="0"/>
+              <a:ea typeface="Calibri" panose="020F0502020204030204" pitchFamily="34" charset="0"/>
+              <a:cs typeface="Times New Roman" panose="02020603050405020304" pitchFamily="18" charset="0"/>
+            </a:endParaRPr>
+          </a:p>
+          <a:p>
+            <a:pPr>
+              <a:buFont typeface="Arial" panose="020B0604020202020204" pitchFamily="34" charset="0"/>
+              <a:buChar char="•"/>
+            </a:pPr>
+            <a:r>
+              <a:rPr lang="en-US" dirty="0"/>
+              <a:t>Shah, P., &amp; </a:t>
+            </a:r>
+            <a:r>
+              <a:rPr lang="en-US" dirty="0" err="1"/>
+              <a:t>Hoeffner</a:t>
+            </a:r>
+            <a:r>
+              <a:rPr lang="en-US" dirty="0"/>
+              <a:t>, J. (2002). Review of Graph Comprehension Research: Implications for Instruction. Educational Psychology Review, 14(1), 47–69. </a:t>
+            </a:r>
+            <a:r>
+              <a:rPr lang="en-US" u="sng" dirty="0">
+                <a:hlinkClick r:id="rId4"/>
+              </a:rPr>
+              <a:t>https://doi.org/10.1023/A:1013180410169</a:t>
+            </a:r>
             <a:endParaRPr lang="en-US" dirty="0"/>
           </a:p>
           <a:p>
@@ -5635,7 +10755,7 @@
                 <a:latin typeface="Calibri" panose="020F0502020204030204" pitchFamily="34" charset="0"/>
                 <a:ea typeface="Calibri" panose="020F0502020204030204" pitchFamily="34" charset="0"/>
                 <a:cs typeface="Times New Roman" panose="02020603050405020304" pitchFamily="18" charset="0"/>
-                <a:hlinkClick r:id="rId4"/>
+                <a:hlinkClick r:id="rId5"/>
               </a:rPr>
               <a:t>https://doi.org/10.1186/s12889-016-3114-x</a:t>
             </a:r>
@@ -5783,7 +10903,7 @@
           <p:nvPr/>
         </p:nvPicPr>
         <p:blipFill>
-          <a:blip r:embed="rId2">
+          <a:blip r:embed="rId3">
             <a:extLst>
               <a:ext uri="{28A0092B-C50C-407E-A947-70E740481C1C}">
                 <a14:useLocalDpi xmlns:a14="http://schemas.microsoft.com/office/drawing/2010/main" val="0"/>
@@ -5959,388 +11079,6 @@
           <p:cNvPr id="2" name="Title 1">
             <a:extLst>
               <a:ext uri="{FF2B5EF4-FFF2-40B4-BE49-F238E27FC236}">
-                <a16:creationId xmlns:a16="http://schemas.microsoft.com/office/drawing/2014/main" id="{706B1BCC-CCA3-4C49-8997-8D586F3CF713}"/>
-              </a:ext>
-            </a:extLst>
-          </p:cNvPr>
-          <p:cNvSpPr>
-            <a:spLocks noGrp="1"/>
-          </p:cNvSpPr>
-          <p:nvPr>
-            <p:ph type="title"/>
-          </p:nvPr>
-        </p:nvSpPr>
-        <p:spPr/>
-        <p:txBody>
-          <a:bodyPr/>
-          <a:lstStyle/>
-          <a:p>
-            <a:r>
-              <a:rPr lang="en-US" dirty="0"/>
-              <a:t>Related Work</a:t>
-            </a:r>
-          </a:p>
-        </p:txBody>
-      </p:sp>
-      <p:sp>
-        <p:nvSpPr>
-          <p:cNvPr id="3" name="Content Placeholder 2">
-            <a:extLst>
-              <a:ext uri="{FF2B5EF4-FFF2-40B4-BE49-F238E27FC236}">
-                <a16:creationId xmlns:a16="http://schemas.microsoft.com/office/drawing/2014/main" id="{592E0E9D-2A7F-4AAC-8E0E-E0E4D07B7252}"/>
-              </a:ext>
-            </a:extLst>
-          </p:cNvPr>
-          <p:cNvSpPr>
-            <a:spLocks noGrp="1"/>
-          </p:cNvSpPr>
-          <p:nvPr>
-            <p:ph idx="1"/>
-          </p:nvPr>
-        </p:nvSpPr>
-        <p:spPr>
-          <a:xfrm>
-            <a:off x="1097280" y="1845734"/>
-            <a:ext cx="10058400" cy="452141"/>
-          </a:xfrm>
-        </p:spPr>
-        <p:txBody>
-          <a:bodyPr/>
-          <a:lstStyle/>
-          <a:p>
-            <a:pPr>
-              <a:buFont typeface="Arial" panose="020B0604020202020204" pitchFamily="34" charset="0"/>
-              <a:buChar char="•"/>
-            </a:pPr>
-            <a:r>
-              <a:rPr lang="en-US" dirty="0"/>
-              <a:t> John Hopkins</a:t>
-            </a:r>
-          </a:p>
-        </p:txBody>
-      </p:sp>
-      <p:pic>
-        <p:nvPicPr>
-          <p:cNvPr id="5" name="Picture 4">
-            <a:extLst>
-              <a:ext uri="{FF2B5EF4-FFF2-40B4-BE49-F238E27FC236}">
-                <a16:creationId xmlns:a16="http://schemas.microsoft.com/office/drawing/2014/main" id="{9BDD6D19-D91E-435F-8D6C-A12222C6B826}"/>
-              </a:ext>
-            </a:extLst>
-          </p:cNvPr>
-          <p:cNvPicPr>
-            <a:picLocks noChangeAspect="1"/>
-          </p:cNvPicPr>
-          <p:nvPr/>
-        </p:nvPicPr>
-        <p:blipFill>
-          <a:blip r:embed="rId2"/>
-          <a:stretch>
-            <a:fillRect/>
-          </a:stretch>
-        </p:blipFill>
-        <p:spPr>
-          <a:xfrm>
-            <a:off x="1902856" y="2297875"/>
-            <a:ext cx="8386287" cy="3772675"/>
-          </a:xfrm>
-          <a:prstGeom prst="rect">
-            <a:avLst/>
-          </a:prstGeom>
-        </p:spPr>
-      </p:pic>
-    </p:spTree>
-    <p:extLst>
-      <p:ext uri="{BB962C8B-B14F-4D97-AF65-F5344CB8AC3E}">
-        <p14:creationId xmlns:p14="http://schemas.microsoft.com/office/powerpoint/2010/main" val="1302933297"/>
-      </p:ext>
-    </p:extLst>
-  </p:cSld>
-  <p:clrMapOvr>
-    <a:masterClrMapping/>
-  </p:clrMapOvr>
-</p:sld>
-</file>
-
-<file path=ppt/slides/slide6.xml><?xml version="1.0" encoding="utf-8"?>
-<p:sld xmlns:a="http://schemas.openxmlformats.org/drawingml/2006/main" xmlns:r="http://schemas.openxmlformats.org/officeDocument/2006/relationships" xmlns:p="http://schemas.openxmlformats.org/presentationml/2006/main">
-  <p:cSld>
-    <p:spTree>
-      <p:nvGrpSpPr>
-        <p:cNvPr id="1" name=""/>
-        <p:cNvGrpSpPr/>
-        <p:nvPr/>
-      </p:nvGrpSpPr>
-      <p:grpSpPr>
-        <a:xfrm>
-          <a:off x="0" y="0"/>
-          <a:ext cx="0" cy="0"/>
-          <a:chOff x="0" y="0"/>
-          <a:chExt cx="0" cy="0"/>
-        </a:xfrm>
-      </p:grpSpPr>
-      <p:sp>
-        <p:nvSpPr>
-          <p:cNvPr id="2" name="Title 1">
-            <a:extLst>
-              <a:ext uri="{FF2B5EF4-FFF2-40B4-BE49-F238E27FC236}">
-                <a16:creationId xmlns:a16="http://schemas.microsoft.com/office/drawing/2014/main" id="{6E5FBA69-3BCC-4E74-A88C-F3D232E9DF70}"/>
-              </a:ext>
-            </a:extLst>
-          </p:cNvPr>
-          <p:cNvSpPr>
-            <a:spLocks noGrp="1"/>
-          </p:cNvSpPr>
-          <p:nvPr>
-            <p:ph type="title"/>
-          </p:nvPr>
-        </p:nvSpPr>
-        <p:spPr/>
-        <p:txBody>
-          <a:bodyPr/>
-          <a:lstStyle/>
-          <a:p>
-            <a:r>
-              <a:rPr lang="en-US" dirty="0"/>
-              <a:t>Related Work</a:t>
-            </a:r>
-          </a:p>
-        </p:txBody>
-      </p:sp>
-      <p:sp>
-        <p:nvSpPr>
-          <p:cNvPr id="3" name="Content Placeholder 2">
-            <a:extLst>
-              <a:ext uri="{FF2B5EF4-FFF2-40B4-BE49-F238E27FC236}">
-                <a16:creationId xmlns:a16="http://schemas.microsoft.com/office/drawing/2014/main" id="{16512B90-E759-4D30-82A5-DF0278F9A9B1}"/>
-              </a:ext>
-            </a:extLst>
-          </p:cNvPr>
-          <p:cNvSpPr>
-            <a:spLocks noGrp="1"/>
-          </p:cNvSpPr>
-          <p:nvPr>
-            <p:ph idx="1"/>
-          </p:nvPr>
-        </p:nvSpPr>
-        <p:spPr>
-          <a:xfrm>
-            <a:off x="1097280" y="1845734"/>
-            <a:ext cx="10058400" cy="475892"/>
-          </a:xfrm>
-        </p:spPr>
-        <p:txBody>
-          <a:bodyPr/>
-          <a:lstStyle/>
-          <a:p>
-            <a:pPr>
-              <a:buFont typeface="Arial" panose="020B0604020202020204" pitchFamily="34" charset="0"/>
-              <a:buChar char="•"/>
-            </a:pPr>
-            <a:r>
-              <a:rPr lang="en-US" dirty="0"/>
-              <a:t> The COVID Tracking Project by The Atlantic</a:t>
-            </a:r>
-          </a:p>
-          <a:p>
-            <a:pPr>
-              <a:buFont typeface="Arial" panose="020B0604020202020204" pitchFamily="34" charset="0"/>
-              <a:buChar char="•"/>
-            </a:pPr>
-            <a:endParaRPr lang="en-US" dirty="0"/>
-          </a:p>
-        </p:txBody>
-      </p:sp>
-      <p:pic>
-        <p:nvPicPr>
-          <p:cNvPr id="5" name="Picture 4">
-            <a:extLst>
-              <a:ext uri="{FF2B5EF4-FFF2-40B4-BE49-F238E27FC236}">
-                <a16:creationId xmlns:a16="http://schemas.microsoft.com/office/drawing/2014/main" id="{201055D6-A2AF-4AFB-B43B-825ECB618C7C}"/>
-              </a:ext>
-            </a:extLst>
-          </p:cNvPr>
-          <p:cNvPicPr>
-            <a:picLocks noChangeAspect="1"/>
-          </p:cNvPicPr>
-          <p:nvPr/>
-        </p:nvPicPr>
-        <p:blipFill>
-          <a:blip r:embed="rId2"/>
-          <a:stretch>
-            <a:fillRect/>
-          </a:stretch>
-        </p:blipFill>
-        <p:spPr>
-          <a:xfrm>
-            <a:off x="4273138" y="2321626"/>
-            <a:ext cx="3645724" cy="3874387"/>
-          </a:xfrm>
-          <a:prstGeom prst="rect">
-            <a:avLst/>
-          </a:prstGeom>
-        </p:spPr>
-      </p:pic>
-    </p:spTree>
-    <p:extLst>
-      <p:ext uri="{BB962C8B-B14F-4D97-AF65-F5344CB8AC3E}">
-        <p14:creationId xmlns:p14="http://schemas.microsoft.com/office/powerpoint/2010/main" val="2661804329"/>
-      </p:ext>
-    </p:extLst>
-  </p:cSld>
-  <p:clrMapOvr>
-    <a:masterClrMapping/>
-  </p:clrMapOvr>
-</p:sld>
-</file>
-
-<file path=ppt/slides/slide7.xml><?xml version="1.0" encoding="utf-8"?>
-<p:sld xmlns:a="http://schemas.openxmlformats.org/drawingml/2006/main" xmlns:r="http://schemas.openxmlformats.org/officeDocument/2006/relationships" xmlns:p="http://schemas.openxmlformats.org/presentationml/2006/main">
-  <p:cSld>
-    <p:spTree>
-      <p:nvGrpSpPr>
-        <p:cNvPr id="1" name=""/>
-        <p:cNvGrpSpPr/>
-        <p:nvPr/>
-      </p:nvGrpSpPr>
-      <p:grpSpPr>
-        <a:xfrm>
-          <a:off x="0" y="0"/>
-          <a:ext cx="0" cy="0"/>
-          <a:chOff x="0" y="0"/>
-          <a:chExt cx="0" cy="0"/>
-        </a:xfrm>
-      </p:grpSpPr>
-      <p:sp>
-        <p:nvSpPr>
-          <p:cNvPr id="2" name="Title 1">
-            <a:extLst>
-              <a:ext uri="{FF2B5EF4-FFF2-40B4-BE49-F238E27FC236}">
-                <a16:creationId xmlns:a16="http://schemas.microsoft.com/office/drawing/2014/main" id="{C49AE20C-3DD3-41F3-99BB-B7C2075B6E70}"/>
-              </a:ext>
-            </a:extLst>
-          </p:cNvPr>
-          <p:cNvSpPr>
-            <a:spLocks noGrp="1"/>
-          </p:cNvSpPr>
-          <p:nvPr>
-            <p:ph type="title"/>
-          </p:nvPr>
-        </p:nvSpPr>
-        <p:spPr/>
-        <p:txBody>
-          <a:bodyPr/>
-          <a:lstStyle/>
-          <a:p>
-            <a:r>
-              <a:rPr lang="en-US" dirty="0"/>
-              <a:t>Related Work</a:t>
-            </a:r>
-          </a:p>
-        </p:txBody>
-      </p:sp>
-      <p:sp>
-        <p:nvSpPr>
-          <p:cNvPr id="3" name="Content Placeholder 2">
-            <a:extLst>
-              <a:ext uri="{FF2B5EF4-FFF2-40B4-BE49-F238E27FC236}">
-                <a16:creationId xmlns:a16="http://schemas.microsoft.com/office/drawing/2014/main" id="{6755143F-AA07-48F9-8EBF-FD5AAF5201D6}"/>
-              </a:ext>
-            </a:extLst>
-          </p:cNvPr>
-          <p:cNvSpPr>
-            <a:spLocks noGrp="1"/>
-          </p:cNvSpPr>
-          <p:nvPr>
-            <p:ph idx="1"/>
-          </p:nvPr>
-        </p:nvSpPr>
-        <p:spPr>
-          <a:xfrm>
-            <a:off x="1097280" y="1845734"/>
-            <a:ext cx="10058400" cy="410578"/>
-          </a:xfrm>
-        </p:spPr>
-        <p:txBody>
-          <a:bodyPr/>
-          <a:lstStyle/>
-          <a:p>
-            <a:pPr>
-              <a:buFont typeface="Arial" panose="020B0604020202020204" pitchFamily="34" charset="0"/>
-              <a:buChar char="•"/>
-            </a:pPr>
-            <a:r>
-              <a:rPr lang="en-US" dirty="0"/>
-              <a:t> (IHME) at the University of Washington</a:t>
-            </a:r>
-          </a:p>
-        </p:txBody>
-      </p:sp>
-      <p:pic>
-        <p:nvPicPr>
-          <p:cNvPr id="5" name="Picture 4">
-            <a:extLst>
-              <a:ext uri="{FF2B5EF4-FFF2-40B4-BE49-F238E27FC236}">
-                <a16:creationId xmlns:a16="http://schemas.microsoft.com/office/drawing/2014/main" id="{C0F692F6-4599-449E-98B0-58E32B119D30}"/>
-              </a:ext>
-            </a:extLst>
-          </p:cNvPr>
-          <p:cNvPicPr>
-            <a:picLocks noChangeAspect="1"/>
-          </p:cNvPicPr>
-          <p:nvPr/>
-        </p:nvPicPr>
-        <p:blipFill>
-          <a:blip r:embed="rId2"/>
-          <a:stretch>
-            <a:fillRect/>
-          </a:stretch>
-        </p:blipFill>
-        <p:spPr>
-          <a:xfrm>
-            <a:off x="1036320" y="2635314"/>
-            <a:ext cx="10334065" cy="3237520"/>
-          </a:xfrm>
-          <a:prstGeom prst="rect">
-            <a:avLst/>
-          </a:prstGeom>
-        </p:spPr>
-      </p:pic>
-    </p:spTree>
-    <p:extLst>
-      <p:ext uri="{BB962C8B-B14F-4D97-AF65-F5344CB8AC3E}">
-        <p14:creationId xmlns:p14="http://schemas.microsoft.com/office/powerpoint/2010/main" val="4071868819"/>
-      </p:ext>
-    </p:extLst>
-  </p:cSld>
-  <p:clrMapOvr>
-    <a:masterClrMapping/>
-  </p:clrMapOvr>
-</p:sld>
-</file>
-
-<file path=ppt/slides/slide8.xml><?xml version="1.0" encoding="utf-8"?>
-<p:sld xmlns:a="http://schemas.openxmlformats.org/drawingml/2006/main" xmlns:r="http://schemas.openxmlformats.org/officeDocument/2006/relationships" xmlns:p="http://schemas.openxmlformats.org/presentationml/2006/main">
-  <p:cSld>
-    <p:spTree>
-      <p:nvGrpSpPr>
-        <p:cNvPr id="1" name=""/>
-        <p:cNvGrpSpPr/>
-        <p:nvPr/>
-      </p:nvGrpSpPr>
-      <p:grpSpPr>
-        <a:xfrm>
-          <a:off x="0" y="0"/>
-          <a:ext cx="0" cy="0"/>
-          <a:chOff x="0" y="0"/>
-          <a:chExt cx="0" cy="0"/>
-        </a:xfrm>
-      </p:grpSpPr>
-      <p:sp>
-        <p:nvSpPr>
-          <p:cNvPr id="2" name="Title 1">
-            <a:extLst>
-              <a:ext uri="{FF2B5EF4-FFF2-40B4-BE49-F238E27FC236}">
                 <a16:creationId xmlns:a16="http://schemas.microsoft.com/office/drawing/2014/main" id="{D9EAD76D-DFBF-4A2A-AF7D-BB7E6FC7E05C}"/>
               </a:ext>
             </a:extLst>
@@ -6379,7 +11117,7 @@
           <p:nvPr/>
         </p:nvPicPr>
         <p:blipFill>
-          <a:blip r:embed="rId2"/>
+          <a:blip r:embed="rId3"/>
           <a:stretch>
             <a:fillRect/>
           </a:stretch>
@@ -6407,6 +11145,538 @@
 </p:sld>
 </file>
 
+<file path=ppt/slides/slide6.xml><?xml version="1.0" encoding="utf-8"?>
+<p:sld xmlns:a="http://schemas.openxmlformats.org/drawingml/2006/main" xmlns:r="http://schemas.openxmlformats.org/officeDocument/2006/relationships" xmlns:p="http://schemas.openxmlformats.org/presentationml/2006/main">
+  <p:cSld>
+    <p:spTree>
+      <p:nvGrpSpPr>
+        <p:cNvPr id="1" name=""/>
+        <p:cNvGrpSpPr/>
+        <p:nvPr/>
+      </p:nvGrpSpPr>
+      <p:grpSpPr>
+        <a:xfrm>
+          <a:off x="0" y="0"/>
+          <a:ext cx="0" cy="0"/>
+          <a:chOff x="0" y="0"/>
+          <a:chExt cx="0" cy="0"/>
+        </a:xfrm>
+      </p:grpSpPr>
+      <p:sp>
+        <p:nvSpPr>
+          <p:cNvPr id="2" name="Title 1">
+            <a:extLst>
+              <a:ext uri="{FF2B5EF4-FFF2-40B4-BE49-F238E27FC236}">
+                <a16:creationId xmlns:a16="http://schemas.microsoft.com/office/drawing/2014/main" id="{D9EAD76D-DFBF-4A2A-AF7D-BB7E6FC7E05C}"/>
+              </a:ext>
+            </a:extLst>
+          </p:cNvPr>
+          <p:cNvSpPr>
+            <a:spLocks noGrp="1"/>
+          </p:cNvSpPr>
+          <p:nvPr>
+            <p:ph type="title"/>
+          </p:nvPr>
+        </p:nvSpPr>
+        <p:spPr/>
+        <p:txBody>
+          <a:bodyPr/>
+          <a:lstStyle/>
+          <a:p>
+            <a:r>
+              <a:rPr lang="en-US" dirty="0"/>
+              <a:t>Related Work - Granularity</a:t>
+            </a:r>
+          </a:p>
+        </p:txBody>
+      </p:sp>
+      <p:pic>
+        <p:nvPicPr>
+          <p:cNvPr id="4" name="Picture 3">
+            <a:extLst>
+              <a:ext uri="{FF2B5EF4-FFF2-40B4-BE49-F238E27FC236}">
+                <a16:creationId xmlns:a16="http://schemas.microsoft.com/office/drawing/2014/main" id="{4588C36D-EE33-48A4-A3E1-A9EDED67B50F}"/>
+              </a:ext>
+            </a:extLst>
+          </p:cNvPr>
+          <p:cNvPicPr>
+            <a:picLocks noChangeAspect="1"/>
+          </p:cNvPicPr>
+          <p:nvPr/>
+        </p:nvPicPr>
+        <p:blipFill>
+          <a:blip r:embed="rId3"/>
+          <a:stretch>
+            <a:fillRect/>
+          </a:stretch>
+        </p:blipFill>
+        <p:spPr>
+          <a:xfrm>
+            <a:off x="1211739" y="1958657"/>
+            <a:ext cx="5081486" cy="4156116"/>
+          </a:xfrm>
+          <a:prstGeom prst="rect">
+            <a:avLst/>
+          </a:prstGeom>
+        </p:spPr>
+      </p:pic>
+      <p:pic>
+        <p:nvPicPr>
+          <p:cNvPr id="7" name="Picture 6">
+            <a:extLst>
+              <a:ext uri="{FF2B5EF4-FFF2-40B4-BE49-F238E27FC236}">
+                <a16:creationId xmlns:a16="http://schemas.microsoft.com/office/drawing/2014/main" id="{16CE5D57-07ED-4849-9DC4-48FB8E842FAE}"/>
+              </a:ext>
+            </a:extLst>
+          </p:cNvPr>
+          <p:cNvPicPr>
+            <a:picLocks noChangeAspect="1"/>
+          </p:cNvPicPr>
+          <p:nvPr/>
+        </p:nvPicPr>
+        <p:blipFill>
+          <a:blip r:embed="rId4"/>
+          <a:stretch>
+            <a:fillRect/>
+          </a:stretch>
+        </p:blipFill>
+        <p:spPr>
+          <a:xfrm>
+            <a:off x="7830706" y="2745897"/>
+            <a:ext cx="2705478" cy="2581635"/>
+          </a:xfrm>
+          <a:prstGeom prst="rect">
+            <a:avLst/>
+          </a:prstGeom>
+        </p:spPr>
+      </p:pic>
+      <p:sp>
+        <p:nvSpPr>
+          <p:cNvPr id="8" name="Rectangle 7">
+            <a:extLst>
+              <a:ext uri="{FF2B5EF4-FFF2-40B4-BE49-F238E27FC236}">
+                <a16:creationId xmlns:a16="http://schemas.microsoft.com/office/drawing/2014/main" id="{102CABFB-C011-4A83-A702-900CC3AD89E0}"/>
+              </a:ext>
+            </a:extLst>
+          </p:cNvPr>
+          <p:cNvSpPr/>
+          <p:nvPr/>
+        </p:nvSpPr>
+        <p:spPr>
+          <a:xfrm>
+            <a:off x="1211739" y="2183802"/>
+            <a:ext cx="1219489" cy="1097280"/>
+          </a:xfrm>
+          <a:prstGeom prst="rect">
+            <a:avLst/>
+          </a:prstGeom>
+          <a:noFill/>
+          <a:ln w="57150">
+            <a:solidFill>
+              <a:srgbClr val="FF0000"/>
+            </a:solidFill>
+          </a:ln>
+        </p:spPr>
+        <p:style>
+          <a:lnRef idx="2">
+            <a:schemeClr val="accent1">
+              <a:shade val="50000"/>
+            </a:schemeClr>
+          </a:lnRef>
+          <a:fillRef idx="1">
+            <a:schemeClr val="accent1"/>
+          </a:fillRef>
+          <a:effectRef idx="0">
+            <a:schemeClr val="accent1"/>
+          </a:effectRef>
+          <a:fontRef idx="minor">
+            <a:schemeClr val="lt1"/>
+          </a:fontRef>
+        </p:style>
+        <p:txBody>
+          <a:bodyPr rtlCol="0" anchor="ctr"/>
+          <a:lstStyle/>
+          <a:p>
+            <a:pPr algn="ctr"/>
+            <a:endParaRPr lang="en-US"/>
+          </a:p>
+        </p:txBody>
+      </p:sp>
+      <p:sp>
+        <p:nvSpPr>
+          <p:cNvPr id="9" name="Rectangle 8">
+            <a:extLst>
+              <a:ext uri="{FF2B5EF4-FFF2-40B4-BE49-F238E27FC236}">
+                <a16:creationId xmlns:a16="http://schemas.microsoft.com/office/drawing/2014/main" id="{EC311D9F-8EC3-40C5-8957-FD04B81DD7B7}"/>
+              </a:ext>
+            </a:extLst>
+          </p:cNvPr>
+          <p:cNvSpPr/>
+          <p:nvPr/>
+        </p:nvSpPr>
+        <p:spPr>
+          <a:xfrm>
+            <a:off x="7830706" y="2745896"/>
+            <a:ext cx="2705478" cy="2581636"/>
+          </a:xfrm>
+          <a:prstGeom prst="rect">
+            <a:avLst/>
+          </a:prstGeom>
+          <a:noFill/>
+          <a:ln w="57150">
+            <a:solidFill>
+              <a:srgbClr val="FF0000"/>
+            </a:solidFill>
+          </a:ln>
+        </p:spPr>
+        <p:style>
+          <a:lnRef idx="2">
+            <a:schemeClr val="accent1">
+              <a:shade val="50000"/>
+            </a:schemeClr>
+          </a:lnRef>
+          <a:fillRef idx="1">
+            <a:schemeClr val="accent1"/>
+          </a:fillRef>
+          <a:effectRef idx="0">
+            <a:schemeClr val="accent1"/>
+          </a:effectRef>
+          <a:fontRef idx="minor">
+            <a:schemeClr val="lt1"/>
+          </a:fontRef>
+        </p:style>
+        <p:txBody>
+          <a:bodyPr rtlCol="0" anchor="ctr"/>
+          <a:lstStyle/>
+          <a:p>
+            <a:pPr algn="ctr"/>
+            <a:endParaRPr lang="en-US"/>
+          </a:p>
+        </p:txBody>
+      </p:sp>
+    </p:spTree>
+    <p:extLst>
+      <p:ext uri="{BB962C8B-B14F-4D97-AF65-F5344CB8AC3E}">
+        <p14:creationId xmlns:p14="http://schemas.microsoft.com/office/powerpoint/2010/main" val="3977990489"/>
+      </p:ext>
+    </p:extLst>
+  </p:cSld>
+  <p:clrMapOvr>
+    <a:masterClrMapping/>
+  </p:clrMapOvr>
+</p:sld>
+</file>
+
+<file path=ppt/slides/slide7.xml><?xml version="1.0" encoding="utf-8"?>
+<p:sld xmlns:a="http://schemas.openxmlformats.org/drawingml/2006/main" xmlns:r="http://schemas.openxmlformats.org/officeDocument/2006/relationships" xmlns:p="http://schemas.openxmlformats.org/presentationml/2006/main">
+  <p:cSld>
+    <p:spTree>
+      <p:nvGrpSpPr>
+        <p:cNvPr id="1" name=""/>
+        <p:cNvGrpSpPr/>
+        <p:nvPr/>
+      </p:nvGrpSpPr>
+      <p:grpSpPr>
+        <a:xfrm>
+          <a:off x="0" y="0"/>
+          <a:ext cx="0" cy="0"/>
+          <a:chOff x="0" y="0"/>
+          <a:chExt cx="0" cy="0"/>
+        </a:xfrm>
+      </p:grpSpPr>
+      <p:pic>
+        <p:nvPicPr>
+          <p:cNvPr id="6" name="Picture 5">
+            <a:extLst>
+              <a:ext uri="{FF2B5EF4-FFF2-40B4-BE49-F238E27FC236}">
+                <a16:creationId xmlns:a16="http://schemas.microsoft.com/office/drawing/2014/main" id="{A8F47A45-6785-442B-8BD6-255EA289581F}"/>
+              </a:ext>
+            </a:extLst>
+          </p:cNvPr>
+          <p:cNvPicPr>
+            <a:picLocks noChangeAspect="1"/>
+          </p:cNvPicPr>
+          <p:nvPr/>
+        </p:nvPicPr>
+        <p:blipFill>
+          <a:blip r:embed="rId3"/>
+          <a:stretch>
+            <a:fillRect/>
+          </a:stretch>
+        </p:blipFill>
+        <p:spPr>
+          <a:xfrm>
+            <a:off x="2722570" y="5600192"/>
+            <a:ext cx="6746861" cy="372095"/>
+          </a:xfrm>
+          <a:prstGeom prst="rect">
+            <a:avLst/>
+          </a:prstGeom>
+        </p:spPr>
+      </p:pic>
+      <p:pic>
+        <p:nvPicPr>
+          <p:cNvPr id="5" name="Picture 4">
+            <a:extLst>
+              <a:ext uri="{FF2B5EF4-FFF2-40B4-BE49-F238E27FC236}">
+                <a16:creationId xmlns:a16="http://schemas.microsoft.com/office/drawing/2014/main" id="{B1CE74F4-C3F9-4150-B089-5A02B6EF88DB}"/>
+              </a:ext>
+            </a:extLst>
+          </p:cNvPr>
+          <p:cNvPicPr>
+            <a:picLocks noChangeAspect="1"/>
+          </p:cNvPicPr>
+          <p:nvPr/>
+        </p:nvPicPr>
+        <p:blipFill>
+          <a:blip r:embed="rId4"/>
+          <a:stretch>
+            <a:fillRect/>
+          </a:stretch>
+        </p:blipFill>
+        <p:spPr>
+          <a:xfrm>
+            <a:off x="3361330" y="1945497"/>
+            <a:ext cx="5469343" cy="3218016"/>
+          </a:xfrm>
+          <a:prstGeom prst="rect">
+            <a:avLst/>
+          </a:prstGeom>
+        </p:spPr>
+      </p:pic>
+      <p:sp>
+        <p:nvSpPr>
+          <p:cNvPr id="2" name="Title 1">
+            <a:extLst>
+              <a:ext uri="{FF2B5EF4-FFF2-40B4-BE49-F238E27FC236}">
+                <a16:creationId xmlns:a16="http://schemas.microsoft.com/office/drawing/2014/main" id="{D9EAD76D-DFBF-4A2A-AF7D-BB7E6FC7E05C}"/>
+              </a:ext>
+            </a:extLst>
+          </p:cNvPr>
+          <p:cNvSpPr>
+            <a:spLocks noGrp="1"/>
+          </p:cNvSpPr>
+          <p:nvPr>
+            <p:ph type="title"/>
+          </p:nvPr>
+        </p:nvSpPr>
+        <p:spPr/>
+        <p:txBody>
+          <a:bodyPr/>
+          <a:lstStyle/>
+          <a:p>
+            <a:r>
+              <a:rPr lang="en-US" dirty="0"/>
+              <a:t>Related Work – Data Points</a:t>
+            </a:r>
+          </a:p>
+        </p:txBody>
+      </p:sp>
+      <p:sp>
+        <p:nvSpPr>
+          <p:cNvPr id="8" name="Rectangle 7">
+            <a:extLst>
+              <a:ext uri="{FF2B5EF4-FFF2-40B4-BE49-F238E27FC236}">
+                <a16:creationId xmlns:a16="http://schemas.microsoft.com/office/drawing/2014/main" id="{102CABFB-C011-4A83-A702-900CC3AD89E0}"/>
+              </a:ext>
+            </a:extLst>
+          </p:cNvPr>
+          <p:cNvSpPr/>
+          <p:nvPr/>
+        </p:nvSpPr>
+        <p:spPr>
+          <a:xfrm>
+            <a:off x="4496059" y="2775471"/>
+            <a:ext cx="3151274" cy="218740"/>
+          </a:xfrm>
+          <a:prstGeom prst="rect">
+            <a:avLst/>
+          </a:prstGeom>
+          <a:noFill/>
+          <a:ln w="57150">
+            <a:solidFill>
+              <a:srgbClr val="FF0000"/>
+            </a:solidFill>
+          </a:ln>
+        </p:spPr>
+        <p:style>
+          <a:lnRef idx="2">
+            <a:schemeClr val="accent1">
+              <a:shade val="50000"/>
+            </a:schemeClr>
+          </a:lnRef>
+          <a:fillRef idx="1">
+            <a:schemeClr val="accent1"/>
+          </a:fillRef>
+          <a:effectRef idx="0">
+            <a:schemeClr val="accent1"/>
+          </a:effectRef>
+          <a:fontRef idx="minor">
+            <a:schemeClr val="lt1"/>
+          </a:fontRef>
+        </p:style>
+        <p:txBody>
+          <a:bodyPr rtlCol="0" anchor="ctr"/>
+          <a:lstStyle/>
+          <a:p>
+            <a:pPr algn="ctr"/>
+            <a:endParaRPr lang="en-US"/>
+          </a:p>
+        </p:txBody>
+      </p:sp>
+      <p:sp>
+        <p:nvSpPr>
+          <p:cNvPr id="9" name="Rectangle 8">
+            <a:extLst>
+              <a:ext uri="{FF2B5EF4-FFF2-40B4-BE49-F238E27FC236}">
+                <a16:creationId xmlns:a16="http://schemas.microsoft.com/office/drawing/2014/main" id="{EC311D9F-8EC3-40C5-8957-FD04B81DD7B7}"/>
+              </a:ext>
+            </a:extLst>
+          </p:cNvPr>
+          <p:cNvSpPr/>
+          <p:nvPr/>
+        </p:nvSpPr>
+        <p:spPr>
+          <a:xfrm>
+            <a:off x="2722570" y="5600192"/>
+            <a:ext cx="6746860" cy="372095"/>
+          </a:xfrm>
+          <a:prstGeom prst="rect">
+            <a:avLst/>
+          </a:prstGeom>
+          <a:noFill/>
+          <a:ln w="57150">
+            <a:solidFill>
+              <a:srgbClr val="FF0000"/>
+            </a:solidFill>
+          </a:ln>
+        </p:spPr>
+        <p:style>
+          <a:lnRef idx="2">
+            <a:schemeClr val="accent1">
+              <a:shade val="50000"/>
+            </a:schemeClr>
+          </a:lnRef>
+          <a:fillRef idx="1">
+            <a:schemeClr val="accent1"/>
+          </a:fillRef>
+          <a:effectRef idx="0">
+            <a:schemeClr val="accent1"/>
+          </a:effectRef>
+          <a:fontRef idx="minor">
+            <a:schemeClr val="lt1"/>
+          </a:fontRef>
+        </p:style>
+        <p:txBody>
+          <a:bodyPr rtlCol="0" anchor="ctr"/>
+          <a:lstStyle/>
+          <a:p>
+            <a:pPr algn="ctr"/>
+            <a:endParaRPr lang="en-US"/>
+          </a:p>
+        </p:txBody>
+      </p:sp>
+    </p:spTree>
+    <p:extLst>
+      <p:ext uri="{BB962C8B-B14F-4D97-AF65-F5344CB8AC3E}">
+        <p14:creationId xmlns:p14="http://schemas.microsoft.com/office/powerpoint/2010/main" val="3149960550"/>
+      </p:ext>
+    </p:extLst>
+  </p:cSld>
+  <p:clrMapOvr>
+    <a:masterClrMapping/>
+  </p:clrMapOvr>
+</p:sld>
+</file>
+
+<file path=ppt/slides/slide8.xml><?xml version="1.0" encoding="utf-8"?>
+<p:sld xmlns:a="http://schemas.openxmlformats.org/drawingml/2006/main" xmlns:r="http://schemas.openxmlformats.org/officeDocument/2006/relationships" xmlns:p="http://schemas.openxmlformats.org/presentationml/2006/main">
+  <p:cSld>
+    <p:spTree>
+      <p:nvGrpSpPr>
+        <p:cNvPr id="1" name=""/>
+        <p:cNvGrpSpPr/>
+        <p:nvPr/>
+      </p:nvGrpSpPr>
+      <p:grpSpPr>
+        <a:xfrm>
+          <a:off x="0" y="0"/>
+          <a:ext cx="0" cy="0"/>
+          <a:chOff x="0" y="0"/>
+          <a:chExt cx="0" cy="0"/>
+        </a:xfrm>
+      </p:grpSpPr>
+      <p:sp>
+        <p:nvSpPr>
+          <p:cNvPr id="2" name="Title 1">
+            <a:extLst>
+              <a:ext uri="{FF2B5EF4-FFF2-40B4-BE49-F238E27FC236}">
+                <a16:creationId xmlns:a16="http://schemas.microsoft.com/office/drawing/2014/main" id="{D9EAD76D-DFBF-4A2A-AF7D-BB7E6FC7E05C}"/>
+              </a:ext>
+            </a:extLst>
+          </p:cNvPr>
+          <p:cNvSpPr>
+            <a:spLocks noGrp="1"/>
+          </p:cNvSpPr>
+          <p:nvPr>
+            <p:ph type="title"/>
+          </p:nvPr>
+        </p:nvSpPr>
+        <p:spPr/>
+        <p:txBody>
+          <a:bodyPr/>
+          <a:lstStyle/>
+          <a:p>
+            <a:r>
+              <a:rPr lang="en-US" dirty="0"/>
+              <a:t>Related Work – Spatial View</a:t>
+            </a:r>
+          </a:p>
+        </p:txBody>
+      </p:sp>
+      <p:pic>
+        <p:nvPicPr>
+          <p:cNvPr id="3" name="Picture 2">
+            <a:extLst>
+              <a:ext uri="{FF2B5EF4-FFF2-40B4-BE49-F238E27FC236}">
+                <a16:creationId xmlns:a16="http://schemas.microsoft.com/office/drawing/2014/main" id="{D0D62921-AF07-46B9-A44B-2BA3D05FED00}"/>
+              </a:ext>
+            </a:extLst>
+          </p:cNvPr>
+          <p:cNvPicPr>
+            <a:picLocks noChangeAspect="1"/>
+          </p:cNvPicPr>
+          <p:nvPr/>
+        </p:nvPicPr>
+        <p:blipFill>
+          <a:blip r:embed="rId3"/>
+          <a:stretch>
+            <a:fillRect/>
+          </a:stretch>
+        </p:blipFill>
+        <p:spPr>
+          <a:xfrm>
+            <a:off x="1685364" y="2160707"/>
+            <a:ext cx="8588188" cy="3949238"/>
+          </a:xfrm>
+          <a:prstGeom prst="rect">
+            <a:avLst/>
+          </a:prstGeom>
+        </p:spPr>
+      </p:pic>
+    </p:spTree>
+    <p:extLst>
+      <p:ext uri="{BB962C8B-B14F-4D97-AF65-F5344CB8AC3E}">
+        <p14:creationId xmlns:p14="http://schemas.microsoft.com/office/powerpoint/2010/main" val="3835534438"/>
+      </p:ext>
+    </p:extLst>
+  </p:cSld>
+  <p:clrMapOvr>
+    <a:masterClrMapping/>
+  </p:clrMapOvr>
+</p:sld>
+</file>
+
 <file path=ppt/slides/slide9.xml><?xml version="1.0" encoding="utf-8"?>
 <p:sld xmlns:a="http://schemas.openxmlformats.org/drawingml/2006/main" xmlns:r="http://schemas.openxmlformats.org/officeDocument/2006/relationships" xmlns:p="http://schemas.openxmlformats.org/presentationml/2006/main">
   <p:cSld>
@@ -6429,7 +11699,7 @@
           <p:cNvPr id="2" name="Title 1">
             <a:extLst>
               <a:ext uri="{FF2B5EF4-FFF2-40B4-BE49-F238E27FC236}">
-                <a16:creationId xmlns:a16="http://schemas.microsoft.com/office/drawing/2014/main" id="{A28203C3-2BEF-4EF7-AEBA-1ACCFDA7A8A6}"/>
+                <a16:creationId xmlns:a16="http://schemas.microsoft.com/office/drawing/2014/main" id="{D9EAD76D-DFBF-4A2A-AF7D-BB7E6FC7E05C}"/>
               </a:ext>
             </a:extLst>
           </p:cNvPr>
@@ -6447,52 +11717,179 @@
           <a:p>
             <a:r>
               <a:rPr lang="en-US" dirty="0"/>
-              <a:t>Methods</a:t>
-            </a:r>
-          </a:p>
-        </p:txBody>
-      </p:sp>
-      <p:sp>
-        <p:nvSpPr>
-          <p:cNvPr id="3" name="Content Placeholder 2">
+              <a:t>Related Work – Configurability</a:t>
+            </a:r>
+          </a:p>
+        </p:txBody>
+      </p:sp>
+      <p:pic>
+        <p:nvPicPr>
+          <p:cNvPr id="4" name="Picture 3">
             <a:extLst>
               <a:ext uri="{FF2B5EF4-FFF2-40B4-BE49-F238E27FC236}">
-                <a16:creationId xmlns:a16="http://schemas.microsoft.com/office/drawing/2014/main" id="{080BA997-CE19-4B7D-8EA9-F70B0ECFE1FC}"/>
+                <a16:creationId xmlns:a16="http://schemas.microsoft.com/office/drawing/2014/main" id="{E1DB2299-499C-4234-A705-138B427AF131}"/>
               </a:ext>
             </a:extLst>
           </p:cNvPr>
-          <p:cNvSpPr>
-            <a:spLocks noGrp="1"/>
-          </p:cNvSpPr>
-          <p:nvPr>
-            <p:ph idx="1"/>
-          </p:nvPr>
-        </p:nvSpPr>
+          <p:cNvPicPr>
+            <a:picLocks noChangeAspect="1"/>
+          </p:cNvPicPr>
+          <p:nvPr/>
+        </p:nvPicPr>
+        <p:blipFill>
+          <a:blip r:embed="rId3"/>
+          <a:stretch>
+            <a:fillRect/>
+          </a:stretch>
+        </p:blipFill>
         <p:spPr>
           <a:xfrm>
-            <a:off x="1097280" y="1845734"/>
-            <a:ext cx="10058400" cy="404640"/>
+            <a:off x="519953" y="2588223"/>
+            <a:ext cx="6535271" cy="2532418"/>
           </a:xfrm>
+          <a:prstGeom prst="rect">
+            <a:avLst/>
+          </a:prstGeom>
         </p:spPr>
-        <p:txBody>
-          <a:bodyPr/>
-          <a:lstStyle/>
-          <a:p>
-            <a:pPr>
-              <a:buFont typeface="Arial" panose="020B0604020202020204" pitchFamily="34" charset="0"/>
-              <a:buChar char="•"/>
-            </a:pPr>
-            <a:r>
-              <a:rPr lang="en-US" dirty="0"/>
-              <a:t> A map based web application</a:t>
-            </a:r>
+      </p:pic>
+      <p:pic>
+        <p:nvPicPr>
+          <p:cNvPr id="5" name="Picture 4">
+            <a:extLst>
+              <a:ext uri="{FF2B5EF4-FFF2-40B4-BE49-F238E27FC236}">
+                <a16:creationId xmlns:a16="http://schemas.microsoft.com/office/drawing/2014/main" id="{AE8FC53C-B05F-4223-AC23-5BB48C9FF447}"/>
+              </a:ext>
+            </a:extLst>
+          </p:cNvPr>
+          <p:cNvPicPr>
+            <a:picLocks noChangeAspect="1"/>
+          </p:cNvPicPr>
+          <p:nvPr/>
+        </p:nvPicPr>
+        <p:blipFill>
+          <a:blip r:embed="rId4"/>
+          <a:stretch>
+            <a:fillRect/>
+          </a:stretch>
+        </p:blipFill>
+        <p:spPr>
+          <a:xfrm>
+            <a:off x="8927283" y="2895170"/>
+            <a:ext cx="2333951" cy="2143424"/>
+          </a:xfrm>
+          <a:prstGeom prst="rect">
+            <a:avLst/>
+          </a:prstGeom>
+        </p:spPr>
+      </p:pic>
+      <p:sp>
+        <p:nvSpPr>
+          <p:cNvPr id="6" name="Rectangle 5">
+            <a:extLst>
+              <a:ext uri="{FF2B5EF4-FFF2-40B4-BE49-F238E27FC236}">
+                <a16:creationId xmlns:a16="http://schemas.microsoft.com/office/drawing/2014/main" id="{57543D86-CF98-4BFB-BD16-F6DA6D6BEFDE}"/>
+              </a:ext>
+            </a:extLst>
+          </p:cNvPr>
+          <p:cNvSpPr/>
+          <p:nvPr/>
+        </p:nvSpPr>
+        <p:spPr>
+          <a:xfrm>
+            <a:off x="5776009" y="3635691"/>
+            <a:ext cx="1099920" cy="999061"/>
+          </a:xfrm>
+          <a:prstGeom prst="rect">
+            <a:avLst/>
+          </a:prstGeom>
+          <a:noFill/>
+          <a:ln w="57150">
+            <a:solidFill>
+              <a:srgbClr val="FF0000"/>
+            </a:solidFill>
+          </a:ln>
+        </p:spPr>
+        <p:style>
+          <a:lnRef idx="2">
+            <a:schemeClr val="accent1">
+              <a:shade val="50000"/>
+            </a:schemeClr>
+          </a:lnRef>
+          <a:fillRef idx="1">
+            <a:schemeClr val="accent1"/>
+          </a:fillRef>
+          <a:effectRef idx="0">
+            <a:schemeClr val="accent1"/>
+          </a:effectRef>
+          <a:fontRef idx="minor">
+            <a:schemeClr val="lt1"/>
+          </a:fontRef>
+        </p:style>
+        <p:txBody>
+          <a:bodyPr rtlCol="0" anchor="ctr"/>
+          <a:lstStyle/>
+          <a:p>
+            <a:pPr algn="ctr"/>
+            <a:endParaRPr lang="en-US"/>
+          </a:p>
+        </p:txBody>
+      </p:sp>
+      <p:sp>
+        <p:nvSpPr>
+          <p:cNvPr id="7" name="Rectangle 6">
+            <a:extLst>
+              <a:ext uri="{FF2B5EF4-FFF2-40B4-BE49-F238E27FC236}">
+                <a16:creationId xmlns:a16="http://schemas.microsoft.com/office/drawing/2014/main" id="{9D21F4FE-06B7-4DB4-B526-EB1E92CCDE71}"/>
+              </a:ext>
+            </a:extLst>
+          </p:cNvPr>
+          <p:cNvSpPr/>
+          <p:nvPr/>
+        </p:nvSpPr>
+        <p:spPr>
+          <a:xfrm>
+            <a:off x="8927282" y="2855371"/>
+            <a:ext cx="2333951" cy="2265270"/>
+          </a:xfrm>
+          <a:prstGeom prst="rect">
+            <a:avLst/>
+          </a:prstGeom>
+          <a:noFill/>
+          <a:ln w="57150">
+            <a:solidFill>
+              <a:srgbClr val="FF0000"/>
+            </a:solidFill>
+          </a:ln>
+        </p:spPr>
+        <p:style>
+          <a:lnRef idx="2">
+            <a:schemeClr val="accent1">
+              <a:shade val="50000"/>
+            </a:schemeClr>
+          </a:lnRef>
+          <a:fillRef idx="1">
+            <a:schemeClr val="accent1"/>
+          </a:fillRef>
+          <a:effectRef idx="0">
+            <a:schemeClr val="accent1"/>
+          </a:effectRef>
+          <a:fontRef idx="minor">
+            <a:schemeClr val="lt1"/>
+          </a:fontRef>
+        </p:style>
+        <p:txBody>
+          <a:bodyPr rtlCol="0" anchor="ctr"/>
+          <a:lstStyle/>
+          <a:p>
+            <a:pPr algn="ctr"/>
+            <a:endParaRPr lang="en-US"/>
           </a:p>
         </p:txBody>
       </p:sp>
     </p:spTree>
     <p:extLst>
       <p:ext uri="{BB962C8B-B14F-4D97-AF65-F5344CB8AC3E}">
-        <p14:creationId xmlns:p14="http://schemas.microsoft.com/office/powerpoint/2010/main" val="3144729516"/>
+        <p14:creationId xmlns:p14="http://schemas.microsoft.com/office/powerpoint/2010/main" val="398117875"/>
       </p:ext>
     </p:extLst>
   </p:cSld>
@@ -6783,4 +12180,299 @@
     </a:ext>
   </a:extLst>
 </a:theme>
+</file>
+
+<file path=ppt/theme/theme2.xml><?xml version="1.0" encoding="utf-8"?>
+<a:theme xmlns:a="http://schemas.openxmlformats.org/drawingml/2006/main" name="Office Theme">
+  <a:themeElements>
+    <a:clrScheme name="Office">
+      <a:dk1>
+        <a:sysClr val="windowText" lastClr="000000"/>
+      </a:dk1>
+      <a:lt1>
+        <a:sysClr val="window" lastClr="FFFFFF"/>
+      </a:lt1>
+      <a:dk2>
+        <a:srgbClr val="44546A"/>
+      </a:dk2>
+      <a:lt2>
+        <a:srgbClr val="E7E6E6"/>
+      </a:lt2>
+      <a:accent1>
+        <a:srgbClr val="4472C4"/>
+      </a:accent1>
+      <a:accent2>
+        <a:srgbClr val="ED7D31"/>
+      </a:accent2>
+      <a:accent3>
+        <a:srgbClr val="A5A5A5"/>
+      </a:accent3>
+      <a:accent4>
+        <a:srgbClr val="FFC000"/>
+      </a:accent4>
+      <a:accent5>
+        <a:srgbClr val="5B9BD5"/>
+      </a:accent5>
+      <a:accent6>
+        <a:srgbClr val="70AD47"/>
+      </a:accent6>
+      <a:hlink>
+        <a:srgbClr val="0563C1"/>
+      </a:hlink>
+      <a:folHlink>
+        <a:srgbClr val="954F72"/>
+      </a:folHlink>
+    </a:clrScheme>
+    <a:fontScheme name="Office">
+      <a:majorFont>
+        <a:latin typeface="Calibri Light" panose="020F0302020204030204"/>
+        <a:ea typeface=""/>
+        <a:cs typeface=""/>
+        <a:font script="Jpan" typeface="游ゴシック Light"/>
+        <a:font script="Hang" typeface="맑은 고딕"/>
+        <a:font script="Hans" typeface="等线 Light"/>
+        <a:font script="Hant" typeface="新細明體"/>
+        <a:font script="Arab" typeface="Times New Roman"/>
+        <a:font script="Hebr" typeface="Times New Roman"/>
+        <a:font script="Thai" typeface="Angsana New"/>
+        <a:font script="Ethi" typeface="Nyala"/>
+        <a:font script="Beng" typeface="Vrinda"/>
+        <a:font script="Gujr" typeface="Shruti"/>
+        <a:font script="Khmr" typeface="MoolBoran"/>
+        <a:font script="Knda" typeface="Tunga"/>
+        <a:font script="Guru" typeface="Raavi"/>
+        <a:font script="Cans" typeface="Euphemia"/>
+        <a:font script="Cher" typeface="Plantagenet Cherokee"/>
+        <a:font script="Yiii" typeface="Microsoft Yi Baiti"/>
+        <a:font script="Tibt" typeface="Microsoft Himalaya"/>
+        <a:font script="Thaa" typeface="MV Boli"/>
+        <a:font script="Deva" typeface="Mangal"/>
+        <a:font script="Telu" typeface="Gautami"/>
+        <a:font script="Taml" typeface="Latha"/>
+        <a:font script="Syrc" typeface="Estrangelo Edessa"/>
+        <a:font script="Orya" typeface="Kalinga"/>
+        <a:font script="Mlym" typeface="Kartika"/>
+        <a:font script="Laoo" typeface="DokChampa"/>
+        <a:font script="Sinh" typeface="Iskoola Pota"/>
+        <a:font script="Mong" typeface="Mongolian Baiti"/>
+        <a:font script="Viet" typeface="Times New Roman"/>
+        <a:font script="Uigh" typeface="Microsoft Uighur"/>
+        <a:font script="Geor" typeface="Sylfaen"/>
+        <a:font script="Armn" typeface="Arial"/>
+        <a:font script="Bugi" typeface="Leelawadee UI"/>
+        <a:font script="Bopo" typeface="Microsoft JhengHei"/>
+        <a:font script="Java" typeface="Javanese Text"/>
+        <a:font script="Lisu" typeface="Segoe UI"/>
+        <a:font script="Mymr" typeface="Myanmar Text"/>
+        <a:font script="Nkoo" typeface="Ebrima"/>
+        <a:font script="Olck" typeface="Nirmala UI"/>
+        <a:font script="Osma" typeface="Ebrima"/>
+        <a:font script="Phag" typeface="Phagspa"/>
+        <a:font script="Syrn" typeface="Estrangelo Edessa"/>
+        <a:font script="Syrj" typeface="Estrangelo Edessa"/>
+        <a:font script="Syre" typeface="Estrangelo Edessa"/>
+        <a:font script="Sora" typeface="Nirmala UI"/>
+        <a:font script="Tale" typeface="Microsoft Tai Le"/>
+        <a:font script="Talu" typeface="Microsoft New Tai Lue"/>
+        <a:font script="Tfng" typeface="Ebrima"/>
+      </a:majorFont>
+      <a:minorFont>
+        <a:latin typeface="Calibri" panose="020F0502020204030204"/>
+        <a:ea typeface=""/>
+        <a:cs typeface=""/>
+        <a:font script="Jpan" typeface="游ゴシック"/>
+        <a:font script="Hang" typeface="맑은 고딕"/>
+        <a:font script="Hans" typeface="等线"/>
+        <a:font script="Hant" typeface="新細明體"/>
+        <a:font script="Arab" typeface="Arial"/>
+        <a:font script="Hebr" typeface="Arial"/>
+        <a:font script="Thai" typeface="Cordia New"/>
+        <a:font script="Ethi" typeface="Nyala"/>
+        <a:font script="Beng" typeface="Vrinda"/>
+        <a:font script="Gujr" typeface="Shruti"/>
+        <a:font script="Khmr" typeface="DaunPenh"/>
+        <a:font script="Knda" typeface="Tunga"/>
+        <a:font script="Guru" typeface="Raavi"/>
+        <a:font script="Cans" typeface="Euphemia"/>
+        <a:font script="Cher" typeface="Plantagenet Cherokee"/>
+        <a:font script="Yiii" typeface="Microsoft Yi Baiti"/>
+        <a:font script="Tibt" typeface="Microsoft Himalaya"/>
+        <a:font script="Thaa" typeface="MV Boli"/>
+        <a:font script="Deva" typeface="Mangal"/>
+        <a:font script="Telu" typeface="Gautami"/>
+        <a:font script="Taml" typeface="Latha"/>
+        <a:font script="Syrc" typeface="Estrangelo Edessa"/>
+        <a:font script="Orya" typeface="Kalinga"/>
+        <a:font script="Mlym" typeface="Kartika"/>
+        <a:font script="Laoo" typeface="DokChampa"/>
+        <a:font script="Sinh" typeface="Iskoola Pota"/>
+        <a:font script="Mong" typeface="Mongolian Baiti"/>
+        <a:font script="Viet" typeface="Arial"/>
+        <a:font script="Uigh" typeface="Microsoft Uighur"/>
+        <a:font script="Geor" typeface="Sylfaen"/>
+        <a:font script="Armn" typeface="Arial"/>
+        <a:font script="Bugi" typeface="Leelawadee UI"/>
+        <a:font script="Bopo" typeface="Microsoft JhengHei"/>
+        <a:font script="Java" typeface="Javanese Text"/>
+        <a:font script="Lisu" typeface="Segoe UI"/>
+        <a:font script="Mymr" typeface="Myanmar Text"/>
+        <a:font script="Nkoo" typeface="Ebrima"/>
+        <a:font script="Olck" typeface="Nirmala UI"/>
+        <a:font script="Osma" typeface="Ebrima"/>
+        <a:font script="Phag" typeface="Phagspa"/>
+        <a:font script="Syrn" typeface="Estrangelo Edessa"/>
+        <a:font script="Syrj" typeface="Estrangelo Edessa"/>
+        <a:font script="Syre" typeface="Estrangelo Edessa"/>
+        <a:font script="Sora" typeface="Nirmala UI"/>
+        <a:font script="Tale" typeface="Microsoft Tai Le"/>
+        <a:font script="Talu" typeface="Microsoft New Tai Lue"/>
+        <a:font script="Tfng" typeface="Ebrima"/>
+      </a:minorFont>
+    </a:fontScheme>
+    <a:fmtScheme name="Office">
+      <a:fillStyleLst>
+        <a:solidFill>
+          <a:schemeClr val="phClr"/>
+        </a:solidFill>
+        <a:gradFill rotWithShape="1">
+          <a:gsLst>
+            <a:gs pos="0">
+              <a:schemeClr val="phClr">
+                <a:lumMod val="110000"/>
+                <a:satMod val="105000"/>
+                <a:tint val="67000"/>
+              </a:schemeClr>
+            </a:gs>
+            <a:gs pos="50000">
+              <a:schemeClr val="phClr">
+                <a:lumMod val="105000"/>
+                <a:satMod val="103000"/>
+                <a:tint val="73000"/>
+              </a:schemeClr>
+            </a:gs>
+            <a:gs pos="100000">
+              <a:schemeClr val="phClr">
+                <a:lumMod val="105000"/>
+                <a:satMod val="109000"/>
+                <a:tint val="81000"/>
+              </a:schemeClr>
+            </a:gs>
+          </a:gsLst>
+          <a:lin ang="5400000" scaled="0"/>
+        </a:gradFill>
+        <a:gradFill rotWithShape="1">
+          <a:gsLst>
+            <a:gs pos="0">
+              <a:schemeClr val="phClr">
+                <a:satMod val="103000"/>
+                <a:lumMod val="102000"/>
+                <a:tint val="94000"/>
+              </a:schemeClr>
+            </a:gs>
+            <a:gs pos="50000">
+              <a:schemeClr val="phClr">
+                <a:satMod val="110000"/>
+                <a:lumMod val="100000"/>
+                <a:shade val="100000"/>
+              </a:schemeClr>
+            </a:gs>
+            <a:gs pos="100000">
+              <a:schemeClr val="phClr">
+                <a:lumMod val="99000"/>
+                <a:satMod val="120000"/>
+                <a:shade val="78000"/>
+              </a:schemeClr>
+            </a:gs>
+          </a:gsLst>
+          <a:lin ang="5400000" scaled="0"/>
+        </a:gradFill>
+      </a:fillStyleLst>
+      <a:lnStyleLst>
+        <a:ln w="6350" cap="flat" cmpd="sng" algn="ctr">
+          <a:solidFill>
+            <a:schemeClr val="phClr"/>
+          </a:solidFill>
+          <a:prstDash val="solid"/>
+          <a:miter lim="800000"/>
+        </a:ln>
+        <a:ln w="12700" cap="flat" cmpd="sng" algn="ctr">
+          <a:solidFill>
+            <a:schemeClr val="phClr"/>
+          </a:solidFill>
+          <a:prstDash val="solid"/>
+          <a:miter lim="800000"/>
+        </a:ln>
+        <a:ln w="19050" cap="flat" cmpd="sng" algn="ctr">
+          <a:solidFill>
+            <a:schemeClr val="phClr"/>
+          </a:solidFill>
+          <a:prstDash val="solid"/>
+          <a:miter lim="800000"/>
+        </a:ln>
+      </a:lnStyleLst>
+      <a:effectStyleLst>
+        <a:effectStyle>
+          <a:effectLst/>
+        </a:effectStyle>
+        <a:effectStyle>
+          <a:effectLst/>
+        </a:effectStyle>
+        <a:effectStyle>
+          <a:effectLst>
+            <a:outerShdw blurRad="57150" dist="19050" dir="5400000" algn="ctr" rotWithShape="0">
+              <a:srgbClr val="000000">
+                <a:alpha val="63000"/>
+              </a:srgbClr>
+            </a:outerShdw>
+          </a:effectLst>
+        </a:effectStyle>
+      </a:effectStyleLst>
+      <a:bgFillStyleLst>
+        <a:solidFill>
+          <a:schemeClr val="phClr"/>
+        </a:solidFill>
+        <a:solidFill>
+          <a:schemeClr val="phClr">
+            <a:tint val="95000"/>
+            <a:satMod val="170000"/>
+          </a:schemeClr>
+        </a:solidFill>
+        <a:gradFill rotWithShape="1">
+          <a:gsLst>
+            <a:gs pos="0">
+              <a:schemeClr val="phClr">
+                <a:tint val="93000"/>
+                <a:satMod val="150000"/>
+                <a:shade val="98000"/>
+                <a:lumMod val="102000"/>
+              </a:schemeClr>
+            </a:gs>
+            <a:gs pos="50000">
+              <a:schemeClr val="phClr">
+                <a:tint val="98000"/>
+                <a:satMod val="130000"/>
+                <a:shade val="90000"/>
+                <a:lumMod val="103000"/>
+              </a:schemeClr>
+            </a:gs>
+            <a:gs pos="100000">
+              <a:schemeClr val="phClr">
+                <a:shade val="63000"/>
+                <a:satMod val="120000"/>
+              </a:schemeClr>
+            </a:gs>
+          </a:gsLst>
+          <a:lin ang="5400000" scaled="0"/>
+        </a:gradFill>
+      </a:bgFillStyleLst>
+    </a:fmtScheme>
+  </a:themeElements>
+  <a:objectDefaults/>
+  <a:extraClrSchemeLst/>
+  <a:extLst>
+    <a:ext uri="{05A4C25C-085E-4340-85A3-A5531E510DB2}">
+      <thm15:themeFamily xmlns:thm15="http://schemas.microsoft.com/office/thememl/2012/main" name="Office Theme" id="{62F939B6-93AF-4DB8-9C6B-D6C7DFDC589F}" vid="{4A3C46E8-61CC-4603-A589-7422A47A8E4A}"/>
+    </a:ext>
+  </a:extLst>
+</a:theme>
 </file>
--- a/Capstone/Presentation/CapstoneProposal.pptx
+++ b/Capstone/Presentation/CapstoneProposal.pptx
@@ -5,35 +5,20 @@
     <p:sldMasterId id="2147483660" r:id="rId1"/>
   </p:sldMasterIdLst>
   <p:notesMasterIdLst>
-    <p:notesMasterId r:id="rId28"/>
+    <p:notesMasterId r:id="rId13"/>
   </p:notesMasterIdLst>
   <p:sldIdLst>
     <p:sldId id="256" r:id="rId2"/>
     <p:sldId id="257" r:id="rId3"/>
     <p:sldId id="258" r:id="rId4"/>
-    <p:sldId id="259" r:id="rId5"/>
-    <p:sldId id="263" r:id="rId6"/>
-    <p:sldId id="277" r:id="rId7"/>
-    <p:sldId id="278" r:id="rId8"/>
-    <p:sldId id="279" r:id="rId9"/>
-    <p:sldId id="280" r:id="rId10"/>
-    <p:sldId id="264" r:id="rId11"/>
-    <p:sldId id="265" r:id="rId12"/>
-    <p:sldId id="282" r:id="rId13"/>
-    <p:sldId id="284" r:id="rId14"/>
-    <p:sldId id="285" r:id="rId15"/>
-    <p:sldId id="286" r:id="rId16"/>
-    <p:sldId id="283" r:id="rId17"/>
-    <p:sldId id="287" r:id="rId18"/>
-    <p:sldId id="288" r:id="rId19"/>
-    <p:sldId id="289" r:id="rId20"/>
-    <p:sldId id="271" r:id="rId21"/>
-    <p:sldId id="272" r:id="rId22"/>
-    <p:sldId id="274" r:id="rId23"/>
-    <p:sldId id="281" r:id="rId24"/>
-    <p:sldId id="275" r:id="rId25"/>
-    <p:sldId id="276" r:id="rId26"/>
-    <p:sldId id="273" r:id="rId27"/>
+    <p:sldId id="282" r:id="rId5"/>
+    <p:sldId id="271" r:id="rId6"/>
+    <p:sldId id="272" r:id="rId7"/>
+    <p:sldId id="274" r:id="rId8"/>
+    <p:sldId id="283" r:id="rId9"/>
+    <p:sldId id="284" r:id="rId10"/>
+    <p:sldId id="276" r:id="rId11"/>
+    <p:sldId id="273" r:id="rId12"/>
   </p:sldIdLst>
   <p:sldSz cx="12192000" cy="6858000"/>
   <p:notesSz cx="6858000" cy="9144000"/>
@@ -222,7 +207,7 @@
           <a:p>
             <a:fld id="{E3E0BA67-A448-48BB-B2A0-49FE4C1E5D33}" type="datetimeFigureOut">
               <a:rPr lang="en-US" smtClean="0"/>
-              <a:t>04/27/2021</a:t>
+              <a:t>7/24/2021</a:t>
             </a:fld>
             <a:endParaRPr lang="en-US"/>
           </a:p>
@@ -731,13 +716,7 @@
           <a:p>
             <a:r>
               <a:rPr lang="en-US" dirty="0"/>
-              <a:t>-For the next part of my presentation I am going to talk about what exactly I propose building and how I think I can accomplish that</a:t>
-            </a:r>
-          </a:p>
-          <a:p>
-            <a:r>
-              <a:rPr lang="en-US" dirty="0"/>
-              <a:t>-I propose building a map based web application that will allow a user to visualize COVID-19 and weather data alongside each other in order to investigate the relationship between the two.</a:t>
+              <a:t>-Before I open it up to everyone for questions I would actually like to discuss 2 questions I received from Dr Ricks on my graduate committee because they’re really good questions</a:t>
             </a:r>
           </a:p>
           <a:p>
@@ -746,13 +725,118 @@
           <a:p>
             <a:r>
               <a:rPr lang="en-US" dirty="0"/>
-              <a:t>-The table here on the right shows the list of user stories for the project</a:t>
-            </a:r>
-          </a:p>
-          <a:p>
-            <a:r>
-              <a:rPr lang="en-US" dirty="0"/>
-              <a:t>-I’m going to walk through these in more detail with some mockups of what the screens might look like</a:t>
+              <a:t>-'If researchers have found that the relationship between weather and COVID spread is low, what do you think the middle school students will conclude?’</a:t>
+            </a:r>
+          </a:p>
+          <a:p>
+            <a:endParaRPr lang="en-US" dirty="0"/>
+          </a:p>
+          <a:p>
+            <a:r>
+              <a:rPr lang="en-US" dirty="0"/>
+              <a:t>-My project is not really about what a user might find</a:t>
+            </a:r>
+          </a:p>
+          <a:p>
+            <a:r>
+              <a:rPr lang="en-US" dirty="0"/>
+              <a:t>-The real purpose of building this tool is to enable a classroom activity that engages students by having them follow the scientific process and think critically</a:t>
+            </a:r>
+          </a:p>
+          <a:p>
+            <a:r>
+              <a:rPr lang="en-US" dirty="0"/>
+              <a:t>-We want the students to think critically about what they are seeing in this tool and more specifically what they are not seeing</a:t>
+            </a:r>
+          </a:p>
+          <a:p>
+            <a:endParaRPr lang="en-US" dirty="0"/>
+          </a:p>
+          <a:p>
+            <a:r>
+              <a:rPr lang="en-US" dirty="0"/>
+              <a:t>-It is very plausible that students could go to a county and see what they think is a strong correlation between weather and COVID-19 infection rates</a:t>
+            </a:r>
+          </a:p>
+          <a:p>
+            <a:r>
+              <a:rPr lang="en-US" dirty="0"/>
+              <a:t>-We want them to be challenged to think about what else could be causing this? What am I not seeing?</a:t>
+            </a:r>
+          </a:p>
+          <a:p>
+            <a:r>
+              <a:rPr lang="en-US" dirty="0"/>
+              <a:t>-For instance, what local policies were enacted in this county and when? What's the mobility index for this county across this date range?</a:t>
+            </a:r>
+          </a:p>
+          <a:p>
+            <a:endParaRPr lang="en-US" dirty="0"/>
+          </a:p>
+          <a:p>
+            <a:r>
+              <a:rPr lang="en-US" dirty="0"/>
+              <a:t>-This same learning opportunity actually applies to adults as well</a:t>
+            </a:r>
+          </a:p>
+          <a:p>
+            <a:r>
+              <a:rPr lang="en-US" dirty="0"/>
+              <a:t>-How many data visualizations do we see in the news or on social media?</a:t>
+            </a:r>
+          </a:p>
+          <a:p>
+            <a:r>
+              <a:rPr lang="en-US" dirty="0"/>
+              <a:t>-Thinking critically about what those are showing you as well as what they’re not showing you is just as important for us adults as it is middle school students</a:t>
+            </a:r>
+          </a:p>
+          <a:p>
+            <a:endParaRPr lang="en-US" dirty="0"/>
+          </a:p>
+          <a:p>
+            <a:r>
+              <a:rPr lang="en-US" dirty="0"/>
+              <a:t>-So in a way we're pushing a lot of responsibility outside of the tool because it allowed us to scope my project to a limited set of concerns, weather and COVID-19</a:t>
+            </a:r>
+          </a:p>
+          <a:p>
+            <a:r>
+              <a:rPr lang="en-US" dirty="0"/>
+              <a:t>-It would be nearly impossible to create a tool that truly explained COVID-19 infection rates because there’s an infinite number of variables to consider</a:t>
+            </a:r>
+          </a:p>
+          <a:p>
+            <a:endParaRPr lang="en-US" dirty="0"/>
+          </a:p>
+          <a:p>
+            <a:endParaRPr lang="en-US" dirty="0"/>
+          </a:p>
+          <a:p>
+            <a:endParaRPr lang="en-US" dirty="0"/>
+          </a:p>
+          <a:p>
+            <a:r>
+              <a:rPr lang="en-US" dirty="0"/>
+              <a:t>-'Do you have any thoughts about how to determine if the project accomplished the goal of student learning?’</a:t>
+            </a:r>
+          </a:p>
+          <a:p>
+            <a:r>
+              <a:rPr lang="en-US" dirty="0"/>
+              <a:t>-The right way to validate this tool would be through usability studies where we actually create a classroom activity and put it in front of real students in a classroom</a:t>
+            </a:r>
+          </a:p>
+          <a:p>
+            <a:r>
+              <a:rPr lang="en-US" dirty="0"/>
+              <a:t>-However, for the purposes of my capstone project and due to time constraints that will be out of scope</a:t>
+            </a:r>
+          </a:p>
+          <a:p>
+            <a:r>
+              <a:rPr lang="en-US" dirty="0"/>
+              <a:t>-My definition of success for this project will be if it is ready for usability testing in a real classroom context</a:t>
             </a:r>
           </a:p>
         </p:txBody>
@@ -783,1037 +867,7 @@
     </p:spTree>
     <p:extLst>
       <p:ext uri="{BB962C8B-B14F-4D97-AF65-F5344CB8AC3E}">
-        <p14:creationId xmlns:p14="http://schemas.microsoft.com/office/powerpoint/2010/main" val="1736354786"/>
-      </p:ext>
-    </p:extLst>
-  </p:cSld>
-  <p:clrMapOvr>
-    <a:masterClrMapping/>
-  </p:clrMapOvr>
-</p:notes>
-</file>
-
-<file path=ppt/notesSlides/notesSlide11.xml><?xml version="1.0" encoding="utf-8"?>
-<p:notes xmlns:a="http://schemas.openxmlformats.org/drawingml/2006/main" xmlns:r="http://schemas.openxmlformats.org/officeDocument/2006/relationships" xmlns:p="http://schemas.openxmlformats.org/presentationml/2006/main">
-  <p:cSld>
-    <p:spTree>
-      <p:nvGrpSpPr>
-        <p:cNvPr id="1" name=""/>
-        <p:cNvGrpSpPr/>
-        <p:nvPr/>
-      </p:nvGrpSpPr>
-      <p:grpSpPr>
-        <a:xfrm>
-          <a:off x="0" y="0"/>
-          <a:ext cx="0" cy="0"/>
-          <a:chOff x="0" y="0"/>
-          <a:chExt cx="0" cy="0"/>
-        </a:xfrm>
-      </p:grpSpPr>
-      <p:sp>
-        <p:nvSpPr>
-          <p:cNvPr id="2" name="Slide Image Placeholder 1"/>
-          <p:cNvSpPr>
-            <a:spLocks noGrp="1" noRot="1" noChangeAspect="1"/>
-          </p:cNvSpPr>
-          <p:nvPr>
-            <p:ph type="sldImg"/>
-          </p:nvPr>
-        </p:nvSpPr>
-        <p:spPr/>
-      </p:sp>
-      <p:sp>
-        <p:nvSpPr>
-          <p:cNvPr id="3" name="Notes Placeholder 2"/>
-          <p:cNvSpPr>
-            <a:spLocks noGrp="1"/>
-          </p:cNvSpPr>
-          <p:nvPr>
-            <p:ph type="body" idx="1"/>
-          </p:nvPr>
-        </p:nvSpPr>
-        <p:spPr/>
-        <p:txBody>
-          <a:bodyPr/>
-          <a:lstStyle/>
-          <a:p>
-            <a:r>
-              <a:rPr lang="en-US" dirty="0"/>
-              <a:t>-The image here on the left shows what the home page of the application might look like</a:t>
-            </a:r>
-          </a:p>
-          <a:p>
-            <a:endParaRPr lang="en-US" dirty="0"/>
-          </a:p>
-          <a:p>
-            <a:r>
-              <a:rPr lang="en-US" dirty="0"/>
-              <a:t>-This mockup is related to my first 3 user stories</a:t>
-            </a:r>
-          </a:p>
-          <a:p>
-            <a:endParaRPr lang="en-US" dirty="0"/>
-          </a:p>
-          <a:p>
-            <a:r>
-              <a:rPr lang="en-US" dirty="0"/>
-              <a:t>-These user stories center around allowing a user to find and select a county that they are interested in</a:t>
-            </a:r>
-          </a:p>
-        </p:txBody>
-      </p:sp>
-      <p:sp>
-        <p:nvSpPr>
-          <p:cNvPr id="4" name="Slide Number Placeholder 3"/>
-          <p:cNvSpPr>
-            <a:spLocks noGrp="1"/>
-          </p:cNvSpPr>
-          <p:nvPr>
-            <p:ph type="sldNum" sz="quarter" idx="5"/>
-          </p:nvPr>
-        </p:nvSpPr>
-        <p:spPr/>
-        <p:txBody>
-          <a:bodyPr/>
-          <a:lstStyle/>
-          <a:p>
-            <a:fld id="{30A9034F-20AE-4DE7-96BC-FDD871D2842E}" type="slidenum">
-              <a:rPr lang="en-US" smtClean="0"/>
-              <a:t>11</a:t>
-            </a:fld>
-            <a:endParaRPr lang="en-US"/>
-          </a:p>
-        </p:txBody>
-      </p:sp>
-    </p:spTree>
-    <p:extLst>
-      <p:ext uri="{BB962C8B-B14F-4D97-AF65-F5344CB8AC3E}">
-        <p14:creationId xmlns:p14="http://schemas.microsoft.com/office/powerpoint/2010/main" val="1721432292"/>
-      </p:ext>
-    </p:extLst>
-  </p:cSld>
-  <p:clrMapOvr>
-    <a:masterClrMapping/>
-  </p:clrMapOvr>
-</p:notes>
-</file>
-
-<file path=ppt/notesSlides/notesSlide12.xml><?xml version="1.0" encoding="utf-8"?>
-<p:notes xmlns:a="http://schemas.openxmlformats.org/drawingml/2006/main" xmlns:r="http://schemas.openxmlformats.org/officeDocument/2006/relationships" xmlns:p="http://schemas.openxmlformats.org/presentationml/2006/main">
-  <p:cSld>
-    <p:spTree>
-      <p:nvGrpSpPr>
-        <p:cNvPr id="1" name=""/>
-        <p:cNvGrpSpPr/>
-        <p:nvPr/>
-      </p:nvGrpSpPr>
-      <p:grpSpPr>
-        <a:xfrm>
-          <a:off x="0" y="0"/>
-          <a:ext cx="0" cy="0"/>
-          <a:chOff x="0" y="0"/>
-          <a:chExt cx="0" cy="0"/>
-        </a:xfrm>
-      </p:grpSpPr>
-      <p:sp>
-        <p:nvSpPr>
-          <p:cNvPr id="2" name="Slide Image Placeholder 1"/>
-          <p:cNvSpPr>
-            <a:spLocks noGrp="1" noRot="1" noChangeAspect="1"/>
-          </p:cNvSpPr>
-          <p:nvPr>
-            <p:ph type="sldImg"/>
-          </p:nvPr>
-        </p:nvSpPr>
-        <p:spPr/>
-      </p:sp>
-      <p:sp>
-        <p:nvSpPr>
-          <p:cNvPr id="3" name="Notes Placeholder 2"/>
-          <p:cNvSpPr>
-            <a:spLocks noGrp="1"/>
-          </p:cNvSpPr>
-          <p:nvPr>
-            <p:ph type="body" idx="1"/>
-          </p:nvPr>
-        </p:nvSpPr>
-        <p:spPr/>
-        <p:txBody>
-          <a:bodyPr/>
-          <a:lstStyle/>
-          <a:p>
-            <a:r>
-              <a:rPr lang="en-US" dirty="0"/>
-              <a:t>-This next mockup shows what the screen might look like once a user has selected a county</a:t>
-            </a:r>
-          </a:p>
-          <a:p>
-            <a:endParaRPr lang="en-US" dirty="0"/>
-          </a:p>
-          <a:p>
-            <a:r>
-              <a:rPr lang="en-US" dirty="0"/>
-              <a:t>-This is related to user stories 4 – 9</a:t>
-            </a:r>
-          </a:p>
-          <a:p>
-            <a:endParaRPr lang="en-US" dirty="0"/>
-          </a:p>
-          <a:p>
-            <a:r>
-              <a:rPr lang="en-US" dirty="0"/>
-              <a:t>-These user stories center around visualizing the COVID-19 and weather data together</a:t>
-            </a:r>
-          </a:p>
-        </p:txBody>
-      </p:sp>
-      <p:sp>
-        <p:nvSpPr>
-          <p:cNvPr id="4" name="Slide Number Placeholder 3"/>
-          <p:cNvSpPr>
-            <a:spLocks noGrp="1"/>
-          </p:cNvSpPr>
-          <p:nvPr>
-            <p:ph type="sldNum" sz="quarter" idx="5"/>
-          </p:nvPr>
-        </p:nvSpPr>
-        <p:spPr/>
-        <p:txBody>
-          <a:bodyPr/>
-          <a:lstStyle/>
-          <a:p>
-            <a:fld id="{30A9034F-20AE-4DE7-96BC-FDD871D2842E}" type="slidenum">
-              <a:rPr lang="en-US" smtClean="0"/>
-              <a:t>12</a:t>
-            </a:fld>
-            <a:endParaRPr lang="en-US"/>
-          </a:p>
-        </p:txBody>
-      </p:sp>
-    </p:spTree>
-    <p:extLst>
-      <p:ext uri="{BB962C8B-B14F-4D97-AF65-F5344CB8AC3E}">
-        <p14:creationId xmlns:p14="http://schemas.microsoft.com/office/powerpoint/2010/main" val="4147168199"/>
-      </p:ext>
-    </p:extLst>
-  </p:cSld>
-  <p:clrMapOvr>
-    <a:masterClrMapping/>
-  </p:clrMapOvr>
-</p:notes>
-</file>
-
-<file path=ppt/notesSlides/notesSlide13.xml><?xml version="1.0" encoding="utf-8"?>
-<p:notes xmlns:a="http://schemas.openxmlformats.org/drawingml/2006/main" xmlns:r="http://schemas.openxmlformats.org/officeDocument/2006/relationships" xmlns:p="http://schemas.openxmlformats.org/presentationml/2006/main">
-  <p:cSld>
-    <p:spTree>
-      <p:nvGrpSpPr>
-        <p:cNvPr id="1" name=""/>
-        <p:cNvGrpSpPr/>
-        <p:nvPr/>
-      </p:nvGrpSpPr>
-      <p:grpSpPr>
-        <a:xfrm>
-          <a:off x="0" y="0"/>
-          <a:ext cx="0" cy="0"/>
-          <a:chOff x="0" y="0"/>
-          <a:chExt cx="0" cy="0"/>
-        </a:xfrm>
-      </p:grpSpPr>
-      <p:sp>
-        <p:nvSpPr>
-          <p:cNvPr id="2" name="Slide Image Placeholder 1"/>
-          <p:cNvSpPr>
-            <a:spLocks noGrp="1" noRot="1" noChangeAspect="1"/>
-          </p:cNvSpPr>
-          <p:nvPr>
-            <p:ph type="sldImg"/>
-          </p:nvPr>
-        </p:nvSpPr>
-        <p:spPr/>
-      </p:sp>
-      <p:sp>
-        <p:nvSpPr>
-          <p:cNvPr id="3" name="Notes Placeholder 2"/>
-          <p:cNvSpPr>
-            <a:spLocks noGrp="1"/>
-          </p:cNvSpPr>
-          <p:nvPr>
-            <p:ph type="body" idx="1"/>
-          </p:nvPr>
-        </p:nvSpPr>
-        <p:spPr/>
-        <p:txBody>
-          <a:bodyPr/>
-          <a:lstStyle/>
-          <a:p>
-            <a:r>
-              <a:rPr lang="en-US" dirty="0"/>
-              <a:t>-I’m going to talk through each of these charts we see but before I do that I wanted to provide some context around why the mockup is laid out the way it is</a:t>
-            </a:r>
-          </a:p>
-          <a:p>
-            <a:endParaRPr lang="en-US" dirty="0"/>
-          </a:p>
-          <a:p>
-            <a:r>
-              <a:rPr lang="en-US" dirty="0"/>
-              <a:t>-There was a literature review performed in 2002 that looked at the cognitive literature on how people understand graphs. This paper looked at 3 factors that influence a viewer's understanding of a graph:</a:t>
-            </a:r>
-          </a:p>
-          <a:p>
-            <a:r>
-              <a:rPr lang="en-US" dirty="0"/>
-              <a:t>            -the visual characteristics of the graph</a:t>
-            </a:r>
-          </a:p>
-          <a:p>
-            <a:r>
-              <a:rPr lang="en-US" dirty="0"/>
-              <a:t>            -a viewer's knowledge about graphs</a:t>
-            </a:r>
-          </a:p>
-          <a:p>
-            <a:r>
-              <a:rPr lang="en-US" dirty="0"/>
-              <a:t>            -a viewer's knowledge about the data in the graph</a:t>
-            </a:r>
-          </a:p>
-          <a:p>
-            <a:endParaRPr lang="en-US" dirty="0"/>
-          </a:p>
-          <a:p>
-            <a:r>
-              <a:rPr lang="en-US" dirty="0"/>
-              <a:t>-This paper synthesized their findings into recommendations for how to best present graphs to students. One of their recommendations was to represent the same data in multiple formats because this helps students' understanding when there are multiple quantitative facts to communicate about the data. I have 3 quantitative facts that I wish to communicate about the data</a:t>
-            </a:r>
-          </a:p>
-          <a:p>
-            <a:r>
-              <a:rPr lang="en-US" dirty="0"/>
-              <a:t>            -what is the trend of COVID-19 infections</a:t>
-            </a:r>
-          </a:p>
-          <a:p>
-            <a:r>
-              <a:rPr lang="en-US" dirty="0"/>
-              <a:t>            -what is the trend of the weather data point, temperature for instance</a:t>
-            </a:r>
-          </a:p>
-          <a:p>
-            <a:r>
-              <a:rPr lang="en-US" dirty="0"/>
-              <a:t>            -what is the covariance of COVID-19 infections with the weather data point</a:t>
-            </a:r>
-          </a:p>
-          <a:p>
-            <a:endParaRPr lang="en-US" dirty="0"/>
-          </a:p>
-          <a:p>
-            <a:r>
-              <a:rPr lang="en-US" dirty="0"/>
-              <a:t>-On this bottom chart we can see the average temperature for this county across this date range</a:t>
-            </a:r>
-          </a:p>
-        </p:txBody>
-      </p:sp>
-      <p:sp>
-        <p:nvSpPr>
-          <p:cNvPr id="4" name="Slide Number Placeholder 3"/>
-          <p:cNvSpPr>
-            <a:spLocks noGrp="1"/>
-          </p:cNvSpPr>
-          <p:nvPr>
-            <p:ph type="sldNum" sz="quarter" idx="5"/>
-          </p:nvPr>
-        </p:nvSpPr>
-        <p:spPr/>
-        <p:txBody>
-          <a:bodyPr/>
-          <a:lstStyle/>
-          <a:p>
-            <a:fld id="{30A9034F-20AE-4DE7-96BC-FDD871D2842E}" type="slidenum">
-              <a:rPr lang="en-US" smtClean="0"/>
-              <a:t>13</a:t>
-            </a:fld>
-            <a:endParaRPr lang="en-US"/>
-          </a:p>
-        </p:txBody>
-      </p:sp>
-    </p:spTree>
-    <p:extLst>
-      <p:ext uri="{BB962C8B-B14F-4D97-AF65-F5344CB8AC3E}">
-        <p14:creationId xmlns:p14="http://schemas.microsoft.com/office/powerpoint/2010/main" val="1068958344"/>
-      </p:ext>
-    </p:extLst>
-  </p:cSld>
-  <p:clrMapOvr>
-    <a:masterClrMapping/>
-  </p:clrMapOvr>
-</p:notes>
-</file>
-
-<file path=ppt/notesSlides/notesSlide14.xml><?xml version="1.0" encoding="utf-8"?>
-<p:notes xmlns:a="http://schemas.openxmlformats.org/drawingml/2006/main" xmlns:r="http://schemas.openxmlformats.org/officeDocument/2006/relationships" xmlns:p="http://schemas.openxmlformats.org/presentationml/2006/main">
-  <p:cSld>
-    <p:spTree>
-      <p:nvGrpSpPr>
-        <p:cNvPr id="1" name=""/>
-        <p:cNvGrpSpPr/>
-        <p:nvPr/>
-      </p:nvGrpSpPr>
-      <p:grpSpPr>
-        <a:xfrm>
-          <a:off x="0" y="0"/>
-          <a:ext cx="0" cy="0"/>
-          <a:chOff x="0" y="0"/>
-          <a:chExt cx="0" cy="0"/>
-        </a:xfrm>
-      </p:grpSpPr>
-      <p:sp>
-        <p:nvSpPr>
-          <p:cNvPr id="2" name="Slide Image Placeholder 1"/>
-          <p:cNvSpPr>
-            <a:spLocks noGrp="1" noRot="1" noChangeAspect="1"/>
-          </p:cNvSpPr>
-          <p:nvPr>
-            <p:ph type="sldImg"/>
-          </p:nvPr>
-        </p:nvSpPr>
-        <p:spPr/>
-      </p:sp>
-      <p:sp>
-        <p:nvSpPr>
-          <p:cNvPr id="3" name="Notes Placeholder 2"/>
-          <p:cNvSpPr>
-            <a:spLocks noGrp="1"/>
-          </p:cNvSpPr>
-          <p:nvPr>
-            <p:ph type="body" idx="1"/>
-          </p:nvPr>
-        </p:nvSpPr>
-        <p:spPr/>
-        <p:txBody>
-          <a:bodyPr/>
-          <a:lstStyle/>
-          <a:p>
-            <a:pPr marL="0" marR="0" lvl="0" indent="0" algn="l" defTabSz="914400" rtl="0" eaLnBrk="1" fontAlgn="auto" latinLnBrk="0" hangingPunct="1">
-              <a:lnSpc>
-                <a:spcPct val="100000"/>
-              </a:lnSpc>
-              <a:spcBef>
-                <a:spcPts val="0"/>
-              </a:spcBef>
-              <a:spcAft>
-                <a:spcPts val="0"/>
-              </a:spcAft>
-              <a:buClrTx/>
-              <a:buSzTx/>
-              <a:buFontTx/>
-              <a:buNone/>
-              <a:tabLst/>
-              <a:defRPr/>
-            </a:pPr>
-            <a:r>
-              <a:rPr lang="en-US" dirty="0"/>
-              <a:t>-On this middle chart we can see the COVID-19 infections for this county across this date range</a:t>
-            </a:r>
-          </a:p>
-          <a:p>
-            <a:endParaRPr lang="en-US" dirty="0"/>
-          </a:p>
-        </p:txBody>
-      </p:sp>
-      <p:sp>
-        <p:nvSpPr>
-          <p:cNvPr id="4" name="Slide Number Placeholder 3"/>
-          <p:cNvSpPr>
-            <a:spLocks noGrp="1"/>
-          </p:cNvSpPr>
-          <p:nvPr>
-            <p:ph type="sldNum" sz="quarter" idx="5"/>
-          </p:nvPr>
-        </p:nvSpPr>
-        <p:spPr/>
-        <p:txBody>
-          <a:bodyPr/>
-          <a:lstStyle/>
-          <a:p>
-            <a:fld id="{30A9034F-20AE-4DE7-96BC-FDD871D2842E}" type="slidenum">
-              <a:rPr lang="en-US" smtClean="0"/>
-              <a:t>14</a:t>
-            </a:fld>
-            <a:endParaRPr lang="en-US"/>
-          </a:p>
-        </p:txBody>
-      </p:sp>
-    </p:spTree>
-    <p:extLst>
-      <p:ext uri="{BB962C8B-B14F-4D97-AF65-F5344CB8AC3E}">
-        <p14:creationId xmlns:p14="http://schemas.microsoft.com/office/powerpoint/2010/main" val="1307190119"/>
-      </p:ext>
-    </p:extLst>
-  </p:cSld>
-  <p:clrMapOvr>
-    <a:masterClrMapping/>
-  </p:clrMapOvr>
-</p:notes>
-</file>
-
-<file path=ppt/notesSlides/notesSlide15.xml><?xml version="1.0" encoding="utf-8"?>
-<p:notes xmlns:a="http://schemas.openxmlformats.org/drawingml/2006/main" xmlns:r="http://schemas.openxmlformats.org/officeDocument/2006/relationships" xmlns:p="http://schemas.openxmlformats.org/presentationml/2006/main">
-  <p:cSld>
-    <p:spTree>
-      <p:nvGrpSpPr>
-        <p:cNvPr id="1" name=""/>
-        <p:cNvGrpSpPr/>
-        <p:nvPr/>
-      </p:nvGrpSpPr>
-      <p:grpSpPr>
-        <a:xfrm>
-          <a:off x="0" y="0"/>
-          <a:ext cx="0" cy="0"/>
-          <a:chOff x="0" y="0"/>
-          <a:chExt cx="0" cy="0"/>
-        </a:xfrm>
-      </p:grpSpPr>
-      <p:sp>
-        <p:nvSpPr>
-          <p:cNvPr id="2" name="Slide Image Placeholder 1"/>
-          <p:cNvSpPr>
-            <a:spLocks noGrp="1" noRot="1" noChangeAspect="1"/>
-          </p:cNvSpPr>
-          <p:nvPr>
-            <p:ph type="sldImg"/>
-          </p:nvPr>
-        </p:nvSpPr>
-        <p:spPr/>
-      </p:sp>
-      <p:sp>
-        <p:nvSpPr>
-          <p:cNvPr id="3" name="Notes Placeholder 2"/>
-          <p:cNvSpPr>
-            <a:spLocks noGrp="1"/>
-          </p:cNvSpPr>
-          <p:nvPr>
-            <p:ph type="body" idx="1"/>
-          </p:nvPr>
-        </p:nvSpPr>
-        <p:spPr/>
-        <p:txBody>
-          <a:bodyPr/>
-          <a:lstStyle/>
-          <a:p>
-            <a:pPr marL="0" marR="0" lvl="0" indent="0" algn="l" defTabSz="914400" rtl="0" eaLnBrk="1" fontAlgn="auto" latinLnBrk="0" hangingPunct="1">
-              <a:lnSpc>
-                <a:spcPct val="100000"/>
-              </a:lnSpc>
-              <a:spcBef>
-                <a:spcPts val="0"/>
-              </a:spcBef>
-              <a:spcAft>
-                <a:spcPts val="0"/>
-              </a:spcAft>
-              <a:buClrTx/>
-              <a:buSzTx/>
-              <a:buFontTx/>
-              <a:buNone/>
-              <a:tabLst/>
-              <a:defRPr/>
-            </a:pPr>
-            <a:r>
-              <a:rPr lang="en-US" dirty="0"/>
-              <a:t>-On this top chart we can see a scatter plot of COVID-19 infections and average temperature along with the correlation coefficient which, from a high level, is a number that shows you how correlated 2 variables are</a:t>
-            </a:r>
-          </a:p>
-          <a:p>
-            <a:endParaRPr lang="en-US" dirty="0"/>
-          </a:p>
-        </p:txBody>
-      </p:sp>
-      <p:sp>
-        <p:nvSpPr>
-          <p:cNvPr id="4" name="Slide Number Placeholder 3"/>
-          <p:cNvSpPr>
-            <a:spLocks noGrp="1"/>
-          </p:cNvSpPr>
-          <p:nvPr>
-            <p:ph type="sldNum" sz="quarter" idx="5"/>
-          </p:nvPr>
-        </p:nvSpPr>
-        <p:spPr/>
-        <p:txBody>
-          <a:bodyPr/>
-          <a:lstStyle/>
-          <a:p>
-            <a:fld id="{30A9034F-20AE-4DE7-96BC-FDD871D2842E}" type="slidenum">
-              <a:rPr lang="en-US" smtClean="0"/>
-              <a:t>15</a:t>
-            </a:fld>
-            <a:endParaRPr lang="en-US"/>
-          </a:p>
-        </p:txBody>
-      </p:sp>
-    </p:spTree>
-    <p:extLst>
-      <p:ext uri="{BB962C8B-B14F-4D97-AF65-F5344CB8AC3E}">
-        <p14:creationId xmlns:p14="http://schemas.microsoft.com/office/powerpoint/2010/main" val="334779462"/>
-      </p:ext>
-    </p:extLst>
-  </p:cSld>
-  <p:clrMapOvr>
-    <a:masterClrMapping/>
-  </p:clrMapOvr>
-</p:notes>
-</file>
-
-<file path=ppt/notesSlides/notesSlide16.xml><?xml version="1.0" encoding="utf-8"?>
-<p:notes xmlns:a="http://schemas.openxmlformats.org/drawingml/2006/main" xmlns:r="http://schemas.openxmlformats.org/officeDocument/2006/relationships" xmlns:p="http://schemas.openxmlformats.org/presentationml/2006/main">
-  <p:cSld>
-    <p:spTree>
-      <p:nvGrpSpPr>
-        <p:cNvPr id="1" name=""/>
-        <p:cNvGrpSpPr/>
-        <p:nvPr/>
-      </p:nvGrpSpPr>
-      <p:grpSpPr>
-        <a:xfrm>
-          <a:off x="0" y="0"/>
-          <a:ext cx="0" cy="0"/>
-          <a:chOff x="0" y="0"/>
-          <a:chExt cx="0" cy="0"/>
-        </a:xfrm>
-      </p:grpSpPr>
-      <p:sp>
-        <p:nvSpPr>
-          <p:cNvPr id="2" name="Slide Image Placeholder 1"/>
-          <p:cNvSpPr>
-            <a:spLocks noGrp="1" noRot="1" noChangeAspect="1"/>
-          </p:cNvSpPr>
-          <p:nvPr>
-            <p:ph type="sldImg"/>
-          </p:nvPr>
-        </p:nvSpPr>
-        <p:spPr/>
-      </p:sp>
-      <p:sp>
-        <p:nvSpPr>
-          <p:cNvPr id="3" name="Notes Placeholder 2"/>
-          <p:cNvSpPr>
-            <a:spLocks noGrp="1"/>
-          </p:cNvSpPr>
-          <p:nvPr>
-            <p:ph type="body" idx="1"/>
-          </p:nvPr>
-        </p:nvSpPr>
-        <p:spPr/>
-        <p:txBody>
-          <a:bodyPr/>
-          <a:lstStyle/>
-          <a:p>
-            <a:r>
-              <a:rPr lang="en-US" dirty="0"/>
-              <a:t>-In this mockup we see the chart settings menu opened up</a:t>
-            </a:r>
-          </a:p>
-          <a:p>
-            <a:endParaRPr lang="en-US" dirty="0"/>
-          </a:p>
-          <a:p>
-            <a:r>
-              <a:rPr lang="en-US" dirty="0"/>
-              <a:t>-This mockup is related to user stories 10 – 12</a:t>
-            </a:r>
-          </a:p>
-          <a:p>
-            <a:endParaRPr lang="en-US" dirty="0"/>
-          </a:p>
-          <a:p>
-            <a:r>
-              <a:rPr lang="en-US" dirty="0"/>
-              <a:t>-These user stories center around the configurability of the visualization</a:t>
-            </a:r>
-          </a:p>
-          <a:p>
-            <a:endParaRPr lang="en-US" dirty="0"/>
-          </a:p>
-          <a:p>
-            <a:endParaRPr lang="en-US" dirty="0"/>
-          </a:p>
-        </p:txBody>
-      </p:sp>
-      <p:sp>
-        <p:nvSpPr>
-          <p:cNvPr id="4" name="Slide Number Placeholder 3"/>
-          <p:cNvSpPr>
-            <a:spLocks noGrp="1"/>
-          </p:cNvSpPr>
-          <p:nvPr>
-            <p:ph type="sldNum" sz="quarter" idx="5"/>
-          </p:nvPr>
-        </p:nvSpPr>
-        <p:spPr/>
-        <p:txBody>
-          <a:bodyPr/>
-          <a:lstStyle/>
-          <a:p>
-            <a:fld id="{30A9034F-20AE-4DE7-96BC-FDD871D2842E}" type="slidenum">
-              <a:rPr lang="en-US" smtClean="0"/>
-              <a:t>16</a:t>
-            </a:fld>
-            <a:endParaRPr lang="en-US"/>
-          </a:p>
-        </p:txBody>
-      </p:sp>
-    </p:spTree>
-    <p:extLst>
-      <p:ext uri="{BB962C8B-B14F-4D97-AF65-F5344CB8AC3E}">
-        <p14:creationId xmlns:p14="http://schemas.microsoft.com/office/powerpoint/2010/main" val="1614166688"/>
-      </p:ext>
-    </p:extLst>
-  </p:cSld>
-  <p:clrMapOvr>
-    <a:masterClrMapping/>
-  </p:clrMapOvr>
-</p:notes>
-</file>
-
-<file path=ppt/notesSlides/notesSlide17.xml><?xml version="1.0" encoding="utf-8"?>
-<p:notes xmlns:a="http://schemas.openxmlformats.org/drawingml/2006/main" xmlns:r="http://schemas.openxmlformats.org/officeDocument/2006/relationships" xmlns:p="http://schemas.openxmlformats.org/presentationml/2006/main">
-  <p:cSld>
-    <p:spTree>
-      <p:nvGrpSpPr>
-        <p:cNvPr id="1" name=""/>
-        <p:cNvGrpSpPr/>
-        <p:nvPr/>
-      </p:nvGrpSpPr>
-      <p:grpSpPr>
-        <a:xfrm>
-          <a:off x="0" y="0"/>
-          <a:ext cx="0" cy="0"/>
-          <a:chOff x="0" y="0"/>
-          <a:chExt cx="0" cy="0"/>
-        </a:xfrm>
-      </p:grpSpPr>
-      <p:sp>
-        <p:nvSpPr>
-          <p:cNvPr id="2" name="Slide Image Placeholder 1"/>
-          <p:cNvSpPr>
-            <a:spLocks noGrp="1" noRot="1" noChangeAspect="1"/>
-          </p:cNvSpPr>
-          <p:nvPr>
-            <p:ph type="sldImg"/>
-          </p:nvPr>
-        </p:nvSpPr>
-        <p:spPr/>
-      </p:sp>
-      <p:sp>
-        <p:nvSpPr>
-          <p:cNvPr id="3" name="Notes Placeholder 2"/>
-          <p:cNvSpPr>
-            <a:spLocks noGrp="1"/>
-          </p:cNvSpPr>
-          <p:nvPr>
-            <p:ph type="body" idx="1"/>
-          </p:nvPr>
-        </p:nvSpPr>
-        <p:spPr/>
-        <p:txBody>
-          <a:bodyPr/>
-          <a:lstStyle/>
-          <a:p>
-            <a:r>
-              <a:rPr lang="en-US" dirty="0"/>
-              <a:t>-Here is a better picture of what that chart settings menu looks like</a:t>
-            </a:r>
-          </a:p>
-          <a:p>
-            <a:endParaRPr lang="en-US" dirty="0"/>
-          </a:p>
-          <a:p>
-            <a:r>
-              <a:rPr lang="en-US" dirty="0"/>
-              <a:t>-The top selection that a user can make here is how the data is aggregated</a:t>
-            </a:r>
-          </a:p>
-          <a:p>
-            <a:r>
-              <a:rPr lang="en-US" dirty="0"/>
-              <a:t>-Users will be able to view the data points as daily data points, weekly averages or 7-day rolling averages</a:t>
-            </a:r>
-          </a:p>
-          <a:p>
-            <a:endParaRPr lang="en-US" dirty="0"/>
-          </a:p>
-          <a:p>
-            <a:r>
-              <a:rPr lang="en-US" dirty="0"/>
-              <a:t>-This was actually something I found in the previous papers that looked at weather and influenza and covid-19</a:t>
-            </a:r>
-          </a:p>
-          <a:p>
-            <a:r>
-              <a:rPr lang="en-US" dirty="0"/>
-              <a:t>-These papers rolled up their data to weekly averages or 7-day rolling averages in order to smooth out the data</a:t>
-            </a:r>
-          </a:p>
-          <a:p>
-            <a:r>
-              <a:rPr lang="en-US" dirty="0"/>
-              <a:t>-This becomes more important for the COVID datasets because there are large spikes that can occur due to variations in how many tests were performed in a county day to day</a:t>
-            </a:r>
-          </a:p>
-          <a:p>
-            <a:r>
-              <a:rPr lang="en-US" dirty="0"/>
-              <a:t>-This feature allows a user to smooth out those spikes</a:t>
-            </a:r>
-          </a:p>
-          <a:p>
-            <a:endParaRPr lang="en-US" dirty="0"/>
-          </a:p>
-          <a:p>
-            <a:r>
-              <a:rPr lang="en-US" dirty="0"/>
-              <a:t>-The other selection here is the weather data point</a:t>
-            </a:r>
-          </a:p>
-          <a:p>
-            <a:r>
-              <a:rPr lang="en-US" dirty="0"/>
-              <a:t>-Users will be able to select a weather data point from a predefined list</a:t>
-            </a:r>
-          </a:p>
-          <a:p>
-            <a:r>
-              <a:rPr lang="en-US" dirty="0"/>
-              <a:t>-When a user changes this selection they would see the bottom and top charts update</a:t>
-            </a:r>
-          </a:p>
-          <a:p>
-            <a:r>
-              <a:rPr lang="en-US" dirty="0"/>
-              <a:t>-So for instance if a user changed the selection from Average Temperature to Average Relative Humidity…</a:t>
-            </a:r>
-          </a:p>
-        </p:txBody>
-      </p:sp>
-      <p:sp>
-        <p:nvSpPr>
-          <p:cNvPr id="4" name="Slide Number Placeholder 3"/>
-          <p:cNvSpPr>
-            <a:spLocks noGrp="1"/>
-          </p:cNvSpPr>
-          <p:nvPr>
-            <p:ph type="sldNum" sz="quarter" idx="5"/>
-          </p:nvPr>
-        </p:nvSpPr>
-        <p:spPr/>
-        <p:txBody>
-          <a:bodyPr/>
-          <a:lstStyle/>
-          <a:p>
-            <a:fld id="{30A9034F-20AE-4DE7-96BC-FDD871D2842E}" type="slidenum">
-              <a:rPr lang="en-US" smtClean="0"/>
-              <a:t>17</a:t>
-            </a:fld>
-            <a:endParaRPr lang="en-US"/>
-          </a:p>
-        </p:txBody>
-      </p:sp>
-    </p:spTree>
-    <p:extLst>
-      <p:ext uri="{BB962C8B-B14F-4D97-AF65-F5344CB8AC3E}">
-        <p14:creationId xmlns:p14="http://schemas.microsoft.com/office/powerpoint/2010/main" val="3887537501"/>
-      </p:ext>
-    </p:extLst>
-  </p:cSld>
-  <p:clrMapOvr>
-    <a:masterClrMapping/>
-  </p:clrMapOvr>
-</p:notes>
-</file>
-
-<file path=ppt/notesSlides/notesSlide18.xml><?xml version="1.0" encoding="utf-8"?>
-<p:notes xmlns:a="http://schemas.openxmlformats.org/drawingml/2006/main" xmlns:r="http://schemas.openxmlformats.org/officeDocument/2006/relationships" xmlns:p="http://schemas.openxmlformats.org/presentationml/2006/main">
-  <p:cSld>
-    <p:spTree>
-      <p:nvGrpSpPr>
-        <p:cNvPr id="1" name=""/>
-        <p:cNvGrpSpPr/>
-        <p:nvPr/>
-      </p:nvGrpSpPr>
-      <p:grpSpPr>
-        <a:xfrm>
-          <a:off x="0" y="0"/>
-          <a:ext cx="0" cy="0"/>
-          <a:chOff x="0" y="0"/>
-          <a:chExt cx="0" cy="0"/>
-        </a:xfrm>
-      </p:grpSpPr>
-      <p:sp>
-        <p:nvSpPr>
-          <p:cNvPr id="2" name="Slide Image Placeholder 1"/>
-          <p:cNvSpPr>
-            <a:spLocks noGrp="1" noRot="1" noChangeAspect="1"/>
-          </p:cNvSpPr>
-          <p:nvPr>
-            <p:ph type="sldImg"/>
-          </p:nvPr>
-        </p:nvSpPr>
-        <p:spPr/>
-      </p:sp>
-      <p:sp>
-        <p:nvSpPr>
-          <p:cNvPr id="3" name="Notes Placeholder 2"/>
-          <p:cNvSpPr>
-            <a:spLocks noGrp="1"/>
-          </p:cNvSpPr>
-          <p:nvPr>
-            <p:ph type="body" idx="1"/>
-          </p:nvPr>
-        </p:nvSpPr>
-        <p:spPr/>
-        <p:txBody>
-          <a:bodyPr/>
-          <a:lstStyle/>
-          <a:p>
-            <a:r>
-              <a:rPr lang="en-US" dirty="0"/>
-              <a:t>-This last mockup here is related to user story 13 that deals with how a student can gather evidence they can reference for their conclusion</a:t>
-            </a:r>
-          </a:p>
-        </p:txBody>
-      </p:sp>
-      <p:sp>
-        <p:nvSpPr>
-          <p:cNvPr id="4" name="Slide Number Placeholder 3"/>
-          <p:cNvSpPr>
-            <a:spLocks noGrp="1"/>
-          </p:cNvSpPr>
-          <p:nvPr>
-            <p:ph type="sldNum" sz="quarter" idx="5"/>
-          </p:nvPr>
-        </p:nvSpPr>
-        <p:spPr/>
-        <p:txBody>
-          <a:bodyPr/>
-          <a:lstStyle/>
-          <a:p>
-            <a:fld id="{30A9034F-20AE-4DE7-96BC-FDD871D2842E}" type="slidenum">
-              <a:rPr lang="en-US" smtClean="0"/>
-              <a:t>18</a:t>
-            </a:fld>
-            <a:endParaRPr lang="en-US"/>
-          </a:p>
-        </p:txBody>
-      </p:sp>
-    </p:spTree>
-    <p:extLst>
-      <p:ext uri="{BB962C8B-B14F-4D97-AF65-F5344CB8AC3E}">
-        <p14:creationId xmlns:p14="http://schemas.microsoft.com/office/powerpoint/2010/main" val="233385886"/>
-      </p:ext>
-    </p:extLst>
-  </p:cSld>
-  <p:clrMapOvr>
-    <a:masterClrMapping/>
-  </p:clrMapOvr>
-</p:notes>
-</file>
-
-<file path=ppt/notesSlides/notesSlide19.xml><?xml version="1.0" encoding="utf-8"?>
-<p:notes xmlns:a="http://schemas.openxmlformats.org/drawingml/2006/main" xmlns:r="http://schemas.openxmlformats.org/officeDocument/2006/relationships" xmlns:p="http://schemas.openxmlformats.org/presentationml/2006/main">
-  <p:cSld>
-    <p:spTree>
-      <p:nvGrpSpPr>
-        <p:cNvPr id="1" name=""/>
-        <p:cNvGrpSpPr/>
-        <p:nvPr/>
-      </p:nvGrpSpPr>
-      <p:grpSpPr>
-        <a:xfrm>
-          <a:off x="0" y="0"/>
-          <a:ext cx="0" cy="0"/>
-          <a:chOff x="0" y="0"/>
-          <a:chExt cx="0" cy="0"/>
-        </a:xfrm>
-      </p:grpSpPr>
-      <p:sp>
-        <p:nvSpPr>
-          <p:cNvPr id="2" name="Slide Image Placeholder 1"/>
-          <p:cNvSpPr>
-            <a:spLocks noGrp="1" noRot="1" noChangeAspect="1"/>
-          </p:cNvSpPr>
-          <p:nvPr>
-            <p:ph type="sldImg"/>
-          </p:nvPr>
-        </p:nvSpPr>
-        <p:spPr/>
-      </p:sp>
-      <p:sp>
-        <p:nvSpPr>
-          <p:cNvPr id="3" name="Notes Placeholder 2"/>
-          <p:cNvSpPr>
-            <a:spLocks noGrp="1"/>
-          </p:cNvSpPr>
-          <p:nvPr>
-            <p:ph type="body" idx="1"/>
-          </p:nvPr>
-        </p:nvSpPr>
-        <p:spPr/>
-        <p:txBody>
-          <a:bodyPr/>
-          <a:lstStyle/>
-          <a:p>
-            <a:r>
-              <a:rPr lang="en-US" dirty="0"/>
-              <a:t>-Here is a better view of what that looks like to the user</a:t>
-            </a:r>
-          </a:p>
-          <a:p>
-            <a:endParaRPr lang="en-US" dirty="0"/>
-          </a:p>
-          <a:p>
-            <a:r>
-              <a:rPr lang="en-US" dirty="0"/>
-              <a:t>-Basically, I plan on encoding the current application state in the URL so that when a student wants to share what they are seeing on their screen with someone else they just need to copy the link</a:t>
-            </a:r>
-          </a:p>
-          <a:p>
-            <a:r>
-              <a:rPr lang="en-US" dirty="0"/>
-              <a:t>-Then when someone else opens that link they would be taken to the same county with all the same chart settings selected</a:t>
-            </a:r>
-          </a:p>
-        </p:txBody>
-      </p:sp>
-      <p:sp>
-        <p:nvSpPr>
-          <p:cNvPr id="4" name="Slide Number Placeholder 3"/>
-          <p:cNvSpPr>
-            <a:spLocks noGrp="1"/>
-          </p:cNvSpPr>
-          <p:nvPr>
-            <p:ph type="sldNum" sz="quarter" idx="5"/>
-          </p:nvPr>
-        </p:nvSpPr>
-        <p:spPr/>
-        <p:txBody>
-          <a:bodyPr/>
-          <a:lstStyle/>
-          <a:p>
-            <a:fld id="{30A9034F-20AE-4DE7-96BC-FDD871D2842E}" type="slidenum">
-              <a:rPr lang="en-US" smtClean="0"/>
-              <a:t>19</a:t>
-            </a:fld>
-            <a:endParaRPr lang="en-US"/>
-          </a:p>
-        </p:txBody>
-      </p:sp>
-    </p:spTree>
-    <p:extLst>
-      <p:ext uri="{BB962C8B-B14F-4D97-AF65-F5344CB8AC3E}">
-        <p14:creationId xmlns:p14="http://schemas.microsoft.com/office/powerpoint/2010/main" val="4118892811"/>
+        <p14:creationId xmlns:p14="http://schemas.microsoft.com/office/powerpoint/2010/main" val="2520786701"/>
       </p:ext>
     </p:extLst>
   </p:cSld>
@@ -2059,912 +1113,6 @@
     <p:extLst>
       <p:ext uri="{BB962C8B-B14F-4D97-AF65-F5344CB8AC3E}">
         <p14:creationId xmlns:p14="http://schemas.microsoft.com/office/powerpoint/2010/main" val="2730733977"/>
-      </p:ext>
-    </p:extLst>
-  </p:cSld>
-  <p:clrMapOvr>
-    <a:masterClrMapping/>
-  </p:clrMapOvr>
-</p:notes>
-</file>
-
-<file path=ppt/notesSlides/notesSlide20.xml><?xml version="1.0" encoding="utf-8"?>
-<p:notes xmlns:a="http://schemas.openxmlformats.org/drawingml/2006/main" xmlns:r="http://schemas.openxmlformats.org/officeDocument/2006/relationships" xmlns:p="http://schemas.openxmlformats.org/presentationml/2006/main">
-  <p:cSld>
-    <p:spTree>
-      <p:nvGrpSpPr>
-        <p:cNvPr id="1" name=""/>
-        <p:cNvGrpSpPr/>
-        <p:nvPr/>
-      </p:nvGrpSpPr>
-      <p:grpSpPr>
-        <a:xfrm>
-          <a:off x="0" y="0"/>
-          <a:ext cx="0" cy="0"/>
-          <a:chOff x="0" y="0"/>
-          <a:chExt cx="0" cy="0"/>
-        </a:xfrm>
-      </p:grpSpPr>
-      <p:sp>
-        <p:nvSpPr>
-          <p:cNvPr id="2" name="Slide Image Placeholder 1"/>
-          <p:cNvSpPr>
-            <a:spLocks noGrp="1" noRot="1" noChangeAspect="1"/>
-          </p:cNvSpPr>
-          <p:nvPr>
-            <p:ph type="sldImg"/>
-          </p:nvPr>
-        </p:nvSpPr>
-        <p:spPr/>
-      </p:sp>
-      <p:sp>
-        <p:nvSpPr>
-          <p:cNvPr id="3" name="Notes Placeholder 2"/>
-          <p:cNvSpPr>
-            <a:spLocks noGrp="1"/>
-          </p:cNvSpPr>
-          <p:nvPr>
-            <p:ph type="body" idx="1"/>
-          </p:nvPr>
-        </p:nvSpPr>
-        <p:spPr/>
-        <p:txBody>
-          <a:bodyPr/>
-          <a:lstStyle/>
-          <a:p>
-            <a:r>
-              <a:rPr lang="en-US" dirty="0"/>
-              <a:t>-Now I'm going to talk about how I would go about building this, starting with my data sources</a:t>
-            </a:r>
-          </a:p>
-          <a:p>
-            <a:r>
-              <a:rPr lang="en-US" dirty="0"/>
-              <a:t> -I evaluated several data sources for both COVID-19 and Weather data.</a:t>
-            </a:r>
-          </a:p>
-          <a:p>
-            <a:endParaRPr lang="en-US" dirty="0"/>
-          </a:p>
-          <a:p>
-            <a:r>
-              <a:rPr lang="en-US" dirty="0"/>
-              <a:t>-For COVID-19 data I decided on the New York Times dataset on GitHub</a:t>
-            </a:r>
-          </a:p>
-          <a:p>
-            <a:r>
-              <a:rPr lang="en-US" dirty="0"/>
-              <a:t>-Cumulative cases by county by day for all counties in US.</a:t>
-            </a:r>
-          </a:p>
-          <a:p>
-            <a:endParaRPr lang="en-US" dirty="0"/>
-          </a:p>
-          <a:p>
-            <a:r>
-              <a:rPr lang="en-US" dirty="0"/>
-              <a:t>-Weather</a:t>
-            </a:r>
-          </a:p>
-          <a:p>
-            <a:r>
-              <a:rPr lang="en-US" dirty="0"/>
-              <a:t>-For my weather data I decided on using an API from </a:t>
-            </a:r>
-            <a:r>
-              <a:rPr lang="en-US" dirty="0" err="1"/>
-              <a:t>WeatherSource</a:t>
-            </a:r>
-            <a:endParaRPr lang="en-US" dirty="0"/>
-          </a:p>
-          <a:p>
-            <a:r>
-              <a:rPr lang="en-US" dirty="0"/>
-              <a:t>-</a:t>
-            </a:r>
-            <a:r>
-              <a:rPr lang="en-US" dirty="0" err="1"/>
-              <a:t>WeatherSource</a:t>
-            </a:r>
-            <a:r>
-              <a:rPr lang="en-US" dirty="0"/>
-              <a:t> is a technology company that provides a suite of products that help businesses leverage weather and climate data</a:t>
-            </a:r>
-          </a:p>
-          <a:p>
-            <a:r>
-              <a:rPr lang="en-US" dirty="0"/>
-              <a:t>-On March 16th, 2020 </a:t>
-            </a:r>
-            <a:r>
-              <a:rPr lang="en-US" dirty="0" err="1"/>
-              <a:t>WeatherSource</a:t>
-            </a:r>
-            <a:r>
-              <a:rPr lang="en-US" dirty="0"/>
-              <a:t> opened up their API for free to any researchers exploring the relationship between weather and the COVID-19 pandemic</a:t>
-            </a:r>
-          </a:p>
-          <a:p>
-            <a:r>
-              <a:rPr lang="en-US" dirty="0"/>
-              <a:t>-One of their APIs allows you to query many different weather data points by location using latitude and longitude or a zip code along with a date range</a:t>
-            </a:r>
-          </a:p>
-          <a:p>
-            <a:r>
-              <a:rPr lang="en-US" dirty="0"/>
-              <a:t>-Data can be returned in an hourly or daily format</a:t>
-            </a:r>
-          </a:p>
-          <a:p>
-            <a:r>
-              <a:rPr lang="en-US" dirty="0"/>
-              <a:t>-For my purposes I will be querying average temperature, average relative humidity and average absolute humidity by </a:t>
-            </a:r>
-            <a:r>
-              <a:rPr lang="en-US" dirty="0" err="1"/>
-              <a:t>lat</a:t>
-            </a:r>
-            <a:r>
-              <a:rPr lang="en-US" dirty="0"/>
-              <a:t>/long and a date range where the </a:t>
-            </a:r>
-            <a:r>
-              <a:rPr lang="en-US" dirty="0" err="1"/>
-              <a:t>lat</a:t>
-            </a:r>
-            <a:r>
-              <a:rPr lang="en-US" dirty="0"/>
-              <a:t>/long will be the centroid of the county the user has selected</a:t>
-            </a:r>
-          </a:p>
-          <a:p>
-            <a:r>
-              <a:rPr lang="en-US" dirty="0"/>
-              <a:t>-Data returned in a daily format</a:t>
-            </a:r>
-          </a:p>
-        </p:txBody>
-      </p:sp>
-      <p:sp>
-        <p:nvSpPr>
-          <p:cNvPr id="4" name="Slide Number Placeholder 3"/>
-          <p:cNvSpPr>
-            <a:spLocks noGrp="1"/>
-          </p:cNvSpPr>
-          <p:nvPr>
-            <p:ph type="sldNum" sz="quarter" idx="5"/>
-          </p:nvPr>
-        </p:nvSpPr>
-        <p:spPr/>
-        <p:txBody>
-          <a:bodyPr/>
-          <a:lstStyle/>
-          <a:p>
-            <a:fld id="{30A9034F-20AE-4DE7-96BC-FDD871D2842E}" type="slidenum">
-              <a:rPr lang="en-US" smtClean="0"/>
-              <a:t>20</a:t>
-            </a:fld>
-            <a:endParaRPr lang="en-US"/>
-          </a:p>
-        </p:txBody>
-      </p:sp>
-    </p:spTree>
-    <p:extLst>
-      <p:ext uri="{BB962C8B-B14F-4D97-AF65-F5344CB8AC3E}">
-        <p14:creationId xmlns:p14="http://schemas.microsoft.com/office/powerpoint/2010/main" val="2506242287"/>
-      </p:ext>
-    </p:extLst>
-  </p:cSld>
-  <p:clrMapOvr>
-    <a:masterClrMapping/>
-  </p:clrMapOvr>
-</p:notes>
-</file>
-
-<file path=ppt/notesSlides/notesSlide21.xml><?xml version="1.0" encoding="utf-8"?>
-<p:notes xmlns:a="http://schemas.openxmlformats.org/drawingml/2006/main" xmlns:r="http://schemas.openxmlformats.org/officeDocument/2006/relationships" xmlns:p="http://schemas.openxmlformats.org/presentationml/2006/main">
-  <p:cSld>
-    <p:spTree>
-      <p:nvGrpSpPr>
-        <p:cNvPr id="1" name=""/>
-        <p:cNvGrpSpPr/>
-        <p:nvPr/>
-      </p:nvGrpSpPr>
-      <p:grpSpPr>
-        <a:xfrm>
-          <a:off x="0" y="0"/>
-          <a:ext cx="0" cy="0"/>
-          <a:chOff x="0" y="0"/>
-          <a:chExt cx="0" cy="0"/>
-        </a:xfrm>
-      </p:grpSpPr>
-      <p:sp>
-        <p:nvSpPr>
-          <p:cNvPr id="2" name="Slide Image Placeholder 1"/>
-          <p:cNvSpPr>
-            <a:spLocks noGrp="1" noRot="1" noChangeAspect="1"/>
-          </p:cNvSpPr>
-          <p:nvPr>
-            <p:ph type="sldImg"/>
-          </p:nvPr>
-        </p:nvSpPr>
-        <p:spPr/>
-      </p:sp>
-      <p:sp>
-        <p:nvSpPr>
-          <p:cNvPr id="3" name="Notes Placeholder 2"/>
-          <p:cNvSpPr>
-            <a:spLocks noGrp="1"/>
-          </p:cNvSpPr>
-          <p:nvPr>
-            <p:ph type="body" idx="1"/>
-          </p:nvPr>
-        </p:nvSpPr>
-        <p:spPr/>
-        <p:txBody>
-          <a:bodyPr/>
-          <a:lstStyle/>
-          <a:p>
-            <a:r>
-              <a:rPr lang="en-US" dirty="0"/>
-              <a:t>-The data from those sources will need a little bit of transformation for my purposes</a:t>
-            </a:r>
-          </a:p>
-          <a:p>
-            <a:endParaRPr lang="en-US" dirty="0"/>
-          </a:p>
-          <a:p>
-            <a:r>
-              <a:rPr lang="en-US" dirty="0"/>
-              <a:t>-For the COVID data,  I start with cumulative case counts by day for a county</a:t>
-            </a:r>
-          </a:p>
-          <a:p>
-            <a:r>
-              <a:rPr lang="en-US" dirty="0"/>
-              <a:t>-I need to end up with new infections by day for a county</a:t>
-            </a:r>
-          </a:p>
-          <a:p>
-            <a:r>
-              <a:rPr lang="en-US" dirty="0"/>
-              <a:t>-For any given day, subtract the cumulative case count for the previous day from the current day and you get new infections on that current day</a:t>
-            </a:r>
-          </a:p>
-          <a:p>
-            <a:r>
-              <a:rPr lang="en-US" dirty="0"/>
-              <a:t>-This can then be rolled up to a weekly or 7-day rolling average</a:t>
-            </a:r>
-          </a:p>
-          <a:p>
-            <a:endParaRPr lang="en-US" dirty="0"/>
-          </a:p>
-          <a:p>
-            <a:r>
-              <a:rPr lang="en-US" dirty="0"/>
-              <a:t>-For the Weather data, I start with the daily data points I need already</a:t>
-            </a:r>
-          </a:p>
-          <a:p>
-            <a:r>
-              <a:rPr lang="en-US" dirty="0"/>
-              <a:t>-Then I can convert them to weekly or 7-day rolling averages in the same way as the COVID-19 data</a:t>
-            </a:r>
-          </a:p>
-        </p:txBody>
-      </p:sp>
-      <p:sp>
-        <p:nvSpPr>
-          <p:cNvPr id="4" name="Slide Number Placeholder 3"/>
-          <p:cNvSpPr>
-            <a:spLocks noGrp="1"/>
-          </p:cNvSpPr>
-          <p:nvPr>
-            <p:ph type="sldNum" sz="quarter" idx="5"/>
-          </p:nvPr>
-        </p:nvSpPr>
-        <p:spPr/>
-        <p:txBody>
-          <a:bodyPr/>
-          <a:lstStyle/>
-          <a:p>
-            <a:fld id="{30A9034F-20AE-4DE7-96BC-FDD871D2842E}" type="slidenum">
-              <a:rPr lang="en-US" smtClean="0"/>
-              <a:t>21</a:t>
-            </a:fld>
-            <a:endParaRPr lang="en-US"/>
-          </a:p>
-        </p:txBody>
-      </p:sp>
-    </p:spTree>
-    <p:extLst>
-      <p:ext uri="{BB962C8B-B14F-4D97-AF65-F5344CB8AC3E}">
-        <p14:creationId xmlns:p14="http://schemas.microsoft.com/office/powerpoint/2010/main" val="4217234730"/>
-      </p:ext>
-    </p:extLst>
-  </p:cSld>
-  <p:clrMapOvr>
-    <a:masterClrMapping/>
-  </p:clrMapOvr>
-</p:notes>
-</file>
-
-<file path=ppt/notesSlides/notesSlide22.xml><?xml version="1.0" encoding="utf-8"?>
-<p:notes xmlns:a="http://schemas.openxmlformats.org/drawingml/2006/main" xmlns:r="http://schemas.openxmlformats.org/officeDocument/2006/relationships" xmlns:p="http://schemas.openxmlformats.org/presentationml/2006/main">
-  <p:cSld>
-    <p:spTree>
-      <p:nvGrpSpPr>
-        <p:cNvPr id="1" name=""/>
-        <p:cNvGrpSpPr/>
-        <p:nvPr/>
-      </p:nvGrpSpPr>
-      <p:grpSpPr>
-        <a:xfrm>
-          <a:off x="0" y="0"/>
-          <a:ext cx="0" cy="0"/>
-          <a:chOff x="0" y="0"/>
-          <a:chExt cx="0" cy="0"/>
-        </a:xfrm>
-      </p:grpSpPr>
-      <p:sp>
-        <p:nvSpPr>
-          <p:cNvPr id="2" name="Slide Image Placeholder 1"/>
-          <p:cNvSpPr>
-            <a:spLocks noGrp="1" noRot="1" noChangeAspect="1"/>
-          </p:cNvSpPr>
-          <p:nvPr>
-            <p:ph type="sldImg"/>
-          </p:nvPr>
-        </p:nvSpPr>
-        <p:spPr/>
-      </p:sp>
-      <p:sp>
-        <p:nvSpPr>
-          <p:cNvPr id="3" name="Notes Placeholder 2"/>
-          <p:cNvSpPr>
-            <a:spLocks noGrp="1"/>
-          </p:cNvSpPr>
-          <p:nvPr>
-            <p:ph type="body" idx="1"/>
-          </p:nvPr>
-        </p:nvSpPr>
-        <p:spPr/>
-        <p:txBody>
-          <a:bodyPr/>
-          <a:lstStyle/>
-          <a:p>
-            <a:r>
-              <a:rPr lang="en-US" dirty="0"/>
-              <a:t>-I plan on building my project in the cloud...no pun intended</a:t>
-            </a:r>
-          </a:p>
-          <a:p>
-            <a:r>
-              <a:rPr lang="en-US" dirty="0"/>
-              <a:t>-Azure offers a free student account</a:t>
-            </a:r>
-          </a:p>
-          <a:p>
-            <a:r>
-              <a:rPr lang="en-US" dirty="0"/>
-              <a:t>-Here are the Azure resources I think I will use</a:t>
-            </a:r>
-          </a:p>
-          <a:p>
-            <a:r>
-              <a:rPr lang="en-US" dirty="0"/>
-              <a:t>            -Azure App Service</a:t>
-            </a:r>
-          </a:p>
-          <a:p>
-            <a:r>
-              <a:rPr lang="en-US" dirty="0"/>
-              <a:t>                -To host an ASP.NET Core Web Application that will serve up an Angular frontend and provide API endpoints for serving up the COVID-19 and weather data</a:t>
-            </a:r>
-          </a:p>
-          <a:p>
-            <a:r>
-              <a:rPr lang="en-US" dirty="0"/>
-              <a:t>            -Azure SQL database</a:t>
-            </a:r>
-          </a:p>
-          <a:p>
-            <a:r>
-              <a:rPr lang="en-US" dirty="0"/>
-              <a:t>                -Loaded nightly or weekly with COVID-19 data from the New York Times dataset on </a:t>
-            </a:r>
-            <a:r>
-              <a:rPr lang="en-US" dirty="0" err="1"/>
-              <a:t>Github</a:t>
-            </a:r>
-            <a:endParaRPr lang="en-US" dirty="0"/>
-          </a:p>
-          <a:p>
-            <a:r>
-              <a:rPr lang="en-US" dirty="0"/>
-              <a:t>                -Used by API serving up COVID-19 data</a:t>
-            </a:r>
-          </a:p>
-          <a:p>
-            <a:r>
-              <a:rPr lang="en-US" dirty="0"/>
-              <a:t>            -Azure Function or </a:t>
-            </a:r>
-            <a:r>
-              <a:rPr lang="en-US" dirty="0" err="1"/>
-              <a:t>WebJob</a:t>
-            </a:r>
-            <a:r>
-              <a:rPr lang="en-US" dirty="0"/>
-              <a:t> inside App Service</a:t>
-            </a:r>
-          </a:p>
-          <a:p>
-            <a:r>
-              <a:rPr lang="en-US" dirty="0"/>
-              <a:t>                -For this nightly load I am currently trying to decide between a </a:t>
-            </a:r>
-            <a:r>
-              <a:rPr lang="en-US" dirty="0" err="1"/>
-              <a:t>WebJob</a:t>
-            </a:r>
-            <a:r>
-              <a:rPr lang="en-US" dirty="0"/>
-              <a:t> or an Azure Function, any help would be much appreciated</a:t>
-            </a:r>
-          </a:p>
-          <a:p>
-            <a:r>
-              <a:rPr lang="en-US" dirty="0"/>
-              <a:t>                -1.2 million rows of data, ~12 MB</a:t>
-            </a:r>
-          </a:p>
-          <a:p>
-            <a:r>
-              <a:rPr lang="en-US" dirty="0"/>
-              <a:t>                -Leaning towards Function</a:t>
-            </a:r>
-          </a:p>
-          <a:p>
-            <a:r>
-              <a:rPr lang="en-US" dirty="0"/>
-              <a:t>-Code repository hosted on GitHub with GitHub actions for CI/CD</a:t>
-            </a:r>
-          </a:p>
-        </p:txBody>
-      </p:sp>
-      <p:sp>
-        <p:nvSpPr>
-          <p:cNvPr id="4" name="Slide Number Placeholder 3"/>
-          <p:cNvSpPr>
-            <a:spLocks noGrp="1"/>
-          </p:cNvSpPr>
-          <p:nvPr>
-            <p:ph type="sldNum" sz="quarter" idx="5"/>
-          </p:nvPr>
-        </p:nvSpPr>
-        <p:spPr/>
-        <p:txBody>
-          <a:bodyPr/>
-          <a:lstStyle/>
-          <a:p>
-            <a:fld id="{30A9034F-20AE-4DE7-96BC-FDD871D2842E}" type="slidenum">
-              <a:rPr lang="en-US" smtClean="0"/>
-              <a:t>22</a:t>
-            </a:fld>
-            <a:endParaRPr lang="en-US"/>
-          </a:p>
-        </p:txBody>
-      </p:sp>
-    </p:spTree>
-    <p:extLst>
-      <p:ext uri="{BB962C8B-B14F-4D97-AF65-F5344CB8AC3E}">
-        <p14:creationId xmlns:p14="http://schemas.microsoft.com/office/powerpoint/2010/main" val="2581054658"/>
-      </p:ext>
-    </p:extLst>
-  </p:cSld>
-  <p:clrMapOvr>
-    <a:masterClrMapping/>
-  </p:clrMapOvr>
-</p:notes>
-</file>
-
-<file path=ppt/notesSlides/notesSlide23.xml><?xml version="1.0" encoding="utf-8"?>
-<p:notes xmlns:a="http://schemas.openxmlformats.org/drawingml/2006/main" xmlns:r="http://schemas.openxmlformats.org/officeDocument/2006/relationships" xmlns:p="http://schemas.openxmlformats.org/presentationml/2006/main">
-  <p:cSld>
-    <p:spTree>
-      <p:nvGrpSpPr>
-        <p:cNvPr id="1" name=""/>
-        <p:cNvGrpSpPr/>
-        <p:nvPr/>
-      </p:nvGrpSpPr>
-      <p:grpSpPr>
-        <a:xfrm>
-          <a:off x="0" y="0"/>
-          <a:ext cx="0" cy="0"/>
-          <a:chOff x="0" y="0"/>
-          <a:chExt cx="0" cy="0"/>
-        </a:xfrm>
-      </p:grpSpPr>
-      <p:sp>
-        <p:nvSpPr>
-          <p:cNvPr id="2" name="Slide Image Placeholder 1"/>
-          <p:cNvSpPr>
-            <a:spLocks noGrp="1" noRot="1" noChangeAspect="1"/>
-          </p:cNvSpPr>
-          <p:nvPr>
-            <p:ph type="sldImg"/>
-          </p:nvPr>
-        </p:nvSpPr>
-        <p:spPr/>
-      </p:sp>
-      <p:sp>
-        <p:nvSpPr>
-          <p:cNvPr id="3" name="Notes Placeholder 2"/>
-          <p:cNvSpPr>
-            <a:spLocks noGrp="1"/>
-          </p:cNvSpPr>
-          <p:nvPr>
-            <p:ph type="body" idx="1"/>
-          </p:nvPr>
-        </p:nvSpPr>
-        <p:spPr/>
-        <p:txBody>
-          <a:bodyPr/>
-          <a:lstStyle/>
-          <a:p>
-            <a:r>
-              <a:rPr lang="en-US" dirty="0"/>
-              <a:t>-Here is a rough timeline for the development tasks that I would need to do for this project</a:t>
-            </a:r>
-          </a:p>
-          <a:p>
-            <a:endParaRPr lang="en-US" dirty="0"/>
-          </a:p>
-          <a:p>
-            <a:r>
-              <a:rPr lang="en-US" dirty="0"/>
-              <a:t>-I will need to have it finished the week of July 22</a:t>
-            </a:r>
-            <a:r>
-              <a:rPr lang="en-US" baseline="30000" dirty="0"/>
-              <a:t>nd</a:t>
-            </a:r>
-            <a:r>
-              <a:rPr lang="en-US" dirty="0"/>
-              <a:t> because that is when I would need to be doing another presentation with the finished product in order to graduate on time</a:t>
-            </a:r>
-          </a:p>
-        </p:txBody>
-      </p:sp>
-      <p:sp>
-        <p:nvSpPr>
-          <p:cNvPr id="4" name="Slide Number Placeholder 3"/>
-          <p:cNvSpPr>
-            <a:spLocks noGrp="1"/>
-          </p:cNvSpPr>
-          <p:nvPr>
-            <p:ph type="sldNum" sz="quarter" idx="5"/>
-          </p:nvPr>
-        </p:nvSpPr>
-        <p:spPr/>
-        <p:txBody>
-          <a:bodyPr/>
-          <a:lstStyle/>
-          <a:p>
-            <a:fld id="{30A9034F-20AE-4DE7-96BC-FDD871D2842E}" type="slidenum">
-              <a:rPr lang="en-US" smtClean="0"/>
-              <a:t>23</a:t>
-            </a:fld>
-            <a:endParaRPr lang="en-US"/>
-          </a:p>
-        </p:txBody>
-      </p:sp>
-    </p:spTree>
-    <p:extLst>
-      <p:ext uri="{BB962C8B-B14F-4D97-AF65-F5344CB8AC3E}">
-        <p14:creationId xmlns:p14="http://schemas.microsoft.com/office/powerpoint/2010/main" val="262214469"/>
-      </p:ext>
-    </p:extLst>
-  </p:cSld>
-  <p:clrMapOvr>
-    <a:masterClrMapping/>
-  </p:clrMapOvr>
-</p:notes>
-</file>
-
-<file path=ppt/notesSlides/notesSlide24.xml><?xml version="1.0" encoding="utf-8"?>
-<p:notes xmlns:a="http://schemas.openxmlformats.org/drawingml/2006/main" xmlns:r="http://schemas.openxmlformats.org/officeDocument/2006/relationships" xmlns:p="http://schemas.openxmlformats.org/presentationml/2006/main">
-  <p:cSld>
-    <p:spTree>
-      <p:nvGrpSpPr>
-        <p:cNvPr id="1" name=""/>
-        <p:cNvGrpSpPr/>
-        <p:nvPr/>
-      </p:nvGrpSpPr>
-      <p:grpSpPr>
-        <a:xfrm>
-          <a:off x="0" y="0"/>
-          <a:ext cx="0" cy="0"/>
-          <a:chOff x="0" y="0"/>
-          <a:chExt cx="0" cy="0"/>
-        </a:xfrm>
-      </p:grpSpPr>
-      <p:sp>
-        <p:nvSpPr>
-          <p:cNvPr id="2" name="Slide Image Placeholder 1"/>
-          <p:cNvSpPr>
-            <a:spLocks noGrp="1" noRot="1" noChangeAspect="1"/>
-          </p:cNvSpPr>
-          <p:nvPr>
-            <p:ph type="sldImg"/>
-          </p:nvPr>
-        </p:nvSpPr>
-        <p:spPr/>
-      </p:sp>
-      <p:sp>
-        <p:nvSpPr>
-          <p:cNvPr id="3" name="Notes Placeholder 2"/>
-          <p:cNvSpPr>
-            <a:spLocks noGrp="1"/>
-          </p:cNvSpPr>
-          <p:nvPr>
-            <p:ph type="body" idx="1"/>
-          </p:nvPr>
-        </p:nvSpPr>
-        <p:spPr/>
-        <p:txBody>
-          <a:bodyPr/>
-          <a:lstStyle/>
-          <a:p>
-            <a:r>
-              <a:rPr lang="en-US" dirty="0"/>
-              <a:t>-In summary, I propose building a visualization tool that would allow a user to investigate weather's role in the pandemic with the goal of engaging students in a real world scientific debate where they would be expected to follow the scientific process and think critically about what they might find.</a:t>
-            </a:r>
-          </a:p>
-          <a:p>
-            <a:endParaRPr lang="en-US" dirty="0"/>
-          </a:p>
-        </p:txBody>
-      </p:sp>
-      <p:sp>
-        <p:nvSpPr>
-          <p:cNvPr id="4" name="Slide Number Placeholder 3"/>
-          <p:cNvSpPr>
-            <a:spLocks noGrp="1"/>
-          </p:cNvSpPr>
-          <p:nvPr>
-            <p:ph type="sldNum" sz="quarter" idx="5"/>
-          </p:nvPr>
-        </p:nvSpPr>
-        <p:spPr/>
-        <p:txBody>
-          <a:bodyPr/>
-          <a:lstStyle/>
-          <a:p>
-            <a:fld id="{30A9034F-20AE-4DE7-96BC-FDD871D2842E}" type="slidenum">
-              <a:rPr lang="en-US" smtClean="0"/>
-              <a:t>24</a:t>
-            </a:fld>
-            <a:endParaRPr lang="en-US"/>
-          </a:p>
-        </p:txBody>
-      </p:sp>
-    </p:spTree>
-    <p:extLst>
-      <p:ext uri="{BB962C8B-B14F-4D97-AF65-F5344CB8AC3E}">
-        <p14:creationId xmlns:p14="http://schemas.microsoft.com/office/powerpoint/2010/main" val="1028693832"/>
-      </p:ext>
-    </p:extLst>
-  </p:cSld>
-  <p:clrMapOvr>
-    <a:masterClrMapping/>
-  </p:clrMapOvr>
-</p:notes>
-</file>
-
-<file path=ppt/notesSlides/notesSlide25.xml><?xml version="1.0" encoding="utf-8"?>
-<p:notes xmlns:a="http://schemas.openxmlformats.org/drawingml/2006/main" xmlns:r="http://schemas.openxmlformats.org/officeDocument/2006/relationships" xmlns:p="http://schemas.openxmlformats.org/presentationml/2006/main">
-  <p:cSld>
-    <p:spTree>
-      <p:nvGrpSpPr>
-        <p:cNvPr id="1" name=""/>
-        <p:cNvGrpSpPr/>
-        <p:nvPr/>
-      </p:nvGrpSpPr>
-      <p:grpSpPr>
-        <a:xfrm>
-          <a:off x="0" y="0"/>
-          <a:ext cx="0" cy="0"/>
-          <a:chOff x="0" y="0"/>
-          <a:chExt cx="0" cy="0"/>
-        </a:xfrm>
-      </p:grpSpPr>
-      <p:sp>
-        <p:nvSpPr>
-          <p:cNvPr id="2" name="Slide Image Placeholder 1"/>
-          <p:cNvSpPr>
-            <a:spLocks noGrp="1" noRot="1" noChangeAspect="1"/>
-          </p:cNvSpPr>
-          <p:nvPr>
-            <p:ph type="sldImg"/>
-          </p:nvPr>
-        </p:nvSpPr>
-        <p:spPr/>
-      </p:sp>
-      <p:sp>
-        <p:nvSpPr>
-          <p:cNvPr id="3" name="Notes Placeholder 2"/>
-          <p:cNvSpPr>
-            <a:spLocks noGrp="1"/>
-          </p:cNvSpPr>
-          <p:nvPr>
-            <p:ph type="body" idx="1"/>
-          </p:nvPr>
-        </p:nvSpPr>
-        <p:spPr/>
-        <p:txBody>
-          <a:bodyPr/>
-          <a:lstStyle/>
-          <a:p>
-            <a:r>
-              <a:rPr lang="en-US" dirty="0"/>
-              <a:t>-Before I open it up to everyone for questions I would actually like to discuss 2 questions I received from Dr Ricks on my graduate committee because they’re really good questions</a:t>
-            </a:r>
-          </a:p>
-          <a:p>
-            <a:endParaRPr lang="en-US" dirty="0"/>
-          </a:p>
-          <a:p>
-            <a:r>
-              <a:rPr lang="en-US" dirty="0"/>
-              <a:t>-'If researchers have found that the relationship between weather and COVID spread is low, what do you think the middle school students will conclude?’</a:t>
-            </a:r>
-          </a:p>
-          <a:p>
-            <a:endParaRPr lang="en-US" dirty="0"/>
-          </a:p>
-          <a:p>
-            <a:r>
-              <a:rPr lang="en-US" dirty="0"/>
-              <a:t>-My project is not really about what a user might find</a:t>
-            </a:r>
-          </a:p>
-          <a:p>
-            <a:r>
-              <a:rPr lang="en-US" dirty="0"/>
-              <a:t>-The real purpose of building this tool is to enable a classroom activity that engages students by having them follow the scientific process and think critically</a:t>
-            </a:r>
-          </a:p>
-          <a:p>
-            <a:r>
-              <a:rPr lang="en-US" dirty="0"/>
-              <a:t>-We want the students to think critically about what they are seeing in this tool and more specifically what they are not seeing</a:t>
-            </a:r>
-          </a:p>
-          <a:p>
-            <a:endParaRPr lang="en-US" dirty="0"/>
-          </a:p>
-          <a:p>
-            <a:r>
-              <a:rPr lang="en-US" dirty="0"/>
-              <a:t>-It is very plausible that students could go to a county and see what they think is a strong correlation between weather and COVID-19 infection rates</a:t>
-            </a:r>
-          </a:p>
-          <a:p>
-            <a:r>
-              <a:rPr lang="en-US" dirty="0"/>
-              <a:t>-We want them to be challenged to think about what else could be causing this? What am I not seeing?</a:t>
-            </a:r>
-          </a:p>
-          <a:p>
-            <a:r>
-              <a:rPr lang="en-US" dirty="0"/>
-              <a:t>-For instance, what local policies were enacted in this county and when? What's the mobility index for this county across this date range?</a:t>
-            </a:r>
-          </a:p>
-          <a:p>
-            <a:endParaRPr lang="en-US" dirty="0"/>
-          </a:p>
-          <a:p>
-            <a:r>
-              <a:rPr lang="en-US" dirty="0"/>
-              <a:t>-This same learning opportunity actually applies to adults as well</a:t>
-            </a:r>
-          </a:p>
-          <a:p>
-            <a:r>
-              <a:rPr lang="en-US" dirty="0"/>
-              <a:t>-How many data visualizations do we see in the news or on social media?</a:t>
-            </a:r>
-          </a:p>
-          <a:p>
-            <a:r>
-              <a:rPr lang="en-US" dirty="0"/>
-              <a:t>-Thinking critically about what those are showing you as well as what they’re not showing you is just as important for us adults as it is middle school students</a:t>
-            </a:r>
-          </a:p>
-          <a:p>
-            <a:endParaRPr lang="en-US" dirty="0"/>
-          </a:p>
-          <a:p>
-            <a:r>
-              <a:rPr lang="en-US" dirty="0"/>
-              <a:t>-So in a way we're pushing a lot of responsibility outside of the tool because it allowed us to scope my project to a limited set of concerns, weather and COVID-19</a:t>
-            </a:r>
-          </a:p>
-          <a:p>
-            <a:r>
-              <a:rPr lang="en-US" dirty="0"/>
-              <a:t>-It would be nearly impossible to create a tool that truly explained COVID-19 infection rates because there’s an infinite number of variables to consider</a:t>
-            </a:r>
-          </a:p>
-          <a:p>
-            <a:endParaRPr lang="en-US" dirty="0"/>
-          </a:p>
-          <a:p>
-            <a:endParaRPr lang="en-US" dirty="0"/>
-          </a:p>
-          <a:p>
-            <a:endParaRPr lang="en-US" dirty="0"/>
-          </a:p>
-          <a:p>
-            <a:r>
-              <a:rPr lang="en-US" dirty="0"/>
-              <a:t>-'Do you have any thoughts about how to determine if the project accomplished the goal of student learning?’</a:t>
-            </a:r>
-          </a:p>
-          <a:p>
-            <a:r>
-              <a:rPr lang="en-US" dirty="0"/>
-              <a:t>-The right way to validate this tool would be through usability studies where we actually create a classroom activity and put it in front of real students in a classroom</a:t>
-            </a:r>
-          </a:p>
-          <a:p>
-            <a:r>
-              <a:rPr lang="en-US" dirty="0"/>
-              <a:t>-However, for the purposes of my capstone project and due to time constraints that will be out of scope</a:t>
-            </a:r>
-          </a:p>
-          <a:p>
-            <a:r>
-              <a:rPr lang="en-US" dirty="0"/>
-              <a:t>-My definition of success for this project will be if it is ready for usability testing in a real classroom context</a:t>
-            </a:r>
-          </a:p>
-        </p:txBody>
-      </p:sp>
-      <p:sp>
-        <p:nvSpPr>
-          <p:cNvPr id="4" name="Slide Number Placeholder 3"/>
-          <p:cNvSpPr>
-            <a:spLocks noGrp="1"/>
-          </p:cNvSpPr>
-          <p:nvPr>
-            <p:ph type="sldNum" sz="quarter" idx="5"/>
-          </p:nvPr>
-        </p:nvSpPr>
-        <p:spPr/>
-        <p:txBody>
-          <a:bodyPr/>
-          <a:lstStyle/>
-          <a:p>
-            <a:fld id="{30A9034F-20AE-4DE7-96BC-FDD871D2842E}" type="slidenum">
-              <a:rPr lang="en-US" smtClean="0"/>
-              <a:t>25</a:t>
-            </a:fld>
-            <a:endParaRPr lang="en-US"/>
-          </a:p>
-        </p:txBody>
-      </p:sp>
-    </p:spTree>
-    <p:extLst>
-      <p:ext uri="{BB962C8B-B14F-4D97-AF65-F5344CB8AC3E}">
-        <p14:creationId xmlns:p14="http://schemas.microsoft.com/office/powerpoint/2010/main" val="2520786701"/>
       </p:ext>
     </p:extLst>
   </p:cSld>
@@ -3176,7 +1324,7 @@
           <a:p>
             <a:r>
               <a:rPr lang="en-US" dirty="0"/>
-              <a:t>-In order to start figuring out what my visualization might look like I looked at 3 existing COVID-19 data visualizations</a:t>
+              <a:t>-My proposed project is a visualization tool that would allow a user to look into this relationship between weather variables and COVID-19 transmission</a:t>
             </a:r>
           </a:p>
           <a:p>
@@ -3185,23 +1333,68 @@
           <a:p>
             <a:r>
               <a:rPr lang="en-US" dirty="0"/>
-              <a:t>-John Hopkins</a:t>
-            </a:r>
-          </a:p>
-          <a:p>
-            <a:r>
-              <a:rPr lang="en-US" dirty="0"/>
-              <a:t>-The COVID Tracking Project by The Atlantic</a:t>
-            </a:r>
-          </a:p>
-          <a:p>
-            <a:r>
-              <a:rPr lang="en-US" dirty="0"/>
-              <a:t>-The Institute for Health Metrics and Evaluation (IHME) at the University of Washington</a:t>
+              <a:t>-What we have going on right now is an open scientific debate around weather's role in the pandemic</a:t>
+            </a:r>
+          </a:p>
+          <a:p>
+            <a:r>
+              <a:rPr lang="en-US" dirty="0"/>
+              <a:t>-This presents a unique opportunity to engage students which is why the target user for my tool would be a middle school scientist</a:t>
+            </a:r>
+          </a:p>
+          <a:p>
+            <a:r>
+              <a:rPr lang="en-US" dirty="0"/>
+              <a:t>-A tool like this could be used in a classroom activity where students are tasked with the same question of investigating weather's role in the pandemic</a:t>
             </a:r>
           </a:p>
           <a:p>
             <a:endParaRPr lang="en-US" dirty="0"/>
+          </a:p>
+          <a:p>
+            <a:r>
+              <a:rPr lang="en-US" dirty="0"/>
+              <a:t>-Students would be expected to follow the scientific process of creating their own hypothesis and then gathering evidence to support a conclusion</a:t>
+            </a:r>
+          </a:p>
+          <a:p>
+            <a:r>
+              <a:rPr lang="en-US" dirty="0"/>
+              <a:t>-My tool would help them gather that evidence</a:t>
+            </a:r>
+          </a:p>
+          <a:p>
+            <a:r>
+              <a:rPr lang="en-US" dirty="0"/>
+              <a:t>-Students would be expected to think critically about the limitations of what they might see in the tool and what conclusions can or cannot be drawn based on what they find</a:t>
+            </a:r>
+          </a:p>
+          <a:p>
+            <a:endParaRPr lang="en-US" dirty="0"/>
+          </a:p>
+          <a:p>
+            <a:r>
+              <a:rPr lang="en-US" dirty="0"/>
+              <a:t>-In 2018 there was a study done that looked at data use by middle and secondary school students (Lee, et. al., 2018)</a:t>
+            </a:r>
+          </a:p>
+          <a:p>
+            <a:r>
+              <a:rPr lang="en-US" dirty="0"/>
+              <a:t>-One thing they looked at was how teachers can best support students working with data</a:t>
+            </a:r>
+          </a:p>
+          <a:p>
+            <a:r>
+              <a:rPr lang="en-US" dirty="0"/>
+              <a:t>-One of their recommendations was that data should be leveraged in the classroom in the context of meaningful scientific pursuits</a:t>
+            </a:r>
+          </a:p>
+          <a:p>
+            <a:r>
+              <a:rPr lang="en-US" dirty="0"/>
+              <a:t>-My tool falls right in line with this recommendation because students would be asked to participate in this open scientific debate</a:t>
+            </a:r>
           </a:p>
         </p:txBody>
       </p:sp>
@@ -3231,7 +1424,7 @@
     </p:spTree>
     <p:extLst>
       <p:ext uri="{BB962C8B-B14F-4D97-AF65-F5344CB8AC3E}">
-        <p14:creationId xmlns:p14="http://schemas.microsoft.com/office/powerpoint/2010/main" val="1368274727"/>
+        <p14:creationId xmlns:p14="http://schemas.microsoft.com/office/powerpoint/2010/main" val="339460122"/>
       </p:ext>
     </p:extLst>
   </p:cSld>
@@ -3287,38 +1480,117 @@
           <a:p>
             <a:r>
               <a:rPr lang="en-US" dirty="0"/>
-              <a:t>-I evaluated them along 4 dimensions in order to compare and contrast them with what I might want to do:</a:t>
-            </a:r>
-          </a:p>
-          <a:p>
+              <a:t>-Now I'm going to talk about how I ended up building this tool.</a:t>
+            </a:r>
+          </a:p>
+          <a:p>
+            <a:r>
+              <a:rPr lang="en-US" dirty="0"/>
+              <a:t>-From a high level, I pretty much implemented everything exactly as I had planned it in my initial proposal</a:t>
+            </a:r>
+          </a:p>
+          <a:p>
+            <a:r>
+              <a:rPr lang="en-US" dirty="0"/>
+              <a:t>-COVID</a:t>
+            </a:r>
+          </a:p>
+          <a:p>
+            <a:r>
+              <a:rPr lang="en-US" dirty="0"/>
+              <a:t>    -For COVID-19 data I decided on the New York Times dataset on GitHub</a:t>
+            </a:r>
+          </a:p>
+          <a:p>
+            <a:r>
+              <a:rPr lang="en-US" dirty="0"/>
+              <a:t>    -Cumulative cases by county by day for all counties in US.</a:t>
+            </a:r>
+          </a:p>
+          <a:p>
+            <a:r>
+              <a:rPr lang="en-US" dirty="0"/>
+              <a:t>-Weather</a:t>
+            </a:r>
+          </a:p>
+          <a:p>
+            <a:r>
+              <a:rPr lang="en-US" dirty="0"/>
+              <a:t>    -For my weather data I decided on using an API from </a:t>
+            </a:r>
+            <a:r>
+              <a:rPr lang="en-US" dirty="0" err="1"/>
+              <a:t>WeatherSource</a:t>
+            </a:r>
             <a:endParaRPr lang="en-US" dirty="0"/>
           </a:p>
           <a:p>
             <a:r>
               <a:rPr lang="en-US" dirty="0"/>
-              <a:t>-How granular is the data?</a:t>
-            </a:r>
-          </a:p>
-          <a:p>
-            <a:r>
-              <a:rPr lang="en-US" dirty="0"/>
-              <a:t>-Which COVID-19 data points are used?</a:t>
-            </a:r>
-          </a:p>
-          <a:p>
-            <a:r>
-              <a:rPr lang="en-US" dirty="0"/>
-              <a:t>-Do they provide any spatial view?</a:t>
-            </a:r>
-          </a:p>
-          <a:p>
-            <a:r>
-              <a:rPr lang="en-US" dirty="0"/>
-              <a:t>-How configurable are they?</a:t>
-            </a:r>
-          </a:p>
-          <a:p>
-            <a:endParaRPr lang="en-US" dirty="0"/>
+              <a:t>    -</a:t>
+            </a:r>
+            <a:r>
+              <a:rPr lang="en-US" dirty="0" err="1"/>
+              <a:t>WeatherSource</a:t>
+            </a:r>
+            <a:r>
+              <a:rPr lang="en-US" dirty="0"/>
+              <a:t> is a technology company that provides a suite of products that help businesses leverage weather and climate data</a:t>
+            </a:r>
+          </a:p>
+          <a:p>
+            <a:r>
+              <a:rPr lang="en-US" dirty="0"/>
+              <a:t>    -On March 16th, 2020 </a:t>
+            </a:r>
+            <a:r>
+              <a:rPr lang="en-US" dirty="0" err="1"/>
+              <a:t>WeatherSource</a:t>
+            </a:r>
+            <a:r>
+              <a:rPr lang="en-US" dirty="0"/>
+              <a:t> opened up their API for free to any researchers exploring the relationship between weather and the COVID-19 pandemic</a:t>
+            </a:r>
+          </a:p>
+          <a:p>
+            <a:r>
+              <a:rPr lang="en-US" dirty="0"/>
+              <a:t>    -One of their APIs allows you to query many different weather data points by location using latitude and longitude or a zip code along with a date range</a:t>
+            </a:r>
+          </a:p>
+          <a:p>
+            <a:r>
+              <a:rPr lang="en-US" dirty="0"/>
+              <a:t>    -Data can be returned in an hourly or daily format</a:t>
+            </a:r>
+          </a:p>
+          <a:p>
+            <a:r>
+              <a:rPr lang="en-US" dirty="0"/>
+              <a:t>    -For my purposes I am querying average temperature, average relative humidity and average absolute humidity by </a:t>
+            </a:r>
+            <a:r>
+              <a:rPr lang="en-US" dirty="0" err="1"/>
+              <a:t>lat</a:t>
+            </a:r>
+            <a:r>
+              <a:rPr lang="en-US" dirty="0"/>
+              <a:t>/long and a date range where the </a:t>
+            </a:r>
+            <a:r>
+              <a:rPr lang="en-US" dirty="0" err="1"/>
+              <a:t>lat</a:t>
+            </a:r>
+            <a:r>
+              <a:rPr lang="en-US" dirty="0"/>
+              <a:t>/long is the centroid of the county the user has selected</a:t>
+            </a:r>
+          </a:p>
+          <a:p>
+            <a:r>
+              <a:rPr lang="en-US" dirty="0"/>
+              <a:t>    -Data returned in a daily format</a:t>
+            </a:r>
           </a:p>
         </p:txBody>
       </p:sp>
@@ -3348,7 +1620,7 @@
     </p:spTree>
     <p:extLst>
       <p:ext uri="{BB962C8B-B14F-4D97-AF65-F5344CB8AC3E}">
-        <p14:creationId xmlns:p14="http://schemas.microsoft.com/office/powerpoint/2010/main" val="65292429"/>
+        <p14:creationId xmlns:p14="http://schemas.microsoft.com/office/powerpoint/2010/main" val="2506242287"/>
       </p:ext>
     </p:extLst>
   </p:cSld>
@@ -3404,7 +1676,7 @@
           <a:p>
             <a:r>
               <a:rPr lang="en-US" dirty="0"/>
-              <a:t>-Only 1 had COVID-19 data granularity at the county level, the rest were at the state or country level</a:t>
+              <a:t>-The data from those sources will need a little bit of transformation for my purposes</a:t>
             </a:r>
           </a:p>
           <a:p>
@@ -3413,7 +1685,40 @@
           <a:p>
             <a:r>
               <a:rPr lang="en-US" dirty="0"/>
-              <a:t>-Given that weather can vary greatly across any state the location granularity becomes much more important which is why I will use county level COVID-19 data</a:t>
+              <a:t>-For the COVID data,  I start with cumulative case counts by day for a county</a:t>
+            </a:r>
+          </a:p>
+          <a:p>
+            <a:r>
+              <a:rPr lang="en-US" dirty="0"/>
+              <a:t>-I need to end up with new infections by day for a county</a:t>
+            </a:r>
+          </a:p>
+          <a:p>
+            <a:r>
+              <a:rPr lang="en-US" dirty="0"/>
+              <a:t>-For any given day, subtract the cumulative case count for the previous day from the current day and you get new infections on that current day</a:t>
+            </a:r>
+          </a:p>
+          <a:p>
+            <a:r>
+              <a:rPr lang="en-US" dirty="0"/>
+              <a:t>-This can then be rolled up to a weekly or 7-day rolling average</a:t>
+            </a:r>
+          </a:p>
+          <a:p>
+            <a:endParaRPr lang="en-US" dirty="0"/>
+          </a:p>
+          <a:p>
+            <a:r>
+              <a:rPr lang="en-US" dirty="0"/>
+              <a:t>-For the Weather data, I start with the daily data points I need already</a:t>
+            </a:r>
+          </a:p>
+          <a:p>
+            <a:r>
+              <a:rPr lang="en-US" dirty="0"/>
+              <a:t>-Then I can convert them to weekly or 7-day rolling averages in the same way as the COVID-19 data</a:t>
             </a:r>
           </a:p>
         </p:txBody>
@@ -3444,7 +1749,7 @@
     </p:spTree>
     <p:extLst>
       <p:ext uri="{BB962C8B-B14F-4D97-AF65-F5344CB8AC3E}">
-        <p14:creationId xmlns:p14="http://schemas.microsoft.com/office/powerpoint/2010/main" val="2449352081"/>
+        <p14:creationId xmlns:p14="http://schemas.microsoft.com/office/powerpoint/2010/main" val="4217234730"/>
       </p:ext>
     </p:extLst>
   </p:cSld>
@@ -3500,16 +1805,43 @@
           <a:p>
             <a:r>
               <a:rPr lang="en-US" dirty="0"/>
-              <a:t>-All of them used similar COVID-19 data points</a:t>
-            </a:r>
-          </a:p>
-          <a:p>
-            <a:endParaRPr lang="en-US" dirty="0"/>
-          </a:p>
-          <a:p>
-            <a:r>
-              <a:rPr lang="en-US" dirty="0"/>
-              <a:t>-For my purposes I will be using confirmed cases</a:t>
+              <a:t>-My tool is hosted in Azure using a few different Azure resources</a:t>
+            </a:r>
+          </a:p>
+          <a:p>
+            <a:r>
+              <a:rPr lang="en-US" dirty="0"/>
+              <a:t>    -Azure Function</a:t>
+            </a:r>
+          </a:p>
+          <a:p>
+            <a:r>
+              <a:rPr lang="en-US" dirty="0"/>
+              <a:t>        -I am using an Azure Function App for loading the COVID-19 data from the dataset from the New York Times hosted on GitHub. This data is in a CSV format on GitHub.</a:t>
+            </a:r>
+          </a:p>
+          <a:p>
+            <a:r>
+              <a:rPr lang="en-US" dirty="0"/>
+              <a:t>    -Azure SQL database</a:t>
+            </a:r>
+          </a:p>
+          <a:p>
+            <a:r>
+              <a:rPr lang="en-US" dirty="0"/>
+              <a:t>        -I am using an Azure SQL Database for housing the COVID-19 data that I pull from the New York Times dataset.</a:t>
+            </a:r>
+          </a:p>
+          <a:p>
+            <a:r>
+              <a:rPr lang="en-US" dirty="0"/>
+              <a:t>    -Azure App Service</a:t>
+            </a:r>
+          </a:p>
+          <a:p>
+            <a:r>
+              <a:rPr lang="en-US" dirty="0"/>
+              <a:t>        -I am using an Azure App Service for serving up the Angular Application as well as providing several API endpoints for the weather and COVID-19 data.</a:t>
             </a:r>
           </a:p>
         </p:txBody>
@@ -3540,7 +1872,7 @@
     </p:spTree>
     <p:extLst>
       <p:ext uri="{BB962C8B-B14F-4D97-AF65-F5344CB8AC3E}">
-        <p14:creationId xmlns:p14="http://schemas.microsoft.com/office/powerpoint/2010/main" val="93307688"/>
+        <p14:creationId xmlns:p14="http://schemas.microsoft.com/office/powerpoint/2010/main" val="2581054658"/>
       </p:ext>
     </p:extLst>
   </p:cSld>
@@ -3596,17 +1928,29 @@
           <a:p>
             <a:r>
               <a:rPr lang="en-US" dirty="0"/>
-              <a:t>-All of them provided a spatial or map based view of the data</a:t>
+              <a:t>- I am leveraging GitHub for a few different things</a:t>
+            </a:r>
+          </a:p>
+          <a:p>
+            <a:r>
+              <a:rPr lang="en-US" dirty="0"/>
+              <a:t>- I am using it for source control.</a:t>
+            </a:r>
+          </a:p>
+          <a:p>
+            <a:r>
+              <a:rPr lang="en-US" dirty="0"/>
+              <a:t>- I am using GitHub actions for CI/CD</a:t>
+            </a:r>
+          </a:p>
+          <a:p>
+            <a:r>
+              <a:rPr lang="en-US" dirty="0"/>
+              <a:t>- I am using a GitHub Project board for tracking user stories and bugs</a:t>
             </a:r>
           </a:p>
           <a:p>
             <a:endParaRPr lang="en-US" dirty="0"/>
-          </a:p>
-          <a:p>
-            <a:r>
-              <a:rPr lang="en-US" dirty="0"/>
-              <a:t>-Since weather and COVID-19 data has a spatial component a spatial view for my visualization would be warranted</a:t>
-            </a:r>
           </a:p>
         </p:txBody>
       </p:sp>
@@ -3636,7 +1980,7 @@
     </p:spTree>
     <p:extLst>
       <p:ext uri="{BB962C8B-B14F-4D97-AF65-F5344CB8AC3E}">
-        <p14:creationId xmlns:p14="http://schemas.microsoft.com/office/powerpoint/2010/main" val="3346392225"/>
+        <p14:creationId xmlns:p14="http://schemas.microsoft.com/office/powerpoint/2010/main" val="3773738669"/>
       </p:ext>
     </p:extLst>
   </p:cSld>
@@ -3692,7 +2036,7 @@
           <a:p>
             <a:r>
               <a:rPr lang="en-US" dirty="0"/>
-              <a:t>-Varying levels of configurability in these visualizations</a:t>
+              <a:t>-Now I am going to talk about some of the limitations in the current implementation and opportunities for future work.</a:t>
             </a:r>
           </a:p>
           <a:p>
@@ -3701,7 +2045,83 @@
           <a:p>
             <a:r>
               <a:rPr lang="en-US" dirty="0"/>
-              <a:t>-I will offer a high level of configurability in my visualization in order to allow the user to visualize the data in a few different ways</a:t>
+              <a:t>-The next thing that probably needs to be done for this project is to do some usability testing by getting it in front of real students.</a:t>
+            </a:r>
+          </a:p>
+          <a:p>
+            <a:r>
+              <a:rPr lang="en-US" dirty="0"/>
+              <a:t>-This could be done with a classroom study with a middle school science class where they are given an activity that involves using the tool.</a:t>
+            </a:r>
+          </a:p>
+          <a:p>
+            <a:r>
+              <a:rPr lang="en-US" dirty="0"/>
+              <a:t>-An eye tracking study to see how people are reasoning about the data might be useful as well.</a:t>
+            </a:r>
+          </a:p>
+          <a:p>
+            <a:endParaRPr lang="en-US" dirty="0"/>
+          </a:p>
+          <a:p>
+            <a:r>
+              <a:rPr lang="en-US" dirty="0"/>
+              <a:t>-One limitation of the current implementation is that weather data is continuous but I represent it as discrete</a:t>
+            </a:r>
+          </a:p>
+          <a:p>
+            <a:r>
+              <a:rPr lang="en-US" dirty="0"/>
+              <a:t>-I am using the centroid of each county in order to sample the weather data</a:t>
+            </a:r>
+          </a:p>
+          <a:p>
+            <a:r>
+              <a:rPr lang="en-US" dirty="0"/>
+              <a:t>-This is a rough approximation and gets less accurate the bigger the county is</a:t>
+            </a:r>
+          </a:p>
+          <a:p>
+            <a:r>
+              <a:rPr lang="en-US" dirty="0"/>
+              <a:t>-A more accurate representation of this data would be a good opportunity for future work</a:t>
+            </a:r>
+          </a:p>
+          <a:p>
+            <a:endParaRPr lang="en-US" dirty="0"/>
+          </a:p>
+          <a:p>
+            <a:r>
+              <a:rPr lang="en-US" dirty="0"/>
+              <a:t>-Another opportunity for future work is to better capture the spatial component of the data</a:t>
+            </a:r>
+          </a:p>
+          <a:p>
+            <a:r>
+              <a:rPr lang="en-US" dirty="0"/>
+              <a:t>-Both weather and COVID data have a spatial component</a:t>
+            </a:r>
+          </a:p>
+          <a:p>
+            <a:r>
+              <a:rPr lang="en-US" dirty="0"/>
+              <a:t>-Currently the application only shows you data from one county at a time</a:t>
+            </a:r>
+          </a:p>
+          <a:p>
+            <a:r>
+              <a:rPr lang="en-US" dirty="0"/>
+              <a:t>-This makes it difficult to understand how the data might differ by location</a:t>
+            </a:r>
+          </a:p>
+          <a:p>
+            <a:r>
+              <a:rPr lang="en-US"/>
+              <a:t>-</a:t>
+            </a:r>
+            <a:r>
+              <a:rPr lang="en-US" dirty="0"/>
+              <a:t>Allowing users to see data from multiple counties would be a good next step</a:t>
             </a:r>
           </a:p>
         </p:txBody>
@@ -3732,7 +2152,7 @@
     </p:spTree>
     <p:extLst>
       <p:ext uri="{BB962C8B-B14F-4D97-AF65-F5344CB8AC3E}">
-        <p14:creationId xmlns:p14="http://schemas.microsoft.com/office/powerpoint/2010/main" val="2518536849"/>
+        <p14:creationId xmlns:p14="http://schemas.microsoft.com/office/powerpoint/2010/main" val="3851823742"/>
       </p:ext>
     </p:extLst>
   </p:cSld>
@@ -3968,7 +2388,7 @@
           <a:p>
             <a:fld id="{45824D65-BF5F-4DF8-9B0D-124440FA57C7}" type="datetimeFigureOut">
               <a:rPr lang="en-US" smtClean="0"/>
-              <a:t>04/27/2021</a:t>
+              <a:t>7/24/2021</a:t>
             </a:fld>
             <a:endParaRPr lang="en-US"/>
           </a:p>
@@ -4176,7 +2596,7 @@
           <a:p>
             <a:fld id="{45824D65-BF5F-4DF8-9B0D-124440FA57C7}" type="datetimeFigureOut">
               <a:rPr lang="en-US" smtClean="0"/>
-              <a:t>04/27/2021</a:t>
+              <a:t>7/24/2021</a:t>
             </a:fld>
             <a:endParaRPr lang="en-US"/>
           </a:p>
@@ -4432,7 +2852,7 @@
           <a:p>
             <a:fld id="{45824D65-BF5F-4DF8-9B0D-124440FA57C7}" type="datetimeFigureOut">
               <a:rPr lang="en-US" smtClean="0"/>
-              <a:t>04/27/2021</a:t>
+              <a:t>7/24/2021</a:t>
             </a:fld>
             <a:endParaRPr lang="en-US"/>
           </a:p>
@@ -4606,7 +3026,7 @@
           <a:p>
             <a:fld id="{45824D65-BF5F-4DF8-9B0D-124440FA57C7}" type="datetimeFigureOut">
               <a:rPr lang="en-US" smtClean="0"/>
-              <a:t>04/27/2021</a:t>
+              <a:t>7/24/2021</a:t>
             </a:fld>
             <a:endParaRPr lang="en-US"/>
           </a:p>
@@ -4949,7 +3369,7 @@
           <a:p>
             <a:fld id="{45824D65-BF5F-4DF8-9B0D-124440FA57C7}" type="datetimeFigureOut">
               <a:rPr lang="en-US" smtClean="0"/>
-              <a:t>04/27/2021</a:t>
+              <a:t>7/24/2021</a:t>
             </a:fld>
             <a:endParaRPr lang="en-US"/>
           </a:p>
@@ -5224,7 +3644,7 @@
           <a:p>
             <a:fld id="{45824D65-BF5F-4DF8-9B0D-124440FA57C7}" type="datetimeFigureOut">
               <a:rPr lang="en-US" smtClean="0"/>
-              <a:t>04/27/2021</a:t>
+              <a:t>7/24/2021</a:t>
             </a:fld>
             <a:endParaRPr lang="en-US"/>
           </a:p>
@@ -5603,7 +4023,7 @@
           <a:p>
             <a:fld id="{45824D65-BF5F-4DF8-9B0D-124440FA57C7}" type="datetimeFigureOut">
               <a:rPr lang="en-US" smtClean="0"/>
-              <a:t>04/27/2021</a:t>
+              <a:t>7/24/2021</a:t>
             </a:fld>
             <a:endParaRPr lang="en-US"/>
           </a:p>
@@ -5721,7 +4141,7 @@
           <a:p>
             <a:fld id="{45824D65-BF5F-4DF8-9B0D-124440FA57C7}" type="datetimeFigureOut">
               <a:rPr lang="en-US" smtClean="0"/>
-              <a:t>04/27/2021</a:t>
+              <a:t>7/24/2021</a:t>
             </a:fld>
             <a:endParaRPr lang="en-US"/>
           </a:p>
@@ -5892,7 +4312,7 @@
           <a:p>
             <a:fld id="{45824D65-BF5F-4DF8-9B0D-124440FA57C7}" type="datetimeFigureOut">
               <a:rPr lang="en-US" smtClean="0"/>
-              <a:t>04/27/2021</a:t>
+              <a:t>7/24/2021</a:t>
             </a:fld>
             <a:endParaRPr lang="en-US"/>
           </a:p>
@@ -6246,7 +4666,7 @@
           <a:p>
             <a:fld id="{45824D65-BF5F-4DF8-9B0D-124440FA57C7}" type="datetimeFigureOut">
               <a:rPr lang="en-US" smtClean="0"/>
-              <a:t>04/27/2021</a:t>
+              <a:t>7/24/2021</a:t>
             </a:fld>
             <a:endParaRPr lang="en-US"/>
           </a:p>
@@ -6628,7 +5048,7 @@
           <a:p>
             <a:fld id="{45824D65-BF5F-4DF8-9B0D-124440FA57C7}" type="datetimeFigureOut">
               <a:rPr lang="en-US" smtClean="0"/>
-              <a:t>04/27/2021</a:t>
+              <a:t>7/24/2021</a:t>
             </a:fld>
             <a:endParaRPr lang="en-US"/>
           </a:p>
@@ -6915,7 +5335,7 @@
           <a:p>
             <a:fld id="{45824D65-BF5F-4DF8-9B0D-124440FA57C7}" type="datetimeFigureOut">
               <a:rPr lang="en-US" smtClean="0"/>
-              <a:t>04/27/2021</a:t>
+              <a:t>7/24/2021</a:t>
             </a:fld>
             <a:endParaRPr lang="en-US"/>
           </a:p>
@@ -7541,7 +5961,7 @@
           <p:cNvPr id="2" name="Title 1">
             <a:extLst>
               <a:ext uri="{FF2B5EF4-FFF2-40B4-BE49-F238E27FC236}">
-                <a16:creationId xmlns:a16="http://schemas.microsoft.com/office/drawing/2014/main" id="{A28203C3-2BEF-4EF7-AEBA-1ACCFDA7A8A6}"/>
+                <a16:creationId xmlns:a16="http://schemas.microsoft.com/office/drawing/2014/main" id="{82DD6E07-19C6-4FEB-A0A6-92AEBB5335B3}"/>
               </a:ext>
             </a:extLst>
           </p:cNvPr>
@@ -7559,54 +5979,17 @@
           <a:p>
             <a:r>
               <a:rPr lang="en-US" dirty="0"/>
-              <a:t>Methods</a:t>
-            </a:r>
-          </a:p>
-        </p:txBody>
-      </p:sp>
-      <p:sp>
-        <p:nvSpPr>
-          <p:cNvPr id="3" name="Content Placeholder 2">
+              <a:t>Questions</a:t>
+            </a:r>
+          </a:p>
+        </p:txBody>
+      </p:sp>
+      <p:pic>
+        <p:nvPicPr>
+          <p:cNvPr id="5" name="Graphic 4" descr="Questions outline">
             <a:extLst>
               <a:ext uri="{FF2B5EF4-FFF2-40B4-BE49-F238E27FC236}">
-                <a16:creationId xmlns:a16="http://schemas.microsoft.com/office/drawing/2014/main" id="{080BA997-CE19-4B7D-8EA9-F70B0ECFE1FC}"/>
-              </a:ext>
-            </a:extLst>
-          </p:cNvPr>
-          <p:cNvSpPr>
-            <a:spLocks noGrp="1"/>
-          </p:cNvSpPr>
-          <p:nvPr>
-            <p:ph idx="1"/>
-          </p:nvPr>
-        </p:nvSpPr>
-        <p:spPr>
-          <a:xfrm>
-            <a:off x="1097280" y="1845734"/>
-            <a:ext cx="10058400" cy="404640"/>
-          </a:xfrm>
-        </p:spPr>
-        <p:txBody>
-          <a:bodyPr/>
-          <a:lstStyle/>
-          <a:p>
-            <a:pPr>
-              <a:buFont typeface="Arial" panose="020B0604020202020204" pitchFamily="34" charset="0"/>
-              <a:buChar char="•"/>
-            </a:pPr>
-            <a:r>
-              <a:rPr lang="en-US" dirty="0"/>
-              <a:t> A map based web application</a:t>
-            </a:r>
-          </a:p>
-        </p:txBody>
-      </p:sp>
-      <p:pic>
-        <p:nvPicPr>
-          <p:cNvPr id="4" name="Picture 3">
-            <a:extLst>
-              <a:ext uri="{FF2B5EF4-FFF2-40B4-BE49-F238E27FC236}">
-                <a16:creationId xmlns:a16="http://schemas.microsoft.com/office/drawing/2014/main" id="{BF043FC7-6DEC-4397-9BB6-BED45C81C559}"/>
+                <a16:creationId xmlns:a16="http://schemas.microsoft.com/office/drawing/2014/main" id="{E5F44529-D1F0-40CA-83AA-3D8492B0BFD1}"/>
               </a:ext>
             </a:extLst>
           </p:cNvPr>
@@ -7616,15 +5999,24 @@
           <p:nvPr/>
         </p:nvPicPr>
         <p:blipFill>
-          <a:blip r:embed="rId3"/>
+          <a:blip r:embed="rId3">
+            <a:extLst>
+              <a:ext uri="{28A0092B-C50C-407E-A947-70E740481C1C}">
+                <a14:useLocalDpi xmlns:a14="http://schemas.microsoft.com/office/drawing/2010/main" val="0"/>
+              </a:ext>
+              <a:ext uri="{96DAC541-7B7A-43D3-8B79-37D633B846F1}">
+                <asvg:svgBlip xmlns:asvg="http://schemas.microsoft.com/office/drawing/2016/SVG/main" r:embed="rId4"/>
+              </a:ext>
+            </a:extLst>
+          </a:blip>
           <a:stretch>
             <a:fillRect/>
           </a:stretch>
         </p:blipFill>
         <p:spPr>
           <a:xfrm>
-            <a:off x="5982336" y="1845734"/>
-            <a:ext cx="5018681" cy="4457252"/>
+            <a:off x="4414652" y="2087088"/>
+            <a:ext cx="3362696" cy="3362696"/>
           </a:xfrm>
           <a:prstGeom prst="rect">
             <a:avLst/>
@@ -7634,7 +6026,7 @@
     </p:spTree>
     <p:extLst>
       <p:ext uri="{BB962C8B-B14F-4D97-AF65-F5344CB8AC3E}">
-        <p14:creationId xmlns:p14="http://schemas.microsoft.com/office/powerpoint/2010/main" val="3144729516"/>
+        <p14:creationId xmlns:p14="http://schemas.microsoft.com/office/powerpoint/2010/main" val="154922705"/>
       </p:ext>
     </p:extLst>
   </p:cSld>
@@ -7666,7 +6058,7 @@
           <p:cNvPr id="2" name="Title 1">
             <a:extLst>
               <a:ext uri="{FF2B5EF4-FFF2-40B4-BE49-F238E27FC236}">
-                <a16:creationId xmlns:a16="http://schemas.microsoft.com/office/drawing/2014/main" id="{A28203C3-2BEF-4EF7-AEBA-1ACCFDA7A8A6}"/>
+                <a16:creationId xmlns:a16="http://schemas.microsoft.com/office/drawing/2014/main" id="{7E56B199-217F-4C08-BCAD-21427D5F321A}"/>
               </a:ext>
             </a:extLst>
           </p:cNvPr>
@@ -7684,1747 +6076,276 @@
           <a:p>
             <a:r>
               <a:rPr lang="en-US" dirty="0"/>
-              <a:t>Methods</a:t>
-            </a:r>
-          </a:p>
-        </p:txBody>
-      </p:sp>
-      <p:pic>
-        <p:nvPicPr>
-          <p:cNvPr id="8" name="Picture 7">
+              <a:t>References</a:t>
+            </a:r>
+          </a:p>
+        </p:txBody>
+      </p:sp>
+      <p:sp>
+        <p:nvSpPr>
+          <p:cNvPr id="3" name="Content Placeholder 2">
             <a:extLst>
               <a:ext uri="{FF2B5EF4-FFF2-40B4-BE49-F238E27FC236}">
-                <a16:creationId xmlns:a16="http://schemas.microsoft.com/office/drawing/2014/main" id="{3E3BF7A2-66D6-4B60-AB2C-9A6B1D16C22A}"/>
+                <a16:creationId xmlns:a16="http://schemas.microsoft.com/office/drawing/2014/main" id="{CF8BDA0A-5716-4574-8715-B9E7023453FC}"/>
               </a:ext>
             </a:extLst>
           </p:cNvPr>
-          <p:cNvPicPr>
-            <a:picLocks noChangeAspect="1"/>
-          </p:cNvPicPr>
-          <p:nvPr/>
-        </p:nvPicPr>
-        <p:blipFill>
-          <a:blip r:embed="rId3"/>
-          <a:stretch>
-            <a:fillRect/>
-          </a:stretch>
-        </p:blipFill>
-        <p:spPr>
-          <a:xfrm>
-            <a:off x="1167587" y="1852144"/>
-            <a:ext cx="5141392" cy="4047586"/>
-          </a:xfrm>
-          <a:prstGeom prst="rect">
-            <a:avLst/>
-          </a:prstGeom>
-        </p:spPr>
-      </p:pic>
-      <p:pic>
-        <p:nvPicPr>
-          <p:cNvPr id="4" name="Picture 3">
-            <a:extLst>
-              <a:ext uri="{FF2B5EF4-FFF2-40B4-BE49-F238E27FC236}">
-                <a16:creationId xmlns:a16="http://schemas.microsoft.com/office/drawing/2014/main" id="{A4261FCF-C697-434F-98B9-FB7F62677A68}"/>
-              </a:ext>
-            </a:extLst>
-          </p:cNvPr>
-          <p:cNvPicPr>
-            <a:picLocks noChangeAspect="1"/>
-          </p:cNvPicPr>
-          <p:nvPr/>
-        </p:nvPicPr>
-        <p:blipFill>
-          <a:blip r:embed="rId4"/>
-          <a:stretch>
-            <a:fillRect/>
-          </a:stretch>
-        </p:blipFill>
-        <p:spPr>
-          <a:xfrm>
-            <a:off x="6690548" y="1852144"/>
-            <a:ext cx="5018681" cy="4457252"/>
-          </a:xfrm>
-          <a:prstGeom prst="rect">
-            <a:avLst/>
-          </a:prstGeom>
-        </p:spPr>
-      </p:pic>
-      <p:sp>
-        <p:nvSpPr>
-          <p:cNvPr id="5" name="Rectangle 4">
-            <a:extLst>
-              <a:ext uri="{FF2B5EF4-FFF2-40B4-BE49-F238E27FC236}">
-                <a16:creationId xmlns:a16="http://schemas.microsoft.com/office/drawing/2014/main" id="{4AB92A17-EC48-4FFF-BC90-F11D41643B04}"/>
-              </a:ext>
-            </a:extLst>
-          </p:cNvPr>
-          <p:cNvSpPr/>
-          <p:nvPr/>
-        </p:nvSpPr>
-        <p:spPr>
-          <a:xfrm>
-            <a:off x="6759388" y="2465294"/>
-            <a:ext cx="4867836" cy="860612"/>
-          </a:xfrm>
-          <a:prstGeom prst="rect">
-            <a:avLst/>
-          </a:prstGeom>
-          <a:noFill/>
-          <a:ln w="28575">
-            <a:solidFill>
-              <a:srgbClr val="FF0000"/>
-            </a:solidFill>
-          </a:ln>
-        </p:spPr>
-        <p:style>
-          <a:lnRef idx="2">
-            <a:schemeClr val="accent1">
-              <a:shade val="50000"/>
-            </a:schemeClr>
-          </a:lnRef>
-          <a:fillRef idx="1">
-            <a:schemeClr val="accent1"/>
-          </a:fillRef>
-          <a:effectRef idx="0">
-            <a:schemeClr val="accent1"/>
-          </a:effectRef>
-          <a:fontRef idx="minor">
-            <a:schemeClr val="lt1"/>
-          </a:fontRef>
-        </p:style>
-        <p:txBody>
-          <a:bodyPr rtlCol="0" anchor="ctr"/>
-          <a:lstStyle/>
-          <a:p>
-            <a:pPr algn="ctr"/>
-            <a:endParaRPr lang="en-US"/>
+          <p:cNvSpPr>
+            <a:spLocks noGrp="1"/>
+          </p:cNvSpPr>
+          <p:nvPr>
+            <p:ph idx="1"/>
+          </p:nvPr>
+        </p:nvSpPr>
+        <p:spPr/>
+        <p:txBody>
+          <a:bodyPr>
+            <a:normAutofit lnSpcReduction="10000"/>
+          </a:bodyPr>
+          <a:lstStyle/>
+          <a:p>
+            <a:pPr>
+              <a:buFont typeface="Arial" panose="020B0604020202020204" pitchFamily="34" charset="0"/>
+              <a:buChar char="•"/>
+            </a:pPr>
+            <a:r>
+              <a:rPr lang="en-US" dirty="0"/>
+              <a:t> </a:t>
+            </a:r>
+            <a:r>
+              <a:rPr lang="en-US" sz="1800" dirty="0" err="1">
+                <a:effectLst/>
+                <a:latin typeface="Calibri" panose="020F0502020204030204" pitchFamily="34" charset="0"/>
+                <a:ea typeface="Calibri" panose="020F0502020204030204" pitchFamily="34" charset="0"/>
+                <a:cs typeface="Times New Roman" panose="02020603050405020304" pitchFamily="18" charset="0"/>
+              </a:rPr>
+              <a:t>Jamshidi</a:t>
+            </a:r>
+            <a:r>
+              <a:rPr lang="en-US" sz="1800" dirty="0">
+                <a:effectLst/>
+                <a:latin typeface="Calibri" panose="020F0502020204030204" pitchFamily="34" charset="0"/>
+                <a:ea typeface="Calibri" panose="020F0502020204030204" pitchFamily="34" charset="0"/>
+                <a:cs typeface="Times New Roman" panose="02020603050405020304" pitchFamily="18" charset="0"/>
+              </a:rPr>
+              <a:t>, S., </a:t>
+            </a:r>
+            <a:r>
+              <a:rPr lang="en-US" sz="1800" dirty="0" err="1">
+                <a:effectLst/>
+                <a:latin typeface="Calibri" panose="020F0502020204030204" pitchFamily="34" charset="0"/>
+                <a:ea typeface="Calibri" panose="020F0502020204030204" pitchFamily="34" charset="0"/>
+                <a:cs typeface="Times New Roman" panose="02020603050405020304" pitchFamily="18" charset="0"/>
+              </a:rPr>
+              <a:t>Baniasad</a:t>
+            </a:r>
+            <a:r>
+              <a:rPr lang="en-US" sz="1800" dirty="0">
+                <a:effectLst/>
+                <a:latin typeface="Calibri" panose="020F0502020204030204" pitchFamily="34" charset="0"/>
+                <a:ea typeface="Calibri" panose="020F0502020204030204" pitchFamily="34" charset="0"/>
+                <a:cs typeface="Times New Roman" panose="02020603050405020304" pitchFamily="18" charset="0"/>
+              </a:rPr>
+              <a:t>, M., &amp; Niyogi, D. (2020). Global to USA County Scale Analysis of Weather, Urban Density, Mobility, Homestay, and Mask Use on COVID-19. International Journal of Environmental Research and Public Health, 17(21), 7847. </a:t>
+            </a:r>
+            <a:r>
+              <a:rPr lang="en-US" sz="1800" u="sng" dirty="0">
+                <a:solidFill>
+                  <a:srgbClr val="0563C1"/>
+                </a:solidFill>
+                <a:effectLst/>
+                <a:latin typeface="Calibri" panose="020F0502020204030204" pitchFamily="34" charset="0"/>
+                <a:ea typeface="Calibri" panose="020F0502020204030204" pitchFamily="34" charset="0"/>
+                <a:cs typeface="Times New Roman" panose="02020603050405020304" pitchFamily="18" charset="0"/>
+                <a:hlinkClick r:id="rId2"/>
+              </a:rPr>
+              <a:t>https://doi.org/10.3390/ijerph17217847</a:t>
+            </a:r>
+            <a:endParaRPr lang="en-US" sz="1800" u="sng" dirty="0">
+              <a:solidFill>
+                <a:srgbClr val="0563C1"/>
+              </a:solidFill>
+              <a:effectLst/>
+              <a:latin typeface="Calibri" panose="020F0502020204030204" pitchFamily="34" charset="0"/>
+              <a:ea typeface="Calibri" panose="020F0502020204030204" pitchFamily="34" charset="0"/>
+              <a:cs typeface="Times New Roman" panose="02020603050405020304" pitchFamily="18" charset="0"/>
+            </a:endParaRPr>
+          </a:p>
+          <a:p>
+            <a:pPr>
+              <a:buFont typeface="Arial" panose="020B0604020202020204" pitchFamily="34" charset="0"/>
+              <a:buChar char="•"/>
+            </a:pPr>
+            <a:r>
+              <a:rPr lang="en-US" sz="1800" dirty="0">
+                <a:effectLst/>
+                <a:latin typeface="Calibri" panose="020F0502020204030204" pitchFamily="34" charset="0"/>
+                <a:ea typeface="Calibri" panose="020F0502020204030204" pitchFamily="34" charset="0"/>
+                <a:cs typeface="Times New Roman" panose="02020603050405020304" pitchFamily="18" charset="0"/>
+              </a:rPr>
+              <a:t>Lee, Victor R, and Michelle H Wilkerson. “Data Use by Middle and Secondary Students in the Digital Age: A Status Report and Future Prospects,” n.d., 43.</a:t>
+            </a:r>
+            <a:endParaRPr lang="en-US" sz="1800" u="sng" dirty="0">
+              <a:solidFill>
+                <a:srgbClr val="0563C1"/>
+              </a:solidFill>
+              <a:effectLst/>
+              <a:latin typeface="Calibri" panose="020F0502020204030204" pitchFamily="34" charset="0"/>
+              <a:ea typeface="Calibri" panose="020F0502020204030204" pitchFamily="34" charset="0"/>
+              <a:cs typeface="Times New Roman" panose="02020603050405020304" pitchFamily="18" charset="0"/>
+            </a:endParaRPr>
+          </a:p>
+          <a:p>
+            <a:pPr>
+              <a:buFont typeface="Arial" panose="020B0604020202020204" pitchFamily="34" charset="0"/>
+              <a:buChar char="•"/>
+            </a:pPr>
+            <a:r>
+              <a:rPr lang="en-US" sz="1800" dirty="0" err="1">
+                <a:effectLst/>
+                <a:latin typeface="Calibri" panose="020F0502020204030204" pitchFamily="34" charset="0"/>
+                <a:ea typeface="Calibri" panose="020F0502020204030204" pitchFamily="34" charset="0"/>
+                <a:cs typeface="Times New Roman" panose="02020603050405020304" pitchFamily="18" charset="0"/>
+              </a:rPr>
+              <a:t>McClymont</a:t>
+            </a:r>
+            <a:r>
+              <a:rPr lang="en-US" sz="1800" dirty="0">
+                <a:effectLst/>
+                <a:latin typeface="Calibri" panose="020F0502020204030204" pitchFamily="34" charset="0"/>
+                <a:ea typeface="Calibri" panose="020F0502020204030204" pitchFamily="34" charset="0"/>
+                <a:cs typeface="Times New Roman" panose="02020603050405020304" pitchFamily="18" charset="0"/>
+              </a:rPr>
+              <a:t>, H., &amp; Hu, W. (2021). Weather Variability and COVID-19 Transmission: A Review of Recent Research. International Journal of Environmental Research and Public Health, 18(2), 396. </a:t>
+            </a:r>
+            <a:r>
+              <a:rPr lang="en-US" sz="1800" u="sng" dirty="0">
+                <a:solidFill>
+                  <a:srgbClr val="0563C1"/>
+                </a:solidFill>
+                <a:effectLst/>
+                <a:latin typeface="Calibri" panose="020F0502020204030204" pitchFamily="34" charset="0"/>
+                <a:ea typeface="Calibri" panose="020F0502020204030204" pitchFamily="34" charset="0"/>
+                <a:cs typeface="Times New Roman" panose="02020603050405020304" pitchFamily="18" charset="0"/>
+                <a:hlinkClick r:id="rId3"/>
+              </a:rPr>
+              <a:t>https://doi.org/10.3390/ijerph18020396</a:t>
+            </a:r>
+            <a:endParaRPr lang="en-US" sz="1800" u="sng" dirty="0">
+              <a:solidFill>
+                <a:srgbClr val="0563C1"/>
+              </a:solidFill>
+              <a:effectLst/>
+              <a:latin typeface="Calibri" panose="020F0502020204030204" pitchFamily="34" charset="0"/>
+              <a:ea typeface="Calibri" panose="020F0502020204030204" pitchFamily="34" charset="0"/>
+              <a:cs typeface="Times New Roman" panose="02020603050405020304" pitchFamily="18" charset="0"/>
+            </a:endParaRPr>
+          </a:p>
+          <a:p>
+            <a:pPr>
+              <a:buFont typeface="Arial" panose="020B0604020202020204" pitchFamily="34" charset="0"/>
+              <a:buChar char="•"/>
+            </a:pPr>
+            <a:r>
+              <a:rPr lang="en-US" dirty="0"/>
+              <a:t>Shah, P., &amp; </a:t>
+            </a:r>
+            <a:r>
+              <a:rPr lang="en-US" dirty="0" err="1"/>
+              <a:t>Hoeffner</a:t>
+            </a:r>
+            <a:r>
+              <a:rPr lang="en-US" dirty="0"/>
+              <a:t>, J. (2002). Review of Graph Comprehension Research: Implications for Instruction. Educational Psychology Review, 14(1), 47–69. </a:t>
+            </a:r>
+            <a:r>
+              <a:rPr lang="en-US" u="sng" dirty="0">
+                <a:hlinkClick r:id="rId4"/>
+              </a:rPr>
+              <a:t>https://doi.org/10.1023/A:1013180410169</a:t>
+            </a:r>
+            <a:endParaRPr lang="en-US" dirty="0"/>
+          </a:p>
+          <a:p>
+            <a:pPr>
+              <a:buFont typeface="Arial" panose="020B0604020202020204" pitchFamily="34" charset="0"/>
+              <a:buChar char="•"/>
+            </a:pPr>
+            <a:r>
+              <a:rPr lang="en-US" dirty="0"/>
+              <a:t> </a:t>
+            </a:r>
+            <a:r>
+              <a:rPr lang="en-US" sz="1800" dirty="0">
+                <a:effectLst/>
+                <a:latin typeface="Calibri" panose="020F0502020204030204" pitchFamily="34" charset="0"/>
+                <a:ea typeface="Calibri" panose="020F0502020204030204" pitchFamily="34" charset="0"/>
+                <a:cs typeface="Times New Roman" panose="02020603050405020304" pitchFamily="18" charset="0"/>
+              </a:rPr>
+              <a:t>Roussel, M., </a:t>
+            </a:r>
+            <a:r>
+              <a:rPr lang="en-US" sz="1800" dirty="0" err="1">
+                <a:effectLst/>
+                <a:latin typeface="Calibri" panose="020F0502020204030204" pitchFamily="34" charset="0"/>
+                <a:ea typeface="Calibri" panose="020F0502020204030204" pitchFamily="34" charset="0"/>
+                <a:cs typeface="Times New Roman" panose="02020603050405020304" pitchFamily="18" charset="0"/>
+              </a:rPr>
+              <a:t>Pontier</a:t>
+            </a:r>
+            <a:r>
+              <a:rPr lang="en-US" sz="1800" dirty="0">
+                <a:effectLst/>
+                <a:latin typeface="Calibri" panose="020F0502020204030204" pitchFamily="34" charset="0"/>
+                <a:ea typeface="Calibri" panose="020F0502020204030204" pitchFamily="34" charset="0"/>
+                <a:cs typeface="Times New Roman" panose="02020603050405020304" pitchFamily="18" charset="0"/>
+              </a:rPr>
+              <a:t>, D., Cohen, J.-M., Lina, B., &amp; </a:t>
+            </a:r>
+            <a:r>
+              <a:rPr lang="en-US" sz="1800" dirty="0" err="1">
+                <a:effectLst/>
+                <a:latin typeface="Calibri" panose="020F0502020204030204" pitchFamily="34" charset="0"/>
+                <a:ea typeface="Calibri" panose="020F0502020204030204" pitchFamily="34" charset="0"/>
+                <a:cs typeface="Times New Roman" panose="02020603050405020304" pitchFamily="18" charset="0"/>
+              </a:rPr>
+              <a:t>Fouchet</a:t>
+            </a:r>
+            <a:r>
+              <a:rPr lang="en-US" sz="1800" dirty="0">
+                <a:effectLst/>
+                <a:latin typeface="Calibri" panose="020F0502020204030204" pitchFamily="34" charset="0"/>
+                <a:ea typeface="Calibri" panose="020F0502020204030204" pitchFamily="34" charset="0"/>
+                <a:cs typeface="Times New Roman" panose="02020603050405020304" pitchFamily="18" charset="0"/>
+              </a:rPr>
+              <a:t>, D. (2016). Quantifying the role of weather on seasonal influenza. BMC Public Health, 16, 441. </a:t>
+            </a:r>
+            <a:r>
+              <a:rPr lang="en-US" sz="1800" u="sng" dirty="0">
+                <a:solidFill>
+                  <a:srgbClr val="0563C1"/>
+                </a:solidFill>
+                <a:effectLst/>
+                <a:latin typeface="Calibri" panose="020F0502020204030204" pitchFamily="34" charset="0"/>
+                <a:ea typeface="Calibri" panose="020F0502020204030204" pitchFamily="34" charset="0"/>
+                <a:cs typeface="Times New Roman" panose="02020603050405020304" pitchFamily="18" charset="0"/>
+                <a:hlinkClick r:id="rId5"/>
+              </a:rPr>
+              <a:t>https://doi.org/10.1186/s12889-016-3114-x</a:t>
+            </a:r>
+            <a:endParaRPr lang="en-US" sz="1800" dirty="0">
+              <a:effectLst/>
+              <a:latin typeface="Calibri" panose="020F0502020204030204" pitchFamily="34" charset="0"/>
+              <a:ea typeface="Calibri" panose="020F0502020204030204" pitchFamily="34" charset="0"/>
+              <a:cs typeface="Times New Roman" panose="02020603050405020304" pitchFamily="18" charset="0"/>
+            </a:endParaRPr>
           </a:p>
         </p:txBody>
       </p:sp>
     </p:spTree>
     <p:extLst>
       <p:ext uri="{BB962C8B-B14F-4D97-AF65-F5344CB8AC3E}">
-        <p14:creationId xmlns:p14="http://schemas.microsoft.com/office/powerpoint/2010/main" val="492519242"/>
-      </p:ext>
-    </p:extLst>
-  </p:cSld>
-  <p:clrMapOvr>
-    <a:masterClrMapping/>
-  </p:clrMapOvr>
-</p:sld>
-</file>
-
-<file path=ppt/slides/slide12.xml><?xml version="1.0" encoding="utf-8"?>
-<p:sld xmlns:a="http://schemas.openxmlformats.org/drawingml/2006/main" xmlns:r="http://schemas.openxmlformats.org/officeDocument/2006/relationships" xmlns:p="http://schemas.openxmlformats.org/presentationml/2006/main">
-  <p:cSld>
-    <p:spTree>
-      <p:nvGrpSpPr>
-        <p:cNvPr id="1" name=""/>
-        <p:cNvGrpSpPr/>
-        <p:nvPr/>
-      </p:nvGrpSpPr>
-      <p:grpSpPr>
-        <a:xfrm>
-          <a:off x="0" y="0"/>
-          <a:ext cx="0" cy="0"/>
-          <a:chOff x="0" y="0"/>
-          <a:chExt cx="0" cy="0"/>
-        </a:xfrm>
-      </p:grpSpPr>
-      <p:sp>
-        <p:nvSpPr>
-          <p:cNvPr id="2" name="Title 1">
-            <a:extLst>
-              <a:ext uri="{FF2B5EF4-FFF2-40B4-BE49-F238E27FC236}">
-                <a16:creationId xmlns:a16="http://schemas.microsoft.com/office/drawing/2014/main" id="{A28203C3-2BEF-4EF7-AEBA-1ACCFDA7A8A6}"/>
-              </a:ext>
-            </a:extLst>
-          </p:cNvPr>
-          <p:cNvSpPr>
-            <a:spLocks noGrp="1"/>
-          </p:cNvSpPr>
-          <p:nvPr>
-            <p:ph type="title"/>
-          </p:nvPr>
-        </p:nvSpPr>
-        <p:spPr/>
-        <p:txBody>
-          <a:bodyPr/>
-          <a:lstStyle/>
-          <a:p>
-            <a:r>
-              <a:rPr lang="en-US" dirty="0"/>
-              <a:t>Methods</a:t>
-            </a:r>
-          </a:p>
-        </p:txBody>
-      </p:sp>
-      <p:pic>
-        <p:nvPicPr>
-          <p:cNvPr id="4" name="Picture 3">
-            <a:extLst>
-              <a:ext uri="{FF2B5EF4-FFF2-40B4-BE49-F238E27FC236}">
-                <a16:creationId xmlns:a16="http://schemas.microsoft.com/office/drawing/2014/main" id="{A4261FCF-C697-434F-98B9-FB7F62677A68}"/>
-              </a:ext>
-            </a:extLst>
-          </p:cNvPr>
-          <p:cNvPicPr>
-            <a:picLocks noChangeAspect="1"/>
-          </p:cNvPicPr>
-          <p:nvPr/>
-        </p:nvPicPr>
-        <p:blipFill>
-          <a:blip r:embed="rId3"/>
-          <a:stretch>
-            <a:fillRect/>
-          </a:stretch>
-        </p:blipFill>
-        <p:spPr>
-          <a:xfrm>
-            <a:off x="6690548" y="1852144"/>
-            <a:ext cx="5018681" cy="4457252"/>
-          </a:xfrm>
-          <a:prstGeom prst="rect">
-            <a:avLst/>
-          </a:prstGeom>
-        </p:spPr>
-      </p:pic>
-      <p:sp>
-        <p:nvSpPr>
-          <p:cNvPr id="5" name="Rectangle 4">
-            <a:extLst>
-              <a:ext uri="{FF2B5EF4-FFF2-40B4-BE49-F238E27FC236}">
-                <a16:creationId xmlns:a16="http://schemas.microsoft.com/office/drawing/2014/main" id="{4AB92A17-EC48-4FFF-BC90-F11D41643B04}"/>
-              </a:ext>
-            </a:extLst>
-          </p:cNvPr>
-          <p:cNvSpPr/>
-          <p:nvPr/>
-        </p:nvSpPr>
-        <p:spPr>
-          <a:xfrm>
-            <a:off x="6748040" y="3325906"/>
-            <a:ext cx="4867836" cy="1855694"/>
-          </a:xfrm>
-          <a:prstGeom prst="rect">
-            <a:avLst/>
-          </a:prstGeom>
-          <a:noFill/>
-          <a:ln w="28575">
-            <a:solidFill>
-              <a:srgbClr val="FF0000"/>
-            </a:solidFill>
-          </a:ln>
-        </p:spPr>
-        <p:style>
-          <a:lnRef idx="2">
-            <a:schemeClr val="accent1">
-              <a:shade val="50000"/>
-            </a:schemeClr>
-          </a:lnRef>
-          <a:fillRef idx="1">
-            <a:schemeClr val="accent1"/>
-          </a:fillRef>
-          <a:effectRef idx="0">
-            <a:schemeClr val="accent1"/>
-          </a:effectRef>
-          <a:fontRef idx="minor">
-            <a:schemeClr val="lt1"/>
-          </a:fontRef>
-        </p:style>
-        <p:txBody>
-          <a:bodyPr rtlCol="0" anchor="ctr"/>
-          <a:lstStyle/>
-          <a:p>
-            <a:pPr algn="ctr"/>
-            <a:endParaRPr lang="en-US"/>
-          </a:p>
-        </p:txBody>
-      </p:sp>
-      <p:pic>
-        <p:nvPicPr>
-          <p:cNvPr id="6" name="Picture 5">
-            <a:extLst>
-              <a:ext uri="{FF2B5EF4-FFF2-40B4-BE49-F238E27FC236}">
-                <a16:creationId xmlns:a16="http://schemas.microsoft.com/office/drawing/2014/main" id="{31F07C08-B368-4426-9F38-BB1416EA07A7}"/>
-              </a:ext>
-            </a:extLst>
-          </p:cNvPr>
-          <p:cNvPicPr>
-            <a:picLocks noChangeAspect="1"/>
-          </p:cNvPicPr>
-          <p:nvPr/>
-        </p:nvPicPr>
-        <p:blipFill>
-          <a:blip r:embed="rId4"/>
-          <a:stretch>
-            <a:fillRect/>
-          </a:stretch>
-        </p:blipFill>
-        <p:spPr>
-          <a:xfrm>
-            <a:off x="1208426" y="1941855"/>
-            <a:ext cx="4887574" cy="4277829"/>
-          </a:xfrm>
-          <a:prstGeom prst="rect">
-            <a:avLst/>
-          </a:prstGeom>
-        </p:spPr>
-      </p:pic>
-    </p:spTree>
-    <p:extLst>
-      <p:ext uri="{BB962C8B-B14F-4D97-AF65-F5344CB8AC3E}">
-        <p14:creationId xmlns:p14="http://schemas.microsoft.com/office/powerpoint/2010/main" val="3297315801"/>
-      </p:ext>
-    </p:extLst>
-  </p:cSld>
-  <p:clrMapOvr>
-    <a:masterClrMapping/>
-  </p:clrMapOvr>
-</p:sld>
-</file>
-
-<file path=ppt/slides/slide13.xml><?xml version="1.0" encoding="utf-8"?>
-<p:sld xmlns:a="http://schemas.openxmlformats.org/drawingml/2006/main" xmlns:r="http://schemas.openxmlformats.org/officeDocument/2006/relationships" xmlns:p="http://schemas.openxmlformats.org/presentationml/2006/main">
-  <p:cSld>
-    <p:spTree>
-      <p:nvGrpSpPr>
-        <p:cNvPr id="1" name=""/>
-        <p:cNvGrpSpPr/>
-        <p:nvPr/>
-      </p:nvGrpSpPr>
-      <p:grpSpPr>
-        <a:xfrm>
-          <a:off x="0" y="0"/>
-          <a:ext cx="0" cy="0"/>
-          <a:chOff x="0" y="0"/>
-          <a:chExt cx="0" cy="0"/>
-        </a:xfrm>
-      </p:grpSpPr>
-      <p:sp>
-        <p:nvSpPr>
-          <p:cNvPr id="2" name="Title 1">
-            <a:extLst>
-              <a:ext uri="{FF2B5EF4-FFF2-40B4-BE49-F238E27FC236}">
-                <a16:creationId xmlns:a16="http://schemas.microsoft.com/office/drawing/2014/main" id="{A28203C3-2BEF-4EF7-AEBA-1ACCFDA7A8A6}"/>
-              </a:ext>
-            </a:extLst>
-          </p:cNvPr>
-          <p:cNvSpPr>
-            <a:spLocks noGrp="1"/>
-          </p:cNvSpPr>
-          <p:nvPr>
-            <p:ph type="title"/>
-          </p:nvPr>
-        </p:nvSpPr>
-        <p:spPr/>
-        <p:txBody>
-          <a:bodyPr/>
-          <a:lstStyle/>
-          <a:p>
-            <a:r>
-              <a:rPr lang="en-US" dirty="0"/>
-              <a:t>Methods</a:t>
-            </a:r>
-          </a:p>
-        </p:txBody>
-      </p:sp>
-      <p:pic>
-        <p:nvPicPr>
-          <p:cNvPr id="3" name="Picture 2">
-            <a:extLst>
-              <a:ext uri="{FF2B5EF4-FFF2-40B4-BE49-F238E27FC236}">
-                <a16:creationId xmlns:a16="http://schemas.microsoft.com/office/drawing/2014/main" id="{F31BEB57-EC03-4539-B45C-F0BA42A39749}"/>
-              </a:ext>
-            </a:extLst>
-          </p:cNvPr>
-          <p:cNvPicPr>
-            <a:picLocks noChangeAspect="1"/>
-          </p:cNvPicPr>
-          <p:nvPr/>
-        </p:nvPicPr>
-        <p:blipFill>
-          <a:blip r:embed="rId3"/>
-          <a:stretch>
-            <a:fillRect/>
-          </a:stretch>
-        </p:blipFill>
-        <p:spPr>
-          <a:xfrm>
-            <a:off x="2431474" y="1852144"/>
-            <a:ext cx="1978352" cy="4457252"/>
-          </a:xfrm>
-          <a:prstGeom prst="rect">
-            <a:avLst/>
-          </a:prstGeom>
-        </p:spPr>
-      </p:pic>
-      <p:sp>
-        <p:nvSpPr>
-          <p:cNvPr id="5" name="Rectangle 4">
-            <a:extLst>
-              <a:ext uri="{FF2B5EF4-FFF2-40B4-BE49-F238E27FC236}">
-                <a16:creationId xmlns:a16="http://schemas.microsoft.com/office/drawing/2014/main" id="{4AB92A17-EC48-4FFF-BC90-F11D41643B04}"/>
-              </a:ext>
-            </a:extLst>
-          </p:cNvPr>
-          <p:cNvSpPr/>
-          <p:nvPr/>
-        </p:nvSpPr>
-        <p:spPr>
-          <a:xfrm>
-            <a:off x="2606346" y="4896524"/>
-            <a:ext cx="1803480" cy="1412872"/>
-          </a:xfrm>
-          <a:prstGeom prst="rect">
-            <a:avLst/>
-          </a:prstGeom>
-          <a:noFill/>
-          <a:ln w="28575">
-            <a:solidFill>
-              <a:srgbClr val="FF0000"/>
-            </a:solidFill>
-          </a:ln>
-        </p:spPr>
-        <p:style>
-          <a:lnRef idx="2">
-            <a:schemeClr val="accent1">
-              <a:shade val="50000"/>
-            </a:schemeClr>
-          </a:lnRef>
-          <a:fillRef idx="1">
-            <a:schemeClr val="accent1"/>
-          </a:fillRef>
-          <a:effectRef idx="0">
-            <a:schemeClr val="accent1"/>
-          </a:effectRef>
-          <a:fontRef idx="minor">
-            <a:schemeClr val="lt1"/>
-          </a:fontRef>
-        </p:style>
-        <p:txBody>
-          <a:bodyPr rtlCol="0" anchor="ctr"/>
-          <a:lstStyle/>
-          <a:p>
-            <a:pPr algn="ctr"/>
-            <a:endParaRPr lang="en-US"/>
-          </a:p>
-        </p:txBody>
-      </p:sp>
-      <p:pic>
-        <p:nvPicPr>
-          <p:cNvPr id="7" name="Picture 6">
-            <a:extLst>
-              <a:ext uri="{FF2B5EF4-FFF2-40B4-BE49-F238E27FC236}">
-                <a16:creationId xmlns:a16="http://schemas.microsoft.com/office/drawing/2014/main" id="{9B7FA2E4-4B74-4BD9-9D90-6B168AD3463A}"/>
-              </a:ext>
-            </a:extLst>
-          </p:cNvPr>
-          <p:cNvPicPr>
-            <a:picLocks noChangeAspect="1"/>
-          </p:cNvPicPr>
-          <p:nvPr/>
-        </p:nvPicPr>
-        <p:blipFill>
-          <a:blip r:embed="rId4"/>
-          <a:stretch>
-            <a:fillRect/>
-          </a:stretch>
-        </p:blipFill>
-        <p:spPr>
-          <a:xfrm>
-            <a:off x="6994509" y="2665366"/>
-            <a:ext cx="3504341" cy="2704693"/>
-          </a:xfrm>
-          <a:prstGeom prst="rect">
-            <a:avLst/>
-          </a:prstGeom>
-        </p:spPr>
-      </p:pic>
-      <p:sp>
-        <p:nvSpPr>
-          <p:cNvPr id="8" name="Rectangle 7">
-            <a:extLst>
-              <a:ext uri="{FF2B5EF4-FFF2-40B4-BE49-F238E27FC236}">
-                <a16:creationId xmlns:a16="http://schemas.microsoft.com/office/drawing/2014/main" id="{B0AB1990-E564-446D-9C43-C8E42D0506E4}"/>
-              </a:ext>
-            </a:extLst>
-          </p:cNvPr>
-          <p:cNvSpPr/>
-          <p:nvPr/>
-        </p:nvSpPr>
-        <p:spPr>
-          <a:xfrm>
-            <a:off x="6994509" y="2667898"/>
-            <a:ext cx="3504340" cy="2702161"/>
-          </a:xfrm>
-          <a:prstGeom prst="rect">
-            <a:avLst/>
-          </a:prstGeom>
-          <a:noFill/>
-          <a:ln w="28575">
-            <a:solidFill>
-              <a:srgbClr val="FF0000"/>
-            </a:solidFill>
-          </a:ln>
-        </p:spPr>
-        <p:style>
-          <a:lnRef idx="2">
-            <a:schemeClr val="accent1">
-              <a:shade val="50000"/>
-            </a:schemeClr>
-          </a:lnRef>
-          <a:fillRef idx="1">
-            <a:schemeClr val="accent1"/>
-          </a:fillRef>
-          <a:effectRef idx="0">
-            <a:schemeClr val="accent1"/>
-          </a:effectRef>
-          <a:fontRef idx="minor">
-            <a:schemeClr val="lt1"/>
-          </a:fontRef>
-        </p:style>
-        <p:txBody>
-          <a:bodyPr rtlCol="0" anchor="ctr"/>
-          <a:lstStyle/>
-          <a:p>
-            <a:pPr algn="ctr"/>
-            <a:endParaRPr lang="en-US"/>
-          </a:p>
-        </p:txBody>
-      </p:sp>
-    </p:spTree>
-    <p:extLst>
-      <p:ext uri="{BB962C8B-B14F-4D97-AF65-F5344CB8AC3E}">
-        <p14:creationId xmlns:p14="http://schemas.microsoft.com/office/powerpoint/2010/main" val="3321094568"/>
-      </p:ext>
-    </p:extLst>
-  </p:cSld>
-  <p:clrMapOvr>
-    <a:masterClrMapping/>
-  </p:clrMapOvr>
-</p:sld>
-</file>
-
-<file path=ppt/slides/slide14.xml><?xml version="1.0" encoding="utf-8"?>
-<p:sld xmlns:a="http://schemas.openxmlformats.org/drawingml/2006/main" xmlns:r="http://schemas.openxmlformats.org/officeDocument/2006/relationships" xmlns:p="http://schemas.openxmlformats.org/presentationml/2006/main">
-  <p:cSld>
-    <p:spTree>
-      <p:nvGrpSpPr>
-        <p:cNvPr id="1" name=""/>
-        <p:cNvGrpSpPr/>
-        <p:nvPr/>
-      </p:nvGrpSpPr>
-      <p:grpSpPr>
-        <a:xfrm>
-          <a:off x="0" y="0"/>
-          <a:ext cx="0" cy="0"/>
-          <a:chOff x="0" y="0"/>
-          <a:chExt cx="0" cy="0"/>
-        </a:xfrm>
-      </p:grpSpPr>
-      <p:pic>
-        <p:nvPicPr>
-          <p:cNvPr id="4" name="Picture 3">
-            <a:extLst>
-              <a:ext uri="{FF2B5EF4-FFF2-40B4-BE49-F238E27FC236}">
-                <a16:creationId xmlns:a16="http://schemas.microsoft.com/office/drawing/2014/main" id="{7646ABDB-38C3-48BE-825E-C00D6C68A5F3}"/>
-              </a:ext>
-            </a:extLst>
-          </p:cNvPr>
-          <p:cNvPicPr>
-            <a:picLocks noChangeAspect="1"/>
-          </p:cNvPicPr>
-          <p:nvPr/>
-        </p:nvPicPr>
-        <p:blipFill>
-          <a:blip r:embed="rId3"/>
-          <a:stretch>
-            <a:fillRect/>
-          </a:stretch>
-        </p:blipFill>
-        <p:spPr>
-          <a:xfrm>
-            <a:off x="6994509" y="2681344"/>
-            <a:ext cx="3492973" cy="2598867"/>
-          </a:xfrm>
-          <a:prstGeom prst="rect">
-            <a:avLst/>
-          </a:prstGeom>
-        </p:spPr>
-      </p:pic>
-      <p:sp>
-        <p:nvSpPr>
-          <p:cNvPr id="2" name="Title 1">
-            <a:extLst>
-              <a:ext uri="{FF2B5EF4-FFF2-40B4-BE49-F238E27FC236}">
-                <a16:creationId xmlns:a16="http://schemas.microsoft.com/office/drawing/2014/main" id="{A28203C3-2BEF-4EF7-AEBA-1ACCFDA7A8A6}"/>
-              </a:ext>
-            </a:extLst>
-          </p:cNvPr>
-          <p:cNvSpPr>
-            <a:spLocks noGrp="1"/>
-          </p:cNvSpPr>
-          <p:nvPr>
-            <p:ph type="title"/>
-          </p:nvPr>
-        </p:nvSpPr>
-        <p:spPr/>
-        <p:txBody>
-          <a:bodyPr/>
-          <a:lstStyle/>
-          <a:p>
-            <a:r>
-              <a:rPr lang="en-US" dirty="0"/>
-              <a:t>Methods</a:t>
-            </a:r>
-          </a:p>
-        </p:txBody>
-      </p:sp>
-      <p:pic>
-        <p:nvPicPr>
-          <p:cNvPr id="3" name="Picture 2">
-            <a:extLst>
-              <a:ext uri="{FF2B5EF4-FFF2-40B4-BE49-F238E27FC236}">
-                <a16:creationId xmlns:a16="http://schemas.microsoft.com/office/drawing/2014/main" id="{F31BEB57-EC03-4539-B45C-F0BA42A39749}"/>
-              </a:ext>
-            </a:extLst>
-          </p:cNvPr>
-          <p:cNvPicPr>
-            <a:picLocks noChangeAspect="1"/>
-          </p:cNvPicPr>
-          <p:nvPr/>
-        </p:nvPicPr>
-        <p:blipFill>
-          <a:blip r:embed="rId4"/>
-          <a:stretch>
-            <a:fillRect/>
-          </a:stretch>
-        </p:blipFill>
-        <p:spPr>
-          <a:xfrm>
-            <a:off x="2431474" y="1852144"/>
-            <a:ext cx="1978352" cy="4457252"/>
-          </a:xfrm>
-          <a:prstGeom prst="rect">
-            <a:avLst/>
-          </a:prstGeom>
-        </p:spPr>
-      </p:pic>
-      <p:sp>
-        <p:nvSpPr>
-          <p:cNvPr id="5" name="Rectangle 4">
-            <a:extLst>
-              <a:ext uri="{FF2B5EF4-FFF2-40B4-BE49-F238E27FC236}">
-                <a16:creationId xmlns:a16="http://schemas.microsoft.com/office/drawing/2014/main" id="{4AB92A17-EC48-4FFF-BC90-F11D41643B04}"/>
-              </a:ext>
-            </a:extLst>
-          </p:cNvPr>
-          <p:cNvSpPr/>
-          <p:nvPr/>
-        </p:nvSpPr>
-        <p:spPr>
-          <a:xfrm>
-            <a:off x="2614501" y="3605606"/>
-            <a:ext cx="1795325" cy="1316018"/>
-          </a:xfrm>
-          <a:prstGeom prst="rect">
-            <a:avLst/>
-          </a:prstGeom>
-          <a:noFill/>
-          <a:ln w="28575">
-            <a:solidFill>
-              <a:srgbClr val="FF0000"/>
-            </a:solidFill>
-          </a:ln>
-        </p:spPr>
-        <p:style>
-          <a:lnRef idx="2">
-            <a:schemeClr val="accent1">
-              <a:shade val="50000"/>
-            </a:schemeClr>
-          </a:lnRef>
-          <a:fillRef idx="1">
-            <a:schemeClr val="accent1"/>
-          </a:fillRef>
-          <a:effectRef idx="0">
-            <a:schemeClr val="accent1"/>
-          </a:effectRef>
-          <a:fontRef idx="minor">
-            <a:schemeClr val="lt1"/>
-          </a:fontRef>
-        </p:style>
-        <p:txBody>
-          <a:bodyPr rtlCol="0" anchor="ctr"/>
-          <a:lstStyle/>
-          <a:p>
-            <a:pPr algn="ctr"/>
-            <a:endParaRPr lang="en-US"/>
-          </a:p>
-        </p:txBody>
-      </p:sp>
-      <p:sp>
-        <p:nvSpPr>
-          <p:cNvPr id="8" name="Rectangle 7">
-            <a:extLst>
-              <a:ext uri="{FF2B5EF4-FFF2-40B4-BE49-F238E27FC236}">
-                <a16:creationId xmlns:a16="http://schemas.microsoft.com/office/drawing/2014/main" id="{B0AB1990-E564-446D-9C43-C8E42D0506E4}"/>
-              </a:ext>
-            </a:extLst>
-          </p:cNvPr>
-          <p:cNvSpPr/>
-          <p:nvPr/>
-        </p:nvSpPr>
-        <p:spPr>
-          <a:xfrm>
-            <a:off x="6994509" y="2667898"/>
-            <a:ext cx="3504340" cy="2612313"/>
-          </a:xfrm>
-          <a:prstGeom prst="rect">
-            <a:avLst/>
-          </a:prstGeom>
-          <a:noFill/>
-          <a:ln w="28575">
-            <a:solidFill>
-              <a:srgbClr val="FF0000"/>
-            </a:solidFill>
-          </a:ln>
-        </p:spPr>
-        <p:style>
-          <a:lnRef idx="2">
-            <a:schemeClr val="accent1">
-              <a:shade val="50000"/>
-            </a:schemeClr>
-          </a:lnRef>
-          <a:fillRef idx="1">
-            <a:schemeClr val="accent1"/>
-          </a:fillRef>
-          <a:effectRef idx="0">
-            <a:schemeClr val="accent1"/>
-          </a:effectRef>
-          <a:fontRef idx="minor">
-            <a:schemeClr val="lt1"/>
-          </a:fontRef>
-        </p:style>
-        <p:txBody>
-          <a:bodyPr rtlCol="0" anchor="ctr"/>
-          <a:lstStyle/>
-          <a:p>
-            <a:pPr algn="ctr"/>
-            <a:endParaRPr lang="en-US"/>
-          </a:p>
-        </p:txBody>
-      </p:sp>
-    </p:spTree>
-    <p:extLst>
-      <p:ext uri="{BB962C8B-B14F-4D97-AF65-F5344CB8AC3E}">
-        <p14:creationId xmlns:p14="http://schemas.microsoft.com/office/powerpoint/2010/main" val="3908444489"/>
-      </p:ext>
-    </p:extLst>
-  </p:cSld>
-  <p:clrMapOvr>
-    <a:masterClrMapping/>
-  </p:clrMapOvr>
-</p:sld>
-</file>
-
-<file path=ppt/slides/slide15.xml><?xml version="1.0" encoding="utf-8"?>
-<p:sld xmlns:a="http://schemas.openxmlformats.org/drawingml/2006/main" xmlns:r="http://schemas.openxmlformats.org/officeDocument/2006/relationships" xmlns:p="http://schemas.openxmlformats.org/presentationml/2006/main">
-  <p:cSld>
-    <p:spTree>
-      <p:nvGrpSpPr>
-        <p:cNvPr id="1" name=""/>
-        <p:cNvGrpSpPr/>
-        <p:nvPr/>
-      </p:nvGrpSpPr>
-      <p:grpSpPr>
-        <a:xfrm>
-          <a:off x="0" y="0"/>
-          <a:ext cx="0" cy="0"/>
-          <a:chOff x="0" y="0"/>
-          <a:chExt cx="0" cy="0"/>
-        </a:xfrm>
-      </p:grpSpPr>
-      <p:pic>
-        <p:nvPicPr>
-          <p:cNvPr id="6" name="Picture 5">
-            <a:extLst>
-              <a:ext uri="{FF2B5EF4-FFF2-40B4-BE49-F238E27FC236}">
-                <a16:creationId xmlns:a16="http://schemas.microsoft.com/office/drawing/2014/main" id="{4CAFD3D9-1674-40A2-BE4B-9C3FC75A70EE}"/>
-              </a:ext>
-            </a:extLst>
-          </p:cNvPr>
-          <p:cNvPicPr>
-            <a:picLocks noChangeAspect="1"/>
-          </p:cNvPicPr>
-          <p:nvPr/>
-        </p:nvPicPr>
-        <p:blipFill>
-          <a:blip r:embed="rId3"/>
-          <a:stretch>
-            <a:fillRect/>
-          </a:stretch>
-        </p:blipFill>
-        <p:spPr>
-          <a:xfrm>
-            <a:off x="6988826" y="2667898"/>
-            <a:ext cx="3506618" cy="2612313"/>
-          </a:xfrm>
-          <a:prstGeom prst="rect">
-            <a:avLst/>
-          </a:prstGeom>
-        </p:spPr>
-      </p:pic>
-      <p:sp>
-        <p:nvSpPr>
-          <p:cNvPr id="2" name="Title 1">
-            <a:extLst>
-              <a:ext uri="{FF2B5EF4-FFF2-40B4-BE49-F238E27FC236}">
-                <a16:creationId xmlns:a16="http://schemas.microsoft.com/office/drawing/2014/main" id="{A28203C3-2BEF-4EF7-AEBA-1ACCFDA7A8A6}"/>
-              </a:ext>
-            </a:extLst>
-          </p:cNvPr>
-          <p:cNvSpPr>
-            <a:spLocks noGrp="1"/>
-          </p:cNvSpPr>
-          <p:nvPr>
-            <p:ph type="title"/>
-          </p:nvPr>
-        </p:nvSpPr>
-        <p:spPr/>
-        <p:txBody>
-          <a:bodyPr/>
-          <a:lstStyle/>
-          <a:p>
-            <a:r>
-              <a:rPr lang="en-US" dirty="0"/>
-              <a:t>Methods</a:t>
-            </a:r>
-          </a:p>
-        </p:txBody>
-      </p:sp>
-      <p:pic>
-        <p:nvPicPr>
-          <p:cNvPr id="3" name="Picture 2">
-            <a:extLst>
-              <a:ext uri="{FF2B5EF4-FFF2-40B4-BE49-F238E27FC236}">
-                <a16:creationId xmlns:a16="http://schemas.microsoft.com/office/drawing/2014/main" id="{F31BEB57-EC03-4539-B45C-F0BA42A39749}"/>
-              </a:ext>
-            </a:extLst>
-          </p:cNvPr>
-          <p:cNvPicPr>
-            <a:picLocks noChangeAspect="1"/>
-          </p:cNvPicPr>
-          <p:nvPr/>
-        </p:nvPicPr>
-        <p:blipFill>
-          <a:blip r:embed="rId4"/>
-          <a:stretch>
-            <a:fillRect/>
-          </a:stretch>
-        </p:blipFill>
-        <p:spPr>
-          <a:xfrm>
-            <a:off x="2431474" y="1852144"/>
-            <a:ext cx="1978352" cy="4457252"/>
-          </a:xfrm>
-          <a:prstGeom prst="rect">
-            <a:avLst/>
-          </a:prstGeom>
-        </p:spPr>
-      </p:pic>
-      <p:sp>
-        <p:nvSpPr>
-          <p:cNvPr id="5" name="Rectangle 4">
-            <a:extLst>
-              <a:ext uri="{FF2B5EF4-FFF2-40B4-BE49-F238E27FC236}">
-                <a16:creationId xmlns:a16="http://schemas.microsoft.com/office/drawing/2014/main" id="{4AB92A17-EC48-4FFF-BC90-F11D41643B04}"/>
-              </a:ext>
-            </a:extLst>
-          </p:cNvPr>
-          <p:cNvSpPr/>
-          <p:nvPr/>
-        </p:nvSpPr>
-        <p:spPr>
-          <a:xfrm>
-            <a:off x="2620184" y="2323653"/>
-            <a:ext cx="1795325" cy="1316018"/>
-          </a:xfrm>
-          <a:prstGeom prst="rect">
-            <a:avLst/>
-          </a:prstGeom>
-          <a:noFill/>
-          <a:ln w="28575">
-            <a:solidFill>
-              <a:srgbClr val="FF0000"/>
-            </a:solidFill>
-          </a:ln>
-        </p:spPr>
-        <p:style>
-          <a:lnRef idx="2">
-            <a:schemeClr val="accent1">
-              <a:shade val="50000"/>
-            </a:schemeClr>
-          </a:lnRef>
-          <a:fillRef idx="1">
-            <a:schemeClr val="accent1"/>
-          </a:fillRef>
-          <a:effectRef idx="0">
-            <a:schemeClr val="accent1"/>
-          </a:effectRef>
-          <a:fontRef idx="minor">
-            <a:schemeClr val="lt1"/>
-          </a:fontRef>
-        </p:style>
-        <p:txBody>
-          <a:bodyPr rtlCol="0" anchor="ctr"/>
-          <a:lstStyle/>
-          <a:p>
-            <a:pPr algn="ctr"/>
-            <a:endParaRPr lang="en-US"/>
-          </a:p>
-        </p:txBody>
-      </p:sp>
-      <p:sp>
-        <p:nvSpPr>
-          <p:cNvPr id="8" name="Rectangle 7">
-            <a:extLst>
-              <a:ext uri="{FF2B5EF4-FFF2-40B4-BE49-F238E27FC236}">
-                <a16:creationId xmlns:a16="http://schemas.microsoft.com/office/drawing/2014/main" id="{B0AB1990-E564-446D-9C43-C8E42D0506E4}"/>
-              </a:ext>
-            </a:extLst>
-          </p:cNvPr>
-          <p:cNvSpPr/>
-          <p:nvPr/>
-        </p:nvSpPr>
-        <p:spPr>
-          <a:xfrm>
-            <a:off x="6994509" y="2667898"/>
-            <a:ext cx="3504340" cy="2612313"/>
-          </a:xfrm>
-          <a:prstGeom prst="rect">
-            <a:avLst/>
-          </a:prstGeom>
-          <a:noFill/>
-          <a:ln w="28575">
-            <a:solidFill>
-              <a:srgbClr val="FF0000"/>
-            </a:solidFill>
-          </a:ln>
-        </p:spPr>
-        <p:style>
-          <a:lnRef idx="2">
-            <a:schemeClr val="accent1">
-              <a:shade val="50000"/>
-            </a:schemeClr>
-          </a:lnRef>
-          <a:fillRef idx="1">
-            <a:schemeClr val="accent1"/>
-          </a:fillRef>
-          <a:effectRef idx="0">
-            <a:schemeClr val="accent1"/>
-          </a:effectRef>
-          <a:fontRef idx="minor">
-            <a:schemeClr val="lt1"/>
-          </a:fontRef>
-        </p:style>
-        <p:txBody>
-          <a:bodyPr rtlCol="0" anchor="ctr"/>
-          <a:lstStyle/>
-          <a:p>
-            <a:pPr algn="ctr"/>
-            <a:endParaRPr lang="en-US"/>
-          </a:p>
-        </p:txBody>
-      </p:sp>
-    </p:spTree>
-    <p:extLst>
-      <p:ext uri="{BB962C8B-B14F-4D97-AF65-F5344CB8AC3E}">
-        <p14:creationId xmlns:p14="http://schemas.microsoft.com/office/powerpoint/2010/main" val="3021495225"/>
-      </p:ext>
-    </p:extLst>
-  </p:cSld>
-  <p:clrMapOvr>
-    <a:masterClrMapping/>
-  </p:clrMapOvr>
-</p:sld>
-</file>
-
-<file path=ppt/slides/slide16.xml><?xml version="1.0" encoding="utf-8"?>
-<p:sld xmlns:a="http://schemas.openxmlformats.org/drawingml/2006/main" xmlns:r="http://schemas.openxmlformats.org/officeDocument/2006/relationships" xmlns:p="http://schemas.openxmlformats.org/presentationml/2006/main">
-  <p:cSld>
-    <p:spTree>
-      <p:nvGrpSpPr>
-        <p:cNvPr id="1" name=""/>
-        <p:cNvGrpSpPr/>
-        <p:nvPr/>
-      </p:nvGrpSpPr>
-      <p:grpSpPr>
-        <a:xfrm>
-          <a:off x="0" y="0"/>
-          <a:ext cx="0" cy="0"/>
-          <a:chOff x="0" y="0"/>
-          <a:chExt cx="0" cy="0"/>
-        </a:xfrm>
-      </p:grpSpPr>
-      <p:sp>
-        <p:nvSpPr>
-          <p:cNvPr id="2" name="Title 1">
-            <a:extLst>
-              <a:ext uri="{FF2B5EF4-FFF2-40B4-BE49-F238E27FC236}">
-                <a16:creationId xmlns:a16="http://schemas.microsoft.com/office/drawing/2014/main" id="{A28203C3-2BEF-4EF7-AEBA-1ACCFDA7A8A6}"/>
-              </a:ext>
-            </a:extLst>
-          </p:cNvPr>
-          <p:cNvSpPr>
-            <a:spLocks noGrp="1"/>
-          </p:cNvSpPr>
-          <p:nvPr>
-            <p:ph type="title"/>
-          </p:nvPr>
-        </p:nvSpPr>
-        <p:spPr/>
-        <p:txBody>
-          <a:bodyPr/>
-          <a:lstStyle/>
-          <a:p>
-            <a:r>
-              <a:rPr lang="en-US" dirty="0"/>
-              <a:t>Methods</a:t>
-            </a:r>
-          </a:p>
-        </p:txBody>
-      </p:sp>
-      <p:pic>
-        <p:nvPicPr>
-          <p:cNvPr id="4" name="Picture 3">
-            <a:extLst>
-              <a:ext uri="{FF2B5EF4-FFF2-40B4-BE49-F238E27FC236}">
-                <a16:creationId xmlns:a16="http://schemas.microsoft.com/office/drawing/2014/main" id="{A4261FCF-C697-434F-98B9-FB7F62677A68}"/>
-              </a:ext>
-            </a:extLst>
-          </p:cNvPr>
-          <p:cNvPicPr>
-            <a:picLocks noChangeAspect="1"/>
-          </p:cNvPicPr>
-          <p:nvPr/>
-        </p:nvPicPr>
-        <p:blipFill>
-          <a:blip r:embed="rId3"/>
-          <a:stretch>
-            <a:fillRect/>
-          </a:stretch>
-        </p:blipFill>
-        <p:spPr>
-          <a:xfrm>
-            <a:off x="6690548" y="1852144"/>
-            <a:ext cx="5018681" cy="4457252"/>
-          </a:xfrm>
-          <a:prstGeom prst="rect">
-            <a:avLst/>
-          </a:prstGeom>
-        </p:spPr>
-      </p:pic>
-      <p:sp>
-        <p:nvSpPr>
-          <p:cNvPr id="5" name="Rectangle 4">
-            <a:extLst>
-              <a:ext uri="{FF2B5EF4-FFF2-40B4-BE49-F238E27FC236}">
-                <a16:creationId xmlns:a16="http://schemas.microsoft.com/office/drawing/2014/main" id="{4AB92A17-EC48-4FFF-BC90-F11D41643B04}"/>
-              </a:ext>
-            </a:extLst>
-          </p:cNvPr>
-          <p:cNvSpPr/>
-          <p:nvPr/>
-        </p:nvSpPr>
-        <p:spPr>
-          <a:xfrm>
-            <a:off x="6748040" y="5181599"/>
-            <a:ext cx="4867836" cy="726141"/>
-          </a:xfrm>
-          <a:prstGeom prst="rect">
-            <a:avLst/>
-          </a:prstGeom>
-          <a:noFill/>
-          <a:ln w="28575">
-            <a:solidFill>
-              <a:srgbClr val="FF0000"/>
-            </a:solidFill>
-          </a:ln>
-        </p:spPr>
-        <p:style>
-          <a:lnRef idx="2">
-            <a:schemeClr val="accent1">
-              <a:shade val="50000"/>
-            </a:schemeClr>
-          </a:lnRef>
-          <a:fillRef idx="1">
-            <a:schemeClr val="accent1"/>
-          </a:fillRef>
-          <a:effectRef idx="0">
-            <a:schemeClr val="accent1"/>
-          </a:effectRef>
-          <a:fontRef idx="minor">
-            <a:schemeClr val="lt1"/>
-          </a:fontRef>
-        </p:style>
-        <p:txBody>
-          <a:bodyPr rtlCol="0" anchor="ctr"/>
-          <a:lstStyle/>
-          <a:p>
-            <a:pPr algn="ctr"/>
-            <a:endParaRPr lang="en-US"/>
-          </a:p>
-        </p:txBody>
-      </p:sp>
-      <p:pic>
-        <p:nvPicPr>
-          <p:cNvPr id="7" name="Picture 6">
-            <a:extLst>
-              <a:ext uri="{FF2B5EF4-FFF2-40B4-BE49-F238E27FC236}">
-                <a16:creationId xmlns:a16="http://schemas.microsoft.com/office/drawing/2014/main" id="{8DA062C9-4453-47CF-A338-002EF385A648}"/>
-              </a:ext>
-            </a:extLst>
-          </p:cNvPr>
-          <p:cNvPicPr>
-            <a:picLocks noChangeAspect="1"/>
-          </p:cNvPicPr>
-          <p:nvPr/>
-        </p:nvPicPr>
-        <p:blipFill>
-          <a:blip r:embed="rId4"/>
-          <a:stretch>
-            <a:fillRect/>
-          </a:stretch>
-        </p:blipFill>
-        <p:spPr>
-          <a:xfrm>
-            <a:off x="1211850" y="1941546"/>
-            <a:ext cx="4914630" cy="4278448"/>
-          </a:xfrm>
-          <a:prstGeom prst="rect">
-            <a:avLst/>
-          </a:prstGeom>
-        </p:spPr>
-      </p:pic>
-    </p:spTree>
-    <p:extLst>
-      <p:ext uri="{BB962C8B-B14F-4D97-AF65-F5344CB8AC3E}">
-        <p14:creationId xmlns:p14="http://schemas.microsoft.com/office/powerpoint/2010/main" val="3926242548"/>
-      </p:ext>
-    </p:extLst>
-  </p:cSld>
-  <p:clrMapOvr>
-    <a:masterClrMapping/>
-  </p:clrMapOvr>
-</p:sld>
-</file>
-
-<file path=ppt/slides/slide17.xml><?xml version="1.0" encoding="utf-8"?>
-<p:sld xmlns:a="http://schemas.openxmlformats.org/drawingml/2006/main" xmlns:r="http://schemas.openxmlformats.org/officeDocument/2006/relationships" xmlns:p="http://schemas.openxmlformats.org/presentationml/2006/main">
-  <p:cSld>
-    <p:spTree>
-      <p:nvGrpSpPr>
-        <p:cNvPr id="1" name=""/>
-        <p:cNvGrpSpPr/>
-        <p:nvPr/>
-      </p:nvGrpSpPr>
-      <p:grpSpPr>
-        <a:xfrm>
-          <a:off x="0" y="0"/>
-          <a:ext cx="0" cy="0"/>
-          <a:chOff x="0" y="0"/>
-          <a:chExt cx="0" cy="0"/>
-        </a:xfrm>
-      </p:grpSpPr>
-      <p:sp>
-        <p:nvSpPr>
-          <p:cNvPr id="2" name="Title 1">
-            <a:extLst>
-              <a:ext uri="{FF2B5EF4-FFF2-40B4-BE49-F238E27FC236}">
-                <a16:creationId xmlns:a16="http://schemas.microsoft.com/office/drawing/2014/main" id="{A28203C3-2BEF-4EF7-AEBA-1ACCFDA7A8A6}"/>
-              </a:ext>
-            </a:extLst>
-          </p:cNvPr>
-          <p:cNvSpPr>
-            <a:spLocks noGrp="1"/>
-          </p:cNvSpPr>
-          <p:nvPr>
-            <p:ph type="title"/>
-          </p:nvPr>
-        </p:nvSpPr>
-        <p:spPr/>
-        <p:txBody>
-          <a:bodyPr/>
-          <a:lstStyle/>
-          <a:p>
-            <a:r>
-              <a:rPr lang="en-US" dirty="0"/>
-              <a:t>Methods</a:t>
-            </a:r>
-          </a:p>
-        </p:txBody>
-      </p:sp>
-      <p:pic>
-        <p:nvPicPr>
-          <p:cNvPr id="7" name="Picture 6">
-            <a:extLst>
-              <a:ext uri="{FF2B5EF4-FFF2-40B4-BE49-F238E27FC236}">
-                <a16:creationId xmlns:a16="http://schemas.microsoft.com/office/drawing/2014/main" id="{8DA062C9-4453-47CF-A338-002EF385A648}"/>
-              </a:ext>
-            </a:extLst>
-          </p:cNvPr>
-          <p:cNvPicPr>
-            <a:picLocks noChangeAspect="1"/>
-          </p:cNvPicPr>
-          <p:nvPr/>
-        </p:nvPicPr>
-        <p:blipFill>
-          <a:blip r:embed="rId3"/>
-          <a:stretch>
-            <a:fillRect/>
-          </a:stretch>
-        </p:blipFill>
-        <p:spPr>
-          <a:xfrm>
-            <a:off x="1211850" y="1941546"/>
-            <a:ext cx="4914630" cy="4278448"/>
-          </a:xfrm>
-          <a:prstGeom prst="rect">
-            <a:avLst/>
-          </a:prstGeom>
-        </p:spPr>
-      </p:pic>
-      <p:pic>
-        <p:nvPicPr>
-          <p:cNvPr id="3" name="Picture 2">
-            <a:extLst>
-              <a:ext uri="{FF2B5EF4-FFF2-40B4-BE49-F238E27FC236}">
-                <a16:creationId xmlns:a16="http://schemas.microsoft.com/office/drawing/2014/main" id="{B6433A1D-0CF8-47E1-B176-630C207F5273}"/>
-              </a:ext>
-            </a:extLst>
-          </p:cNvPr>
-          <p:cNvPicPr>
-            <a:picLocks noChangeAspect="1"/>
-          </p:cNvPicPr>
-          <p:nvPr/>
-        </p:nvPicPr>
-        <p:blipFill>
-          <a:blip r:embed="rId4"/>
-          <a:stretch>
-            <a:fillRect/>
-          </a:stretch>
-        </p:blipFill>
-        <p:spPr>
-          <a:xfrm>
-            <a:off x="8202307" y="2831158"/>
-            <a:ext cx="2142963" cy="2724106"/>
-          </a:xfrm>
-          <a:prstGeom prst="rect">
-            <a:avLst/>
-          </a:prstGeom>
-        </p:spPr>
-      </p:pic>
-      <p:sp>
-        <p:nvSpPr>
-          <p:cNvPr id="5" name="Rectangle 4">
-            <a:extLst>
-              <a:ext uri="{FF2B5EF4-FFF2-40B4-BE49-F238E27FC236}">
-                <a16:creationId xmlns:a16="http://schemas.microsoft.com/office/drawing/2014/main" id="{4AB92A17-EC48-4FFF-BC90-F11D41643B04}"/>
-              </a:ext>
-            </a:extLst>
-          </p:cNvPr>
-          <p:cNvSpPr/>
-          <p:nvPr/>
-        </p:nvSpPr>
-        <p:spPr>
-          <a:xfrm>
-            <a:off x="3729318" y="2895601"/>
-            <a:ext cx="878541" cy="1021976"/>
-          </a:xfrm>
-          <a:prstGeom prst="rect">
-            <a:avLst/>
-          </a:prstGeom>
-          <a:noFill/>
-          <a:ln w="28575">
-            <a:solidFill>
-              <a:srgbClr val="FF0000"/>
-            </a:solidFill>
-          </a:ln>
-        </p:spPr>
-        <p:style>
-          <a:lnRef idx="2">
-            <a:schemeClr val="accent1">
-              <a:shade val="50000"/>
-            </a:schemeClr>
-          </a:lnRef>
-          <a:fillRef idx="1">
-            <a:schemeClr val="accent1"/>
-          </a:fillRef>
-          <a:effectRef idx="0">
-            <a:schemeClr val="accent1"/>
-          </a:effectRef>
-          <a:fontRef idx="minor">
-            <a:schemeClr val="lt1"/>
-          </a:fontRef>
-        </p:style>
-        <p:txBody>
-          <a:bodyPr rtlCol="0" anchor="ctr"/>
-          <a:lstStyle/>
-          <a:p>
-            <a:pPr algn="ctr"/>
-            <a:endParaRPr lang="en-US"/>
-          </a:p>
-        </p:txBody>
-      </p:sp>
-      <p:sp>
-        <p:nvSpPr>
-          <p:cNvPr id="8" name="Rectangle 7">
-            <a:extLst>
-              <a:ext uri="{FF2B5EF4-FFF2-40B4-BE49-F238E27FC236}">
-                <a16:creationId xmlns:a16="http://schemas.microsoft.com/office/drawing/2014/main" id="{D7344B4F-9106-454E-8AC7-2FA45A1417E2}"/>
-              </a:ext>
-            </a:extLst>
-          </p:cNvPr>
-          <p:cNvSpPr/>
-          <p:nvPr/>
-        </p:nvSpPr>
-        <p:spPr>
-          <a:xfrm>
-            <a:off x="8204677" y="2831157"/>
-            <a:ext cx="2140593" cy="2724106"/>
-          </a:xfrm>
-          <a:prstGeom prst="rect">
-            <a:avLst/>
-          </a:prstGeom>
-          <a:noFill/>
-          <a:ln w="28575">
-            <a:solidFill>
-              <a:srgbClr val="FF0000"/>
-            </a:solidFill>
-          </a:ln>
-        </p:spPr>
-        <p:style>
-          <a:lnRef idx="2">
-            <a:schemeClr val="accent1">
-              <a:shade val="50000"/>
-            </a:schemeClr>
-          </a:lnRef>
-          <a:fillRef idx="1">
-            <a:schemeClr val="accent1"/>
-          </a:fillRef>
-          <a:effectRef idx="0">
-            <a:schemeClr val="accent1"/>
-          </a:effectRef>
-          <a:fontRef idx="minor">
-            <a:schemeClr val="lt1"/>
-          </a:fontRef>
-        </p:style>
-        <p:txBody>
-          <a:bodyPr rtlCol="0" anchor="ctr"/>
-          <a:lstStyle/>
-          <a:p>
-            <a:pPr algn="ctr"/>
-            <a:endParaRPr lang="en-US"/>
-          </a:p>
-        </p:txBody>
-      </p:sp>
-    </p:spTree>
-    <p:extLst>
-      <p:ext uri="{BB962C8B-B14F-4D97-AF65-F5344CB8AC3E}">
-        <p14:creationId xmlns:p14="http://schemas.microsoft.com/office/powerpoint/2010/main" val="2471112235"/>
-      </p:ext>
-    </p:extLst>
-  </p:cSld>
-  <p:clrMapOvr>
-    <a:masterClrMapping/>
-  </p:clrMapOvr>
-</p:sld>
-</file>
-
-<file path=ppt/slides/slide18.xml><?xml version="1.0" encoding="utf-8"?>
-<p:sld xmlns:a="http://schemas.openxmlformats.org/drawingml/2006/main" xmlns:r="http://schemas.openxmlformats.org/officeDocument/2006/relationships" xmlns:p="http://schemas.openxmlformats.org/presentationml/2006/main">
-  <p:cSld>
-    <p:spTree>
-      <p:nvGrpSpPr>
-        <p:cNvPr id="1" name=""/>
-        <p:cNvGrpSpPr/>
-        <p:nvPr/>
-      </p:nvGrpSpPr>
-      <p:grpSpPr>
-        <a:xfrm>
-          <a:off x="0" y="0"/>
-          <a:ext cx="0" cy="0"/>
-          <a:chOff x="0" y="0"/>
-          <a:chExt cx="0" cy="0"/>
-        </a:xfrm>
-      </p:grpSpPr>
-      <p:sp>
-        <p:nvSpPr>
-          <p:cNvPr id="2" name="Title 1">
-            <a:extLst>
-              <a:ext uri="{FF2B5EF4-FFF2-40B4-BE49-F238E27FC236}">
-                <a16:creationId xmlns:a16="http://schemas.microsoft.com/office/drawing/2014/main" id="{A28203C3-2BEF-4EF7-AEBA-1ACCFDA7A8A6}"/>
-              </a:ext>
-            </a:extLst>
-          </p:cNvPr>
-          <p:cNvSpPr>
-            <a:spLocks noGrp="1"/>
-          </p:cNvSpPr>
-          <p:nvPr>
-            <p:ph type="title"/>
-          </p:nvPr>
-        </p:nvSpPr>
-        <p:spPr/>
-        <p:txBody>
-          <a:bodyPr/>
-          <a:lstStyle/>
-          <a:p>
-            <a:r>
-              <a:rPr lang="en-US" dirty="0"/>
-              <a:t>Methods</a:t>
-            </a:r>
-          </a:p>
-        </p:txBody>
-      </p:sp>
-      <p:pic>
-        <p:nvPicPr>
-          <p:cNvPr id="4" name="Picture 3">
-            <a:extLst>
-              <a:ext uri="{FF2B5EF4-FFF2-40B4-BE49-F238E27FC236}">
-                <a16:creationId xmlns:a16="http://schemas.microsoft.com/office/drawing/2014/main" id="{A4261FCF-C697-434F-98B9-FB7F62677A68}"/>
-              </a:ext>
-            </a:extLst>
-          </p:cNvPr>
-          <p:cNvPicPr>
-            <a:picLocks noChangeAspect="1"/>
-          </p:cNvPicPr>
-          <p:nvPr/>
-        </p:nvPicPr>
-        <p:blipFill>
-          <a:blip r:embed="rId3"/>
-          <a:stretch>
-            <a:fillRect/>
-          </a:stretch>
-        </p:blipFill>
-        <p:spPr>
-          <a:xfrm>
-            <a:off x="6690548" y="1852144"/>
-            <a:ext cx="5018681" cy="4457252"/>
-          </a:xfrm>
-          <a:prstGeom prst="rect">
-            <a:avLst/>
-          </a:prstGeom>
-        </p:spPr>
-      </p:pic>
-      <p:sp>
-        <p:nvSpPr>
-          <p:cNvPr id="5" name="Rectangle 4">
-            <a:extLst>
-              <a:ext uri="{FF2B5EF4-FFF2-40B4-BE49-F238E27FC236}">
-                <a16:creationId xmlns:a16="http://schemas.microsoft.com/office/drawing/2014/main" id="{4AB92A17-EC48-4FFF-BC90-F11D41643B04}"/>
-              </a:ext>
-            </a:extLst>
-          </p:cNvPr>
-          <p:cNvSpPr/>
-          <p:nvPr/>
-        </p:nvSpPr>
-        <p:spPr>
-          <a:xfrm>
-            <a:off x="6748040" y="5898776"/>
-            <a:ext cx="4867836" cy="301410"/>
-          </a:xfrm>
-          <a:prstGeom prst="rect">
-            <a:avLst/>
-          </a:prstGeom>
-          <a:noFill/>
-          <a:ln w="28575">
-            <a:solidFill>
-              <a:srgbClr val="FF0000"/>
-            </a:solidFill>
-          </a:ln>
-        </p:spPr>
-        <p:style>
-          <a:lnRef idx="2">
-            <a:schemeClr val="accent1">
-              <a:shade val="50000"/>
-            </a:schemeClr>
-          </a:lnRef>
-          <a:fillRef idx="1">
-            <a:schemeClr val="accent1"/>
-          </a:fillRef>
-          <a:effectRef idx="0">
-            <a:schemeClr val="accent1"/>
-          </a:effectRef>
-          <a:fontRef idx="minor">
-            <a:schemeClr val="lt1"/>
-          </a:fontRef>
-        </p:style>
-        <p:txBody>
-          <a:bodyPr rtlCol="0" anchor="ctr"/>
-          <a:lstStyle/>
-          <a:p>
-            <a:pPr algn="ctr"/>
-            <a:endParaRPr lang="en-US"/>
-          </a:p>
-        </p:txBody>
-      </p:sp>
-      <p:pic>
-        <p:nvPicPr>
-          <p:cNvPr id="7" name="Picture 6">
-            <a:extLst>
-              <a:ext uri="{FF2B5EF4-FFF2-40B4-BE49-F238E27FC236}">
-                <a16:creationId xmlns:a16="http://schemas.microsoft.com/office/drawing/2014/main" id="{C8ED7917-2827-4413-87D4-26575F1860DD}"/>
-              </a:ext>
-            </a:extLst>
-          </p:cNvPr>
-          <p:cNvPicPr>
-            <a:picLocks noChangeAspect="1"/>
-          </p:cNvPicPr>
-          <p:nvPr/>
-        </p:nvPicPr>
-        <p:blipFill>
-          <a:blip r:embed="rId4"/>
-          <a:stretch>
-            <a:fillRect/>
-          </a:stretch>
-        </p:blipFill>
-        <p:spPr>
-          <a:xfrm>
-            <a:off x="1250127" y="1943423"/>
-            <a:ext cx="4876353" cy="4274693"/>
-          </a:xfrm>
-          <a:prstGeom prst="rect">
-            <a:avLst/>
-          </a:prstGeom>
-        </p:spPr>
-      </p:pic>
-    </p:spTree>
-    <p:extLst>
-      <p:ext uri="{BB962C8B-B14F-4D97-AF65-F5344CB8AC3E}">
-        <p14:creationId xmlns:p14="http://schemas.microsoft.com/office/powerpoint/2010/main" val="3446921320"/>
-      </p:ext>
-    </p:extLst>
-  </p:cSld>
-  <p:clrMapOvr>
-    <a:masterClrMapping/>
-  </p:clrMapOvr>
-</p:sld>
-</file>
-
-<file path=ppt/slides/slide19.xml><?xml version="1.0" encoding="utf-8"?>
-<p:sld xmlns:a="http://schemas.openxmlformats.org/drawingml/2006/main" xmlns:r="http://schemas.openxmlformats.org/officeDocument/2006/relationships" xmlns:p="http://schemas.openxmlformats.org/presentationml/2006/main">
-  <p:cSld>
-    <p:spTree>
-      <p:nvGrpSpPr>
-        <p:cNvPr id="1" name=""/>
-        <p:cNvGrpSpPr/>
-        <p:nvPr/>
-      </p:nvGrpSpPr>
-      <p:grpSpPr>
-        <a:xfrm>
-          <a:off x="0" y="0"/>
-          <a:ext cx="0" cy="0"/>
-          <a:chOff x="0" y="0"/>
-          <a:chExt cx="0" cy="0"/>
-        </a:xfrm>
-      </p:grpSpPr>
-      <p:sp>
-        <p:nvSpPr>
-          <p:cNvPr id="2" name="Title 1">
-            <a:extLst>
-              <a:ext uri="{FF2B5EF4-FFF2-40B4-BE49-F238E27FC236}">
-                <a16:creationId xmlns:a16="http://schemas.microsoft.com/office/drawing/2014/main" id="{A28203C3-2BEF-4EF7-AEBA-1ACCFDA7A8A6}"/>
-              </a:ext>
-            </a:extLst>
-          </p:cNvPr>
-          <p:cNvSpPr>
-            <a:spLocks noGrp="1"/>
-          </p:cNvSpPr>
-          <p:nvPr>
-            <p:ph type="title"/>
-          </p:nvPr>
-        </p:nvSpPr>
-        <p:spPr/>
-        <p:txBody>
-          <a:bodyPr/>
-          <a:lstStyle/>
-          <a:p>
-            <a:r>
-              <a:rPr lang="en-US" dirty="0"/>
-              <a:t>Methods</a:t>
-            </a:r>
-          </a:p>
-        </p:txBody>
-      </p:sp>
-      <p:pic>
-        <p:nvPicPr>
-          <p:cNvPr id="7" name="Picture 6">
-            <a:extLst>
-              <a:ext uri="{FF2B5EF4-FFF2-40B4-BE49-F238E27FC236}">
-                <a16:creationId xmlns:a16="http://schemas.microsoft.com/office/drawing/2014/main" id="{C8ED7917-2827-4413-87D4-26575F1860DD}"/>
-              </a:ext>
-            </a:extLst>
-          </p:cNvPr>
-          <p:cNvPicPr>
-            <a:picLocks noChangeAspect="1"/>
-          </p:cNvPicPr>
-          <p:nvPr/>
-        </p:nvPicPr>
-        <p:blipFill>
-          <a:blip r:embed="rId3"/>
-          <a:stretch>
-            <a:fillRect/>
-          </a:stretch>
-        </p:blipFill>
-        <p:spPr>
-          <a:xfrm>
-            <a:off x="1250127" y="1943423"/>
-            <a:ext cx="4876353" cy="4274693"/>
-          </a:xfrm>
-          <a:prstGeom prst="rect">
-            <a:avLst/>
-          </a:prstGeom>
-        </p:spPr>
-      </p:pic>
-      <p:sp>
-        <p:nvSpPr>
-          <p:cNvPr id="5" name="Rectangle 4">
-            <a:extLst>
-              <a:ext uri="{FF2B5EF4-FFF2-40B4-BE49-F238E27FC236}">
-                <a16:creationId xmlns:a16="http://schemas.microsoft.com/office/drawing/2014/main" id="{4AB92A17-EC48-4FFF-BC90-F11D41643B04}"/>
-              </a:ext>
-            </a:extLst>
-          </p:cNvPr>
-          <p:cNvSpPr/>
-          <p:nvPr/>
-        </p:nvSpPr>
-        <p:spPr>
-          <a:xfrm>
-            <a:off x="4578581" y="2501152"/>
-            <a:ext cx="1454666" cy="394447"/>
-          </a:xfrm>
-          <a:prstGeom prst="rect">
-            <a:avLst/>
-          </a:prstGeom>
-          <a:noFill/>
-          <a:ln w="28575">
-            <a:solidFill>
-              <a:srgbClr val="FF0000"/>
-            </a:solidFill>
-          </a:ln>
-        </p:spPr>
-        <p:style>
-          <a:lnRef idx="2">
-            <a:schemeClr val="accent1">
-              <a:shade val="50000"/>
-            </a:schemeClr>
-          </a:lnRef>
-          <a:fillRef idx="1">
-            <a:schemeClr val="accent1"/>
-          </a:fillRef>
-          <a:effectRef idx="0">
-            <a:schemeClr val="accent1"/>
-          </a:effectRef>
-          <a:fontRef idx="minor">
-            <a:schemeClr val="lt1"/>
-          </a:fontRef>
-        </p:style>
-        <p:txBody>
-          <a:bodyPr rtlCol="0" anchor="ctr"/>
-          <a:lstStyle/>
-          <a:p>
-            <a:pPr algn="ctr"/>
-            <a:endParaRPr lang="en-US"/>
-          </a:p>
-        </p:txBody>
-      </p:sp>
-      <p:pic>
-        <p:nvPicPr>
-          <p:cNvPr id="6" name="Picture 5">
-            <a:extLst>
-              <a:ext uri="{FF2B5EF4-FFF2-40B4-BE49-F238E27FC236}">
-                <a16:creationId xmlns:a16="http://schemas.microsoft.com/office/drawing/2014/main" id="{53DF1615-A3A4-4F56-BEAF-284919621F32}"/>
-              </a:ext>
-            </a:extLst>
-          </p:cNvPr>
-          <p:cNvPicPr>
-            <a:picLocks noChangeAspect="1"/>
-          </p:cNvPicPr>
-          <p:nvPr/>
-        </p:nvPicPr>
-        <p:blipFill>
-          <a:blip r:embed="rId4"/>
-          <a:stretch>
-            <a:fillRect/>
-          </a:stretch>
-        </p:blipFill>
-        <p:spPr>
-          <a:xfrm>
-            <a:off x="7814785" y="3699716"/>
-            <a:ext cx="2819794" cy="762106"/>
-          </a:xfrm>
-          <a:prstGeom prst="rect">
-            <a:avLst/>
-          </a:prstGeom>
-        </p:spPr>
-      </p:pic>
-      <p:sp>
-        <p:nvSpPr>
-          <p:cNvPr id="8" name="Rectangle 7">
-            <a:extLst>
-              <a:ext uri="{FF2B5EF4-FFF2-40B4-BE49-F238E27FC236}">
-                <a16:creationId xmlns:a16="http://schemas.microsoft.com/office/drawing/2014/main" id="{31A95CB0-1FC2-431C-870A-41FAA7DD257D}"/>
-              </a:ext>
-            </a:extLst>
-          </p:cNvPr>
-          <p:cNvSpPr/>
-          <p:nvPr/>
-        </p:nvSpPr>
-        <p:spPr>
-          <a:xfrm>
-            <a:off x="7814785" y="3691597"/>
-            <a:ext cx="2828759" cy="770225"/>
-          </a:xfrm>
-          <a:prstGeom prst="rect">
-            <a:avLst/>
-          </a:prstGeom>
-          <a:noFill/>
-          <a:ln w="28575">
-            <a:solidFill>
-              <a:srgbClr val="FF0000"/>
-            </a:solidFill>
-          </a:ln>
-        </p:spPr>
-        <p:style>
-          <a:lnRef idx="2">
-            <a:schemeClr val="accent1">
-              <a:shade val="50000"/>
-            </a:schemeClr>
-          </a:lnRef>
-          <a:fillRef idx="1">
-            <a:schemeClr val="accent1"/>
-          </a:fillRef>
-          <a:effectRef idx="0">
-            <a:schemeClr val="accent1"/>
-          </a:effectRef>
-          <a:fontRef idx="minor">
-            <a:schemeClr val="lt1"/>
-          </a:fontRef>
-        </p:style>
-        <p:txBody>
-          <a:bodyPr rtlCol="0" anchor="ctr"/>
-          <a:lstStyle/>
-          <a:p>
-            <a:pPr algn="ctr"/>
-            <a:endParaRPr lang="en-US"/>
-          </a:p>
-        </p:txBody>
-      </p:sp>
-    </p:spTree>
-    <p:extLst>
-      <p:ext uri="{BB962C8B-B14F-4D97-AF65-F5344CB8AC3E}">
-        <p14:creationId xmlns:p14="http://schemas.microsoft.com/office/powerpoint/2010/main" val="1142027204"/>
+        <p14:creationId xmlns:p14="http://schemas.microsoft.com/office/powerpoint/2010/main" val="2913391005"/>
       </p:ext>
     </p:extLst>
   </p:cSld>
@@ -9743,1044 +6664,6 @@
 </p:sld>
 </file>
 
-<file path=ppt/slides/slide20.xml><?xml version="1.0" encoding="utf-8"?>
-<p:sld xmlns:a="http://schemas.openxmlformats.org/drawingml/2006/main" xmlns:r="http://schemas.openxmlformats.org/officeDocument/2006/relationships" xmlns:p="http://schemas.openxmlformats.org/presentationml/2006/main">
-  <p:cSld>
-    <p:spTree>
-      <p:nvGrpSpPr>
-        <p:cNvPr id="1" name=""/>
-        <p:cNvGrpSpPr/>
-        <p:nvPr/>
-      </p:nvGrpSpPr>
-      <p:grpSpPr>
-        <a:xfrm>
-          <a:off x="0" y="0"/>
-          <a:ext cx="0" cy="0"/>
-          <a:chOff x="0" y="0"/>
-          <a:chExt cx="0" cy="0"/>
-        </a:xfrm>
-      </p:grpSpPr>
-      <p:sp>
-        <p:nvSpPr>
-          <p:cNvPr id="2" name="Title 1">
-            <a:extLst>
-              <a:ext uri="{FF2B5EF4-FFF2-40B4-BE49-F238E27FC236}">
-                <a16:creationId xmlns:a16="http://schemas.microsoft.com/office/drawing/2014/main" id="{B9A7C6B1-1957-4B1A-B36A-0CDBAE2633C5}"/>
-              </a:ext>
-            </a:extLst>
-          </p:cNvPr>
-          <p:cNvSpPr>
-            <a:spLocks noGrp="1"/>
-          </p:cNvSpPr>
-          <p:nvPr>
-            <p:ph type="title"/>
-          </p:nvPr>
-        </p:nvSpPr>
-        <p:spPr/>
-        <p:txBody>
-          <a:bodyPr/>
-          <a:lstStyle/>
-          <a:p>
-            <a:r>
-              <a:rPr lang="en-US" dirty="0"/>
-              <a:t>Methods</a:t>
-            </a:r>
-          </a:p>
-        </p:txBody>
-      </p:sp>
-      <p:sp>
-        <p:nvSpPr>
-          <p:cNvPr id="3" name="Content Placeholder 2">
-            <a:extLst>
-              <a:ext uri="{FF2B5EF4-FFF2-40B4-BE49-F238E27FC236}">
-                <a16:creationId xmlns:a16="http://schemas.microsoft.com/office/drawing/2014/main" id="{D9CEF426-0877-4F07-86A7-5499EE48AC13}"/>
-              </a:ext>
-            </a:extLst>
-          </p:cNvPr>
-          <p:cNvSpPr>
-            <a:spLocks noGrp="1"/>
-          </p:cNvSpPr>
-          <p:nvPr>
-            <p:ph idx="1"/>
-          </p:nvPr>
-        </p:nvSpPr>
-        <p:spPr/>
-        <p:txBody>
-          <a:bodyPr/>
-          <a:lstStyle/>
-          <a:p>
-            <a:pPr>
-              <a:buFont typeface="Arial" panose="020B0604020202020204" pitchFamily="34" charset="0"/>
-              <a:buChar char="•"/>
-            </a:pPr>
-            <a:r>
-              <a:rPr lang="en-US" dirty="0"/>
-              <a:t> Data Sources</a:t>
-            </a:r>
-          </a:p>
-          <a:p>
-            <a:pPr lvl="1">
-              <a:buFont typeface="Arial" panose="020B0604020202020204" pitchFamily="34" charset="0"/>
-              <a:buChar char="•"/>
-            </a:pPr>
-            <a:r>
-              <a:rPr lang="en-US" dirty="0"/>
-              <a:t>COVID: New York Times dataset on GitHub</a:t>
-            </a:r>
-          </a:p>
-          <a:p>
-            <a:pPr lvl="1">
-              <a:buFont typeface="Arial" panose="020B0604020202020204" pitchFamily="34" charset="0"/>
-              <a:buChar char="•"/>
-            </a:pPr>
-            <a:r>
-              <a:rPr lang="en-US" dirty="0"/>
-              <a:t>Weather: </a:t>
-            </a:r>
-            <a:r>
-              <a:rPr lang="en-US" dirty="0" err="1"/>
-              <a:t>WeatherSource</a:t>
-            </a:r>
-            <a:r>
-              <a:rPr lang="en-US" dirty="0"/>
-              <a:t> API</a:t>
-            </a:r>
-          </a:p>
-        </p:txBody>
-      </p:sp>
-    </p:spTree>
-    <p:extLst>
-      <p:ext uri="{BB962C8B-B14F-4D97-AF65-F5344CB8AC3E}">
-        <p14:creationId xmlns:p14="http://schemas.microsoft.com/office/powerpoint/2010/main" val="801656959"/>
-      </p:ext>
-    </p:extLst>
-  </p:cSld>
-  <p:clrMapOvr>
-    <a:masterClrMapping/>
-  </p:clrMapOvr>
-</p:sld>
-</file>
-
-<file path=ppt/slides/slide21.xml><?xml version="1.0" encoding="utf-8"?>
-<p:sld xmlns:a="http://schemas.openxmlformats.org/drawingml/2006/main" xmlns:r="http://schemas.openxmlformats.org/officeDocument/2006/relationships" xmlns:p="http://schemas.openxmlformats.org/presentationml/2006/main">
-  <p:cSld>
-    <p:spTree>
-      <p:nvGrpSpPr>
-        <p:cNvPr id="1" name=""/>
-        <p:cNvGrpSpPr/>
-        <p:nvPr/>
-      </p:nvGrpSpPr>
-      <p:grpSpPr>
-        <a:xfrm>
-          <a:off x="0" y="0"/>
-          <a:ext cx="0" cy="0"/>
-          <a:chOff x="0" y="0"/>
-          <a:chExt cx="0" cy="0"/>
-        </a:xfrm>
-      </p:grpSpPr>
-      <p:sp>
-        <p:nvSpPr>
-          <p:cNvPr id="2" name="Title 1">
-            <a:extLst>
-              <a:ext uri="{FF2B5EF4-FFF2-40B4-BE49-F238E27FC236}">
-                <a16:creationId xmlns:a16="http://schemas.microsoft.com/office/drawing/2014/main" id="{088E91A3-5F37-4B2E-A77E-7DA9F4E03BE7}"/>
-              </a:ext>
-            </a:extLst>
-          </p:cNvPr>
-          <p:cNvSpPr>
-            <a:spLocks noGrp="1"/>
-          </p:cNvSpPr>
-          <p:nvPr>
-            <p:ph type="title"/>
-          </p:nvPr>
-        </p:nvSpPr>
-        <p:spPr/>
-        <p:txBody>
-          <a:bodyPr/>
-          <a:lstStyle/>
-          <a:p>
-            <a:r>
-              <a:rPr lang="en-US" dirty="0"/>
-              <a:t>Methods</a:t>
-            </a:r>
-          </a:p>
-        </p:txBody>
-      </p:sp>
-      <p:sp>
-        <p:nvSpPr>
-          <p:cNvPr id="3" name="Content Placeholder 2">
-            <a:extLst>
-              <a:ext uri="{FF2B5EF4-FFF2-40B4-BE49-F238E27FC236}">
-                <a16:creationId xmlns:a16="http://schemas.microsoft.com/office/drawing/2014/main" id="{80BF42FD-5FBB-4799-9EDA-C6EBE7892E59}"/>
-              </a:ext>
-            </a:extLst>
-          </p:cNvPr>
-          <p:cNvSpPr>
-            <a:spLocks noGrp="1"/>
-          </p:cNvSpPr>
-          <p:nvPr>
-            <p:ph idx="1"/>
-          </p:nvPr>
-        </p:nvSpPr>
-        <p:spPr/>
-        <p:txBody>
-          <a:bodyPr/>
-          <a:lstStyle/>
-          <a:p>
-            <a:pPr>
-              <a:buFont typeface="Arial" panose="020B0604020202020204" pitchFamily="34" charset="0"/>
-              <a:buChar char="•"/>
-            </a:pPr>
-            <a:r>
-              <a:rPr lang="en-US" dirty="0"/>
-              <a:t> Data transformation</a:t>
-            </a:r>
-          </a:p>
-          <a:p>
-            <a:pPr lvl="1">
-              <a:buFont typeface="Arial" panose="020B0604020202020204" pitchFamily="34" charset="0"/>
-              <a:buChar char="•"/>
-            </a:pPr>
-            <a:r>
-              <a:rPr lang="en-US" dirty="0"/>
-              <a:t>COVID-19 Cumulative Cases By Day </a:t>
-            </a:r>
-            <a:r>
-              <a:rPr lang="en-US" dirty="0">
-                <a:sym typeface="Wingdings" panose="05000000000000000000" pitchFamily="2" charset="2"/>
-              </a:rPr>
-              <a:t> New COVID-19 Infections By Day</a:t>
-            </a:r>
-            <a:endParaRPr lang="en-US" dirty="0"/>
-          </a:p>
-          <a:p>
-            <a:pPr lvl="1">
-              <a:buFont typeface="Arial" panose="020B0604020202020204" pitchFamily="34" charset="0"/>
-              <a:buChar char="•"/>
-            </a:pPr>
-            <a:r>
-              <a:rPr lang="en-US" dirty="0"/>
-              <a:t>Daily </a:t>
-            </a:r>
-            <a:r>
-              <a:rPr lang="en-US" dirty="0">
-                <a:sym typeface="Wingdings" panose="05000000000000000000" pitchFamily="2" charset="2"/>
-              </a:rPr>
-              <a:t> Weekly Average</a:t>
-            </a:r>
-          </a:p>
-          <a:p>
-            <a:pPr lvl="1">
-              <a:buFont typeface="Arial" panose="020B0604020202020204" pitchFamily="34" charset="0"/>
-              <a:buChar char="•"/>
-            </a:pPr>
-            <a:r>
-              <a:rPr lang="en-US" dirty="0">
-                <a:sym typeface="Wingdings" panose="05000000000000000000" pitchFamily="2" charset="2"/>
-              </a:rPr>
-              <a:t>Daily  7-Day Rolling average</a:t>
-            </a:r>
-            <a:endParaRPr lang="en-US" dirty="0"/>
-          </a:p>
-        </p:txBody>
-      </p:sp>
-    </p:spTree>
-    <p:extLst>
-      <p:ext uri="{BB962C8B-B14F-4D97-AF65-F5344CB8AC3E}">
-        <p14:creationId xmlns:p14="http://schemas.microsoft.com/office/powerpoint/2010/main" val="33067120"/>
-      </p:ext>
-    </p:extLst>
-  </p:cSld>
-  <p:clrMapOvr>
-    <a:masterClrMapping/>
-  </p:clrMapOvr>
-</p:sld>
-</file>
-
-<file path=ppt/slides/slide22.xml><?xml version="1.0" encoding="utf-8"?>
-<p:sld xmlns:a="http://schemas.openxmlformats.org/drawingml/2006/main" xmlns:r="http://schemas.openxmlformats.org/officeDocument/2006/relationships" xmlns:p="http://schemas.openxmlformats.org/presentationml/2006/main">
-  <p:cSld>
-    <p:spTree>
-      <p:nvGrpSpPr>
-        <p:cNvPr id="1" name=""/>
-        <p:cNvGrpSpPr/>
-        <p:nvPr/>
-      </p:nvGrpSpPr>
-      <p:grpSpPr>
-        <a:xfrm>
-          <a:off x="0" y="0"/>
-          <a:ext cx="0" cy="0"/>
-          <a:chOff x="0" y="0"/>
-          <a:chExt cx="0" cy="0"/>
-        </a:xfrm>
-      </p:grpSpPr>
-      <p:sp>
-        <p:nvSpPr>
-          <p:cNvPr id="2" name="Title 1">
-            <a:extLst>
-              <a:ext uri="{FF2B5EF4-FFF2-40B4-BE49-F238E27FC236}">
-                <a16:creationId xmlns:a16="http://schemas.microsoft.com/office/drawing/2014/main" id="{088E91A3-5F37-4B2E-A77E-7DA9F4E03BE7}"/>
-              </a:ext>
-            </a:extLst>
-          </p:cNvPr>
-          <p:cNvSpPr>
-            <a:spLocks noGrp="1"/>
-          </p:cNvSpPr>
-          <p:nvPr>
-            <p:ph type="title"/>
-          </p:nvPr>
-        </p:nvSpPr>
-        <p:spPr/>
-        <p:txBody>
-          <a:bodyPr/>
-          <a:lstStyle/>
-          <a:p>
-            <a:r>
-              <a:rPr lang="en-US" dirty="0"/>
-              <a:t>Methods</a:t>
-            </a:r>
-          </a:p>
-        </p:txBody>
-      </p:sp>
-      <p:sp>
-        <p:nvSpPr>
-          <p:cNvPr id="3" name="Content Placeholder 2">
-            <a:extLst>
-              <a:ext uri="{FF2B5EF4-FFF2-40B4-BE49-F238E27FC236}">
-                <a16:creationId xmlns:a16="http://schemas.microsoft.com/office/drawing/2014/main" id="{80BF42FD-5FBB-4799-9EDA-C6EBE7892E59}"/>
-              </a:ext>
-            </a:extLst>
-          </p:cNvPr>
-          <p:cNvSpPr>
-            <a:spLocks noGrp="1"/>
-          </p:cNvSpPr>
-          <p:nvPr>
-            <p:ph idx="1"/>
-          </p:nvPr>
-        </p:nvSpPr>
-        <p:spPr>
-          <a:xfrm>
-            <a:off x="1097280" y="1845734"/>
-            <a:ext cx="10058400" cy="2470947"/>
-          </a:xfrm>
-        </p:spPr>
-        <p:txBody>
-          <a:bodyPr>
-            <a:normAutofit fontScale="92500" lnSpcReduction="20000"/>
-          </a:bodyPr>
-          <a:lstStyle/>
-          <a:p>
-            <a:pPr>
-              <a:buFont typeface="Arial" panose="020B0604020202020204" pitchFamily="34" charset="0"/>
-              <a:buChar char="•"/>
-            </a:pPr>
-            <a:r>
-              <a:rPr lang="en-US" dirty="0"/>
-              <a:t> Resources</a:t>
-            </a:r>
-          </a:p>
-          <a:p>
-            <a:pPr lvl="1">
-              <a:buFont typeface="Arial" panose="020B0604020202020204" pitchFamily="34" charset="0"/>
-              <a:buChar char="•"/>
-            </a:pPr>
-            <a:r>
-              <a:rPr lang="en-US" dirty="0"/>
-              <a:t>Azure</a:t>
-            </a:r>
-          </a:p>
-          <a:p>
-            <a:pPr lvl="2">
-              <a:buFont typeface="Arial" panose="020B0604020202020204" pitchFamily="34" charset="0"/>
-              <a:buChar char="•"/>
-            </a:pPr>
-            <a:r>
-              <a:rPr lang="en-US" dirty="0"/>
-              <a:t>App Service</a:t>
-            </a:r>
-          </a:p>
-          <a:p>
-            <a:pPr lvl="3">
-              <a:buFont typeface="Arial" panose="020B0604020202020204" pitchFamily="34" charset="0"/>
-              <a:buChar char="•"/>
-            </a:pPr>
-            <a:r>
-              <a:rPr lang="en-US" dirty="0"/>
-              <a:t>ASP.NET Core Web App (Angular frontend, API endpoints)</a:t>
-            </a:r>
-          </a:p>
-          <a:p>
-            <a:pPr lvl="2">
-              <a:buFont typeface="Arial" panose="020B0604020202020204" pitchFamily="34" charset="0"/>
-              <a:buChar char="•"/>
-            </a:pPr>
-            <a:r>
-              <a:rPr lang="en-US" dirty="0"/>
-              <a:t>Azure SQL Database</a:t>
-            </a:r>
-          </a:p>
-          <a:p>
-            <a:pPr lvl="3">
-              <a:buFont typeface="Arial" panose="020B0604020202020204" pitchFamily="34" charset="0"/>
-              <a:buChar char="•"/>
-            </a:pPr>
-            <a:r>
-              <a:rPr lang="en-US" dirty="0"/>
-              <a:t>COVID-19 data</a:t>
-            </a:r>
-          </a:p>
-          <a:p>
-            <a:pPr lvl="2">
-              <a:buFont typeface="Arial" panose="020B0604020202020204" pitchFamily="34" charset="0"/>
-              <a:buChar char="•"/>
-            </a:pPr>
-            <a:r>
-              <a:rPr lang="en-US" dirty="0"/>
-              <a:t>Azure Function or </a:t>
-            </a:r>
-            <a:r>
-              <a:rPr lang="en-US" dirty="0" err="1"/>
-              <a:t>WebJob</a:t>
-            </a:r>
-            <a:endParaRPr lang="en-US" dirty="0"/>
-          </a:p>
-          <a:p>
-            <a:pPr lvl="3">
-              <a:buFont typeface="Arial" panose="020B0604020202020204" pitchFamily="34" charset="0"/>
-              <a:buChar char="•"/>
-            </a:pPr>
-            <a:r>
-              <a:rPr lang="en-US" dirty="0"/>
-              <a:t>Recurring update of COVID-19 data</a:t>
-            </a:r>
-          </a:p>
-          <a:p>
-            <a:pPr lvl="1">
-              <a:buFont typeface="Arial" panose="020B0604020202020204" pitchFamily="34" charset="0"/>
-              <a:buChar char="•"/>
-            </a:pPr>
-            <a:r>
-              <a:rPr lang="en-US" dirty="0"/>
-              <a:t>GitHub</a:t>
-            </a:r>
-          </a:p>
-          <a:p>
-            <a:pPr lvl="2">
-              <a:buFont typeface="Arial" panose="020B0604020202020204" pitchFamily="34" charset="0"/>
-              <a:buChar char="•"/>
-            </a:pPr>
-            <a:r>
-              <a:rPr lang="en-US" dirty="0"/>
-              <a:t>GitHub Actions</a:t>
-            </a:r>
-          </a:p>
-        </p:txBody>
-      </p:sp>
-    </p:spTree>
-    <p:extLst>
-      <p:ext uri="{BB962C8B-B14F-4D97-AF65-F5344CB8AC3E}">
-        <p14:creationId xmlns:p14="http://schemas.microsoft.com/office/powerpoint/2010/main" val="3992672966"/>
-      </p:ext>
-    </p:extLst>
-  </p:cSld>
-  <p:clrMapOvr>
-    <a:masterClrMapping/>
-  </p:clrMapOvr>
-</p:sld>
-</file>
-
-<file path=ppt/slides/slide23.xml><?xml version="1.0" encoding="utf-8"?>
-<p:sld xmlns:a="http://schemas.openxmlformats.org/drawingml/2006/main" xmlns:r="http://schemas.openxmlformats.org/officeDocument/2006/relationships" xmlns:p="http://schemas.openxmlformats.org/presentationml/2006/main">
-  <p:cSld>
-    <p:spTree>
-      <p:nvGrpSpPr>
-        <p:cNvPr id="1" name=""/>
-        <p:cNvGrpSpPr/>
-        <p:nvPr/>
-      </p:nvGrpSpPr>
-      <p:grpSpPr>
-        <a:xfrm>
-          <a:off x="0" y="0"/>
-          <a:ext cx="0" cy="0"/>
-          <a:chOff x="0" y="0"/>
-          <a:chExt cx="0" cy="0"/>
-        </a:xfrm>
-      </p:grpSpPr>
-      <p:sp>
-        <p:nvSpPr>
-          <p:cNvPr id="2" name="Title 1">
-            <a:extLst>
-              <a:ext uri="{FF2B5EF4-FFF2-40B4-BE49-F238E27FC236}">
-                <a16:creationId xmlns:a16="http://schemas.microsoft.com/office/drawing/2014/main" id="{D21819B3-6076-416F-A80B-221958672587}"/>
-              </a:ext>
-            </a:extLst>
-          </p:cNvPr>
-          <p:cNvSpPr>
-            <a:spLocks noGrp="1"/>
-          </p:cNvSpPr>
-          <p:nvPr>
-            <p:ph type="title"/>
-          </p:nvPr>
-        </p:nvSpPr>
-        <p:spPr/>
-        <p:txBody>
-          <a:bodyPr/>
-          <a:lstStyle/>
-          <a:p>
-            <a:r>
-              <a:rPr lang="en-US" dirty="0"/>
-              <a:t>Timeline</a:t>
-            </a:r>
-          </a:p>
-        </p:txBody>
-      </p:sp>
-      <p:pic>
-        <p:nvPicPr>
-          <p:cNvPr id="4" name="Picture 3">
-            <a:extLst>
-              <a:ext uri="{FF2B5EF4-FFF2-40B4-BE49-F238E27FC236}">
-                <a16:creationId xmlns:a16="http://schemas.microsoft.com/office/drawing/2014/main" id="{12ADE9D2-2896-4E11-9D80-4224DE143D3C}"/>
-              </a:ext>
-            </a:extLst>
-          </p:cNvPr>
-          <p:cNvPicPr>
-            <a:picLocks noChangeAspect="1"/>
-          </p:cNvPicPr>
-          <p:nvPr/>
-        </p:nvPicPr>
-        <p:blipFill>
-          <a:blip r:embed="rId3"/>
-          <a:stretch>
-            <a:fillRect/>
-          </a:stretch>
-        </p:blipFill>
-        <p:spPr>
-          <a:xfrm>
-            <a:off x="3050014" y="1864659"/>
-            <a:ext cx="6091972" cy="4416977"/>
-          </a:xfrm>
-          <a:prstGeom prst="rect">
-            <a:avLst/>
-          </a:prstGeom>
-        </p:spPr>
-      </p:pic>
-    </p:spTree>
-    <p:extLst>
-      <p:ext uri="{BB962C8B-B14F-4D97-AF65-F5344CB8AC3E}">
-        <p14:creationId xmlns:p14="http://schemas.microsoft.com/office/powerpoint/2010/main" val="389375450"/>
-      </p:ext>
-    </p:extLst>
-  </p:cSld>
-  <p:clrMapOvr>
-    <a:masterClrMapping/>
-  </p:clrMapOvr>
-</p:sld>
-</file>
-
-<file path=ppt/slides/slide24.xml><?xml version="1.0" encoding="utf-8"?>
-<p:sld xmlns:a="http://schemas.openxmlformats.org/drawingml/2006/main" xmlns:r="http://schemas.openxmlformats.org/officeDocument/2006/relationships" xmlns:p="http://schemas.openxmlformats.org/presentationml/2006/main">
-  <p:cSld>
-    <p:spTree>
-      <p:nvGrpSpPr>
-        <p:cNvPr id="1" name=""/>
-        <p:cNvGrpSpPr/>
-        <p:nvPr/>
-      </p:nvGrpSpPr>
-      <p:grpSpPr>
-        <a:xfrm>
-          <a:off x="0" y="0"/>
-          <a:ext cx="0" cy="0"/>
-          <a:chOff x="0" y="0"/>
-          <a:chExt cx="0" cy="0"/>
-        </a:xfrm>
-      </p:grpSpPr>
-      <p:sp>
-        <p:nvSpPr>
-          <p:cNvPr id="2" name="Title 1">
-            <a:extLst>
-              <a:ext uri="{FF2B5EF4-FFF2-40B4-BE49-F238E27FC236}">
-                <a16:creationId xmlns:a16="http://schemas.microsoft.com/office/drawing/2014/main" id="{AA50913D-50C9-4BEB-B064-97CFB2D3898E}"/>
-              </a:ext>
-            </a:extLst>
-          </p:cNvPr>
-          <p:cNvSpPr>
-            <a:spLocks noGrp="1"/>
-          </p:cNvSpPr>
-          <p:nvPr>
-            <p:ph type="title"/>
-          </p:nvPr>
-        </p:nvSpPr>
-        <p:spPr/>
-        <p:txBody>
-          <a:bodyPr/>
-          <a:lstStyle/>
-          <a:p>
-            <a:r>
-              <a:rPr lang="en-US" dirty="0"/>
-              <a:t>Summary</a:t>
-            </a:r>
-          </a:p>
-        </p:txBody>
-      </p:sp>
-      <p:pic>
-        <p:nvPicPr>
-          <p:cNvPr id="5" name="Picture 4">
-            <a:extLst>
-              <a:ext uri="{FF2B5EF4-FFF2-40B4-BE49-F238E27FC236}">
-                <a16:creationId xmlns:a16="http://schemas.microsoft.com/office/drawing/2014/main" id="{7B0ACCDE-ABDE-4BA0-8216-0CAB333B7FCD}"/>
-              </a:ext>
-            </a:extLst>
-          </p:cNvPr>
-          <p:cNvPicPr>
-            <a:picLocks noChangeAspect="1"/>
-          </p:cNvPicPr>
-          <p:nvPr/>
-        </p:nvPicPr>
-        <p:blipFill>
-          <a:blip r:embed="rId3"/>
-          <a:stretch>
-            <a:fillRect/>
-          </a:stretch>
-        </p:blipFill>
-        <p:spPr>
-          <a:xfrm>
-            <a:off x="3525304" y="1843179"/>
-            <a:ext cx="5141392" cy="4047586"/>
-          </a:xfrm>
-          <a:prstGeom prst="rect">
-            <a:avLst/>
-          </a:prstGeom>
-        </p:spPr>
-      </p:pic>
-    </p:spTree>
-    <p:extLst>
-      <p:ext uri="{BB962C8B-B14F-4D97-AF65-F5344CB8AC3E}">
-        <p14:creationId xmlns:p14="http://schemas.microsoft.com/office/powerpoint/2010/main" val="936432580"/>
-      </p:ext>
-    </p:extLst>
-  </p:cSld>
-  <p:clrMapOvr>
-    <a:masterClrMapping/>
-  </p:clrMapOvr>
-</p:sld>
-</file>
-
-<file path=ppt/slides/slide25.xml><?xml version="1.0" encoding="utf-8"?>
-<p:sld xmlns:a="http://schemas.openxmlformats.org/drawingml/2006/main" xmlns:r="http://schemas.openxmlformats.org/officeDocument/2006/relationships" xmlns:p="http://schemas.openxmlformats.org/presentationml/2006/main">
-  <p:cSld>
-    <p:spTree>
-      <p:nvGrpSpPr>
-        <p:cNvPr id="1" name=""/>
-        <p:cNvGrpSpPr/>
-        <p:nvPr/>
-      </p:nvGrpSpPr>
-      <p:grpSpPr>
-        <a:xfrm>
-          <a:off x="0" y="0"/>
-          <a:ext cx="0" cy="0"/>
-          <a:chOff x="0" y="0"/>
-          <a:chExt cx="0" cy="0"/>
-        </a:xfrm>
-      </p:grpSpPr>
-      <p:sp>
-        <p:nvSpPr>
-          <p:cNvPr id="2" name="Title 1">
-            <a:extLst>
-              <a:ext uri="{FF2B5EF4-FFF2-40B4-BE49-F238E27FC236}">
-                <a16:creationId xmlns:a16="http://schemas.microsoft.com/office/drawing/2014/main" id="{82DD6E07-19C6-4FEB-A0A6-92AEBB5335B3}"/>
-              </a:ext>
-            </a:extLst>
-          </p:cNvPr>
-          <p:cNvSpPr>
-            <a:spLocks noGrp="1"/>
-          </p:cNvSpPr>
-          <p:nvPr>
-            <p:ph type="title"/>
-          </p:nvPr>
-        </p:nvSpPr>
-        <p:spPr/>
-        <p:txBody>
-          <a:bodyPr/>
-          <a:lstStyle/>
-          <a:p>
-            <a:r>
-              <a:rPr lang="en-US" dirty="0"/>
-              <a:t>Questions</a:t>
-            </a:r>
-          </a:p>
-        </p:txBody>
-      </p:sp>
-      <p:pic>
-        <p:nvPicPr>
-          <p:cNvPr id="5" name="Graphic 4" descr="Questions outline">
-            <a:extLst>
-              <a:ext uri="{FF2B5EF4-FFF2-40B4-BE49-F238E27FC236}">
-                <a16:creationId xmlns:a16="http://schemas.microsoft.com/office/drawing/2014/main" id="{E5F44529-D1F0-40CA-83AA-3D8492B0BFD1}"/>
-              </a:ext>
-            </a:extLst>
-          </p:cNvPr>
-          <p:cNvPicPr>
-            <a:picLocks noChangeAspect="1"/>
-          </p:cNvPicPr>
-          <p:nvPr/>
-        </p:nvPicPr>
-        <p:blipFill>
-          <a:blip r:embed="rId3">
-            <a:extLst>
-              <a:ext uri="{28A0092B-C50C-407E-A947-70E740481C1C}">
-                <a14:useLocalDpi xmlns:a14="http://schemas.microsoft.com/office/drawing/2010/main" val="0"/>
-              </a:ext>
-              <a:ext uri="{96DAC541-7B7A-43D3-8B79-37D633B846F1}">
-                <asvg:svgBlip xmlns:asvg="http://schemas.microsoft.com/office/drawing/2016/SVG/main" r:embed="rId4"/>
-              </a:ext>
-            </a:extLst>
-          </a:blip>
-          <a:stretch>
-            <a:fillRect/>
-          </a:stretch>
-        </p:blipFill>
-        <p:spPr>
-          <a:xfrm>
-            <a:off x="4414652" y="2087088"/>
-            <a:ext cx="3362696" cy="3362696"/>
-          </a:xfrm>
-          <a:prstGeom prst="rect">
-            <a:avLst/>
-          </a:prstGeom>
-        </p:spPr>
-      </p:pic>
-    </p:spTree>
-    <p:extLst>
-      <p:ext uri="{BB962C8B-B14F-4D97-AF65-F5344CB8AC3E}">
-        <p14:creationId xmlns:p14="http://schemas.microsoft.com/office/powerpoint/2010/main" val="154922705"/>
-      </p:ext>
-    </p:extLst>
-  </p:cSld>
-  <p:clrMapOvr>
-    <a:masterClrMapping/>
-  </p:clrMapOvr>
-</p:sld>
-</file>
-
-<file path=ppt/slides/slide26.xml><?xml version="1.0" encoding="utf-8"?>
-<p:sld xmlns:a="http://schemas.openxmlformats.org/drawingml/2006/main" xmlns:r="http://schemas.openxmlformats.org/officeDocument/2006/relationships" xmlns:p="http://schemas.openxmlformats.org/presentationml/2006/main">
-  <p:cSld>
-    <p:spTree>
-      <p:nvGrpSpPr>
-        <p:cNvPr id="1" name=""/>
-        <p:cNvGrpSpPr/>
-        <p:nvPr/>
-      </p:nvGrpSpPr>
-      <p:grpSpPr>
-        <a:xfrm>
-          <a:off x="0" y="0"/>
-          <a:ext cx="0" cy="0"/>
-          <a:chOff x="0" y="0"/>
-          <a:chExt cx="0" cy="0"/>
-        </a:xfrm>
-      </p:grpSpPr>
-      <p:sp>
-        <p:nvSpPr>
-          <p:cNvPr id="2" name="Title 1">
-            <a:extLst>
-              <a:ext uri="{FF2B5EF4-FFF2-40B4-BE49-F238E27FC236}">
-                <a16:creationId xmlns:a16="http://schemas.microsoft.com/office/drawing/2014/main" id="{7E56B199-217F-4C08-BCAD-21427D5F321A}"/>
-              </a:ext>
-            </a:extLst>
-          </p:cNvPr>
-          <p:cNvSpPr>
-            <a:spLocks noGrp="1"/>
-          </p:cNvSpPr>
-          <p:nvPr>
-            <p:ph type="title"/>
-          </p:nvPr>
-        </p:nvSpPr>
-        <p:spPr/>
-        <p:txBody>
-          <a:bodyPr/>
-          <a:lstStyle/>
-          <a:p>
-            <a:r>
-              <a:rPr lang="en-US" dirty="0"/>
-              <a:t>References</a:t>
-            </a:r>
-          </a:p>
-        </p:txBody>
-      </p:sp>
-      <p:sp>
-        <p:nvSpPr>
-          <p:cNvPr id="3" name="Content Placeholder 2">
-            <a:extLst>
-              <a:ext uri="{FF2B5EF4-FFF2-40B4-BE49-F238E27FC236}">
-                <a16:creationId xmlns:a16="http://schemas.microsoft.com/office/drawing/2014/main" id="{CF8BDA0A-5716-4574-8715-B9E7023453FC}"/>
-              </a:ext>
-            </a:extLst>
-          </p:cNvPr>
-          <p:cNvSpPr>
-            <a:spLocks noGrp="1"/>
-          </p:cNvSpPr>
-          <p:nvPr>
-            <p:ph idx="1"/>
-          </p:nvPr>
-        </p:nvSpPr>
-        <p:spPr/>
-        <p:txBody>
-          <a:bodyPr>
-            <a:normAutofit lnSpcReduction="10000"/>
-          </a:bodyPr>
-          <a:lstStyle/>
-          <a:p>
-            <a:pPr>
-              <a:buFont typeface="Arial" panose="020B0604020202020204" pitchFamily="34" charset="0"/>
-              <a:buChar char="•"/>
-            </a:pPr>
-            <a:r>
-              <a:rPr lang="en-US" dirty="0"/>
-              <a:t> </a:t>
-            </a:r>
-            <a:r>
-              <a:rPr lang="en-US" sz="1800" dirty="0" err="1">
-                <a:effectLst/>
-                <a:latin typeface="Calibri" panose="020F0502020204030204" pitchFamily="34" charset="0"/>
-                <a:ea typeface="Calibri" panose="020F0502020204030204" pitchFamily="34" charset="0"/>
-                <a:cs typeface="Times New Roman" panose="02020603050405020304" pitchFamily="18" charset="0"/>
-              </a:rPr>
-              <a:t>Jamshidi</a:t>
-            </a:r>
-            <a:r>
-              <a:rPr lang="en-US" sz="1800" dirty="0">
-                <a:effectLst/>
-                <a:latin typeface="Calibri" panose="020F0502020204030204" pitchFamily="34" charset="0"/>
-                <a:ea typeface="Calibri" panose="020F0502020204030204" pitchFamily="34" charset="0"/>
-                <a:cs typeface="Times New Roman" panose="02020603050405020304" pitchFamily="18" charset="0"/>
-              </a:rPr>
-              <a:t>, S., </a:t>
-            </a:r>
-            <a:r>
-              <a:rPr lang="en-US" sz="1800" dirty="0" err="1">
-                <a:effectLst/>
-                <a:latin typeface="Calibri" panose="020F0502020204030204" pitchFamily="34" charset="0"/>
-                <a:ea typeface="Calibri" panose="020F0502020204030204" pitchFamily="34" charset="0"/>
-                <a:cs typeface="Times New Roman" panose="02020603050405020304" pitchFamily="18" charset="0"/>
-              </a:rPr>
-              <a:t>Baniasad</a:t>
-            </a:r>
-            <a:r>
-              <a:rPr lang="en-US" sz="1800" dirty="0">
-                <a:effectLst/>
-                <a:latin typeface="Calibri" panose="020F0502020204030204" pitchFamily="34" charset="0"/>
-                <a:ea typeface="Calibri" panose="020F0502020204030204" pitchFamily="34" charset="0"/>
-                <a:cs typeface="Times New Roman" panose="02020603050405020304" pitchFamily="18" charset="0"/>
-              </a:rPr>
-              <a:t>, M., &amp; Niyogi, D. (2020). Global to USA County Scale Analysis of Weather, Urban Density, Mobility, Homestay, and Mask Use on COVID-19. International Journal of Environmental Research and Public Health, 17(21), 7847. </a:t>
-            </a:r>
-            <a:r>
-              <a:rPr lang="en-US" sz="1800" u="sng" dirty="0">
-                <a:solidFill>
-                  <a:srgbClr val="0563C1"/>
-                </a:solidFill>
-                <a:effectLst/>
-                <a:latin typeface="Calibri" panose="020F0502020204030204" pitchFamily="34" charset="0"/>
-                <a:ea typeface="Calibri" panose="020F0502020204030204" pitchFamily="34" charset="0"/>
-                <a:cs typeface="Times New Roman" panose="02020603050405020304" pitchFamily="18" charset="0"/>
-                <a:hlinkClick r:id="rId2"/>
-              </a:rPr>
-              <a:t>https://doi.org/10.3390/ijerph17217847</a:t>
-            </a:r>
-            <a:endParaRPr lang="en-US" sz="1800" u="sng" dirty="0">
-              <a:solidFill>
-                <a:srgbClr val="0563C1"/>
-              </a:solidFill>
-              <a:effectLst/>
-              <a:latin typeface="Calibri" panose="020F0502020204030204" pitchFamily="34" charset="0"/>
-              <a:ea typeface="Calibri" panose="020F0502020204030204" pitchFamily="34" charset="0"/>
-              <a:cs typeface="Times New Roman" panose="02020603050405020304" pitchFamily="18" charset="0"/>
-            </a:endParaRPr>
-          </a:p>
-          <a:p>
-            <a:pPr>
-              <a:buFont typeface="Arial" panose="020B0604020202020204" pitchFamily="34" charset="0"/>
-              <a:buChar char="•"/>
-            </a:pPr>
-            <a:r>
-              <a:rPr lang="en-US" sz="1800" dirty="0">
-                <a:effectLst/>
-                <a:latin typeface="Calibri" panose="020F0502020204030204" pitchFamily="34" charset="0"/>
-                <a:ea typeface="Calibri" panose="020F0502020204030204" pitchFamily="34" charset="0"/>
-                <a:cs typeface="Times New Roman" panose="02020603050405020304" pitchFamily="18" charset="0"/>
-              </a:rPr>
-              <a:t>Lee, Victor R, and Michelle H Wilkerson. “Data Use by Middle and Secondary Students in the Digital Age: A Status Report and Future Prospects,” n.d., 43.</a:t>
-            </a:r>
-            <a:endParaRPr lang="en-US" sz="1800" u="sng" dirty="0">
-              <a:solidFill>
-                <a:srgbClr val="0563C1"/>
-              </a:solidFill>
-              <a:effectLst/>
-              <a:latin typeface="Calibri" panose="020F0502020204030204" pitchFamily="34" charset="0"/>
-              <a:ea typeface="Calibri" panose="020F0502020204030204" pitchFamily="34" charset="0"/>
-              <a:cs typeface="Times New Roman" panose="02020603050405020304" pitchFamily="18" charset="0"/>
-            </a:endParaRPr>
-          </a:p>
-          <a:p>
-            <a:pPr>
-              <a:buFont typeface="Arial" panose="020B0604020202020204" pitchFamily="34" charset="0"/>
-              <a:buChar char="•"/>
-            </a:pPr>
-            <a:r>
-              <a:rPr lang="en-US" sz="1800" dirty="0" err="1">
-                <a:effectLst/>
-                <a:latin typeface="Calibri" panose="020F0502020204030204" pitchFamily="34" charset="0"/>
-                <a:ea typeface="Calibri" panose="020F0502020204030204" pitchFamily="34" charset="0"/>
-                <a:cs typeface="Times New Roman" panose="02020603050405020304" pitchFamily="18" charset="0"/>
-              </a:rPr>
-              <a:t>McClymont</a:t>
-            </a:r>
-            <a:r>
-              <a:rPr lang="en-US" sz="1800" dirty="0">
-                <a:effectLst/>
-                <a:latin typeface="Calibri" panose="020F0502020204030204" pitchFamily="34" charset="0"/>
-                <a:ea typeface="Calibri" panose="020F0502020204030204" pitchFamily="34" charset="0"/>
-                <a:cs typeface="Times New Roman" panose="02020603050405020304" pitchFamily="18" charset="0"/>
-              </a:rPr>
-              <a:t>, H., &amp; Hu, W. (2021). Weather Variability and COVID-19 Transmission: A Review of Recent Research. International Journal of Environmental Research and Public Health, 18(2), 396. </a:t>
-            </a:r>
-            <a:r>
-              <a:rPr lang="en-US" sz="1800" u="sng" dirty="0">
-                <a:solidFill>
-                  <a:srgbClr val="0563C1"/>
-                </a:solidFill>
-                <a:effectLst/>
-                <a:latin typeface="Calibri" panose="020F0502020204030204" pitchFamily="34" charset="0"/>
-                <a:ea typeface="Calibri" panose="020F0502020204030204" pitchFamily="34" charset="0"/>
-                <a:cs typeface="Times New Roman" panose="02020603050405020304" pitchFamily="18" charset="0"/>
-                <a:hlinkClick r:id="rId3"/>
-              </a:rPr>
-              <a:t>https://doi.org/10.3390/ijerph18020396</a:t>
-            </a:r>
-            <a:endParaRPr lang="en-US" sz="1800" u="sng" dirty="0">
-              <a:solidFill>
-                <a:srgbClr val="0563C1"/>
-              </a:solidFill>
-              <a:effectLst/>
-              <a:latin typeface="Calibri" panose="020F0502020204030204" pitchFamily="34" charset="0"/>
-              <a:ea typeface="Calibri" panose="020F0502020204030204" pitchFamily="34" charset="0"/>
-              <a:cs typeface="Times New Roman" panose="02020603050405020304" pitchFamily="18" charset="0"/>
-            </a:endParaRPr>
-          </a:p>
-          <a:p>
-            <a:pPr>
-              <a:buFont typeface="Arial" panose="020B0604020202020204" pitchFamily="34" charset="0"/>
-              <a:buChar char="•"/>
-            </a:pPr>
-            <a:r>
-              <a:rPr lang="en-US" dirty="0"/>
-              <a:t>Shah, P., &amp; </a:t>
-            </a:r>
-            <a:r>
-              <a:rPr lang="en-US" dirty="0" err="1"/>
-              <a:t>Hoeffner</a:t>
-            </a:r>
-            <a:r>
-              <a:rPr lang="en-US" dirty="0"/>
-              <a:t>, J. (2002). Review of Graph Comprehension Research: Implications for Instruction. Educational Psychology Review, 14(1), 47–69. </a:t>
-            </a:r>
-            <a:r>
-              <a:rPr lang="en-US" u="sng" dirty="0">
-                <a:hlinkClick r:id="rId4"/>
-              </a:rPr>
-              <a:t>https://doi.org/10.1023/A:1013180410169</a:t>
-            </a:r>
-            <a:endParaRPr lang="en-US" dirty="0"/>
-          </a:p>
-          <a:p>
-            <a:pPr>
-              <a:buFont typeface="Arial" panose="020B0604020202020204" pitchFamily="34" charset="0"/>
-              <a:buChar char="•"/>
-            </a:pPr>
-            <a:r>
-              <a:rPr lang="en-US" dirty="0"/>
-              <a:t> </a:t>
-            </a:r>
-            <a:r>
-              <a:rPr lang="en-US" sz="1800" dirty="0">
-                <a:effectLst/>
-                <a:latin typeface="Calibri" panose="020F0502020204030204" pitchFamily="34" charset="0"/>
-                <a:ea typeface="Calibri" panose="020F0502020204030204" pitchFamily="34" charset="0"/>
-                <a:cs typeface="Times New Roman" panose="02020603050405020304" pitchFamily="18" charset="0"/>
-              </a:rPr>
-              <a:t>Roussel, M., </a:t>
-            </a:r>
-            <a:r>
-              <a:rPr lang="en-US" sz="1800" dirty="0" err="1">
-                <a:effectLst/>
-                <a:latin typeface="Calibri" panose="020F0502020204030204" pitchFamily="34" charset="0"/>
-                <a:ea typeface="Calibri" panose="020F0502020204030204" pitchFamily="34" charset="0"/>
-                <a:cs typeface="Times New Roman" panose="02020603050405020304" pitchFamily="18" charset="0"/>
-              </a:rPr>
-              <a:t>Pontier</a:t>
-            </a:r>
-            <a:r>
-              <a:rPr lang="en-US" sz="1800" dirty="0">
-                <a:effectLst/>
-                <a:latin typeface="Calibri" panose="020F0502020204030204" pitchFamily="34" charset="0"/>
-                <a:ea typeface="Calibri" panose="020F0502020204030204" pitchFamily="34" charset="0"/>
-                <a:cs typeface="Times New Roman" panose="02020603050405020304" pitchFamily="18" charset="0"/>
-              </a:rPr>
-              <a:t>, D., Cohen, J.-M., Lina, B., &amp; </a:t>
-            </a:r>
-            <a:r>
-              <a:rPr lang="en-US" sz="1800" dirty="0" err="1">
-                <a:effectLst/>
-                <a:latin typeface="Calibri" panose="020F0502020204030204" pitchFamily="34" charset="0"/>
-                <a:ea typeface="Calibri" panose="020F0502020204030204" pitchFamily="34" charset="0"/>
-                <a:cs typeface="Times New Roman" panose="02020603050405020304" pitchFamily="18" charset="0"/>
-              </a:rPr>
-              <a:t>Fouchet</a:t>
-            </a:r>
-            <a:r>
-              <a:rPr lang="en-US" sz="1800" dirty="0">
-                <a:effectLst/>
-                <a:latin typeface="Calibri" panose="020F0502020204030204" pitchFamily="34" charset="0"/>
-                <a:ea typeface="Calibri" panose="020F0502020204030204" pitchFamily="34" charset="0"/>
-                <a:cs typeface="Times New Roman" panose="02020603050405020304" pitchFamily="18" charset="0"/>
-              </a:rPr>
-              <a:t>, D. (2016). Quantifying the role of weather on seasonal influenza. BMC Public Health, 16, 441. </a:t>
-            </a:r>
-            <a:r>
-              <a:rPr lang="en-US" sz="1800" u="sng" dirty="0">
-                <a:solidFill>
-                  <a:srgbClr val="0563C1"/>
-                </a:solidFill>
-                <a:effectLst/>
-                <a:latin typeface="Calibri" panose="020F0502020204030204" pitchFamily="34" charset="0"/>
-                <a:ea typeface="Calibri" panose="020F0502020204030204" pitchFamily="34" charset="0"/>
-                <a:cs typeface="Times New Roman" panose="02020603050405020304" pitchFamily="18" charset="0"/>
-                <a:hlinkClick r:id="rId5"/>
-              </a:rPr>
-              <a:t>https://doi.org/10.1186/s12889-016-3114-x</a:t>
-            </a:r>
-            <a:endParaRPr lang="en-US" sz="1800" dirty="0">
-              <a:effectLst/>
-              <a:latin typeface="Calibri" panose="020F0502020204030204" pitchFamily="34" charset="0"/>
-              <a:ea typeface="Calibri" panose="020F0502020204030204" pitchFamily="34" charset="0"/>
-              <a:cs typeface="Times New Roman" panose="02020603050405020304" pitchFamily="18" charset="0"/>
-            </a:endParaRPr>
-          </a:p>
-        </p:txBody>
-      </p:sp>
-    </p:spTree>
-    <p:extLst>
-      <p:ext uri="{BB962C8B-B14F-4D97-AF65-F5344CB8AC3E}">
-        <p14:creationId xmlns:p14="http://schemas.microsoft.com/office/powerpoint/2010/main" val="2913391005"/>
-      </p:ext>
-    </p:extLst>
-  </p:cSld>
-  <p:clrMapOvr>
-    <a:masterClrMapping/>
-  </p:clrMapOvr>
-</p:sld>
-</file>
-
 <file path=ppt/slides/slide3.xml><?xml version="1.0" encoding="utf-8"?>
 <p:sld xmlns:a="http://schemas.openxmlformats.org/drawingml/2006/main" xmlns:r="http://schemas.openxmlformats.org/officeDocument/2006/relationships" xmlns:p="http://schemas.openxmlformats.org/presentationml/2006/main">
   <p:cSld>
@@ -10959,7 +6842,7 @@
           <p:cNvPr id="2" name="Title 1">
             <a:extLst>
               <a:ext uri="{FF2B5EF4-FFF2-40B4-BE49-F238E27FC236}">
-                <a16:creationId xmlns:a16="http://schemas.microsoft.com/office/drawing/2014/main" id="{890F1D1C-8E4F-4F84-A151-91746CC74D3F}"/>
+                <a16:creationId xmlns:a16="http://schemas.microsoft.com/office/drawing/2014/main" id="{53334AAE-C0C6-4503-820E-A7ED59BF7318}"/>
               </a:ext>
             </a:extLst>
           </p:cNvPr>
@@ -10977,69 +6860,7 @@
           <a:p>
             <a:r>
               <a:rPr lang="en-US" dirty="0"/>
-              <a:t>Related Work</a:t>
-            </a:r>
-          </a:p>
-        </p:txBody>
-      </p:sp>
-      <p:sp>
-        <p:nvSpPr>
-          <p:cNvPr id="3" name="Content Placeholder 2">
-            <a:extLst>
-              <a:ext uri="{FF2B5EF4-FFF2-40B4-BE49-F238E27FC236}">
-                <a16:creationId xmlns:a16="http://schemas.microsoft.com/office/drawing/2014/main" id="{0391F11F-F58E-43D1-A4C7-A9E82BBB7B42}"/>
-              </a:ext>
-            </a:extLst>
-          </p:cNvPr>
-          <p:cNvSpPr>
-            <a:spLocks noGrp="1"/>
-          </p:cNvSpPr>
-          <p:nvPr>
-            <p:ph idx="1"/>
-          </p:nvPr>
-        </p:nvSpPr>
-        <p:spPr/>
-        <p:txBody>
-          <a:bodyPr/>
-          <a:lstStyle/>
-          <a:p>
-            <a:pPr>
-              <a:buFont typeface="Arial" panose="020B0604020202020204" pitchFamily="34" charset="0"/>
-              <a:buChar char="•"/>
-            </a:pPr>
-            <a:r>
-              <a:rPr lang="en-US" dirty="0"/>
-              <a:t> Existing COVID-19 Data Visualizations</a:t>
-            </a:r>
-          </a:p>
-          <a:p>
-            <a:pPr lvl="1">
-              <a:buFont typeface="Arial" panose="020B0604020202020204" pitchFamily="34" charset="0"/>
-              <a:buChar char="•"/>
-            </a:pPr>
-            <a:r>
-              <a:rPr lang="en-US" dirty="0"/>
-              <a:t>John Hopkins</a:t>
-            </a:r>
-          </a:p>
-          <a:p>
-            <a:pPr lvl="1">
-              <a:buFont typeface="Arial" panose="020B0604020202020204" pitchFamily="34" charset="0"/>
-              <a:buChar char="•"/>
-            </a:pPr>
-            <a:r>
-              <a:rPr lang="en-US" dirty="0"/>
-              <a:t>The COVID Tracking Project by The Atlantic</a:t>
-            </a:r>
-          </a:p>
-          <a:p>
-            <a:pPr lvl="1">
-              <a:buFont typeface="Arial" panose="020B0604020202020204" pitchFamily="34" charset="0"/>
-              <a:buChar char="•"/>
-            </a:pPr>
-            <a:r>
-              <a:rPr lang="en-US" dirty="0"/>
-              <a:t>The Institute for Health Metrics and Evaluation (IHME) at the University of Washington</a:t>
+              <a:t>Demo</a:t>
             </a:r>
           </a:p>
         </p:txBody>
@@ -11047,7 +6868,7 @@
     </p:spTree>
     <p:extLst>
       <p:ext uri="{BB962C8B-B14F-4D97-AF65-F5344CB8AC3E}">
-        <p14:creationId xmlns:p14="http://schemas.microsoft.com/office/powerpoint/2010/main" val="424493252"/>
+        <p14:creationId xmlns:p14="http://schemas.microsoft.com/office/powerpoint/2010/main" val="2030633289"/>
       </p:ext>
     </p:extLst>
   </p:cSld>
@@ -11079,7 +6900,7 @@
           <p:cNvPr id="2" name="Title 1">
             <a:extLst>
               <a:ext uri="{FF2B5EF4-FFF2-40B4-BE49-F238E27FC236}">
-                <a16:creationId xmlns:a16="http://schemas.microsoft.com/office/drawing/2014/main" id="{D9EAD76D-DFBF-4A2A-AF7D-BB7E6FC7E05C}"/>
+                <a16:creationId xmlns:a16="http://schemas.microsoft.com/office/drawing/2014/main" id="{B9A7C6B1-1957-4B1A-B36A-0CDBAE2633C5}"/>
               </a:ext>
             </a:extLst>
           </p:cNvPr>
@@ -11097,45 +6918,75 @@
           <a:p>
             <a:r>
               <a:rPr lang="en-US" dirty="0"/>
-              <a:t>Related Work</a:t>
-            </a:r>
-          </a:p>
-        </p:txBody>
-      </p:sp>
-      <p:pic>
-        <p:nvPicPr>
-          <p:cNvPr id="5" name="Picture 4">
+              <a:t>Methods</a:t>
+            </a:r>
+          </a:p>
+        </p:txBody>
+      </p:sp>
+      <p:sp>
+        <p:nvSpPr>
+          <p:cNvPr id="3" name="Content Placeholder 2">
             <a:extLst>
               <a:ext uri="{FF2B5EF4-FFF2-40B4-BE49-F238E27FC236}">
-                <a16:creationId xmlns:a16="http://schemas.microsoft.com/office/drawing/2014/main" id="{CE3C599B-2092-4E5D-9B20-828758518FFC}"/>
+                <a16:creationId xmlns:a16="http://schemas.microsoft.com/office/drawing/2014/main" id="{D9CEF426-0877-4F07-86A7-5499EE48AC13}"/>
               </a:ext>
             </a:extLst>
           </p:cNvPr>
-          <p:cNvPicPr>
-            <a:picLocks noChangeAspect="1"/>
-          </p:cNvPicPr>
-          <p:nvPr/>
-        </p:nvPicPr>
-        <p:blipFill>
-          <a:blip r:embed="rId3"/>
-          <a:stretch>
-            <a:fillRect/>
-          </a:stretch>
-        </p:blipFill>
-        <p:spPr>
-          <a:xfrm>
-            <a:off x="3107919" y="1797247"/>
-            <a:ext cx="5976161" cy="4376996"/>
-          </a:xfrm>
-          <a:prstGeom prst="rect">
-            <a:avLst/>
-          </a:prstGeom>
-        </p:spPr>
-      </p:pic>
+          <p:cNvSpPr>
+            <a:spLocks noGrp="1"/>
+          </p:cNvSpPr>
+          <p:nvPr>
+            <p:ph idx="1"/>
+          </p:nvPr>
+        </p:nvSpPr>
+        <p:spPr/>
+        <p:txBody>
+          <a:bodyPr/>
+          <a:lstStyle/>
+          <a:p>
+            <a:pPr>
+              <a:buFont typeface="Arial" panose="020B0604020202020204" pitchFamily="34" charset="0"/>
+              <a:buChar char="•"/>
+            </a:pPr>
+            <a:r>
+              <a:rPr lang="en-US" dirty="0"/>
+              <a:t> Data Sources</a:t>
+            </a:r>
+          </a:p>
+          <a:p>
+            <a:pPr lvl="1">
+              <a:buFont typeface="Arial" panose="020B0604020202020204" pitchFamily="34" charset="0"/>
+              <a:buChar char="•"/>
+            </a:pPr>
+            <a:r>
+              <a:rPr lang="en-US" dirty="0"/>
+              <a:t>COVID: New York Times dataset on GitHub</a:t>
+            </a:r>
+          </a:p>
+          <a:p>
+            <a:pPr lvl="1">
+              <a:buFont typeface="Arial" panose="020B0604020202020204" pitchFamily="34" charset="0"/>
+              <a:buChar char="•"/>
+            </a:pPr>
+            <a:r>
+              <a:rPr lang="en-US" dirty="0"/>
+              <a:t>Weather: </a:t>
+            </a:r>
+            <a:r>
+              <a:rPr lang="en-US" dirty="0" err="1"/>
+              <a:t>WeatherSource</a:t>
+            </a:r>
+            <a:r>
+              <a:rPr lang="en-US" dirty="0"/>
+              <a:t> API</a:t>
+            </a:r>
+          </a:p>
+        </p:txBody>
+      </p:sp>
     </p:spTree>
     <p:extLst>
       <p:ext uri="{BB962C8B-B14F-4D97-AF65-F5344CB8AC3E}">
-        <p14:creationId xmlns:p14="http://schemas.microsoft.com/office/powerpoint/2010/main" val="1053035836"/>
+        <p14:creationId xmlns:p14="http://schemas.microsoft.com/office/powerpoint/2010/main" val="801656959"/>
       </p:ext>
     </p:extLst>
   </p:cSld>
@@ -11167,7 +7018,7 @@
           <p:cNvPr id="2" name="Title 1">
             <a:extLst>
               <a:ext uri="{FF2B5EF4-FFF2-40B4-BE49-F238E27FC236}">
-                <a16:creationId xmlns:a16="http://schemas.microsoft.com/office/drawing/2014/main" id="{D9EAD76D-DFBF-4A2A-AF7D-BB7E6FC7E05C}"/>
+                <a16:creationId xmlns:a16="http://schemas.microsoft.com/office/drawing/2014/main" id="{088E91A3-5F37-4B2E-A77E-7DA9F4E03BE7}"/>
               </a:ext>
             </a:extLst>
           </p:cNvPr>
@@ -11185,179 +7036,93 @@
           <a:p>
             <a:r>
               <a:rPr lang="en-US" dirty="0"/>
-              <a:t>Related Work - Granularity</a:t>
-            </a:r>
-          </a:p>
-        </p:txBody>
-      </p:sp>
-      <p:pic>
-        <p:nvPicPr>
-          <p:cNvPr id="4" name="Picture 3">
+              <a:t>Methods</a:t>
+            </a:r>
+          </a:p>
+        </p:txBody>
+      </p:sp>
+      <p:sp>
+        <p:nvSpPr>
+          <p:cNvPr id="3" name="Content Placeholder 2">
             <a:extLst>
               <a:ext uri="{FF2B5EF4-FFF2-40B4-BE49-F238E27FC236}">
-                <a16:creationId xmlns:a16="http://schemas.microsoft.com/office/drawing/2014/main" id="{4588C36D-EE33-48A4-A3E1-A9EDED67B50F}"/>
+                <a16:creationId xmlns:a16="http://schemas.microsoft.com/office/drawing/2014/main" id="{80BF42FD-5FBB-4799-9EDA-C6EBE7892E59}"/>
               </a:ext>
             </a:extLst>
           </p:cNvPr>
-          <p:cNvPicPr>
-            <a:picLocks noChangeAspect="1"/>
-          </p:cNvPicPr>
-          <p:nvPr/>
-        </p:nvPicPr>
-        <p:blipFill>
-          <a:blip r:embed="rId3"/>
-          <a:stretch>
-            <a:fillRect/>
-          </a:stretch>
-        </p:blipFill>
-        <p:spPr>
-          <a:xfrm>
-            <a:off x="1211739" y="1958657"/>
-            <a:ext cx="5081486" cy="4156116"/>
-          </a:xfrm>
-          <a:prstGeom prst="rect">
-            <a:avLst/>
-          </a:prstGeom>
-        </p:spPr>
-      </p:pic>
-      <p:pic>
-        <p:nvPicPr>
-          <p:cNvPr id="7" name="Picture 6">
-            <a:extLst>
-              <a:ext uri="{FF2B5EF4-FFF2-40B4-BE49-F238E27FC236}">
-                <a16:creationId xmlns:a16="http://schemas.microsoft.com/office/drawing/2014/main" id="{16CE5D57-07ED-4849-9DC4-48FB8E842FAE}"/>
-              </a:ext>
-            </a:extLst>
-          </p:cNvPr>
-          <p:cNvPicPr>
-            <a:picLocks noChangeAspect="1"/>
-          </p:cNvPicPr>
-          <p:nvPr/>
-        </p:nvPicPr>
-        <p:blipFill>
-          <a:blip r:embed="rId4"/>
-          <a:stretch>
-            <a:fillRect/>
-          </a:stretch>
-        </p:blipFill>
-        <p:spPr>
-          <a:xfrm>
-            <a:off x="7830706" y="2745897"/>
-            <a:ext cx="2705478" cy="2581635"/>
-          </a:xfrm>
-          <a:prstGeom prst="rect">
-            <a:avLst/>
-          </a:prstGeom>
-        </p:spPr>
-      </p:pic>
-      <p:sp>
-        <p:nvSpPr>
-          <p:cNvPr id="8" name="Rectangle 7">
-            <a:extLst>
-              <a:ext uri="{FF2B5EF4-FFF2-40B4-BE49-F238E27FC236}">
-                <a16:creationId xmlns:a16="http://schemas.microsoft.com/office/drawing/2014/main" id="{102CABFB-C011-4A83-A702-900CC3AD89E0}"/>
-              </a:ext>
-            </a:extLst>
-          </p:cNvPr>
-          <p:cNvSpPr/>
-          <p:nvPr/>
-        </p:nvSpPr>
-        <p:spPr>
-          <a:xfrm>
-            <a:off x="1211739" y="2183802"/>
-            <a:ext cx="1219489" cy="1097280"/>
-          </a:xfrm>
-          <a:prstGeom prst="rect">
-            <a:avLst/>
-          </a:prstGeom>
-          <a:noFill/>
-          <a:ln w="57150">
-            <a:solidFill>
-              <a:srgbClr val="FF0000"/>
-            </a:solidFill>
-          </a:ln>
-        </p:spPr>
-        <p:style>
-          <a:lnRef idx="2">
-            <a:schemeClr val="accent1">
-              <a:shade val="50000"/>
-            </a:schemeClr>
-          </a:lnRef>
-          <a:fillRef idx="1">
-            <a:schemeClr val="accent1"/>
-          </a:fillRef>
-          <a:effectRef idx="0">
-            <a:schemeClr val="accent1"/>
-          </a:effectRef>
-          <a:fontRef idx="minor">
-            <a:schemeClr val="lt1"/>
-          </a:fontRef>
-        </p:style>
-        <p:txBody>
-          <a:bodyPr rtlCol="0" anchor="ctr"/>
-          <a:lstStyle/>
-          <a:p>
-            <a:pPr algn="ctr"/>
-            <a:endParaRPr lang="en-US"/>
-          </a:p>
-        </p:txBody>
-      </p:sp>
-      <p:sp>
-        <p:nvSpPr>
-          <p:cNvPr id="9" name="Rectangle 8">
-            <a:extLst>
-              <a:ext uri="{FF2B5EF4-FFF2-40B4-BE49-F238E27FC236}">
-                <a16:creationId xmlns:a16="http://schemas.microsoft.com/office/drawing/2014/main" id="{EC311D9F-8EC3-40C5-8957-FD04B81DD7B7}"/>
-              </a:ext>
-            </a:extLst>
-          </p:cNvPr>
-          <p:cNvSpPr/>
-          <p:nvPr/>
-        </p:nvSpPr>
-        <p:spPr>
-          <a:xfrm>
-            <a:off x="7830706" y="2745896"/>
-            <a:ext cx="2705478" cy="2581636"/>
-          </a:xfrm>
-          <a:prstGeom prst="rect">
-            <a:avLst/>
-          </a:prstGeom>
-          <a:noFill/>
-          <a:ln w="57150">
-            <a:solidFill>
-              <a:srgbClr val="FF0000"/>
-            </a:solidFill>
-          </a:ln>
-        </p:spPr>
-        <p:style>
-          <a:lnRef idx="2">
-            <a:schemeClr val="accent1">
-              <a:shade val="50000"/>
-            </a:schemeClr>
-          </a:lnRef>
-          <a:fillRef idx="1">
-            <a:schemeClr val="accent1"/>
-          </a:fillRef>
-          <a:effectRef idx="0">
-            <a:schemeClr val="accent1"/>
-          </a:effectRef>
-          <a:fontRef idx="minor">
-            <a:schemeClr val="lt1"/>
-          </a:fontRef>
-        </p:style>
-        <p:txBody>
-          <a:bodyPr rtlCol="0" anchor="ctr"/>
-          <a:lstStyle/>
-          <a:p>
-            <a:pPr algn="ctr"/>
-            <a:endParaRPr lang="en-US"/>
+          <p:cNvSpPr>
+            <a:spLocks noGrp="1"/>
+          </p:cNvSpPr>
+          <p:nvPr>
+            <p:ph idx="1"/>
+          </p:nvPr>
+        </p:nvSpPr>
+        <p:spPr/>
+        <p:txBody>
+          <a:bodyPr/>
+          <a:lstStyle/>
+          <a:p>
+            <a:pPr>
+              <a:buFont typeface="Arial" panose="020B0604020202020204" pitchFamily="34" charset="0"/>
+              <a:buChar char="•"/>
+            </a:pPr>
+            <a:r>
+              <a:rPr lang="en-US" dirty="0"/>
+              <a:t> Data transformation</a:t>
+            </a:r>
+          </a:p>
+          <a:p>
+            <a:pPr lvl="1">
+              <a:buFont typeface="Arial" panose="020B0604020202020204" pitchFamily="34" charset="0"/>
+              <a:buChar char="•"/>
+            </a:pPr>
+            <a:r>
+              <a:rPr lang="en-US" dirty="0"/>
+              <a:t>COVID-19 Cumulative Cases By Day </a:t>
+            </a:r>
+            <a:r>
+              <a:rPr lang="en-US" dirty="0">
+                <a:sym typeface="Wingdings" panose="05000000000000000000" pitchFamily="2" charset="2"/>
+              </a:rPr>
+              <a:t> New COVID-19 Infections By Day</a:t>
+            </a:r>
+            <a:endParaRPr lang="en-US" dirty="0"/>
+          </a:p>
+          <a:p>
+            <a:pPr lvl="1">
+              <a:buFont typeface="Arial" panose="020B0604020202020204" pitchFamily="34" charset="0"/>
+              <a:buChar char="•"/>
+            </a:pPr>
+            <a:r>
+              <a:rPr lang="en-US" dirty="0"/>
+              <a:t>Daily </a:t>
+            </a:r>
+            <a:r>
+              <a:rPr lang="en-US" dirty="0">
+                <a:sym typeface="Wingdings" panose="05000000000000000000" pitchFamily="2" charset="2"/>
+              </a:rPr>
+              <a:t> Weekly Average</a:t>
+            </a:r>
+          </a:p>
+          <a:p>
+            <a:pPr lvl="1">
+              <a:buFont typeface="Arial" panose="020B0604020202020204" pitchFamily="34" charset="0"/>
+              <a:buChar char="•"/>
+            </a:pPr>
+            <a:r>
+              <a:rPr lang="en-US" dirty="0">
+                <a:sym typeface="Wingdings" panose="05000000000000000000" pitchFamily="2" charset="2"/>
+              </a:rPr>
+              <a:t>Daily  7-Day Rolling average</a:t>
+            </a:r>
+            <a:endParaRPr lang="en-US" dirty="0"/>
           </a:p>
         </p:txBody>
       </p:sp>
     </p:spTree>
     <p:extLst>
       <p:ext uri="{BB962C8B-B14F-4D97-AF65-F5344CB8AC3E}">
-        <p14:creationId xmlns:p14="http://schemas.microsoft.com/office/powerpoint/2010/main" val="3977990489"/>
+        <p14:creationId xmlns:p14="http://schemas.microsoft.com/office/powerpoint/2010/main" val="33067120"/>
       </p:ext>
     </p:extLst>
   </p:cSld>
@@ -11384,12 +7149,40 @@
           <a:chExt cx="0" cy="0"/>
         </a:xfrm>
       </p:grpSpPr>
+      <p:sp>
+        <p:nvSpPr>
+          <p:cNvPr id="2" name="Title 1">
+            <a:extLst>
+              <a:ext uri="{FF2B5EF4-FFF2-40B4-BE49-F238E27FC236}">
+                <a16:creationId xmlns:a16="http://schemas.microsoft.com/office/drawing/2014/main" id="{088E91A3-5F37-4B2E-A77E-7DA9F4E03BE7}"/>
+              </a:ext>
+            </a:extLst>
+          </p:cNvPr>
+          <p:cNvSpPr>
+            <a:spLocks noGrp="1"/>
+          </p:cNvSpPr>
+          <p:nvPr>
+            <p:ph type="title"/>
+          </p:nvPr>
+        </p:nvSpPr>
+        <p:spPr/>
+        <p:txBody>
+          <a:bodyPr/>
+          <a:lstStyle/>
+          <a:p>
+            <a:r>
+              <a:rPr lang="en-US" dirty="0"/>
+              <a:t>Resources - Azure</a:t>
+            </a:r>
+          </a:p>
+        </p:txBody>
+      </p:sp>
       <p:pic>
         <p:nvPicPr>
-          <p:cNvPr id="6" name="Picture 5">
+          <p:cNvPr id="5" name="Picture 4">
             <a:extLst>
               <a:ext uri="{FF2B5EF4-FFF2-40B4-BE49-F238E27FC236}">
-                <a16:creationId xmlns:a16="http://schemas.microsoft.com/office/drawing/2014/main" id="{A8F47A45-6785-442B-8BD6-255EA289581F}"/>
+                <a16:creationId xmlns:a16="http://schemas.microsoft.com/office/drawing/2014/main" id="{CE361A22-8DAD-4191-A56E-BB49E76650ED}"/>
               </a:ext>
             </a:extLst>
           </p:cNvPr>
@@ -11399,187 +7192,31 @@
           <p:nvPr/>
         </p:nvPicPr>
         <p:blipFill>
-          <a:blip r:embed="rId3"/>
+          <a:blip r:embed="rId3">
+            <a:extLst>
+              <a:ext uri="{28A0092B-C50C-407E-A947-70E740481C1C}">
+                <a14:useLocalDpi xmlns:a14="http://schemas.microsoft.com/office/drawing/2010/main" val="0"/>
+              </a:ext>
+            </a:extLst>
+          </a:blip>
           <a:stretch>
             <a:fillRect/>
           </a:stretch>
         </p:blipFill>
         <p:spPr>
           <a:xfrm>
-            <a:off x="2722570" y="5600192"/>
-            <a:ext cx="6746861" cy="372095"/>
+            <a:off x="3458521" y="1845734"/>
+            <a:ext cx="5662901" cy="4295994"/>
           </a:xfrm>
           <a:prstGeom prst="rect">
             <a:avLst/>
           </a:prstGeom>
         </p:spPr>
       </p:pic>
-      <p:pic>
-        <p:nvPicPr>
-          <p:cNvPr id="5" name="Picture 4">
-            <a:extLst>
-              <a:ext uri="{FF2B5EF4-FFF2-40B4-BE49-F238E27FC236}">
-                <a16:creationId xmlns:a16="http://schemas.microsoft.com/office/drawing/2014/main" id="{B1CE74F4-C3F9-4150-B089-5A02B6EF88DB}"/>
-              </a:ext>
-            </a:extLst>
-          </p:cNvPr>
-          <p:cNvPicPr>
-            <a:picLocks noChangeAspect="1"/>
-          </p:cNvPicPr>
-          <p:nvPr/>
-        </p:nvPicPr>
-        <p:blipFill>
-          <a:blip r:embed="rId4"/>
-          <a:stretch>
-            <a:fillRect/>
-          </a:stretch>
-        </p:blipFill>
-        <p:spPr>
-          <a:xfrm>
-            <a:off x="3361330" y="1945497"/>
-            <a:ext cx="5469343" cy="3218016"/>
-          </a:xfrm>
-          <a:prstGeom prst="rect">
-            <a:avLst/>
-          </a:prstGeom>
-        </p:spPr>
-      </p:pic>
-      <p:sp>
-        <p:nvSpPr>
-          <p:cNvPr id="2" name="Title 1">
-            <a:extLst>
-              <a:ext uri="{FF2B5EF4-FFF2-40B4-BE49-F238E27FC236}">
-                <a16:creationId xmlns:a16="http://schemas.microsoft.com/office/drawing/2014/main" id="{D9EAD76D-DFBF-4A2A-AF7D-BB7E6FC7E05C}"/>
-              </a:ext>
-            </a:extLst>
-          </p:cNvPr>
-          <p:cNvSpPr>
-            <a:spLocks noGrp="1"/>
-          </p:cNvSpPr>
-          <p:nvPr>
-            <p:ph type="title"/>
-          </p:nvPr>
-        </p:nvSpPr>
-        <p:spPr/>
-        <p:txBody>
-          <a:bodyPr/>
-          <a:lstStyle/>
-          <a:p>
-            <a:r>
-              <a:rPr lang="en-US" dirty="0"/>
-              <a:t>Related Work – Data Points</a:t>
-            </a:r>
-          </a:p>
-        </p:txBody>
-      </p:sp>
-      <p:sp>
-        <p:nvSpPr>
-          <p:cNvPr id="8" name="Rectangle 7">
-            <a:extLst>
-              <a:ext uri="{FF2B5EF4-FFF2-40B4-BE49-F238E27FC236}">
-                <a16:creationId xmlns:a16="http://schemas.microsoft.com/office/drawing/2014/main" id="{102CABFB-C011-4A83-A702-900CC3AD89E0}"/>
-              </a:ext>
-            </a:extLst>
-          </p:cNvPr>
-          <p:cNvSpPr/>
-          <p:nvPr/>
-        </p:nvSpPr>
-        <p:spPr>
-          <a:xfrm>
-            <a:off x="4496059" y="2775471"/>
-            <a:ext cx="3151274" cy="218740"/>
-          </a:xfrm>
-          <a:prstGeom prst="rect">
-            <a:avLst/>
-          </a:prstGeom>
-          <a:noFill/>
-          <a:ln w="57150">
-            <a:solidFill>
-              <a:srgbClr val="FF0000"/>
-            </a:solidFill>
-          </a:ln>
-        </p:spPr>
-        <p:style>
-          <a:lnRef idx="2">
-            <a:schemeClr val="accent1">
-              <a:shade val="50000"/>
-            </a:schemeClr>
-          </a:lnRef>
-          <a:fillRef idx="1">
-            <a:schemeClr val="accent1"/>
-          </a:fillRef>
-          <a:effectRef idx="0">
-            <a:schemeClr val="accent1"/>
-          </a:effectRef>
-          <a:fontRef idx="minor">
-            <a:schemeClr val="lt1"/>
-          </a:fontRef>
-        </p:style>
-        <p:txBody>
-          <a:bodyPr rtlCol="0" anchor="ctr"/>
-          <a:lstStyle/>
-          <a:p>
-            <a:pPr algn="ctr"/>
-            <a:endParaRPr lang="en-US"/>
-          </a:p>
-        </p:txBody>
-      </p:sp>
-      <p:sp>
-        <p:nvSpPr>
-          <p:cNvPr id="9" name="Rectangle 8">
-            <a:extLst>
-              <a:ext uri="{FF2B5EF4-FFF2-40B4-BE49-F238E27FC236}">
-                <a16:creationId xmlns:a16="http://schemas.microsoft.com/office/drawing/2014/main" id="{EC311D9F-8EC3-40C5-8957-FD04B81DD7B7}"/>
-              </a:ext>
-            </a:extLst>
-          </p:cNvPr>
-          <p:cNvSpPr/>
-          <p:nvPr/>
-        </p:nvSpPr>
-        <p:spPr>
-          <a:xfrm>
-            <a:off x="2722570" y="5600192"/>
-            <a:ext cx="6746860" cy="372095"/>
-          </a:xfrm>
-          <a:prstGeom prst="rect">
-            <a:avLst/>
-          </a:prstGeom>
-          <a:noFill/>
-          <a:ln w="57150">
-            <a:solidFill>
-              <a:srgbClr val="FF0000"/>
-            </a:solidFill>
-          </a:ln>
-        </p:spPr>
-        <p:style>
-          <a:lnRef idx="2">
-            <a:schemeClr val="accent1">
-              <a:shade val="50000"/>
-            </a:schemeClr>
-          </a:lnRef>
-          <a:fillRef idx="1">
-            <a:schemeClr val="accent1"/>
-          </a:fillRef>
-          <a:effectRef idx="0">
-            <a:schemeClr val="accent1"/>
-          </a:effectRef>
-          <a:fontRef idx="minor">
-            <a:schemeClr val="lt1"/>
-          </a:fontRef>
-        </p:style>
-        <p:txBody>
-          <a:bodyPr rtlCol="0" anchor="ctr"/>
-          <a:lstStyle/>
-          <a:p>
-            <a:pPr algn="ctr"/>
-            <a:endParaRPr lang="en-US"/>
-          </a:p>
-        </p:txBody>
-      </p:sp>
     </p:spTree>
     <p:extLst>
       <p:ext uri="{BB962C8B-B14F-4D97-AF65-F5344CB8AC3E}">
-        <p14:creationId xmlns:p14="http://schemas.microsoft.com/office/powerpoint/2010/main" val="3149960550"/>
+        <p14:creationId xmlns:p14="http://schemas.microsoft.com/office/powerpoint/2010/main" val="3992672966"/>
       </p:ext>
     </p:extLst>
   </p:cSld>
@@ -11611,7 +7248,7 @@
           <p:cNvPr id="2" name="Title 1">
             <a:extLst>
               <a:ext uri="{FF2B5EF4-FFF2-40B4-BE49-F238E27FC236}">
-                <a16:creationId xmlns:a16="http://schemas.microsoft.com/office/drawing/2014/main" id="{D9EAD76D-DFBF-4A2A-AF7D-BB7E6FC7E05C}"/>
+                <a16:creationId xmlns:a16="http://schemas.microsoft.com/office/drawing/2014/main" id="{088E91A3-5F37-4B2E-A77E-7DA9F4E03BE7}"/>
               </a:ext>
             </a:extLst>
           </p:cNvPr>
@@ -11629,45 +7266,84 @@
           <a:p>
             <a:r>
               <a:rPr lang="en-US" dirty="0"/>
-              <a:t>Related Work – Spatial View</a:t>
-            </a:r>
-          </a:p>
-        </p:txBody>
-      </p:sp>
-      <p:pic>
-        <p:nvPicPr>
-          <p:cNvPr id="3" name="Picture 2">
+              <a:t>Resources - GitHub</a:t>
+            </a:r>
+          </a:p>
+        </p:txBody>
+      </p:sp>
+      <p:sp>
+        <p:nvSpPr>
+          <p:cNvPr id="3" name="Content Placeholder 2">
             <a:extLst>
               <a:ext uri="{FF2B5EF4-FFF2-40B4-BE49-F238E27FC236}">
-                <a16:creationId xmlns:a16="http://schemas.microsoft.com/office/drawing/2014/main" id="{D0D62921-AF07-46B9-A44B-2BA3D05FED00}"/>
+                <a16:creationId xmlns:a16="http://schemas.microsoft.com/office/drawing/2014/main" id="{80BF42FD-5FBB-4799-9EDA-C6EBE7892E59}"/>
               </a:ext>
             </a:extLst>
           </p:cNvPr>
-          <p:cNvPicPr>
-            <a:picLocks noChangeAspect="1"/>
-          </p:cNvPicPr>
-          <p:nvPr/>
-        </p:nvPicPr>
-        <p:blipFill>
-          <a:blip r:embed="rId3"/>
-          <a:stretch>
-            <a:fillRect/>
-          </a:stretch>
-        </p:blipFill>
-        <p:spPr>
-          <a:xfrm>
-            <a:off x="1685364" y="2160707"/>
-            <a:ext cx="8588188" cy="3949238"/>
-          </a:xfrm>
-          <a:prstGeom prst="rect">
-            <a:avLst/>
-          </a:prstGeom>
-        </p:spPr>
-      </p:pic>
+          <p:cNvSpPr>
+            <a:spLocks noGrp="1"/>
+          </p:cNvSpPr>
+          <p:nvPr>
+            <p:ph idx="1"/>
+          </p:nvPr>
+        </p:nvSpPr>
+        <p:spPr/>
+        <p:txBody>
+          <a:bodyPr/>
+          <a:lstStyle/>
+          <a:p>
+            <a:pPr>
+              <a:buFont typeface="Arial" panose="020B0604020202020204" pitchFamily="34" charset="0"/>
+              <a:buChar char="•"/>
+            </a:pPr>
+            <a:r>
+              <a:rPr lang="en-US" dirty="0"/>
+              <a:t> Source Control</a:t>
+            </a:r>
+          </a:p>
+          <a:p>
+            <a:pPr>
+              <a:buFont typeface="Arial" panose="020B0604020202020204" pitchFamily="34" charset="0"/>
+              <a:buChar char="•"/>
+            </a:pPr>
+            <a:r>
+              <a:rPr lang="en-US" dirty="0"/>
+              <a:t> GitHub Actions</a:t>
+            </a:r>
+          </a:p>
+          <a:p>
+            <a:pPr>
+              <a:buFont typeface="Arial" panose="020B0604020202020204" pitchFamily="34" charset="0"/>
+              <a:buChar char="•"/>
+            </a:pPr>
+            <a:r>
+              <a:rPr lang="en-US" dirty="0"/>
+              <a:t> GitHub Project Board</a:t>
+            </a:r>
+          </a:p>
+          <a:p>
+            <a:pPr>
+              <a:buFont typeface="Arial" panose="020B0604020202020204" pitchFamily="34" charset="0"/>
+              <a:buChar char="•"/>
+            </a:pPr>
+            <a:r>
+              <a:rPr lang="en-US" dirty="0"/>
+              <a:t> </a:t>
+            </a:r>
+            <a:r>
+              <a:rPr lang="en-US" dirty="0">
+                <a:hlinkClick r:id="rId3"/>
+              </a:rPr>
+              <a:t>https://github.com/npalacio/covid-and-weather-data-visualization</a:t>
+            </a:r>
+            <a:endParaRPr lang="en-US" dirty="0"/>
+          </a:p>
+        </p:txBody>
+      </p:sp>
     </p:spTree>
     <p:extLst>
       <p:ext uri="{BB962C8B-B14F-4D97-AF65-F5344CB8AC3E}">
-        <p14:creationId xmlns:p14="http://schemas.microsoft.com/office/powerpoint/2010/main" val="3835534438"/>
+        <p14:creationId xmlns:p14="http://schemas.microsoft.com/office/powerpoint/2010/main" val="3201747257"/>
       </p:ext>
     </p:extLst>
   </p:cSld>
@@ -11699,7 +7375,7 @@
           <p:cNvPr id="2" name="Title 1">
             <a:extLst>
               <a:ext uri="{FF2B5EF4-FFF2-40B4-BE49-F238E27FC236}">
-                <a16:creationId xmlns:a16="http://schemas.microsoft.com/office/drawing/2014/main" id="{D9EAD76D-DFBF-4A2A-AF7D-BB7E6FC7E05C}"/>
+                <a16:creationId xmlns:a16="http://schemas.microsoft.com/office/drawing/2014/main" id="{088E91A3-5F37-4B2E-A77E-7DA9F4E03BE7}"/>
               </a:ext>
             </a:extLst>
           </p:cNvPr>
@@ -11717,179 +7393,67 @@
           <a:p>
             <a:r>
               <a:rPr lang="en-US" dirty="0"/>
-              <a:t>Related Work – Configurability</a:t>
-            </a:r>
-          </a:p>
-        </p:txBody>
-      </p:sp>
-      <p:pic>
-        <p:nvPicPr>
-          <p:cNvPr id="4" name="Picture 3">
+              <a:t>Future Work</a:t>
+            </a:r>
+          </a:p>
+        </p:txBody>
+      </p:sp>
+      <p:sp>
+        <p:nvSpPr>
+          <p:cNvPr id="3" name="Content Placeholder 2">
             <a:extLst>
               <a:ext uri="{FF2B5EF4-FFF2-40B4-BE49-F238E27FC236}">
-                <a16:creationId xmlns:a16="http://schemas.microsoft.com/office/drawing/2014/main" id="{E1DB2299-499C-4234-A705-138B427AF131}"/>
+                <a16:creationId xmlns:a16="http://schemas.microsoft.com/office/drawing/2014/main" id="{80BF42FD-5FBB-4799-9EDA-C6EBE7892E59}"/>
               </a:ext>
             </a:extLst>
           </p:cNvPr>
-          <p:cNvPicPr>
-            <a:picLocks noChangeAspect="1"/>
-          </p:cNvPicPr>
-          <p:nvPr/>
-        </p:nvPicPr>
-        <p:blipFill>
-          <a:blip r:embed="rId3"/>
-          <a:stretch>
-            <a:fillRect/>
-          </a:stretch>
-        </p:blipFill>
-        <p:spPr>
-          <a:xfrm>
-            <a:off x="519953" y="2588223"/>
-            <a:ext cx="6535271" cy="2532418"/>
-          </a:xfrm>
-          <a:prstGeom prst="rect">
-            <a:avLst/>
-          </a:prstGeom>
-        </p:spPr>
-      </p:pic>
-      <p:pic>
-        <p:nvPicPr>
-          <p:cNvPr id="5" name="Picture 4">
-            <a:extLst>
-              <a:ext uri="{FF2B5EF4-FFF2-40B4-BE49-F238E27FC236}">
-                <a16:creationId xmlns:a16="http://schemas.microsoft.com/office/drawing/2014/main" id="{AE8FC53C-B05F-4223-AC23-5BB48C9FF447}"/>
-              </a:ext>
-            </a:extLst>
-          </p:cNvPr>
-          <p:cNvPicPr>
-            <a:picLocks noChangeAspect="1"/>
-          </p:cNvPicPr>
-          <p:nvPr/>
-        </p:nvPicPr>
-        <p:blipFill>
-          <a:blip r:embed="rId4"/>
-          <a:stretch>
-            <a:fillRect/>
-          </a:stretch>
-        </p:blipFill>
-        <p:spPr>
-          <a:xfrm>
-            <a:off x="8927283" y="2895170"/>
-            <a:ext cx="2333951" cy="2143424"/>
-          </a:xfrm>
-          <a:prstGeom prst="rect">
-            <a:avLst/>
-          </a:prstGeom>
-        </p:spPr>
-      </p:pic>
-      <p:sp>
-        <p:nvSpPr>
-          <p:cNvPr id="6" name="Rectangle 5">
-            <a:extLst>
-              <a:ext uri="{FF2B5EF4-FFF2-40B4-BE49-F238E27FC236}">
-                <a16:creationId xmlns:a16="http://schemas.microsoft.com/office/drawing/2014/main" id="{57543D86-CF98-4BFB-BD16-F6DA6D6BEFDE}"/>
-              </a:ext>
-            </a:extLst>
-          </p:cNvPr>
-          <p:cNvSpPr/>
-          <p:nvPr/>
-        </p:nvSpPr>
-        <p:spPr>
-          <a:xfrm>
-            <a:off x="5776009" y="3635691"/>
-            <a:ext cx="1099920" cy="999061"/>
-          </a:xfrm>
-          <a:prstGeom prst="rect">
-            <a:avLst/>
-          </a:prstGeom>
-          <a:noFill/>
-          <a:ln w="57150">
-            <a:solidFill>
-              <a:srgbClr val="FF0000"/>
-            </a:solidFill>
-          </a:ln>
-        </p:spPr>
-        <p:style>
-          <a:lnRef idx="2">
-            <a:schemeClr val="accent1">
-              <a:shade val="50000"/>
-            </a:schemeClr>
-          </a:lnRef>
-          <a:fillRef idx="1">
-            <a:schemeClr val="accent1"/>
-          </a:fillRef>
-          <a:effectRef idx="0">
-            <a:schemeClr val="accent1"/>
-          </a:effectRef>
-          <a:fontRef idx="minor">
-            <a:schemeClr val="lt1"/>
-          </a:fontRef>
-        </p:style>
-        <p:txBody>
-          <a:bodyPr rtlCol="0" anchor="ctr"/>
-          <a:lstStyle/>
-          <a:p>
-            <a:pPr algn="ctr"/>
-            <a:endParaRPr lang="en-US"/>
-          </a:p>
-        </p:txBody>
-      </p:sp>
-      <p:sp>
-        <p:nvSpPr>
-          <p:cNvPr id="7" name="Rectangle 6">
-            <a:extLst>
-              <a:ext uri="{FF2B5EF4-FFF2-40B4-BE49-F238E27FC236}">
-                <a16:creationId xmlns:a16="http://schemas.microsoft.com/office/drawing/2014/main" id="{9D21F4FE-06B7-4DB4-B526-EB1E92CCDE71}"/>
-              </a:ext>
-            </a:extLst>
-          </p:cNvPr>
-          <p:cNvSpPr/>
-          <p:nvPr/>
-        </p:nvSpPr>
-        <p:spPr>
-          <a:xfrm>
-            <a:off x="8927282" y="2855371"/>
-            <a:ext cx="2333951" cy="2265270"/>
-          </a:xfrm>
-          <a:prstGeom prst="rect">
-            <a:avLst/>
-          </a:prstGeom>
-          <a:noFill/>
-          <a:ln w="57150">
-            <a:solidFill>
-              <a:srgbClr val="FF0000"/>
-            </a:solidFill>
-          </a:ln>
-        </p:spPr>
-        <p:style>
-          <a:lnRef idx="2">
-            <a:schemeClr val="accent1">
-              <a:shade val="50000"/>
-            </a:schemeClr>
-          </a:lnRef>
-          <a:fillRef idx="1">
-            <a:schemeClr val="accent1"/>
-          </a:fillRef>
-          <a:effectRef idx="0">
-            <a:schemeClr val="accent1"/>
-          </a:effectRef>
-          <a:fontRef idx="minor">
-            <a:schemeClr val="lt1"/>
-          </a:fontRef>
-        </p:style>
-        <p:txBody>
-          <a:bodyPr rtlCol="0" anchor="ctr"/>
-          <a:lstStyle/>
-          <a:p>
-            <a:pPr algn="ctr"/>
-            <a:endParaRPr lang="en-US"/>
+          <p:cNvSpPr>
+            <a:spLocks noGrp="1"/>
+          </p:cNvSpPr>
+          <p:nvPr>
+            <p:ph idx="1"/>
+          </p:nvPr>
+        </p:nvSpPr>
+        <p:spPr/>
+        <p:txBody>
+          <a:bodyPr/>
+          <a:lstStyle/>
+          <a:p>
+            <a:pPr>
+              <a:buFont typeface="Arial" panose="020B0604020202020204" pitchFamily="34" charset="0"/>
+              <a:buChar char="•"/>
+            </a:pPr>
+            <a:r>
+              <a:rPr lang="en-US" dirty="0"/>
+              <a:t> Usability Testing</a:t>
+            </a:r>
+          </a:p>
+          <a:p>
+            <a:pPr>
+              <a:buFont typeface="Arial" panose="020B0604020202020204" pitchFamily="34" charset="0"/>
+              <a:buChar char="•"/>
+            </a:pPr>
+            <a:r>
+              <a:rPr lang="en-US" dirty="0"/>
+              <a:t> Continuous/Discrete Weather Data</a:t>
+            </a:r>
+          </a:p>
+          <a:p>
+            <a:pPr>
+              <a:buFont typeface="Arial" panose="020B0604020202020204" pitchFamily="34" charset="0"/>
+              <a:buChar char="•"/>
+            </a:pPr>
+            <a:r>
+              <a:rPr lang="en-US" dirty="0"/>
+              <a:t> Spatial Component of Data</a:t>
+            </a:r>
           </a:p>
         </p:txBody>
       </p:sp>
     </p:spTree>
     <p:extLst>
       <p:ext uri="{BB962C8B-B14F-4D97-AF65-F5344CB8AC3E}">
-        <p14:creationId xmlns:p14="http://schemas.microsoft.com/office/powerpoint/2010/main" val="398117875"/>
+        <p14:creationId xmlns:p14="http://schemas.microsoft.com/office/powerpoint/2010/main" val="1949595403"/>
       </p:ext>
     </p:extLst>
   </p:cSld>

--- a/Capstone/Presentation/CapstoneProposal.pptx
+++ b/Capstone/Presentation/CapstoneProposal.pptx
@@ -5,7 +5,7 @@
     <p:sldMasterId id="2147483660" r:id="rId1"/>
   </p:sldMasterIdLst>
   <p:notesMasterIdLst>
-    <p:notesMasterId r:id="rId13"/>
+    <p:notesMasterId r:id="rId15"/>
   </p:notesMasterIdLst>
   <p:sldIdLst>
     <p:sldId id="256" r:id="rId2"/>
@@ -17,8 +17,10 @@
     <p:sldId id="274" r:id="rId8"/>
     <p:sldId id="283" r:id="rId9"/>
     <p:sldId id="284" r:id="rId10"/>
-    <p:sldId id="276" r:id="rId11"/>
-    <p:sldId id="273" r:id="rId12"/>
+    <p:sldId id="285" r:id="rId11"/>
+    <p:sldId id="286" r:id="rId12"/>
+    <p:sldId id="276" r:id="rId13"/>
+    <p:sldId id="273" r:id="rId14"/>
   </p:sldIdLst>
   <p:sldSz cx="12192000" cy="6858000"/>
   <p:notesSz cx="6858000" cy="9144000"/>
@@ -542,95 +544,64 @@
             </a:r>
           </a:p>
           <a:p>
-            <a:r>
-              <a:rPr lang="en-US" dirty="0"/>
-              <a:t>-FCSA: what is this presentation</a:t>
-            </a:r>
-          </a:p>
-          <a:p>
-            <a:r>
-              <a:rPr lang="en-US" dirty="0"/>
-              <a:t>    -This is my project proposal for my Masters Capstone project</a:t>
-            </a:r>
-          </a:p>
-          <a:p>
-            <a:r>
-              <a:rPr lang="en-US" dirty="0"/>
-              <a:t>    -Will be presenting this to my graduate </a:t>
-            </a:r>
-            <a:r>
-              <a:rPr lang="en-US" dirty="0" err="1"/>
-              <a:t>committe</a:t>
-            </a:r>
-            <a:r>
-              <a:rPr lang="en-US" dirty="0"/>
-              <a:t> this Thursday</a:t>
-            </a:r>
-          </a:p>
-          <a:p>
-            <a:r>
-              <a:rPr lang="en-US" dirty="0"/>
-              <a:t>    -This committee consists of 3 professors from UNO:</a:t>
-            </a:r>
-          </a:p>
-          <a:p>
-            <a:r>
-              <a:rPr lang="en-US" dirty="0"/>
-              <a:t>        -Dr. Brian Dorn, Associate Professor of Computer Science</a:t>
-            </a:r>
-          </a:p>
-          <a:p>
-            <a:r>
-              <a:rPr lang="en-US" dirty="0"/>
-              <a:t>        -Dr. Rex </a:t>
-            </a:r>
-            <a:r>
-              <a:rPr lang="en-US" dirty="0" err="1"/>
-              <a:t>Cammack</a:t>
-            </a:r>
-            <a:r>
-              <a:rPr lang="en-US" dirty="0"/>
-              <a:t>, Associate Professor of Geography</a:t>
-            </a:r>
-          </a:p>
-          <a:p>
-            <a:r>
-              <a:rPr lang="en-US" dirty="0"/>
-              <a:t>        -Dr. Brian Ricks, Associate Professor of Computer Science</a:t>
-            </a:r>
-          </a:p>
-          <a:p>
-            <a:r>
-              <a:rPr lang="en-US" dirty="0"/>
-              <a:t>    -They will decide if my project can move forward where I would implement it over the summer or if changes need to be made before that can happen</a:t>
-            </a:r>
-          </a:p>
-          <a:p>
-            <a:r>
-              <a:rPr lang="en-US" dirty="0"/>
-              <a:t>-This presentation will be:</a:t>
-            </a:r>
-          </a:p>
-          <a:p>
-            <a:r>
-              <a:rPr lang="en-US" dirty="0"/>
-              <a:t>    -me creating some context around what my project is and why it is important</a:t>
-            </a:r>
-          </a:p>
-          <a:p>
-            <a:r>
-              <a:rPr lang="en-US" dirty="0"/>
-              <a:t>    -then I'm going to talk about some related work already out there that is similar to what I want to do</a:t>
-            </a:r>
-          </a:p>
-          <a:p>
-            <a:r>
-              <a:rPr lang="en-US" dirty="0"/>
-              <a:t>    -finally I will go in depth on what my project actually is and how I will build it as well as why</a:t>
-            </a:r>
-          </a:p>
-          <a:p>
             <a:endParaRPr lang="en-US" dirty="0"/>
+          </a:p>
+          <a:p>
+            <a:r>
+              <a:rPr lang="en-US" dirty="0"/>
+              <a:t>-I'll start this presentation with a refresher on what my project proposal was and why it is important</a:t>
+            </a:r>
+          </a:p>
+          <a:p>
+            <a:r>
+              <a:rPr lang="en-US" dirty="0"/>
+              <a:t>-You might remember some of the content here from my initial presentation</a:t>
+            </a:r>
+          </a:p>
+          <a:p>
+            <a:endParaRPr lang="en-US" dirty="0"/>
+          </a:p>
+          <a:p>
+            <a:r>
+              <a:rPr lang="en-US" dirty="0"/>
+              <a:t>-Then I will do a demo of my finished project to show you what I ended up building</a:t>
+            </a:r>
+          </a:p>
+          <a:p>
+            <a:endParaRPr lang="en-US" dirty="0"/>
+          </a:p>
+          <a:p>
+            <a:r>
+              <a:rPr lang="en-US" dirty="0"/>
+              <a:t>-Next I will get into how I built my project and the resources I used</a:t>
+            </a:r>
+          </a:p>
+          <a:p>
+            <a:endParaRPr lang="en-US" dirty="0"/>
+          </a:p>
+          <a:p>
+            <a:r>
+              <a:rPr lang="en-US" dirty="0"/>
+              <a:t>-I will discuss challenges I faced while implementing my project</a:t>
+            </a:r>
+          </a:p>
+          <a:p>
+            <a:endParaRPr lang="en-US" dirty="0"/>
+          </a:p>
+          <a:p>
+            <a:r>
+              <a:rPr lang="en-US" dirty="0"/>
+              <a:t>-Then I will discuss current limitations and opportunities for future work</a:t>
+            </a:r>
+          </a:p>
+          <a:p>
+            <a:endParaRPr lang="en-US" dirty="0"/>
+          </a:p>
+          <a:p>
+            <a:r>
+              <a:rPr lang="en-US" dirty="0"/>
+              <a:t>-Finally I will wrap things up by summarizing what I accomplished</a:t>
+            </a:r>
           </a:p>
         </p:txBody>
       </p:sp>
@@ -716,7 +687,7 @@
           <a:p>
             <a:r>
               <a:rPr lang="en-US" dirty="0"/>
-              <a:t>-Before I open it up to everyone for questions I would actually like to discuss 2 questions I received from Dr Ricks on my graduate committee because they’re really good questions</a:t>
+              <a:t>-Now I'd like to talk a little bit about some challenges I ran into while implementing the tool</a:t>
             </a:r>
           </a:p>
           <a:p>
@@ -725,7 +696,7 @@
           <a:p>
             <a:r>
               <a:rPr lang="en-US" dirty="0"/>
-              <a:t>-'If researchers have found that the relationship between weather and COVID spread is low, what do you think the middle school students will conclude?’</a:t>
+              <a:t>-for the most part, there were not any major hurdles that popped up. Just normal software development stuff, dealing with random errors and things like that. Things taking a lot longer to implement than I thought.</a:t>
             </a:r>
           </a:p>
           <a:p>
@@ -734,19 +705,7 @@
           <a:p>
             <a:r>
               <a:rPr lang="en-US" dirty="0"/>
-              <a:t>-My project is not really about what a user might find</a:t>
-            </a:r>
-          </a:p>
-          <a:p>
-            <a:r>
-              <a:rPr lang="en-US" dirty="0"/>
-              <a:t>-The real purpose of building this tool is to enable a classroom activity that engages students by having them follow the scientific process and think critically</a:t>
-            </a:r>
-          </a:p>
-          <a:p>
-            <a:r>
-              <a:rPr lang="en-US" dirty="0"/>
-              <a:t>-We want the students to think critically about what they are seeing in this tool and more specifically what they are not seeing</a:t>
+              <a:t>-That leads me into my next challenge which was finding the time to work on it with my full time job. Often times I would write code all day at work and then come home and write code for a few more hours. This made for some long days and I am very happy to be finished, although this project was enjoyable to work on for the most part.</a:t>
             </a:r>
           </a:p>
           <a:p>
@@ -755,19 +714,13 @@
           <a:p>
             <a:r>
               <a:rPr lang="en-US" dirty="0"/>
-              <a:t>-It is very plausible that students could go to a county and see what they think is a strong correlation between weather and COVID-19 infection rates</a:t>
-            </a:r>
-          </a:p>
-          <a:p>
-            <a:r>
-              <a:rPr lang="en-US" dirty="0"/>
-              <a:t>-We want them to be challenged to think about what else could be causing this? What am I not seeing?</a:t>
-            </a:r>
-          </a:p>
-          <a:p>
-            <a:r>
-              <a:rPr lang="en-US" dirty="0"/>
-              <a:t>-For instance, what local policies were enacted in this county and when? What's the mobility index for this county across this date range?</a:t>
+              <a:t>-Since I had limited experience building things with Azure there was a little bit of a learning curve there while I was getting my services set up</a:t>
+            </a:r>
+          </a:p>
+          <a:p>
+            <a:r>
+              <a:rPr lang="en-US" dirty="0"/>
+              <a:t>-Azure has pretty good documentation and for a lot of stuff I was able to follow their simple tutorials online</a:t>
             </a:r>
           </a:p>
           <a:p>
@@ -776,68 +729,17 @@
           <a:p>
             <a:r>
               <a:rPr lang="en-US" dirty="0"/>
-              <a:t>-This same learning opportunity actually applies to adults as well</a:t>
-            </a:r>
-          </a:p>
-          <a:p>
-            <a:r>
-              <a:rPr lang="en-US" dirty="0"/>
-              <a:t>-How many data visualizations do we see in the news or on social media?</a:t>
-            </a:r>
-          </a:p>
-          <a:p>
-            <a:r>
-              <a:rPr lang="en-US" dirty="0"/>
-              <a:t>-Thinking critically about what those are showing you as well as what they’re not showing you is just as important for us adults as it is middle school students</a:t>
+              <a:t>-The toughest challenge for me personally throughout the project was knowing when to call things 'good enough'</a:t>
+            </a:r>
+          </a:p>
+          <a:p>
+            <a:r>
+              <a:rPr lang="en-US" dirty="0"/>
+              <a:t>-I did not have the time or resources to make everything perfect so I had to make conscious decisions to call my current implementation good enough so I could move onto the other things I needed to implement.</a:t>
             </a:r>
           </a:p>
           <a:p>
             <a:endParaRPr lang="en-US" dirty="0"/>
-          </a:p>
-          <a:p>
-            <a:r>
-              <a:rPr lang="en-US" dirty="0"/>
-              <a:t>-So in a way we're pushing a lot of responsibility outside of the tool because it allowed us to scope my project to a limited set of concerns, weather and COVID-19</a:t>
-            </a:r>
-          </a:p>
-          <a:p>
-            <a:r>
-              <a:rPr lang="en-US" dirty="0"/>
-              <a:t>-It would be nearly impossible to create a tool that truly explained COVID-19 infection rates because there’s an infinite number of variables to consider</a:t>
-            </a:r>
-          </a:p>
-          <a:p>
-            <a:endParaRPr lang="en-US" dirty="0"/>
-          </a:p>
-          <a:p>
-            <a:endParaRPr lang="en-US" dirty="0"/>
-          </a:p>
-          <a:p>
-            <a:endParaRPr lang="en-US" dirty="0"/>
-          </a:p>
-          <a:p>
-            <a:r>
-              <a:rPr lang="en-US" dirty="0"/>
-              <a:t>-'Do you have any thoughts about how to determine if the project accomplished the goal of student learning?’</a:t>
-            </a:r>
-          </a:p>
-          <a:p>
-            <a:r>
-              <a:rPr lang="en-US" dirty="0"/>
-              <a:t>-The right way to validate this tool would be through usability studies where we actually create a classroom activity and put it in front of real students in a classroom</a:t>
-            </a:r>
-          </a:p>
-          <a:p>
-            <a:r>
-              <a:rPr lang="en-US" dirty="0"/>
-              <a:t>-However, for the purposes of my capstone project and due to time constraints that will be out of scope</a:t>
-            </a:r>
-          </a:p>
-          <a:p>
-            <a:r>
-              <a:rPr lang="en-US" dirty="0"/>
-              <a:t>-My definition of success for this project will be if it is ready for usability testing in a real classroom context</a:t>
-            </a:r>
           </a:p>
         </p:txBody>
       </p:sp>
@@ -859,6 +761,354 @@
             <a:fld id="{30A9034F-20AE-4DE7-96BC-FDD871D2842E}" type="slidenum">
               <a:rPr lang="en-US" smtClean="0"/>
               <a:t>10</a:t>
+            </a:fld>
+            <a:endParaRPr lang="en-US"/>
+          </a:p>
+        </p:txBody>
+      </p:sp>
+    </p:spTree>
+    <p:extLst>
+      <p:ext uri="{BB962C8B-B14F-4D97-AF65-F5344CB8AC3E}">
+        <p14:creationId xmlns:p14="http://schemas.microsoft.com/office/powerpoint/2010/main" val="1090177569"/>
+      </p:ext>
+    </p:extLst>
+  </p:cSld>
+  <p:clrMapOvr>
+    <a:masterClrMapping/>
+  </p:clrMapOvr>
+</p:notes>
+</file>
+
+<file path=ppt/notesSlides/notesSlide11.xml><?xml version="1.0" encoding="utf-8"?>
+<p:notes xmlns:a="http://schemas.openxmlformats.org/drawingml/2006/main" xmlns:r="http://schemas.openxmlformats.org/officeDocument/2006/relationships" xmlns:p="http://schemas.openxmlformats.org/presentationml/2006/main">
+  <p:cSld>
+    <p:spTree>
+      <p:nvGrpSpPr>
+        <p:cNvPr id="1" name=""/>
+        <p:cNvGrpSpPr/>
+        <p:nvPr/>
+      </p:nvGrpSpPr>
+      <p:grpSpPr>
+        <a:xfrm>
+          <a:off x="0" y="0"/>
+          <a:ext cx="0" cy="0"/>
+          <a:chOff x="0" y="0"/>
+          <a:chExt cx="0" cy="0"/>
+        </a:xfrm>
+      </p:grpSpPr>
+      <p:sp>
+        <p:nvSpPr>
+          <p:cNvPr id="2" name="Slide Image Placeholder 1"/>
+          <p:cNvSpPr>
+            <a:spLocks noGrp="1" noRot="1" noChangeAspect="1"/>
+          </p:cNvSpPr>
+          <p:nvPr>
+            <p:ph type="sldImg"/>
+          </p:nvPr>
+        </p:nvSpPr>
+        <p:spPr/>
+      </p:sp>
+      <p:sp>
+        <p:nvSpPr>
+          <p:cNvPr id="3" name="Notes Placeholder 2"/>
+          <p:cNvSpPr>
+            <a:spLocks noGrp="1"/>
+          </p:cNvSpPr>
+          <p:nvPr>
+            <p:ph type="body" idx="1"/>
+          </p:nvPr>
+        </p:nvSpPr>
+        <p:spPr/>
+        <p:txBody>
+          <a:bodyPr/>
+          <a:lstStyle/>
+          <a:p>
+            <a:r>
+              <a:rPr lang="en-US" dirty="0"/>
+              <a:t>-My goal with this project was to build a visualization tool that could be leveraged in a classroom in order to allow students to participate in an open scientific debate related to weather’s role in the COVID-19 pandemic</a:t>
+            </a:r>
+          </a:p>
+          <a:p>
+            <a:r>
+              <a:rPr lang="en-US" dirty="0"/>
+              <a:t>-I have accomplished this goal</a:t>
+            </a:r>
+          </a:p>
+          <a:p>
+            <a:r>
+              <a:rPr lang="en-US" dirty="0"/>
+              <a:t>-I implemented all the user stories I had planned and for the most part my implementation matches the mockups I created.</a:t>
+            </a:r>
+          </a:p>
+          <a:p>
+            <a:endParaRPr lang="en-US" dirty="0"/>
+          </a:p>
+          <a:p>
+            <a:r>
+              <a:rPr lang="en-US" dirty="0"/>
+              <a:t>-I would like to thank all 3 of you for being a part of my graduate committee</a:t>
+            </a:r>
+          </a:p>
+          <a:p>
+            <a:r>
+              <a:rPr lang="en-US" dirty="0"/>
+              <a:t>-I really appreciate everyone's time and participation</a:t>
+            </a:r>
+          </a:p>
+          <a:p>
+            <a:endParaRPr lang="en-US" dirty="0"/>
+          </a:p>
+          <a:p>
+            <a:r>
+              <a:rPr lang="en-US" dirty="0"/>
+              <a:t>-I would also like to give special thanks to Dr Dorn who throughout this last year has been meeting with me a few times a month to help me develop the proposal for this project and answer all my questions</a:t>
+            </a:r>
+          </a:p>
+          <a:p>
+            <a:r>
+              <a:rPr lang="en-US" dirty="0"/>
+              <a:t>-He was a big help to me this last year</a:t>
+            </a:r>
+          </a:p>
+          <a:p>
+            <a:endParaRPr lang="en-US" dirty="0"/>
+          </a:p>
+          <a:p>
+            <a:r>
+              <a:rPr lang="en-US" dirty="0"/>
+              <a:t>-Now I would like to open it up to any questions anyone might have</a:t>
+            </a:r>
+          </a:p>
+          <a:p>
+            <a:endParaRPr lang="en-US" dirty="0"/>
+          </a:p>
+        </p:txBody>
+      </p:sp>
+      <p:sp>
+        <p:nvSpPr>
+          <p:cNvPr id="4" name="Slide Number Placeholder 3"/>
+          <p:cNvSpPr>
+            <a:spLocks noGrp="1"/>
+          </p:cNvSpPr>
+          <p:nvPr>
+            <p:ph type="sldNum" sz="quarter" idx="5"/>
+          </p:nvPr>
+        </p:nvSpPr>
+        <p:spPr/>
+        <p:txBody>
+          <a:bodyPr/>
+          <a:lstStyle/>
+          <a:p>
+            <a:fld id="{30A9034F-20AE-4DE7-96BC-FDD871D2842E}" type="slidenum">
+              <a:rPr lang="en-US" smtClean="0"/>
+              <a:t>11</a:t>
+            </a:fld>
+            <a:endParaRPr lang="en-US"/>
+          </a:p>
+        </p:txBody>
+      </p:sp>
+    </p:spTree>
+    <p:extLst>
+      <p:ext uri="{BB962C8B-B14F-4D97-AF65-F5344CB8AC3E}">
+        <p14:creationId xmlns:p14="http://schemas.microsoft.com/office/powerpoint/2010/main" val="3019385577"/>
+      </p:ext>
+    </p:extLst>
+  </p:cSld>
+  <p:clrMapOvr>
+    <a:masterClrMapping/>
+  </p:clrMapOvr>
+</p:notes>
+</file>
+
+<file path=ppt/notesSlides/notesSlide12.xml><?xml version="1.0" encoding="utf-8"?>
+<p:notes xmlns:a="http://schemas.openxmlformats.org/drawingml/2006/main" xmlns:r="http://schemas.openxmlformats.org/officeDocument/2006/relationships" xmlns:p="http://schemas.openxmlformats.org/presentationml/2006/main">
+  <p:cSld>
+    <p:spTree>
+      <p:nvGrpSpPr>
+        <p:cNvPr id="1" name=""/>
+        <p:cNvGrpSpPr/>
+        <p:nvPr/>
+      </p:nvGrpSpPr>
+      <p:grpSpPr>
+        <a:xfrm>
+          <a:off x="0" y="0"/>
+          <a:ext cx="0" cy="0"/>
+          <a:chOff x="0" y="0"/>
+          <a:chExt cx="0" cy="0"/>
+        </a:xfrm>
+      </p:grpSpPr>
+      <p:sp>
+        <p:nvSpPr>
+          <p:cNvPr id="2" name="Slide Image Placeholder 1"/>
+          <p:cNvSpPr>
+            <a:spLocks noGrp="1" noRot="1" noChangeAspect="1"/>
+          </p:cNvSpPr>
+          <p:nvPr>
+            <p:ph type="sldImg"/>
+          </p:nvPr>
+        </p:nvSpPr>
+        <p:spPr/>
+      </p:sp>
+      <p:sp>
+        <p:nvSpPr>
+          <p:cNvPr id="3" name="Notes Placeholder 2"/>
+          <p:cNvSpPr>
+            <a:spLocks noGrp="1"/>
+          </p:cNvSpPr>
+          <p:nvPr>
+            <p:ph type="body" idx="1"/>
+          </p:nvPr>
+        </p:nvSpPr>
+        <p:spPr/>
+        <p:txBody>
+          <a:bodyPr/>
+          <a:lstStyle/>
+          <a:p>
+            <a:r>
+              <a:rPr lang="en-US" dirty="0"/>
+              <a:t>-Before I open it up to everyone for questions I would actually like to discuss 2 questions I received from Dr Ricks on my graduate committee because they’re really good questions</a:t>
+            </a:r>
+          </a:p>
+          <a:p>
+            <a:endParaRPr lang="en-US" dirty="0"/>
+          </a:p>
+          <a:p>
+            <a:r>
+              <a:rPr lang="en-US" dirty="0"/>
+              <a:t>-'If researchers have found that the relationship between weather and COVID spread is low, what do you think the middle school students will conclude?’</a:t>
+            </a:r>
+          </a:p>
+          <a:p>
+            <a:endParaRPr lang="en-US" dirty="0"/>
+          </a:p>
+          <a:p>
+            <a:r>
+              <a:rPr lang="en-US" dirty="0"/>
+              <a:t>-My project is not really about what a user might find</a:t>
+            </a:r>
+          </a:p>
+          <a:p>
+            <a:r>
+              <a:rPr lang="en-US" dirty="0"/>
+              <a:t>-The real purpose of building this tool is to enable a classroom activity that engages students by having them follow the scientific process and think critically</a:t>
+            </a:r>
+          </a:p>
+          <a:p>
+            <a:r>
+              <a:rPr lang="en-US" dirty="0"/>
+              <a:t>-We want the students to think critically about what they are seeing in this tool and more specifically what they are not seeing</a:t>
+            </a:r>
+          </a:p>
+          <a:p>
+            <a:endParaRPr lang="en-US" dirty="0"/>
+          </a:p>
+          <a:p>
+            <a:r>
+              <a:rPr lang="en-US" dirty="0"/>
+              <a:t>-It is very plausible that students could go to a county and see what they think is a strong correlation between weather and COVID-19 infection rates</a:t>
+            </a:r>
+          </a:p>
+          <a:p>
+            <a:r>
+              <a:rPr lang="en-US" dirty="0"/>
+              <a:t>-We want them to be challenged to think about what else could be causing this? What am I not seeing?</a:t>
+            </a:r>
+          </a:p>
+          <a:p>
+            <a:r>
+              <a:rPr lang="en-US" dirty="0"/>
+              <a:t>-For instance, what local policies were enacted in this county and when? What's the mobility index for this county across this date range?</a:t>
+            </a:r>
+          </a:p>
+          <a:p>
+            <a:endParaRPr lang="en-US" dirty="0"/>
+          </a:p>
+          <a:p>
+            <a:r>
+              <a:rPr lang="en-US" dirty="0"/>
+              <a:t>-This same learning opportunity actually applies to adults as well</a:t>
+            </a:r>
+          </a:p>
+          <a:p>
+            <a:r>
+              <a:rPr lang="en-US" dirty="0"/>
+              <a:t>-How many data visualizations do we see in the news or on social media?</a:t>
+            </a:r>
+          </a:p>
+          <a:p>
+            <a:r>
+              <a:rPr lang="en-US" dirty="0"/>
+              <a:t>-Thinking critically about what those are showing you as well as what they’re not showing you is just as important for us adults as it is middle school students</a:t>
+            </a:r>
+          </a:p>
+          <a:p>
+            <a:endParaRPr lang="en-US" dirty="0"/>
+          </a:p>
+          <a:p>
+            <a:r>
+              <a:rPr lang="en-US" dirty="0"/>
+              <a:t>-So in a way we're pushing a lot of responsibility outside of the tool because it allowed us to scope my project to a limited set of concerns, weather and COVID-19</a:t>
+            </a:r>
+          </a:p>
+          <a:p>
+            <a:r>
+              <a:rPr lang="en-US" dirty="0"/>
+              <a:t>-It would be nearly impossible to create a tool that truly explained COVID-19 infection rates because there’s an infinite number of variables to consider</a:t>
+            </a:r>
+          </a:p>
+          <a:p>
+            <a:endParaRPr lang="en-US" dirty="0"/>
+          </a:p>
+          <a:p>
+            <a:endParaRPr lang="en-US" dirty="0"/>
+          </a:p>
+          <a:p>
+            <a:endParaRPr lang="en-US" dirty="0"/>
+          </a:p>
+          <a:p>
+            <a:r>
+              <a:rPr lang="en-US" dirty="0"/>
+              <a:t>-'Do you have any thoughts about how to determine if the project accomplished the goal of student learning?’</a:t>
+            </a:r>
+          </a:p>
+          <a:p>
+            <a:r>
+              <a:rPr lang="en-US" dirty="0"/>
+              <a:t>-The right way to validate this tool would be through usability studies where we actually create a classroom activity and put it in front of real students in a classroom</a:t>
+            </a:r>
+          </a:p>
+          <a:p>
+            <a:r>
+              <a:rPr lang="en-US" dirty="0"/>
+              <a:t>-However, for the purposes of my capstone project and due to time constraints that will be out of scope</a:t>
+            </a:r>
+          </a:p>
+          <a:p>
+            <a:r>
+              <a:rPr lang="en-US" dirty="0"/>
+              <a:t>-My definition of success for this project will be if it is ready for usability testing in a real classroom context</a:t>
+            </a:r>
+          </a:p>
+        </p:txBody>
+      </p:sp>
+      <p:sp>
+        <p:nvSpPr>
+          <p:cNvPr id="4" name="Slide Number Placeholder 3"/>
+          <p:cNvSpPr>
+            <a:spLocks noGrp="1"/>
+          </p:cNvSpPr>
+          <p:nvPr>
+            <p:ph type="sldNum" sz="quarter" idx="5"/>
+          </p:nvPr>
+        </p:nvSpPr>
+        <p:spPr/>
+        <p:txBody>
+          <a:bodyPr/>
+          <a:lstStyle/>
+          <a:p>
+            <a:fld id="{30A9034F-20AE-4DE7-96BC-FDD871D2842E}" type="slidenum">
+              <a:rPr lang="en-US" smtClean="0"/>
+              <a:t>12</a:t>
             </a:fld>
             <a:endParaRPr lang="en-US"/>
           </a:p>
@@ -2116,12 +2366,8 @@
           </a:p>
           <a:p>
             <a:r>
-              <a:rPr lang="en-US"/>
-              <a:t>-</a:t>
-            </a:r>
-            <a:r>
-              <a:rPr lang="en-US" dirty="0"/>
-              <a:t>Allowing users to see data from multiple counties would be a good next step</a:t>
+              <a:rPr lang="en-US" dirty="0"/>
+              <a:t>-Allowing users to see data from multiple counties would be a good next step</a:t>
             </a:r>
           </a:p>
         </p:txBody>
@@ -5961,6 +6207,214 @@
           <p:cNvPr id="2" name="Title 1">
             <a:extLst>
               <a:ext uri="{FF2B5EF4-FFF2-40B4-BE49-F238E27FC236}">
+                <a16:creationId xmlns:a16="http://schemas.microsoft.com/office/drawing/2014/main" id="{088E91A3-5F37-4B2E-A77E-7DA9F4E03BE7}"/>
+              </a:ext>
+            </a:extLst>
+          </p:cNvPr>
+          <p:cNvSpPr>
+            <a:spLocks noGrp="1"/>
+          </p:cNvSpPr>
+          <p:nvPr>
+            <p:ph type="title"/>
+          </p:nvPr>
+        </p:nvSpPr>
+        <p:spPr/>
+        <p:txBody>
+          <a:bodyPr/>
+          <a:lstStyle/>
+          <a:p>
+            <a:r>
+              <a:rPr lang="en-US" dirty="0"/>
+              <a:t>Challenges</a:t>
+            </a:r>
+          </a:p>
+        </p:txBody>
+      </p:sp>
+      <p:sp>
+        <p:nvSpPr>
+          <p:cNvPr id="3" name="Content Placeholder 2">
+            <a:extLst>
+              <a:ext uri="{FF2B5EF4-FFF2-40B4-BE49-F238E27FC236}">
+                <a16:creationId xmlns:a16="http://schemas.microsoft.com/office/drawing/2014/main" id="{80BF42FD-5FBB-4799-9EDA-C6EBE7892E59}"/>
+              </a:ext>
+            </a:extLst>
+          </p:cNvPr>
+          <p:cNvSpPr>
+            <a:spLocks noGrp="1"/>
+          </p:cNvSpPr>
+          <p:nvPr>
+            <p:ph idx="1"/>
+          </p:nvPr>
+        </p:nvSpPr>
+        <p:spPr/>
+        <p:txBody>
+          <a:bodyPr/>
+          <a:lstStyle/>
+          <a:p>
+            <a:pPr>
+              <a:buFont typeface="Arial" panose="020B0604020202020204" pitchFamily="34" charset="0"/>
+              <a:buChar char="•"/>
+            </a:pPr>
+            <a:r>
+              <a:rPr lang="en-US" dirty="0"/>
+              <a:t> Normal Software Development Stuff</a:t>
+            </a:r>
+          </a:p>
+          <a:p>
+            <a:pPr>
+              <a:buFont typeface="Arial" panose="020B0604020202020204" pitchFamily="34" charset="0"/>
+              <a:buChar char="•"/>
+            </a:pPr>
+            <a:r>
+              <a:rPr lang="en-US" dirty="0"/>
+              <a:t> Time Constraints</a:t>
+            </a:r>
+          </a:p>
+          <a:p>
+            <a:pPr>
+              <a:buFont typeface="Arial" panose="020B0604020202020204" pitchFamily="34" charset="0"/>
+              <a:buChar char="•"/>
+            </a:pPr>
+            <a:r>
+              <a:rPr lang="en-US" dirty="0"/>
+              <a:t> Azure Learning Curve</a:t>
+            </a:r>
+          </a:p>
+          <a:p>
+            <a:pPr>
+              <a:buFont typeface="Arial" panose="020B0604020202020204" pitchFamily="34" charset="0"/>
+              <a:buChar char="•"/>
+            </a:pPr>
+            <a:r>
+              <a:rPr lang="en-US" dirty="0"/>
+              <a:t> ‘Good Enough’</a:t>
+            </a:r>
+          </a:p>
+        </p:txBody>
+      </p:sp>
+    </p:spTree>
+    <p:extLst>
+      <p:ext uri="{BB962C8B-B14F-4D97-AF65-F5344CB8AC3E}">
+        <p14:creationId xmlns:p14="http://schemas.microsoft.com/office/powerpoint/2010/main" val="2539461265"/>
+      </p:ext>
+    </p:extLst>
+  </p:cSld>
+  <p:clrMapOvr>
+    <a:masterClrMapping/>
+  </p:clrMapOvr>
+</p:sld>
+</file>
+
+<file path=ppt/slides/slide11.xml><?xml version="1.0" encoding="utf-8"?>
+<p:sld xmlns:a="http://schemas.openxmlformats.org/drawingml/2006/main" xmlns:r="http://schemas.openxmlformats.org/officeDocument/2006/relationships" xmlns:p="http://schemas.openxmlformats.org/presentationml/2006/main">
+  <p:cSld>
+    <p:spTree>
+      <p:nvGrpSpPr>
+        <p:cNvPr id="1" name=""/>
+        <p:cNvGrpSpPr/>
+        <p:nvPr/>
+      </p:nvGrpSpPr>
+      <p:grpSpPr>
+        <a:xfrm>
+          <a:off x="0" y="0"/>
+          <a:ext cx="0" cy="0"/>
+          <a:chOff x="0" y="0"/>
+          <a:chExt cx="0" cy="0"/>
+        </a:xfrm>
+      </p:grpSpPr>
+      <p:sp>
+        <p:nvSpPr>
+          <p:cNvPr id="2" name="Title 1">
+            <a:extLst>
+              <a:ext uri="{FF2B5EF4-FFF2-40B4-BE49-F238E27FC236}">
+                <a16:creationId xmlns:a16="http://schemas.microsoft.com/office/drawing/2014/main" id="{088E91A3-5F37-4B2E-A77E-7DA9F4E03BE7}"/>
+              </a:ext>
+            </a:extLst>
+          </p:cNvPr>
+          <p:cNvSpPr>
+            <a:spLocks noGrp="1"/>
+          </p:cNvSpPr>
+          <p:nvPr>
+            <p:ph type="title"/>
+          </p:nvPr>
+        </p:nvSpPr>
+        <p:spPr/>
+        <p:txBody>
+          <a:bodyPr/>
+          <a:lstStyle/>
+          <a:p>
+            <a:r>
+              <a:rPr lang="en-US" dirty="0"/>
+              <a:t>Conclusion</a:t>
+            </a:r>
+          </a:p>
+        </p:txBody>
+      </p:sp>
+      <p:pic>
+        <p:nvPicPr>
+          <p:cNvPr id="5" name="Picture 4">
+            <a:extLst>
+              <a:ext uri="{FF2B5EF4-FFF2-40B4-BE49-F238E27FC236}">
+                <a16:creationId xmlns:a16="http://schemas.microsoft.com/office/drawing/2014/main" id="{BB83C002-EE3A-4B9C-8C2B-9A85F35CA393}"/>
+              </a:ext>
+            </a:extLst>
+          </p:cNvPr>
+          <p:cNvPicPr>
+            <a:picLocks noChangeAspect="1"/>
+          </p:cNvPicPr>
+          <p:nvPr/>
+        </p:nvPicPr>
+        <p:blipFill>
+          <a:blip r:embed="rId3"/>
+          <a:stretch>
+            <a:fillRect/>
+          </a:stretch>
+        </p:blipFill>
+        <p:spPr>
+          <a:xfrm>
+            <a:off x="2888368" y="1845735"/>
+            <a:ext cx="5657321" cy="4305278"/>
+          </a:xfrm>
+          <a:prstGeom prst="rect">
+            <a:avLst/>
+          </a:prstGeom>
+        </p:spPr>
+      </p:pic>
+    </p:spTree>
+    <p:extLst>
+      <p:ext uri="{BB962C8B-B14F-4D97-AF65-F5344CB8AC3E}">
+        <p14:creationId xmlns:p14="http://schemas.microsoft.com/office/powerpoint/2010/main" val="2668849593"/>
+      </p:ext>
+    </p:extLst>
+  </p:cSld>
+  <p:clrMapOvr>
+    <a:masterClrMapping/>
+  </p:clrMapOvr>
+</p:sld>
+</file>
+
+<file path=ppt/slides/slide12.xml><?xml version="1.0" encoding="utf-8"?>
+<p:sld xmlns:a="http://schemas.openxmlformats.org/drawingml/2006/main" xmlns:r="http://schemas.openxmlformats.org/officeDocument/2006/relationships" xmlns:p="http://schemas.openxmlformats.org/presentationml/2006/main">
+  <p:cSld>
+    <p:spTree>
+      <p:nvGrpSpPr>
+        <p:cNvPr id="1" name=""/>
+        <p:cNvGrpSpPr/>
+        <p:nvPr/>
+      </p:nvGrpSpPr>
+      <p:grpSpPr>
+        <a:xfrm>
+          <a:off x="0" y="0"/>
+          <a:ext cx="0" cy="0"/>
+          <a:chOff x="0" y="0"/>
+          <a:chExt cx="0" cy="0"/>
+        </a:xfrm>
+      </p:grpSpPr>
+      <p:sp>
+        <p:nvSpPr>
+          <p:cNvPr id="2" name="Title 1">
+            <a:extLst>
+              <a:ext uri="{FF2B5EF4-FFF2-40B4-BE49-F238E27FC236}">
                 <a16:creationId xmlns:a16="http://schemas.microsoft.com/office/drawing/2014/main" id="{82DD6E07-19C6-4FEB-A0A6-92AEBB5335B3}"/>
               </a:ext>
             </a:extLst>
@@ -6036,7 +6490,7 @@
 </p:sld>
 </file>
 
-<file path=ppt/slides/slide11.xml><?xml version="1.0" encoding="utf-8"?>
+<file path=ppt/slides/slide13.xml><?xml version="1.0" encoding="utf-8"?>
 <p:sld xmlns:a="http://schemas.openxmlformats.org/drawingml/2006/main" xmlns:r="http://schemas.openxmlformats.org/officeDocument/2006/relationships" xmlns:p="http://schemas.openxmlformats.org/presentationml/2006/main">
   <p:cSld>
     <p:spTree>

--- a/Capstone/Presentation/CapstoneProposal.pptx
+++ b/Capstone/Presentation/CapstoneProposal.pptx
@@ -209,7 +209,7 @@
           <a:p>
             <a:fld id="{E3E0BA67-A448-48BB-B2A0-49FE4C1E5D33}" type="datetimeFigureOut">
               <a:rPr lang="en-US" smtClean="0"/>
-              <a:t>7/24/2021</a:t>
+              <a:t>08/16/2021</a:t>
             </a:fld>
             <a:endParaRPr lang="en-US"/>
           </a:p>
@@ -534,13 +534,13 @@
           <a:p>
             <a:r>
               <a:rPr lang="en-US" dirty="0"/>
-              <a:t>    -Application Developer at FCSA for 2.5 years</a:t>
-            </a:r>
-          </a:p>
-          <a:p>
-            <a:r>
-              <a:rPr lang="en-US" dirty="0"/>
-              <a:t>    -Been working on my Masters in Computer Science from UNO since 2017, set to graduate this August</a:t>
+              <a:t>    -Application Developer here at FCSA for a little over 2.5 years</a:t>
+            </a:r>
+          </a:p>
+          <a:p>
+            <a:r>
+              <a:rPr lang="en-US" dirty="0"/>
+              <a:t>    -Been working on my Masters in Computer Science from UNO since 2017, and I completed it this last week</a:t>
             </a:r>
           </a:p>
           <a:p>
@@ -555,7 +555,7 @@
           <a:p>
             <a:r>
               <a:rPr lang="en-US" dirty="0"/>
-              <a:t>-You might remember some of the content here from my initial presentation</a:t>
+              <a:t>-You might remember some of the content here from my initial presentation last April</a:t>
             </a:r>
           </a:p>
           <a:p>
@@ -837,37 +837,7 @@
           <a:p>
             <a:r>
               <a:rPr lang="en-US" dirty="0"/>
-              <a:t>-I implemented all the user stories I had planned and for the most part my implementation matches the mockups I created.</a:t>
-            </a:r>
-          </a:p>
-          <a:p>
-            <a:endParaRPr lang="en-US" dirty="0"/>
-          </a:p>
-          <a:p>
-            <a:r>
-              <a:rPr lang="en-US" dirty="0"/>
-              <a:t>-I would like to thank all 3 of you for being a part of my graduate committee</a:t>
-            </a:r>
-          </a:p>
-          <a:p>
-            <a:r>
-              <a:rPr lang="en-US" dirty="0"/>
-              <a:t>-I really appreciate everyone's time and participation</a:t>
-            </a:r>
-          </a:p>
-          <a:p>
-            <a:endParaRPr lang="en-US" dirty="0"/>
-          </a:p>
-          <a:p>
-            <a:r>
-              <a:rPr lang="en-US" dirty="0"/>
-              <a:t>-I would also like to give special thanks to Dr Dorn who throughout this last year has been meeting with me a few times a month to help me develop the proposal for this project and answer all my questions</a:t>
-            </a:r>
-          </a:p>
-          <a:p>
-            <a:r>
-              <a:rPr lang="en-US" dirty="0"/>
-              <a:t>-He was a big help to me this last year</a:t>
+              <a:t>-I implemented all the user stories I had planned in addition to a few others and for the most part my implementation matches the mockups I created.</a:t>
             </a:r>
           </a:p>
           <a:p>
@@ -2307,10 +2277,109 @@
           <a:p>
             <a:r>
               <a:rPr lang="en-US" dirty="0"/>
+              <a:t>-Some questions that would be good to get answered with usability test include:</a:t>
+            </a:r>
+            <a:br>
+              <a:rPr lang="en-US" dirty="0"/>
+            </a:br>
+            <a:r>
+              <a:rPr lang="en-US" dirty="0"/>
+              <a:t>    -</a:t>
+            </a:r>
+            <a:r>
+              <a:rPr lang="en-US" sz="1800" dirty="0">
+                <a:effectLst/>
+                <a:latin typeface="Calibri" panose="020F0502020204030204" pitchFamily="34" charset="0"/>
+                <a:ea typeface="Calibri" panose="020F0502020204030204" pitchFamily="34" charset="0"/>
+                <a:cs typeface="Times New Roman" panose="02020603050405020304" pitchFamily="18" charset="0"/>
+              </a:rPr>
+              <a:t>Are students able to navigate the interface?</a:t>
+            </a:r>
+          </a:p>
+          <a:p>
+            <a:r>
+              <a:rPr lang="en-US" sz="1800" dirty="0">
+                <a:effectLst/>
+                <a:latin typeface="Calibri" panose="020F0502020204030204" pitchFamily="34" charset="0"/>
+                <a:cs typeface="Times New Roman" panose="02020603050405020304" pitchFamily="18" charset="0"/>
+              </a:rPr>
+              <a:t>    -</a:t>
+            </a:r>
+            <a:r>
+              <a:rPr lang="en-US" sz="1800" dirty="0">
+                <a:effectLst/>
+                <a:latin typeface="Calibri" panose="020F0502020204030204" pitchFamily="34" charset="0"/>
+                <a:ea typeface="Calibri" panose="020F0502020204030204" pitchFamily="34" charset="0"/>
+                <a:cs typeface="Times New Roman" panose="02020603050405020304" pitchFamily="18" charset="0"/>
+              </a:rPr>
+              <a:t>In what ways are students able to interact with the application in order to select different counties?</a:t>
+            </a:r>
+          </a:p>
+          <a:p>
+            <a:r>
+              <a:rPr lang="en-US" sz="1800" dirty="0">
+                <a:effectLst/>
+                <a:latin typeface="Calibri" panose="020F0502020204030204" pitchFamily="34" charset="0"/>
+                <a:cs typeface="Times New Roman" panose="02020603050405020304" pitchFamily="18" charset="0"/>
+              </a:rPr>
+              <a:t>    -</a:t>
+            </a:r>
+            <a:r>
+              <a:rPr lang="en-US" sz="1800" dirty="0">
+                <a:effectLst/>
+                <a:latin typeface="Calibri" panose="020F0502020204030204" pitchFamily="34" charset="0"/>
+                <a:ea typeface="Calibri" panose="020F0502020204030204" pitchFamily="34" charset="0"/>
+                <a:cs typeface="Times New Roman" panose="02020603050405020304" pitchFamily="18" charset="0"/>
+              </a:rPr>
+              <a:t>Do students pick up on the meaning of the Pearson correlation coefficient shown?</a:t>
+            </a:r>
+          </a:p>
+          <a:p>
+            <a:endParaRPr lang="en-US" dirty="0"/>
+          </a:p>
+          <a:p>
+            <a:r>
+              <a:rPr lang="en-US" dirty="0"/>
               <a:t>-An eye tracking study to see how people are reasoning about the data might be useful as well.</a:t>
             </a:r>
           </a:p>
           <a:p>
+            <a:r>
+              <a:rPr lang="en-US" dirty="0"/>
+              <a:t>-Some questions that would be good to get answered with an eye tracking study include:</a:t>
+            </a:r>
+          </a:p>
+          <a:p>
+            <a:r>
+              <a:rPr lang="en-US" dirty="0"/>
+              <a:t>    -</a:t>
+            </a:r>
+            <a:r>
+              <a:rPr lang="en-US" sz="1800" b="0" i="0" u="none" strike="noStrike" baseline="0" dirty="0">
+                <a:latin typeface="Times New Roman" panose="02020603050405020304" pitchFamily="18" charset="0"/>
+              </a:rPr>
+              <a:t>What are users looking at in the application?</a:t>
+            </a:r>
+          </a:p>
+          <a:p>
+            <a:r>
+              <a:rPr lang="en-US" sz="1800" b="0" i="0" u="none" strike="noStrike" baseline="0" dirty="0">
+                <a:latin typeface="Times New Roman" panose="02020603050405020304" pitchFamily="18" charset="0"/>
+              </a:rPr>
+              <a:t>    -</a:t>
+            </a:r>
+            <a:r>
+              <a:rPr lang="en-US" sz="1800" dirty="0">
+                <a:effectLst/>
+                <a:latin typeface="Calibri" panose="020F0502020204030204" pitchFamily="34" charset="0"/>
+                <a:ea typeface="Calibri" panose="020F0502020204030204" pitchFamily="34" charset="0"/>
+                <a:cs typeface="Times New Roman" panose="02020603050405020304" pitchFamily="18" charset="0"/>
+              </a:rPr>
+              <a:t>How do users visually parse the page?</a:t>
+            </a:r>
+            <a:br>
+              <a:rPr lang="en-US" dirty="0"/>
+            </a:br>
             <a:endParaRPr lang="en-US" dirty="0"/>
           </a:p>
           <a:p>
@@ -2634,7 +2703,7 @@
           <a:p>
             <a:fld id="{45824D65-BF5F-4DF8-9B0D-124440FA57C7}" type="datetimeFigureOut">
               <a:rPr lang="en-US" smtClean="0"/>
-              <a:t>7/24/2021</a:t>
+              <a:t>08/16/2021</a:t>
             </a:fld>
             <a:endParaRPr lang="en-US"/>
           </a:p>
@@ -2842,7 +2911,7 @@
           <a:p>
             <a:fld id="{45824D65-BF5F-4DF8-9B0D-124440FA57C7}" type="datetimeFigureOut">
               <a:rPr lang="en-US" smtClean="0"/>
-              <a:t>7/24/2021</a:t>
+              <a:t>08/16/2021</a:t>
             </a:fld>
             <a:endParaRPr lang="en-US"/>
           </a:p>
@@ -3098,7 +3167,7 @@
           <a:p>
             <a:fld id="{45824D65-BF5F-4DF8-9B0D-124440FA57C7}" type="datetimeFigureOut">
               <a:rPr lang="en-US" smtClean="0"/>
-              <a:t>7/24/2021</a:t>
+              <a:t>08/16/2021</a:t>
             </a:fld>
             <a:endParaRPr lang="en-US"/>
           </a:p>
@@ -3272,7 +3341,7 @@
           <a:p>
             <a:fld id="{45824D65-BF5F-4DF8-9B0D-124440FA57C7}" type="datetimeFigureOut">
               <a:rPr lang="en-US" smtClean="0"/>
-              <a:t>7/24/2021</a:t>
+              <a:t>08/16/2021</a:t>
             </a:fld>
             <a:endParaRPr lang="en-US"/>
           </a:p>
@@ -3615,7 +3684,7 @@
           <a:p>
             <a:fld id="{45824D65-BF5F-4DF8-9B0D-124440FA57C7}" type="datetimeFigureOut">
               <a:rPr lang="en-US" smtClean="0"/>
-              <a:t>7/24/2021</a:t>
+              <a:t>08/16/2021</a:t>
             </a:fld>
             <a:endParaRPr lang="en-US"/>
           </a:p>
@@ -3890,7 +3959,7 @@
           <a:p>
             <a:fld id="{45824D65-BF5F-4DF8-9B0D-124440FA57C7}" type="datetimeFigureOut">
               <a:rPr lang="en-US" smtClean="0"/>
-              <a:t>7/24/2021</a:t>
+              <a:t>08/16/2021</a:t>
             </a:fld>
             <a:endParaRPr lang="en-US"/>
           </a:p>
@@ -4269,7 +4338,7 @@
           <a:p>
             <a:fld id="{45824D65-BF5F-4DF8-9B0D-124440FA57C7}" type="datetimeFigureOut">
               <a:rPr lang="en-US" smtClean="0"/>
-              <a:t>7/24/2021</a:t>
+              <a:t>08/16/2021</a:t>
             </a:fld>
             <a:endParaRPr lang="en-US"/>
           </a:p>
@@ -4387,7 +4456,7 @@
           <a:p>
             <a:fld id="{45824D65-BF5F-4DF8-9B0D-124440FA57C7}" type="datetimeFigureOut">
               <a:rPr lang="en-US" smtClean="0"/>
-              <a:t>7/24/2021</a:t>
+              <a:t>08/16/2021</a:t>
             </a:fld>
             <a:endParaRPr lang="en-US"/>
           </a:p>
@@ -4558,7 +4627,7 @@
           <a:p>
             <a:fld id="{45824D65-BF5F-4DF8-9B0D-124440FA57C7}" type="datetimeFigureOut">
               <a:rPr lang="en-US" smtClean="0"/>
-              <a:t>7/24/2021</a:t>
+              <a:t>08/16/2021</a:t>
             </a:fld>
             <a:endParaRPr lang="en-US"/>
           </a:p>
@@ -4912,7 +4981,7 @@
           <a:p>
             <a:fld id="{45824D65-BF5F-4DF8-9B0D-124440FA57C7}" type="datetimeFigureOut">
               <a:rPr lang="en-US" smtClean="0"/>
-              <a:t>7/24/2021</a:t>
+              <a:t>08/16/2021</a:t>
             </a:fld>
             <a:endParaRPr lang="en-US"/>
           </a:p>
@@ -5294,7 +5363,7 @@
           <a:p>
             <a:fld id="{45824D65-BF5F-4DF8-9B0D-124440FA57C7}" type="datetimeFigureOut">
               <a:rPr lang="en-US" smtClean="0"/>
-              <a:t>7/24/2021</a:t>
+              <a:t>08/16/2021</a:t>
             </a:fld>
             <a:endParaRPr lang="en-US"/>
           </a:p>
@@ -5581,7 +5650,7 @@
           <a:p>
             <a:fld id="{45824D65-BF5F-4DF8-9B0D-124440FA57C7}" type="datetimeFigureOut">
               <a:rPr lang="en-US" smtClean="0"/>
-              <a:t>7/24/2021</a:t>
+              <a:t>08/16/2021</a:t>
             </a:fld>
             <a:endParaRPr lang="en-US"/>
           </a:p>
@@ -6162,13 +6231,8 @@
           <a:p>
             <a:r>
               <a:rPr lang="en-US" dirty="0"/>
-              <a:t>Master’s Capstone </a:t>
-            </a:r>
-            <a:r>
-              <a:rPr lang="en-US"/>
-              <a:t>Project Proposal</a:t>
-            </a:r>
-            <a:endParaRPr lang="en-US" dirty="0"/>
+              <a:t>Master’s Capstone Project</a:t>
+            </a:r>
           </a:p>
         </p:txBody>
       </p:sp>
@@ -6352,10 +6416,10 @@
       </p:sp>
       <p:pic>
         <p:nvPicPr>
-          <p:cNvPr id="5" name="Picture 4">
+          <p:cNvPr id="4" name="Picture 3">
             <a:extLst>
               <a:ext uri="{FF2B5EF4-FFF2-40B4-BE49-F238E27FC236}">
-                <a16:creationId xmlns:a16="http://schemas.microsoft.com/office/drawing/2014/main" id="{BB83C002-EE3A-4B9C-8C2B-9A85F35CA393}"/>
+                <a16:creationId xmlns:a16="http://schemas.microsoft.com/office/drawing/2014/main" id="{F04BABB3-98C2-4C58-B265-7F861DF5DD74}"/>
               </a:ext>
             </a:extLst>
           </p:cNvPr>
@@ -6372,8 +6436,8 @@
         </p:blipFill>
         <p:spPr>
           <a:xfrm>
-            <a:off x="2888368" y="1845735"/>
-            <a:ext cx="5657321" cy="4305278"/>
+            <a:off x="3394225" y="1951849"/>
+            <a:ext cx="5464510" cy="4244467"/>
           </a:xfrm>
           <a:prstGeom prst="rect">
             <a:avLst/>
